--- a/Sallary gap predictionfrom Project Demo.pptx
+++ b/Sallary gap predictionfrom Project Demo.pptx
@@ -113,7 +113,7 @@
   </p:defaultTextStyle>
   <p:extLst>
     <p:ext uri="{EFAFB233-063F-42B5-8137-9DF3F51BA10A}">
-      <p15:sldGuideLst xmlns:p15="http://schemas.microsoft.com/office/powerpoint/2012/main"/>
+      <p15:sldGuideLst xmlns:p15="http://schemas.microsoft.com/office/powerpoint/2012/main" xmlns=""/>
     </p:ext>
   </p:extLst>
 </p:presentation>
@@ -156,7 +156,7 @@
             <a:avLst/>
           </a:prstGeom>
           <a:blipFill dpi="0" rotWithShape="1">
-            <a:blip r:embed="rId2">
+            <a:blip r:embed="rId2" cstate="print">
               <a:alphaModFix amt="45000"/>
               <a:duotone>
                 <a:schemeClr val="accent1">
@@ -581,6 +581,7 @@
           <a:p>
             <a:fld id="{DCCFA427-BB50-4F8D-8FC4-B0EA0BA5795C}" type="datetimeFigureOut">
               <a:rPr lang="en-US" smtClean="0"/>
+              <a:pPr/>
               <a:t>12/5/2016</a:t>
             </a:fld>
             <a:endParaRPr lang="en-US"/>
@@ -655,6 +656,7 @@
           <a:p>
             <a:fld id="{7992E1F9-4F47-4E28-98B1-B5BC2AC5DF2F}" type="slidenum">
               <a:rPr lang="en-US" smtClean="0"/>
+              <a:pPr/>
               <a:t>‹#›</a:t>
             </a:fld>
             <a:endParaRPr lang="en-US"/>
@@ -664,7 +666,7 @@
     </p:spTree>
     <p:extLst>
       <p:ext uri="{BB962C8B-B14F-4D97-AF65-F5344CB8AC3E}">
-        <p14:creationId xmlns:p14="http://schemas.microsoft.com/office/powerpoint/2010/main" val="254611623"/>
+        <p14:creationId xmlns:p14="http://schemas.microsoft.com/office/powerpoint/2010/main" xmlns="" val="254611623"/>
       </p:ext>
     </p:extLst>
   </p:cSld>
@@ -783,6 +785,7 @@
           <a:p>
             <a:fld id="{DCCFA427-BB50-4F8D-8FC4-B0EA0BA5795C}" type="datetimeFigureOut">
               <a:rPr lang="en-US" smtClean="0"/>
+              <a:pPr/>
               <a:t>12/5/2016</a:t>
             </a:fld>
             <a:endParaRPr lang="en-US"/>
@@ -825,6 +828,7 @@
           <a:p>
             <a:fld id="{7992E1F9-4F47-4E28-98B1-B5BC2AC5DF2F}" type="slidenum">
               <a:rPr lang="en-US" smtClean="0"/>
+              <a:pPr/>
               <a:t>‹#›</a:t>
             </a:fld>
             <a:endParaRPr lang="en-US"/>
@@ -834,7 +838,7 @@
     </p:spTree>
     <p:extLst>
       <p:ext uri="{BB962C8B-B14F-4D97-AF65-F5344CB8AC3E}">
-        <p14:creationId xmlns:p14="http://schemas.microsoft.com/office/powerpoint/2010/main" val="2716736531"/>
+        <p14:creationId xmlns:p14="http://schemas.microsoft.com/office/powerpoint/2010/main" xmlns="" val="2716736531"/>
       </p:ext>
     </p:extLst>
   </p:cSld>
@@ -963,6 +967,7 @@
           <a:p>
             <a:fld id="{DCCFA427-BB50-4F8D-8FC4-B0EA0BA5795C}" type="datetimeFigureOut">
               <a:rPr lang="en-US" smtClean="0"/>
+              <a:pPr/>
               <a:t>12/5/2016</a:t>
             </a:fld>
             <a:endParaRPr lang="en-US"/>
@@ -1005,6 +1010,7 @@
           <a:p>
             <a:fld id="{7992E1F9-4F47-4E28-98B1-B5BC2AC5DF2F}" type="slidenum">
               <a:rPr lang="en-US" smtClean="0"/>
+              <a:pPr/>
               <a:t>‹#›</a:t>
             </a:fld>
             <a:endParaRPr lang="en-US"/>
@@ -1014,7 +1020,7 @@
     </p:spTree>
     <p:extLst>
       <p:ext uri="{BB962C8B-B14F-4D97-AF65-F5344CB8AC3E}">
-        <p14:creationId xmlns:p14="http://schemas.microsoft.com/office/powerpoint/2010/main" val="2604561829"/>
+        <p14:creationId xmlns:p14="http://schemas.microsoft.com/office/powerpoint/2010/main" xmlns="" val="2604561829"/>
       </p:ext>
     </p:extLst>
   </p:cSld>
@@ -1133,6 +1139,7 @@
           <a:p>
             <a:fld id="{DCCFA427-BB50-4F8D-8FC4-B0EA0BA5795C}" type="datetimeFigureOut">
               <a:rPr lang="en-US" smtClean="0"/>
+              <a:pPr/>
               <a:t>12/5/2016</a:t>
             </a:fld>
             <a:endParaRPr lang="en-US"/>
@@ -1175,6 +1182,7 @@
           <a:p>
             <a:fld id="{7992E1F9-4F47-4E28-98B1-B5BC2AC5DF2F}" type="slidenum">
               <a:rPr lang="en-US" smtClean="0"/>
+              <a:pPr/>
               <a:t>‹#›</a:t>
             </a:fld>
             <a:endParaRPr lang="en-US"/>
@@ -1184,7 +1192,7 @@
     </p:spTree>
     <p:extLst>
       <p:ext uri="{BB962C8B-B14F-4D97-AF65-F5344CB8AC3E}">
-        <p14:creationId xmlns:p14="http://schemas.microsoft.com/office/powerpoint/2010/main" val="2263785529"/>
+        <p14:creationId xmlns:p14="http://schemas.microsoft.com/office/powerpoint/2010/main" xmlns="" val="2263785529"/>
       </p:ext>
     </p:extLst>
   </p:cSld>
@@ -1231,7 +1239,7 @@
             <a:avLst/>
           </a:prstGeom>
           <a:blipFill dpi="0" rotWithShape="1">
-            <a:blip r:embed="rId2">
+            <a:blip r:embed="rId2" cstate="print">
               <a:alphaModFix amt="45000"/>
               <a:duotone>
                 <a:schemeClr val="accent2">
@@ -1704,6 +1712,7 @@
           <a:p>
             <a:fld id="{DCCFA427-BB50-4F8D-8FC4-B0EA0BA5795C}" type="datetimeFigureOut">
               <a:rPr lang="en-US" smtClean="0"/>
+              <a:pPr/>
               <a:t>12/5/2016</a:t>
             </a:fld>
             <a:endParaRPr lang="en-US"/>
@@ -1760,6 +1769,7 @@
           <a:p>
             <a:fld id="{7992E1F9-4F47-4E28-98B1-B5BC2AC5DF2F}" type="slidenum">
               <a:rPr lang="en-US" smtClean="0"/>
+              <a:pPr/>
               <a:t>‹#›</a:t>
             </a:fld>
             <a:endParaRPr lang="en-US"/>
@@ -1769,7 +1779,7 @@
     </p:spTree>
     <p:extLst>
       <p:ext uri="{BB962C8B-B14F-4D97-AF65-F5344CB8AC3E}">
-        <p14:creationId xmlns:p14="http://schemas.microsoft.com/office/powerpoint/2010/main" val="1591096940"/>
+        <p14:creationId xmlns:p14="http://schemas.microsoft.com/office/powerpoint/2010/main" xmlns="" val="1591096940"/>
       </p:ext>
     </p:extLst>
   </p:cSld>
@@ -2006,6 +2016,7 @@
           <a:p>
             <a:fld id="{DCCFA427-BB50-4F8D-8FC4-B0EA0BA5795C}" type="datetimeFigureOut">
               <a:rPr lang="en-US" smtClean="0"/>
+              <a:pPr/>
               <a:t>12/5/2016</a:t>
             </a:fld>
             <a:endParaRPr lang="en-US"/>
@@ -2048,6 +2059,7 @@
           <a:p>
             <a:fld id="{7992E1F9-4F47-4E28-98B1-B5BC2AC5DF2F}" type="slidenum">
               <a:rPr lang="en-US" smtClean="0"/>
+              <a:pPr/>
               <a:t>‹#›</a:t>
             </a:fld>
             <a:endParaRPr lang="en-US"/>
@@ -2057,7 +2069,7 @@
     </p:spTree>
     <p:extLst>
       <p:ext uri="{BB962C8B-B14F-4D97-AF65-F5344CB8AC3E}">
-        <p14:creationId xmlns:p14="http://schemas.microsoft.com/office/powerpoint/2010/main" val="4104223766"/>
+        <p14:creationId xmlns:p14="http://schemas.microsoft.com/office/powerpoint/2010/main" xmlns="" val="4104223766"/>
       </p:ext>
     </p:extLst>
   </p:cSld>
@@ -2443,6 +2455,7 @@
           <a:p>
             <a:fld id="{DCCFA427-BB50-4F8D-8FC4-B0EA0BA5795C}" type="datetimeFigureOut">
               <a:rPr lang="en-US" smtClean="0"/>
+              <a:pPr/>
               <a:t>12/5/2016</a:t>
             </a:fld>
             <a:endParaRPr lang="en-US"/>
@@ -2485,6 +2498,7 @@
           <a:p>
             <a:fld id="{7992E1F9-4F47-4E28-98B1-B5BC2AC5DF2F}" type="slidenum">
               <a:rPr lang="en-US" smtClean="0"/>
+              <a:pPr/>
               <a:t>‹#›</a:t>
             </a:fld>
             <a:endParaRPr lang="en-US"/>
@@ -2494,7 +2508,7 @@
     </p:spTree>
     <p:extLst>
       <p:ext uri="{BB962C8B-B14F-4D97-AF65-F5344CB8AC3E}">
-        <p14:creationId xmlns:p14="http://schemas.microsoft.com/office/powerpoint/2010/main" val="2670169739"/>
+        <p14:creationId xmlns:p14="http://schemas.microsoft.com/office/powerpoint/2010/main" xmlns="" val="2670169739"/>
       </p:ext>
     </p:extLst>
   </p:cSld>
@@ -2561,6 +2575,7 @@
           <a:p>
             <a:fld id="{DCCFA427-BB50-4F8D-8FC4-B0EA0BA5795C}" type="datetimeFigureOut">
               <a:rPr lang="en-US" smtClean="0"/>
+              <a:pPr/>
               <a:t>12/5/2016</a:t>
             </a:fld>
             <a:endParaRPr lang="en-US"/>
@@ -2603,6 +2618,7 @@
           <a:p>
             <a:fld id="{7992E1F9-4F47-4E28-98B1-B5BC2AC5DF2F}" type="slidenum">
               <a:rPr lang="en-US" smtClean="0"/>
+              <a:pPr/>
               <a:t>‹#›</a:t>
             </a:fld>
             <a:endParaRPr lang="en-US"/>
@@ -2612,7 +2628,7 @@
     </p:spTree>
     <p:extLst>
       <p:ext uri="{BB962C8B-B14F-4D97-AF65-F5344CB8AC3E}">
-        <p14:creationId xmlns:p14="http://schemas.microsoft.com/office/powerpoint/2010/main" val="1477665264"/>
+        <p14:creationId xmlns:p14="http://schemas.microsoft.com/office/powerpoint/2010/main" xmlns="" val="1477665264"/>
       </p:ext>
     </p:extLst>
   </p:cSld>
@@ -2656,6 +2672,7 @@
           <a:p>
             <a:fld id="{DCCFA427-BB50-4F8D-8FC4-B0EA0BA5795C}" type="datetimeFigureOut">
               <a:rPr lang="en-US" smtClean="0"/>
+              <a:pPr/>
               <a:t>12/5/2016</a:t>
             </a:fld>
             <a:endParaRPr lang="en-US"/>
@@ -2698,6 +2715,7 @@
           <a:p>
             <a:fld id="{7992E1F9-4F47-4E28-98B1-B5BC2AC5DF2F}" type="slidenum">
               <a:rPr lang="en-US" smtClean="0"/>
+              <a:pPr/>
               <a:t>‹#›</a:t>
             </a:fld>
             <a:endParaRPr lang="en-US"/>
@@ -2707,7 +2725,7 @@
     </p:spTree>
     <p:extLst>
       <p:ext uri="{BB962C8B-B14F-4D97-AF65-F5344CB8AC3E}">
-        <p14:creationId xmlns:p14="http://schemas.microsoft.com/office/powerpoint/2010/main" val="2711781868"/>
+        <p14:creationId xmlns:p14="http://schemas.microsoft.com/office/powerpoint/2010/main" xmlns="" val="2711781868"/>
       </p:ext>
     </p:extLst>
   </p:cSld>
@@ -3038,6 +3056,7 @@
           <a:p>
             <a:fld id="{DCCFA427-BB50-4F8D-8FC4-B0EA0BA5795C}" type="datetimeFigureOut">
               <a:rPr lang="en-US" smtClean="0"/>
+              <a:pPr/>
               <a:t>12/5/2016</a:t>
             </a:fld>
             <a:endParaRPr lang="en-US"/>
@@ -3097,6 +3116,7 @@
           <a:p>
             <a:fld id="{7992E1F9-4F47-4E28-98B1-B5BC2AC5DF2F}" type="slidenum">
               <a:rPr lang="en-US" smtClean="0"/>
+              <a:pPr/>
               <a:t>‹#›</a:t>
             </a:fld>
             <a:endParaRPr lang="en-US"/>
@@ -3145,7 +3165,7 @@
     </p:spTree>
     <p:extLst>
       <p:ext uri="{BB962C8B-B14F-4D97-AF65-F5344CB8AC3E}">
-        <p14:creationId xmlns:p14="http://schemas.microsoft.com/office/powerpoint/2010/main" val="1977218180"/>
+        <p14:creationId xmlns:p14="http://schemas.microsoft.com/office/powerpoint/2010/main" xmlns="" val="1977218180"/>
       </p:ext>
     </p:extLst>
   </p:cSld>
@@ -3432,6 +3452,7 @@
           <a:p>
             <a:fld id="{DCCFA427-BB50-4F8D-8FC4-B0EA0BA5795C}" type="datetimeFigureOut">
               <a:rPr lang="en-US" smtClean="0"/>
+              <a:pPr/>
               <a:t>12/5/2016</a:t>
             </a:fld>
             <a:endParaRPr lang="en-US"/>
@@ -3505,6 +3526,7 @@
           <a:p>
             <a:fld id="{7992E1F9-4F47-4E28-98B1-B5BC2AC5DF2F}" type="slidenum">
               <a:rPr lang="en-US" smtClean="0"/>
+              <a:pPr/>
               <a:t>‹#›</a:t>
             </a:fld>
             <a:endParaRPr lang="en-US"/>
@@ -3553,7 +3575,7 @@
     </p:spTree>
     <p:extLst>
       <p:ext uri="{BB962C8B-B14F-4D97-AF65-F5344CB8AC3E}">
-        <p14:creationId xmlns:p14="http://schemas.microsoft.com/office/powerpoint/2010/main" val="2602728310"/>
+        <p14:creationId xmlns:p14="http://schemas.microsoft.com/office/powerpoint/2010/main" xmlns="" val="2602728310"/>
       </p:ext>
     </p:extLst>
   </p:cSld>
@@ -3745,6 +3767,7 @@
           <a:p>
             <a:fld id="{DCCFA427-BB50-4F8D-8FC4-B0EA0BA5795C}" type="datetimeFigureOut">
               <a:rPr lang="en-US" smtClean="0"/>
+              <a:pPr/>
               <a:t>12/5/2016</a:t>
             </a:fld>
             <a:endParaRPr lang="en-US"/>
@@ -3825,6 +3848,7 @@
           <a:p>
             <a:fld id="{7992E1F9-4F47-4E28-98B1-B5BC2AC5DF2F}" type="slidenum">
               <a:rPr lang="en-US" smtClean="0"/>
+              <a:pPr/>
               <a:t>‹#›</a:t>
             </a:fld>
             <a:endParaRPr lang="en-US"/>
@@ -3834,7 +3858,7 @@
     </p:spTree>
     <p:extLst>
       <p:ext uri="{BB962C8B-B14F-4D97-AF65-F5344CB8AC3E}">
-        <p14:creationId xmlns:p14="http://schemas.microsoft.com/office/powerpoint/2010/main" val="4097071133"/>
+        <p14:creationId xmlns:p14="http://schemas.microsoft.com/office/powerpoint/2010/main" xmlns="" val="4097071133"/>
       </p:ext>
     </p:extLst>
   </p:cSld>
@@ -4313,7 +4337,7 @@
     </p:spTree>
     <p:extLst>
       <p:ext uri="{BB962C8B-B14F-4D97-AF65-F5344CB8AC3E}">
-        <p14:creationId xmlns:p14="http://schemas.microsoft.com/office/powerpoint/2010/main" val="3364559204"/>
+        <p14:creationId xmlns:p14="http://schemas.microsoft.com/office/powerpoint/2010/main" xmlns="" val="3364559204"/>
       </p:ext>
     </p:extLst>
   </p:cSld>
@@ -4449,7 +4473,7 @@
     </p:spTree>
     <p:extLst>
       <p:ext uri="{BB962C8B-B14F-4D97-AF65-F5344CB8AC3E}">
-        <p14:creationId xmlns:p14="http://schemas.microsoft.com/office/powerpoint/2010/main" val="488657827"/>
+        <p14:creationId xmlns:p14="http://schemas.microsoft.com/office/powerpoint/2010/main" xmlns="" val="488657827"/>
       </p:ext>
     </p:extLst>
   </p:cSld>
@@ -4556,7 +4580,7 @@
     </p:spTree>
     <p:extLst>
       <p:ext uri="{BB962C8B-B14F-4D97-AF65-F5344CB8AC3E}">
-        <p14:creationId xmlns:p14="http://schemas.microsoft.com/office/powerpoint/2010/main" val="184644264"/>
+        <p14:creationId xmlns:p14="http://schemas.microsoft.com/office/powerpoint/2010/main" xmlns="" val="184644264"/>
       </p:ext>
     </p:extLst>
   </p:cSld>
@@ -4636,7 +4660,7 @@
     </p:spTree>
     <p:extLst>
       <p:ext uri="{BB962C8B-B14F-4D97-AF65-F5344CB8AC3E}">
-        <p14:creationId xmlns:p14="http://schemas.microsoft.com/office/powerpoint/2010/main" val="1136635159"/>
+        <p14:creationId xmlns:p14="http://schemas.microsoft.com/office/powerpoint/2010/main" xmlns="" val="1136635159"/>
       </p:ext>
     </p:extLst>
   </p:cSld>
@@ -4701,14 +4725,76 @@
           <a:bodyPr/>
           <a:lstStyle/>
           <a:p>
-            <a:endParaRPr lang="en-US"/>
+            <a:r>
+              <a:rPr lang="en-US" dirty="0" smtClean="0"/>
+              <a:t>Column arrangements (countries – flatten </a:t>
+            </a:r>
+            <a:r>
+              <a:rPr lang="en-US" dirty="0" err="1" smtClean="0"/>
+              <a:t>categorials</a:t>
+            </a:r>
+            <a:r>
+              <a:rPr lang="en-US" dirty="0" smtClean="0"/>
+              <a:t>, years – equal </a:t>
+            </a:r>
+            <a:r>
+              <a:rPr lang="en-US" dirty="0" err="1" smtClean="0"/>
+              <a:t>framents</a:t>
+            </a:r>
+            <a:r>
+              <a:rPr lang="en-US" dirty="0" smtClean="0"/>
+              <a:t>)</a:t>
+            </a:r>
+          </a:p>
+          <a:p>
+            <a:r>
+              <a:rPr lang="en-US" dirty="0" smtClean="0"/>
+              <a:t>Normalizing –  (Value-min(value)) / (max(value)-min(value))</a:t>
+            </a:r>
+          </a:p>
+          <a:p>
+            <a:r>
+              <a:rPr lang="en-US" dirty="0" smtClean="0"/>
+              <a:t>Missing values:</a:t>
+            </a:r>
+          </a:p>
+          <a:p>
+            <a:pPr lvl="1"/>
+            <a:r>
+              <a:rPr lang="en-US" dirty="0" smtClean="0"/>
+              <a:t>Too many!</a:t>
+            </a:r>
+          </a:p>
+          <a:p>
+            <a:pPr lvl="1"/>
+            <a:r>
+              <a:rPr lang="en-US" dirty="0" smtClean="0"/>
+              <a:t>First removing the sparse ones without mining context (under XXX percent)</a:t>
+            </a:r>
+          </a:p>
+          <a:p>
+            <a:pPr lvl="1"/>
+            <a:r>
+              <a:rPr lang="en-US" dirty="0" smtClean="0"/>
+              <a:t>First version:  median</a:t>
+            </a:r>
+          </a:p>
+          <a:p>
+            <a:pPr lvl="1"/>
+            <a:r>
+              <a:rPr lang="en-US" dirty="0" smtClean="0"/>
+              <a:t>Second version: finding similar countries with similar values </a:t>
+            </a:r>
+          </a:p>
+          <a:p>
+            <a:endParaRPr lang="en-US" dirty="0"/>
           </a:p>
         </p:txBody>
       </p:sp>
     </p:spTree>
     <p:extLst>
       <p:ext uri="{BB962C8B-B14F-4D97-AF65-F5344CB8AC3E}">
-        <p14:creationId xmlns:p14="http://schemas.microsoft.com/office/powerpoint/2010/main" val="3021417476"/>
+        <p14:creationId xmlns:p14="http://schemas.microsoft.com/office/powerpoint/2010/main" xmlns="" val="3021417476"/>
       </p:ext>
     </p:extLst>
   </p:cSld>
@@ -4758,43 +4844,53 @@
             </a:r>
             <a:r>
               <a:rPr lang="en-US" dirty="0" smtClean="0"/>
-              <a:t>problem </a:t>
-            </a:r>
+              <a:t>problem Product output</a:t>
+            </a:r>
+            <a:endParaRPr lang="en-US" dirty="0"/>
+          </a:p>
+        </p:txBody>
+      </p:sp>
+      <p:sp>
+        <p:nvSpPr>
+          <p:cNvPr id="3" name="Content Placeholder 2"/>
+          <p:cNvSpPr>
+            <a:spLocks noGrp="1"/>
+          </p:cNvSpPr>
+          <p:nvPr>
+            <p:ph idx="1"/>
+          </p:nvPr>
+        </p:nvSpPr>
+        <p:spPr/>
+        <p:txBody>
+          <a:bodyPr/>
+          <a:lstStyle/>
+          <a:p>
             <a:r>
               <a:rPr lang="en-US" dirty="0" smtClean="0"/>
-              <a:t>Product </a:t>
-            </a:r>
+              <a:t>Predicting average gender wage gap in the OECD</a:t>
+            </a:r>
+          </a:p>
+          <a:p>
             <a:r>
               <a:rPr lang="en-US" dirty="0" smtClean="0"/>
-              <a:t>output</a:t>
+              <a:t>Will calculate for each state and average them </a:t>
+            </a:r>
+            <a:r>
+              <a:rPr lang="en-US" dirty="0" err="1" smtClean="0"/>
+              <a:t>deterministicly</a:t>
+            </a:r>
+            <a:r>
+              <a:rPr lang="en-US" dirty="0" smtClean="0"/>
+              <a:t> (for unbiased estimates – immediate variance reduction)</a:t>
             </a:r>
             <a:endParaRPr lang="en-US" dirty="0"/>
-          </a:p>
-        </p:txBody>
-      </p:sp>
-      <p:sp>
-        <p:nvSpPr>
-          <p:cNvPr id="3" name="Content Placeholder 2"/>
-          <p:cNvSpPr>
-            <a:spLocks noGrp="1"/>
-          </p:cNvSpPr>
-          <p:nvPr>
-            <p:ph idx="1"/>
-          </p:nvPr>
-        </p:nvSpPr>
-        <p:spPr/>
-        <p:txBody>
-          <a:bodyPr/>
-          <a:lstStyle/>
-          <a:p>
-            <a:endParaRPr lang="en-US"/>
           </a:p>
         </p:txBody>
       </p:sp>
     </p:spTree>
     <p:extLst>
       <p:ext uri="{BB962C8B-B14F-4D97-AF65-F5344CB8AC3E}">
-        <p14:creationId xmlns:p14="http://schemas.microsoft.com/office/powerpoint/2010/main" val="2506240783"/>
+        <p14:creationId xmlns:p14="http://schemas.microsoft.com/office/powerpoint/2010/main" xmlns="" val="2506240783"/>
       </p:ext>
     </p:extLst>
   </p:cSld>
@@ -4859,14 +4955,18 @@
           <a:bodyPr/>
           <a:lstStyle/>
           <a:p>
-            <a:endParaRPr lang="en-US"/>
+            <a:r>
+              <a:rPr lang="en-US" dirty="0" smtClean="0"/>
+              <a:t>Missing Values!</a:t>
+            </a:r>
+            <a:endParaRPr lang="en-US" dirty="0"/>
           </a:p>
         </p:txBody>
       </p:sp>
     </p:spTree>
     <p:extLst>
       <p:ext uri="{BB962C8B-B14F-4D97-AF65-F5344CB8AC3E}">
-        <p14:creationId xmlns:p14="http://schemas.microsoft.com/office/powerpoint/2010/main" val="1864583965"/>
+        <p14:creationId xmlns:p14="http://schemas.microsoft.com/office/powerpoint/2010/main" xmlns="" val="1864583965"/>
       </p:ext>
     </p:extLst>
   </p:cSld>
@@ -4931,14 +5031,122 @@
           <a:bodyPr/>
           <a:lstStyle/>
           <a:p>
-            <a:endParaRPr lang="en-US"/>
-          </a:p>
-        </p:txBody>
-      </p:sp>
+            <a:r>
+              <a:rPr lang="en-US" dirty="0" smtClean="0"/>
+              <a:t>Business understanding, Data understanding – done</a:t>
+            </a:r>
+          </a:p>
+          <a:p>
+            <a:r>
+              <a:rPr lang="en-US" dirty="0" smtClean="0"/>
+              <a:t>Data </a:t>
+            </a:r>
+            <a:r>
+              <a:rPr lang="en-US" dirty="0" err="1" smtClean="0"/>
+              <a:t>preperation</a:t>
+            </a:r>
+            <a:r>
+              <a:rPr lang="en-US" dirty="0" smtClean="0"/>
+              <a:t> – as stated</a:t>
+            </a:r>
+          </a:p>
+          <a:p>
+            <a:r>
+              <a:rPr lang="en-US" dirty="0" smtClean="0"/>
+              <a:t>Modeling  and Evaluating</a:t>
+            </a:r>
+          </a:p>
+          <a:p>
+            <a:pPr lvl="1"/>
+            <a:r>
+              <a:rPr lang="en-US" dirty="0" smtClean="0"/>
+              <a:t>Step 1: simple linear regression. T-test based feature Removing (manually)?</a:t>
+            </a:r>
+          </a:p>
+          <a:p>
+            <a:pPr lvl="1"/>
+            <a:r>
+              <a:rPr lang="en-US" dirty="0" smtClean="0"/>
+              <a:t>Step 2: L1 regularization for feature </a:t>
+            </a:r>
+            <a:r>
+              <a:rPr lang="en-US" dirty="0" err="1" smtClean="0"/>
+              <a:t>selction</a:t>
+            </a:r>
+            <a:r>
+              <a:rPr lang="en-US" dirty="0" smtClean="0"/>
+              <a:t>(lambda by cross validation)</a:t>
+            </a:r>
+            <a:endParaRPr lang="en-US" dirty="0" smtClean="0"/>
+          </a:p>
+          <a:p>
+            <a:pPr lvl="1"/>
+            <a:r>
+              <a:rPr lang="en-US" dirty="0" smtClean="0"/>
+              <a:t>Step 3: data </a:t>
+            </a:r>
+            <a:r>
+              <a:rPr lang="en-US" dirty="0" err="1" smtClean="0"/>
+              <a:t>maninpulation</a:t>
+            </a:r>
+            <a:r>
+              <a:rPr lang="en-US" dirty="0" smtClean="0"/>
+              <a:t> status – </a:t>
+            </a:r>
+          </a:p>
+          <a:p>
+            <a:pPr lvl="2"/>
+            <a:r>
+              <a:rPr lang="en-US" dirty="0" smtClean="0"/>
+              <a:t>considering cross terms and different missing values system</a:t>
+            </a:r>
+            <a:endParaRPr lang="en-US" dirty="0"/>
+          </a:p>
+          <a:p>
+            <a:pPr lvl="1"/>
+            <a:r>
+              <a:rPr lang="en-US" dirty="0" smtClean="0"/>
+              <a:t>Step 4: considering usage of Random Forest or SVM</a:t>
+            </a:r>
+          </a:p>
+        </p:txBody>
+      </p:sp>
+      <p:pic>
+        <p:nvPicPr>
+          <p:cNvPr id="4" name="Picture 2"/>
+          <p:cNvPicPr>
+            <a:picLocks noChangeAspect="1" noChangeArrowheads="1"/>
+          </p:cNvPicPr>
+          <p:nvPr/>
+        </p:nvPicPr>
+        <p:blipFill>
+          <a:blip r:embed="rId2" cstate="print"/>
+          <a:srcRect/>
+          <a:stretch>
+            <a:fillRect/>
+          </a:stretch>
+        </p:blipFill>
+        <p:spPr bwMode="auto">
+          <a:xfrm>
+            <a:off x="9023472" y="4519749"/>
+            <a:ext cx="3168527" cy="2338251"/>
+          </a:xfrm>
+          <a:prstGeom prst="rect">
+            <a:avLst/>
+          </a:prstGeom>
+          <a:noFill/>
+          <a:ln w="9525">
+            <a:noFill/>
+            <a:miter lim="800000"/>
+            <a:headEnd/>
+            <a:tailEnd/>
+          </a:ln>
+        </p:spPr>
+      </p:pic>
     </p:spTree>
     <p:extLst>
       <p:ext uri="{BB962C8B-B14F-4D97-AF65-F5344CB8AC3E}">
-        <p14:creationId xmlns:p14="http://schemas.microsoft.com/office/powerpoint/2010/main" val="1364573028"/>
+        <p14:creationId xmlns:p14="http://schemas.microsoft.com/office/powerpoint/2010/main" xmlns="" val="1364573028"/>
       </p:ext>
     </p:extLst>
   </p:cSld>
@@ -4991,7 +5199,7 @@
     </a:clrScheme>
     <a:fontScheme name="Savon">
       <a:majorFont>
-        <a:latin typeface="Century Gothic" panose="020B0502020202020204"/>
+        <a:latin typeface="Century Gothic"/>
         <a:ea typeface=""/>
         <a:cs typeface=""/>
         <a:font script="Jpan" typeface="ＭＳ ゴシック"/>
@@ -5026,7 +5234,7 @@
         <a:font script="Geor" typeface="Sylfaen"/>
       </a:majorFont>
       <a:minorFont>
-        <a:latin typeface="Century Gothic" panose="020B0502020202020204"/>
+        <a:latin typeface="Century Gothic"/>
         <a:ea typeface=""/>
         <a:cs typeface=""/>
         <a:font script="Jpan" typeface="ＭＳ ゴシック"/>
@@ -5223,7 +5431,7 @@
   <a:extraClrSchemeLst/>
   <a:extLst>
     <a:ext uri="{05A4C25C-085E-4340-85A3-A5531E510DB2}">
-      <thm15:themeFamily xmlns:thm15="http://schemas.microsoft.com/office/thememl/2012/main" name="Savon" id="{1306E473-ED32-493B-A2D0-240A757EDD34}" vid="{C20BADFE-D095-436F-9677-9264042809F0}"/>
+      <thm15:themeFamily xmlns:thm15="http://schemas.microsoft.com/office/thememl/2012/main" xmlns="" name="Savon" id="{1306E473-ED32-493B-A2D0-240A757EDD34}" vid="{C20BADFE-D095-436F-9677-9264042809F0}"/>
     </a:ext>
   </a:extLst>
 </a:theme>

--- a/Sallary gap predictionfrom Project Demo.pptx
+++ b/Sallary gap predictionfrom Project Demo.pptx
@@ -113,7 +113,18 @@
   </p:defaultTextStyle>
   <p:extLst>
     <p:ext uri="{EFAFB233-063F-42B5-8137-9DF3F51BA10A}">
-      <p15:sldGuideLst xmlns:p15="http://schemas.microsoft.com/office/powerpoint/2012/main" xmlns=""/>
+      <p15:sldGuideLst xmlns:p15="http://schemas.microsoft.com/office/powerpoint/2012/main">
+        <p15:guide id="1" orient="horz" pos="2160">
+          <p15:clr>
+            <a:srgbClr val="A4A3A4"/>
+          </p15:clr>
+        </p15:guide>
+        <p15:guide id="2" pos="3840">
+          <p15:clr>
+            <a:srgbClr val="A4A3A4"/>
+          </p15:clr>
+        </p15:guide>
+      </p15:sldGuideLst>
     </p:ext>
   </p:extLst>
 </p:presentation>
@@ -469,7 +480,7 @@
           </a:lstStyle>
           <a:p>
             <a:r>
-              <a:rPr lang="en-US" smtClean="0"/>
+              <a:rPr lang="en-US"/>
               <a:t>Click to edit Master title style</a:t>
             </a:r>
             <a:endParaRPr lang="en-US" dirty="0"/>
@@ -543,7 +554,7 @@
           </a:lstStyle>
           <a:p>
             <a:r>
-              <a:rPr lang="en-US" smtClean="0"/>
+              <a:rPr lang="en-US"/>
               <a:t>Click to edit Master subtitle style</a:t>
             </a:r>
             <a:endParaRPr lang="en-US" dirty="0"/>
@@ -582,7 +593,7 @@
             <a:fld id="{DCCFA427-BB50-4F8D-8FC4-B0EA0BA5795C}" type="datetimeFigureOut">
               <a:rPr lang="en-US" smtClean="0"/>
               <a:pPr/>
-              <a:t>12/5/2016</a:t>
+              <a:t>07/12/2016</a:t>
             </a:fld>
             <a:endParaRPr lang="en-US"/>
           </a:p>
@@ -666,7 +677,7 @@
     </p:spTree>
     <p:extLst>
       <p:ext uri="{BB962C8B-B14F-4D97-AF65-F5344CB8AC3E}">
-        <p14:creationId xmlns:p14="http://schemas.microsoft.com/office/powerpoint/2010/main" xmlns="" val="254611623"/>
+        <p14:creationId xmlns:p14="http://schemas.microsoft.com/office/powerpoint/2010/main" val="254611623"/>
       </p:ext>
     </p:extLst>
   </p:cSld>
@@ -709,7 +720,7 @@
           <a:lstStyle/>
           <a:p>
             <a:r>
-              <a:rPr lang="en-US" smtClean="0"/>
+              <a:rPr lang="en-US"/>
               <a:t>Click to edit Master title style</a:t>
             </a:r>
             <a:endParaRPr lang="en-US" dirty="0"/>
@@ -733,35 +744,35 @@
           <a:p>
             <a:pPr lvl="0"/>
             <a:r>
-              <a:rPr lang="en-US" smtClean="0"/>
+              <a:rPr lang="en-US"/>
               <a:t>Click to edit Master text styles</a:t>
             </a:r>
           </a:p>
           <a:p>
             <a:pPr lvl="1"/>
             <a:r>
-              <a:rPr lang="en-US" smtClean="0"/>
+              <a:rPr lang="en-US"/>
               <a:t>Second level</a:t>
             </a:r>
           </a:p>
           <a:p>
             <a:pPr lvl="2"/>
             <a:r>
-              <a:rPr lang="en-US" smtClean="0"/>
+              <a:rPr lang="en-US"/>
               <a:t>Third level</a:t>
             </a:r>
           </a:p>
           <a:p>
             <a:pPr lvl="3"/>
             <a:r>
-              <a:rPr lang="en-US" smtClean="0"/>
+              <a:rPr lang="en-US"/>
               <a:t>Fourth level</a:t>
             </a:r>
           </a:p>
           <a:p>
             <a:pPr lvl="4"/>
             <a:r>
-              <a:rPr lang="en-US" smtClean="0"/>
+              <a:rPr lang="en-US"/>
               <a:t>Fifth level</a:t>
             </a:r>
             <a:endParaRPr lang="en-US" dirty="0"/>
@@ -786,7 +797,7 @@
             <a:fld id="{DCCFA427-BB50-4F8D-8FC4-B0EA0BA5795C}" type="datetimeFigureOut">
               <a:rPr lang="en-US" smtClean="0"/>
               <a:pPr/>
-              <a:t>12/5/2016</a:t>
+              <a:t>07/12/2016</a:t>
             </a:fld>
             <a:endParaRPr lang="en-US"/>
           </a:p>
@@ -838,7 +849,7 @@
     </p:spTree>
     <p:extLst>
       <p:ext uri="{BB962C8B-B14F-4D97-AF65-F5344CB8AC3E}">
-        <p14:creationId xmlns:p14="http://schemas.microsoft.com/office/powerpoint/2010/main" xmlns="" val="2716736531"/>
+        <p14:creationId xmlns:p14="http://schemas.microsoft.com/office/powerpoint/2010/main" val="2716736531"/>
       </p:ext>
     </p:extLst>
   </p:cSld>
@@ -886,7 +897,7 @@
           <a:lstStyle/>
           <a:p>
             <a:r>
-              <a:rPr lang="en-US" smtClean="0"/>
+              <a:rPr lang="en-US"/>
               <a:t>Click to edit Master title style</a:t>
             </a:r>
             <a:endParaRPr lang="en-US" dirty="0"/>
@@ -915,35 +926,35 @@
           <a:p>
             <a:pPr lvl="0"/>
             <a:r>
-              <a:rPr lang="en-US" smtClean="0"/>
+              <a:rPr lang="en-US"/>
               <a:t>Click to edit Master text styles</a:t>
             </a:r>
           </a:p>
           <a:p>
             <a:pPr lvl="1"/>
             <a:r>
-              <a:rPr lang="en-US" smtClean="0"/>
+              <a:rPr lang="en-US"/>
               <a:t>Second level</a:t>
             </a:r>
           </a:p>
           <a:p>
             <a:pPr lvl="2"/>
             <a:r>
-              <a:rPr lang="en-US" smtClean="0"/>
+              <a:rPr lang="en-US"/>
               <a:t>Third level</a:t>
             </a:r>
           </a:p>
           <a:p>
             <a:pPr lvl="3"/>
             <a:r>
-              <a:rPr lang="en-US" smtClean="0"/>
+              <a:rPr lang="en-US"/>
               <a:t>Fourth level</a:t>
             </a:r>
           </a:p>
           <a:p>
             <a:pPr lvl="4"/>
             <a:r>
-              <a:rPr lang="en-US" smtClean="0"/>
+              <a:rPr lang="en-US"/>
               <a:t>Fifth level</a:t>
             </a:r>
             <a:endParaRPr lang="en-US" dirty="0"/>
@@ -968,7 +979,7 @@
             <a:fld id="{DCCFA427-BB50-4F8D-8FC4-B0EA0BA5795C}" type="datetimeFigureOut">
               <a:rPr lang="en-US" smtClean="0"/>
               <a:pPr/>
-              <a:t>12/5/2016</a:t>
+              <a:t>07/12/2016</a:t>
             </a:fld>
             <a:endParaRPr lang="en-US"/>
           </a:p>
@@ -1020,7 +1031,7 @@
     </p:spTree>
     <p:extLst>
       <p:ext uri="{BB962C8B-B14F-4D97-AF65-F5344CB8AC3E}">
-        <p14:creationId xmlns:p14="http://schemas.microsoft.com/office/powerpoint/2010/main" xmlns="" val="2604561829"/>
+        <p14:creationId xmlns:p14="http://schemas.microsoft.com/office/powerpoint/2010/main" val="2604561829"/>
       </p:ext>
     </p:extLst>
   </p:cSld>
@@ -1063,7 +1074,7 @@
           <a:lstStyle/>
           <a:p>
             <a:r>
-              <a:rPr lang="en-US" smtClean="0"/>
+              <a:rPr lang="en-US"/>
               <a:t>Click to edit Master title style</a:t>
             </a:r>
             <a:endParaRPr lang="en-US" dirty="0"/>
@@ -1087,35 +1098,35 @@
           <a:p>
             <a:pPr lvl="0"/>
             <a:r>
-              <a:rPr lang="en-US" smtClean="0"/>
+              <a:rPr lang="en-US"/>
               <a:t>Click to edit Master text styles</a:t>
             </a:r>
           </a:p>
           <a:p>
             <a:pPr lvl="1"/>
             <a:r>
-              <a:rPr lang="en-US" smtClean="0"/>
+              <a:rPr lang="en-US"/>
               <a:t>Second level</a:t>
             </a:r>
           </a:p>
           <a:p>
             <a:pPr lvl="2"/>
             <a:r>
-              <a:rPr lang="en-US" smtClean="0"/>
+              <a:rPr lang="en-US"/>
               <a:t>Third level</a:t>
             </a:r>
           </a:p>
           <a:p>
             <a:pPr lvl="3"/>
             <a:r>
-              <a:rPr lang="en-US" smtClean="0"/>
+              <a:rPr lang="en-US"/>
               <a:t>Fourth level</a:t>
             </a:r>
           </a:p>
           <a:p>
             <a:pPr lvl="4"/>
             <a:r>
-              <a:rPr lang="en-US" smtClean="0"/>
+              <a:rPr lang="en-US"/>
               <a:t>Fifth level</a:t>
             </a:r>
             <a:endParaRPr lang="en-US" dirty="0"/>
@@ -1140,7 +1151,7 @@
             <a:fld id="{DCCFA427-BB50-4F8D-8FC4-B0EA0BA5795C}" type="datetimeFigureOut">
               <a:rPr lang="en-US" smtClean="0"/>
               <a:pPr/>
-              <a:t>12/5/2016</a:t>
+              <a:t>07/12/2016</a:t>
             </a:fld>
             <a:endParaRPr lang="en-US"/>
           </a:p>
@@ -1192,7 +1203,7 @@
     </p:spTree>
     <p:extLst>
       <p:ext uri="{BB962C8B-B14F-4D97-AF65-F5344CB8AC3E}">
-        <p14:creationId xmlns:p14="http://schemas.microsoft.com/office/powerpoint/2010/main" xmlns="" val="2263785529"/>
+        <p14:creationId xmlns:p14="http://schemas.microsoft.com/office/powerpoint/2010/main" val="2263785529"/>
       </p:ext>
     </p:extLst>
   </p:cSld>
@@ -1552,7 +1563,7 @@
           </a:lstStyle>
           <a:p>
             <a:r>
-              <a:rPr lang="en-US" smtClean="0"/>
+              <a:rPr lang="en-US"/>
               <a:t>Click to edit Master title style</a:t>
             </a:r>
             <a:endParaRPr lang="en-US" dirty="0"/>
@@ -1673,7 +1684,7 @@
           <a:p>
             <a:pPr lvl="0"/>
             <a:r>
-              <a:rPr lang="en-US" smtClean="0"/>
+              <a:rPr lang="en-US"/>
               <a:t>Click to edit Master text styles</a:t>
             </a:r>
           </a:p>
@@ -1713,7 +1724,7 @@
             <a:fld id="{DCCFA427-BB50-4F8D-8FC4-B0EA0BA5795C}" type="datetimeFigureOut">
               <a:rPr lang="en-US" smtClean="0"/>
               <a:pPr/>
-              <a:t>12/5/2016</a:t>
+              <a:t>07/12/2016</a:t>
             </a:fld>
             <a:endParaRPr lang="en-US"/>
           </a:p>
@@ -1779,7 +1790,7 @@
     </p:spTree>
     <p:extLst>
       <p:ext uri="{BB962C8B-B14F-4D97-AF65-F5344CB8AC3E}">
-        <p14:creationId xmlns:p14="http://schemas.microsoft.com/office/powerpoint/2010/main" xmlns="" val="1591096940"/>
+        <p14:creationId xmlns:p14="http://schemas.microsoft.com/office/powerpoint/2010/main" val="1591096940"/>
       </p:ext>
     </p:extLst>
   </p:cSld>
@@ -1822,7 +1833,7 @@
           <a:lstStyle/>
           <a:p>
             <a:r>
-              <a:rPr lang="en-US" smtClean="0"/>
+              <a:rPr lang="en-US"/>
               <a:t>Click to edit Master title style</a:t>
             </a:r>
             <a:endParaRPr lang="en-US" dirty="0"/>
@@ -1879,35 +1890,35 @@
           <a:p>
             <a:pPr lvl="0"/>
             <a:r>
-              <a:rPr lang="en-US" smtClean="0"/>
+              <a:rPr lang="en-US"/>
               <a:t>Click to edit Master text styles</a:t>
             </a:r>
           </a:p>
           <a:p>
             <a:pPr lvl="1"/>
             <a:r>
-              <a:rPr lang="en-US" smtClean="0"/>
+              <a:rPr lang="en-US"/>
               <a:t>Second level</a:t>
             </a:r>
           </a:p>
           <a:p>
             <a:pPr lvl="2"/>
             <a:r>
-              <a:rPr lang="en-US" smtClean="0"/>
+              <a:rPr lang="en-US"/>
               <a:t>Third level</a:t>
             </a:r>
           </a:p>
           <a:p>
             <a:pPr lvl="3"/>
             <a:r>
-              <a:rPr lang="en-US" smtClean="0"/>
+              <a:rPr lang="en-US"/>
               <a:t>Fourth level</a:t>
             </a:r>
           </a:p>
           <a:p>
             <a:pPr lvl="4"/>
             <a:r>
-              <a:rPr lang="en-US" smtClean="0"/>
+              <a:rPr lang="en-US"/>
               <a:t>Fifth level</a:t>
             </a:r>
             <a:endParaRPr lang="en-US" dirty="0"/>
@@ -1964,35 +1975,35 @@
           <a:p>
             <a:pPr lvl="0"/>
             <a:r>
-              <a:rPr lang="en-US" smtClean="0"/>
+              <a:rPr lang="en-US"/>
               <a:t>Click to edit Master text styles</a:t>
             </a:r>
           </a:p>
           <a:p>
             <a:pPr lvl="1"/>
             <a:r>
-              <a:rPr lang="en-US" smtClean="0"/>
+              <a:rPr lang="en-US"/>
               <a:t>Second level</a:t>
             </a:r>
           </a:p>
           <a:p>
             <a:pPr lvl="2"/>
             <a:r>
-              <a:rPr lang="en-US" smtClean="0"/>
+              <a:rPr lang="en-US"/>
               <a:t>Third level</a:t>
             </a:r>
           </a:p>
           <a:p>
             <a:pPr lvl="3"/>
             <a:r>
-              <a:rPr lang="en-US" smtClean="0"/>
+              <a:rPr lang="en-US"/>
               <a:t>Fourth level</a:t>
             </a:r>
           </a:p>
           <a:p>
             <a:pPr lvl="4"/>
             <a:r>
-              <a:rPr lang="en-US" smtClean="0"/>
+              <a:rPr lang="en-US"/>
               <a:t>Fifth level</a:t>
             </a:r>
             <a:endParaRPr lang="en-US" dirty="0"/>
@@ -2017,7 +2028,7 @@
             <a:fld id="{DCCFA427-BB50-4F8D-8FC4-B0EA0BA5795C}" type="datetimeFigureOut">
               <a:rPr lang="en-US" smtClean="0"/>
               <a:pPr/>
-              <a:t>12/5/2016</a:t>
+              <a:t>07/12/2016</a:t>
             </a:fld>
             <a:endParaRPr lang="en-US"/>
           </a:p>
@@ -2069,7 +2080,7 @@
     </p:spTree>
     <p:extLst>
       <p:ext uri="{BB962C8B-B14F-4D97-AF65-F5344CB8AC3E}">
-        <p14:creationId xmlns:p14="http://schemas.microsoft.com/office/powerpoint/2010/main" xmlns="" val="4104223766"/>
+        <p14:creationId xmlns:p14="http://schemas.microsoft.com/office/powerpoint/2010/main" val="4104223766"/>
       </p:ext>
     </p:extLst>
   </p:cSld>
@@ -2112,7 +2123,7 @@
           <a:lstStyle/>
           <a:p>
             <a:r>
-              <a:rPr lang="en-US" smtClean="0"/>
+              <a:rPr lang="en-US"/>
               <a:t>Click to edit Master title style</a:t>
             </a:r>
             <a:endParaRPr lang="en-US" dirty="0"/>
@@ -2188,7 +2199,7 @@
           <a:p>
             <a:pPr lvl="0"/>
             <a:r>
-              <a:rPr lang="en-US" smtClean="0"/>
+              <a:rPr lang="en-US"/>
               <a:t>Click to edit Master text styles</a:t>
             </a:r>
           </a:p>
@@ -2244,35 +2255,35 @@
           <a:p>
             <a:pPr lvl="0"/>
             <a:r>
-              <a:rPr lang="en-US" smtClean="0"/>
+              <a:rPr lang="en-US"/>
               <a:t>Click to edit Master text styles</a:t>
             </a:r>
           </a:p>
           <a:p>
             <a:pPr lvl="1"/>
             <a:r>
-              <a:rPr lang="en-US" smtClean="0"/>
+              <a:rPr lang="en-US"/>
               <a:t>Second level</a:t>
             </a:r>
           </a:p>
           <a:p>
             <a:pPr lvl="2"/>
             <a:r>
-              <a:rPr lang="en-US" smtClean="0"/>
+              <a:rPr lang="en-US"/>
               <a:t>Third level</a:t>
             </a:r>
           </a:p>
           <a:p>
             <a:pPr lvl="3"/>
             <a:r>
-              <a:rPr lang="en-US" smtClean="0"/>
+              <a:rPr lang="en-US"/>
               <a:t>Fourth level</a:t>
             </a:r>
           </a:p>
           <a:p>
             <a:pPr lvl="4"/>
             <a:r>
-              <a:rPr lang="en-US" smtClean="0"/>
+              <a:rPr lang="en-US"/>
               <a:t>Fifth level</a:t>
             </a:r>
             <a:endParaRPr lang="en-US" dirty="0"/>
@@ -2347,7 +2358,7 @@
           <a:p>
             <a:pPr lvl="0"/>
             <a:r>
-              <a:rPr lang="en-US" smtClean="0"/>
+              <a:rPr lang="en-US"/>
               <a:t>Click to edit Master text styles</a:t>
             </a:r>
           </a:p>
@@ -2403,35 +2414,35 @@
           <a:p>
             <a:pPr lvl="0"/>
             <a:r>
-              <a:rPr lang="en-US" smtClean="0"/>
+              <a:rPr lang="en-US"/>
               <a:t>Click to edit Master text styles</a:t>
             </a:r>
           </a:p>
           <a:p>
             <a:pPr lvl="1"/>
             <a:r>
-              <a:rPr lang="en-US" smtClean="0"/>
+              <a:rPr lang="en-US"/>
               <a:t>Second level</a:t>
             </a:r>
           </a:p>
           <a:p>
             <a:pPr lvl="2"/>
             <a:r>
-              <a:rPr lang="en-US" smtClean="0"/>
+              <a:rPr lang="en-US"/>
               <a:t>Third level</a:t>
             </a:r>
           </a:p>
           <a:p>
             <a:pPr lvl="3"/>
             <a:r>
-              <a:rPr lang="en-US" smtClean="0"/>
+              <a:rPr lang="en-US"/>
               <a:t>Fourth level</a:t>
             </a:r>
           </a:p>
           <a:p>
             <a:pPr lvl="4"/>
             <a:r>
-              <a:rPr lang="en-US" smtClean="0"/>
+              <a:rPr lang="en-US"/>
               <a:t>Fifth level</a:t>
             </a:r>
             <a:endParaRPr lang="en-US" dirty="0"/>
@@ -2456,7 +2467,7 @@
             <a:fld id="{DCCFA427-BB50-4F8D-8FC4-B0EA0BA5795C}" type="datetimeFigureOut">
               <a:rPr lang="en-US" smtClean="0"/>
               <a:pPr/>
-              <a:t>12/5/2016</a:t>
+              <a:t>07/12/2016</a:t>
             </a:fld>
             <a:endParaRPr lang="en-US"/>
           </a:p>
@@ -2508,7 +2519,7 @@
     </p:spTree>
     <p:extLst>
       <p:ext uri="{BB962C8B-B14F-4D97-AF65-F5344CB8AC3E}">
-        <p14:creationId xmlns:p14="http://schemas.microsoft.com/office/powerpoint/2010/main" xmlns="" val="2670169739"/>
+        <p14:creationId xmlns:p14="http://schemas.microsoft.com/office/powerpoint/2010/main" val="2670169739"/>
       </p:ext>
     </p:extLst>
   </p:cSld>
@@ -2551,7 +2562,7 @@
           <a:lstStyle/>
           <a:p>
             <a:r>
-              <a:rPr lang="en-US" smtClean="0"/>
+              <a:rPr lang="en-US"/>
               <a:t>Click to edit Master title style</a:t>
             </a:r>
             <a:endParaRPr lang="en-US" dirty="0"/>
@@ -2576,7 +2587,7 @@
             <a:fld id="{DCCFA427-BB50-4F8D-8FC4-B0EA0BA5795C}" type="datetimeFigureOut">
               <a:rPr lang="en-US" smtClean="0"/>
               <a:pPr/>
-              <a:t>12/5/2016</a:t>
+              <a:t>07/12/2016</a:t>
             </a:fld>
             <a:endParaRPr lang="en-US"/>
           </a:p>
@@ -2628,7 +2639,7 @@
     </p:spTree>
     <p:extLst>
       <p:ext uri="{BB962C8B-B14F-4D97-AF65-F5344CB8AC3E}">
-        <p14:creationId xmlns:p14="http://schemas.microsoft.com/office/powerpoint/2010/main" xmlns="" val="1477665264"/>
+        <p14:creationId xmlns:p14="http://schemas.microsoft.com/office/powerpoint/2010/main" val="1477665264"/>
       </p:ext>
     </p:extLst>
   </p:cSld>
@@ -2673,7 +2684,7 @@
             <a:fld id="{DCCFA427-BB50-4F8D-8FC4-B0EA0BA5795C}" type="datetimeFigureOut">
               <a:rPr lang="en-US" smtClean="0"/>
               <a:pPr/>
-              <a:t>12/5/2016</a:t>
+              <a:t>07/12/2016</a:t>
             </a:fld>
             <a:endParaRPr lang="en-US"/>
           </a:p>
@@ -2725,7 +2736,7 @@
     </p:spTree>
     <p:extLst>
       <p:ext uri="{BB962C8B-B14F-4D97-AF65-F5344CB8AC3E}">
-        <p14:creationId xmlns:p14="http://schemas.microsoft.com/office/powerpoint/2010/main" xmlns="" val="2711781868"/>
+        <p14:creationId xmlns:p14="http://schemas.microsoft.com/office/powerpoint/2010/main" val="2711781868"/>
       </p:ext>
     </p:extLst>
   </p:cSld>
@@ -2870,7 +2881,7 @@
           </a:lstStyle>
           <a:p>
             <a:r>
-              <a:rPr lang="en-US" smtClean="0"/>
+              <a:rPr lang="en-US"/>
               <a:t>Click to edit Master title style</a:t>
             </a:r>
             <a:endParaRPr lang="en-US" dirty="0"/>
@@ -2927,35 +2938,35 @@
           <a:p>
             <a:pPr lvl="0"/>
             <a:r>
-              <a:rPr lang="en-US" smtClean="0"/>
+              <a:rPr lang="en-US"/>
               <a:t>Click to edit Master text styles</a:t>
             </a:r>
           </a:p>
           <a:p>
             <a:pPr lvl="1"/>
             <a:r>
-              <a:rPr lang="en-US" smtClean="0"/>
+              <a:rPr lang="en-US"/>
               <a:t>Second level</a:t>
             </a:r>
           </a:p>
           <a:p>
             <a:pPr lvl="2"/>
             <a:r>
-              <a:rPr lang="en-US" smtClean="0"/>
+              <a:rPr lang="en-US"/>
               <a:t>Third level</a:t>
             </a:r>
           </a:p>
           <a:p>
             <a:pPr lvl="3"/>
             <a:r>
-              <a:rPr lang="en-US" smtClean="0"/>
+              <a:rPr lang="en-US"/>
               <a:t>Fourth level</a:t>
             </a:r>
           </a:p>
           <a:p>
             <a:pPr lvl="4"/>
             <a:r>
-              <a:rPr lang="en-US" smtClean="0"/>
+              <a:rPr lang="en-US"/>
               <a:t>Fifth level</a:t>
             </a:r>
             <a:endParaRPr lang="en-US" dirty="0"/>
@@ -3033,7 +3044,7 @@
           <a:p>
             <a:pPr lvl="0"/>
             <a:r>
-              <a:rPr lang="en-US" smtClean="0"/>
+              <a:rPr lang="en-US"/>
               <a:t>Click to edit Master text styles</a:t>
             </a:r>
           </a:p>
@@ -3057,7 +3068,7 @@
             <a:fld id="{DCCFA427-BB50-4F8D-8FC4-B0EA0BA5795C}" type="datetimeFigureOut">
               <a:rPr lang="en-US" smtClean="0"/>
               <a:pPr/>
-              <a:t>12/5/2016</a:t>
+              <a:t>07/12/2016</a:t>
             </a:fld>
             <a:endParaRPr lang="en-US"/>
           </a:p>
@@ -3165,7 +3176,7 @@
     </p:spTree>
     <p:extLst>
       <p:ext uri="{BB962C8B-B14F-4D97-AF65-F5344CB8AC3E}">
-        <p14:creationId xmlns:p14="http://schemas.microsoft.com/office/powerpoint/2010/main" xmlns="" val="1977218180"/>
+        <p14:creationId xmlns:p14="http://schemas.microsoft.com/office/powerpoint/2010/main" val="1977218180"/>
       </p:ext>
     </p:extLst>
   </p:cSld>
@@ -3262,7 +3273,7 @@
           </a:lstStyle>
           <a:p>
             <a:r>
-              <a:rPr lang="en-US" smtClean="0"/>
+              <a:rPr lang="en-US"/>
               <a:t>Click to edit Master title style</a:t>
             </a:r>
             <a:endParaRPr lang="en-US" dirty="0"/>
@@ -3336,7 +3347,7 @@
           </a:lstStyle>
           <a:p>
             <a:r>
-              <a:rPr lang="en-US" smtClean="0"/>
+              <a:rPr lang="en-US"/>
               <a:t>Click icon to add picture</a:t>
             </a:r>
             <a:endParaRPr lang="en-US" dirty="0"/>
@@ -3414,7 +3425,7 @@
           <a:p>
             <a:pPr lvl="0"/>
             <a:r>
-              <a:rPr lang="en-US" smtClean="0"/>
+              <a:rPr lang="en-US"/>
               <a:t>Click to edit Master text styles</a:t>
             </a:r>
           </a:p>
@@ -3453,7 +3464,7 @@
             <a:fld id="{DCCFA427-BB50-4F8D-8FC4-B0EA0BA5795C}" type="datetimeFigureOut">
               <a:rPr lang="en-US" smtClean="0"/>
               <a:pPr/>
-              <a:t>12/5/2016</a:t>
+              <a:t>07/12/2016</a:t>
             </a:fld>
             <a:endParaRPr lang="en-US"/>
           </a:p>
@@ -3575,7 +3586,7 @@
     </p:spTree>
     <p:extLst>
       <p:ext uri="{BB962C8B-B14F-4D97-AF65-F5344CB8AC3E}">
-        <p14:creationId xmlns:p14="http://schemas.microsoft.com/office/powerpoint/2010/main" xmlns="" val="2602728310"/>
+        <p14:creationId xmlns:p14="http://schemas.microsoft.com/office/powerpoint/2010/main" val="2602728310"/>
       </p:ext>
     </p:extLst>
   </p:cSld>
@@ -3662,7 +3673,7 @@
           <a:lstStyle/>
           <a:p>
             <a:r>
-              <a:rPr lang="en-US" smtClean="0"/>
+              <a:rPr lang="en-US"/>
               <a:t>Click to edit Master title style</a:t>
             </a:r>
             <a:endParaRPr lang="en-US" dirty="0"/>
@@ -3696,35 +3707,35 @@
           <a:p>
             <a:pPr lvl="0"/>
             <a:r>
-              <a:rPr lang="en-US" smtClean="0"/>
+              <a:rPr lang="en-US"/>
               <a:t>Click to edit Master text styles</a:t>
             </a:r>
           </a:p>
           <a:p>
             <a:pPr lvl="1"/>
             <a:r>
-              <a:rPr lang="en-US" smtClean="0"/>
+              <a:rPr lang="en-US"/>
               <a:t>Second level</a:t>
             </a:r>
           </a:p>
           <a:p>
             <a:pPr lvl="2"/>
             <a:r>
-              <a:rPr lang="en-US" smtClean="0"/>
+              <a:rPr lang="en-US"/>
               <a:t>Third level</a:t>
             </a:r>
           </a:p>
           <a:p>
             <a:pPr lvl="3"/>
             <a:r>
-              <a:rPr lang="en-US" smtClean="0"/>
+              <a:rPr lang="en-US"/>
               <a:t>Fourth level</a:t>
             </a:r>
           </a:p>
           <a:p>
             <a:pPr lvl="4"/>
             <a:r>
-              <a:rPr lang="en-US" smtClean="0"/>
+              <a:rPr lang="en-US"/>
               <a:t>Fifth level</a:t>
             </a:r>
             <a:endParaRPr lang="en-US" dirty="0"/>
@@ -3768,7 +3779,7 @@
             <a:fld id="{DCCFA427-BB50-4F8D-8FC4-B0EA0BA5795C}" type="datetimeFigureOut">
               <a:rPr lang="en-US" smtClean="0"/>
               <a:pPr/>
-              <a:t>12/5/2016</a:t>
+              <a:t>07/12/2016</a:t>
             </a:fld>
             <a:endParaRPr lang="en-US"/>
           </a:p>
@@ -3858,7 +3869,7 @@
     </p:spTree>
     <p:extLst>
       <p:ext uri="{BB962C8B-B14F-4D97-AF65-F5344CB8AC3E}">
-        <p14:creationId xmlns:p14="http://schemas.microsoft.com/office/powerpoint/2010/main" xmlns="" val="4097071133"/>
+        <p14:creationId xmlns:p14="http://schemas.microsoft.com/office/powerpoint/2010/main" val="4097071133"/>
       </p:ext>
     </p:extLst>
   </p:cSld>
@@ -4253,23 +4264,23 @@
           <a:lstStyle/>
           <a:p>
             <a:r>
-              <a:rPr lang="en-US" dirty="0" err="1" smtClean="0"/>
+              <a:rPr lang="en-US" dirty="0" err="1"/>
               <a:t>Sallary</a:t>
             </a:r>
             <a:r>
-              <a:rPr lang="en-US" dirty="0" smtClean="0"/>
+              <a:rPr lang="en-US" dirty="0"/>
               <a:t> gap </a:t>
             </a:r>
             <a:r>
-              <a:rPr lang="en-US" sz="8000" dirty="0" err="1" smtClean="0"/>
+              <a:rPr lang="en-US" sz="8000" dirty="0" err="1"/>
               <a:t>prediction</a:t>
             </a:r>
             <a:r>
-              <a:rPr lang="en-US" sz="1600" dirty="0" err="1" smtClean="0"/>
+              <a:rPr lang="en-US" sz="1600" dirty="0" err="1"/>
               <a:t>Project</a:t>
             </a:r>
             <a:r>
-              <a:rPr lang="en-US" sz="1600" dirty="0" smtClean="0"/>
+              <a:rPr lang="en-US" sz="1600" dirty="0"/>
               <a:t> Demo</a:t>
             </a:r>
             <a:endParaRPr lang="en-US" dirty="0"/>
@@ -4298,36 +4309,32 @@
           </a:bodyPr>
           <a:lstStyle/>
           <a:p>
-            <a:endParaRPr lang="he-IL" dirty="0" smtClean="0"/>
-          </a:p>
-          <a:p>
-            <a:r>
-              <a:rPr lang="en-US" dirty="0" err="1" smtClean="0"/>
+            <a:endParaRPr lang="he-IL" dirty="0"/>
+          </a:p>
+          <a:p>
+            <a:r>
+              <a:rPr lang="en-US" dirty="0" err="1"/>
               <a:t>Dor</a:t>
             </a:r>
             <a:r>
-              <a:rPr lang="en-US" dirty="0" smtClean="0"/>
-              <a:t> bank, </a:t>
-            </a:r>
-            <a:r>
               <a:rPr lang="en-US" dirty="0"/>
-              <a:t>Shiran mazor</a:t>
-            </a:r>
-          </a:p>
-          <a:p>
-            <a:endParaRPr lang="en-US" dirty="0" smtClean="0"/>
-          </a:p>
-          <a:p>
-            <a:r>
-              <a:rPr lang="en-US" dirty="0" err="1" smtClean="0"/>
+              <a:t> bank, Shiran mazor</a:t>
+            </a:r>
+          </a:p>
+          <a:p>
+            <a:endParaRPr lang="en-US" dirty="0"/>
+          </a:p>
+          <a:p>
+            <a:r>
+              <a:rPr lang="en-US" dirty="0" err="1"/>
               <a:t>Eylon</a:t>
             </a:r>
             <a:r>
-              <a:rPr lang="en-US" dirty="0" smtClean="0"/>
+              <a:rPr lang="en-US" dirty="0"/>
               <a:t> </a:t>
             </a:r>
             <a:r>
-              <a:rPr lang="en-US" dirty="0" err="1" smtClean="0"/>
+              <a:rPr lang="en-US" dirty="0" err="1"/>
               <a:t>saadon</a:t>
             </a:r>
             <a:endParaRPr lang="en-US" dirty="0"/>
@@ -4337,7 +4344,7 @@
     </p:spTree>
     <p:extLst>
       <p:ext uri="{BB962C8B-B14F-4D97-AF65-F5344CB8AC3E}">
-        <p14:creationId xmlns:p14="http://schemas.microsoft.com/office/powerpoint/2010/main" xmlns="" val="3364559204"/>
+        <p14:creationId xmlns:p14="http://schemas.microsoft.com/office/powerpoint/2010/main" val="3364559204"/>
       </p:ext>
     </p:extLst>
   </p:cSld>
@@ -4385,14 +4392,6 @@
               <a:rPr lang="en-US" dirty="0"/>
               <a:t>Business Goal</a:t>
             </a:r>
-            <a:r>
-              <a:rPr lang="en-US" dirty="0">
-                <a:solidFill>
-                  <a:srgbClr val="FF0000"/>
-                </a:solidFill>
-              </a:rPr>
-              <a:t/>
-            </a:r>
             <a:br>
               <a:rPr lang="en-US" dirty="0">
                 <a:solidFill>
@@ -4435,7 +4434,7 @@
           </a:p>
           <a:p>
             <a:r>
-              <a:rPr lang="en-US" dirty="0" smtClean="0"/>
+              <a:rPr lang="en-US" dirty="0"/>
               <a:t>Main </a:t>
             </a:r>
             <a:r>
@@ -4443,12 +4442,8 @@
               <a:t>Focuse</a:t>
             </a:r>
             <a:r>
-              <a:rPr lang="en-US" dirty="0" smtClean="0"/>
-              <a:t>– </a:t>
-            </a:r>
-            <a:r>
               <a:rPr lang="en-US" dirty="0"/>
-              <a:t>the value we want to predict  is defined as the difference between median earnings of men and women relative to median earnings of men. (</a:t>
+              <a:t>– the value we want to predict  is defined as the difference between median earnings of men and women relative to median earnings of men. (</a:t>
             </a:r>
             <a:r>
               <a:rPr lang="en-US" b="1" dirty="0"/>
@@ -4473,7 +4468,7 @@
     </p:spTree>
     <p:extLst>
       <p:ext uri="{BB962C8B-B14F-4D97-AF65-F5344CB8AC3E}">
-        <p14:creationId xmlns:p14="http://schemas.microsoft.com/office/powerpoint/2010/main" xmlns="" val="488657827"/>
+        <p14:creationId xmlns:p14="http://schemas.microsoft.com/office/powerpoint/2010/main" val="488657827"/>
       </p:ext>
     </p:extLst>
   </p:cSld>
@@ -4521,12 +4516,8 @@
           <a:lstStyle/>
           <a:p>
             <a:r>
-              <a:rPr lang="en-US" dirty="0" smtClean="0"/>
-              <a:t>Dataset </a:t>
-            </a:r>
-            <a:r>
               <a:rPr lang="en-US" dirty="0"/>
-              <a:t>segements</a:t>
+              <a:t>Dataset segements</a:t>
             </a:r>
           </a:p>
         </p:txBody>
@@ -4580,7 +4571,7 @@
     </p:spTree>
     <p:extLst>
       <p:ext uri="{BB962C8B-B14F-4D97-AF65-F5344CB8AC3E}">
-        <p14:creationId xmlns:p14="http://schemas.microsoft.com/office/powerpoint/2010/main" xmlns="" val="184644264"/>
+        <p14:creationId xmlns:p14="http://schemas.microsoft.com/office/powerpoint/2010/main" val="184644264"/>
       </p:ext>
     </p:extLst>
   </p:cSld>
@@ -4627,14 +4618,13 @@
               <a:t>Dataset </a:t>
             </a:r>
             <a:r>
-              <a:rPr lang="en-US" dirty="0" err="1" smtClean="0"/>
+              <a:rPr lang="en-US" dirty="0" err="1"/>
               <a:t>segements</a:t>
             </a:r>
             <a:r>
-              <a:rPr lang="en-US" dirty="0" smtClean="0"/>
+              <a:rPr lang="en-US" dirty="0"/>
               <a:t> (2)</a:t>
             </a:r>
-            <a:endParaRPr lang="en-US" dirty="0"/>
           </a:p>
         </p:txBody>
       </p:sp>
@@ -4660,7 +4650,7 @@
     </p:spTree>
     <p:extLst>
       <p:ext uri="{BB962C8B-B14F-4D97-AF65-F5344CB8AC3E}">
-        <p14:creationId xmlns:p14="http://schemas.microsoft.com/office/powerpoint/2010/main" xmlns="" val="1136635159"/>
+        <p14:creationId xmlns:p14="http://schemas.microsoft.com/office/powerpoint/2010/main" val="1136635159"/>
       </p:ext>
     </p:extLst>
   </p:cSld>
@@ -4703,10 +4693,9 @@
           <a:lstStyle/>
           <a:p>
             <a:r>
-              <a:rPr lang="en-US" dirty="0" smtClean="0"/>
+              <a:rPr lang="en-US" dirty="0"/>
               <a:t>Data Preparation (overview)</a:t>
             </a:r>
-            <a:endParaRPr lang="en-US" dirty="0"/>
           </a:p>
         </p:txBody>
       </p:sp>
@@ -4726,63 +4715,63 @@
           <a:lstStyle/>
           <a:p>
             <a:r>
-              <a:rPr lang="en-US" dirty="0" smtClean="0"/>
+              <a:rPr lang="en-US" dirty="0"/>
               <a:t>Column arrangements (countries – flatten </a:t>
             </a:r>
             <a:r>
-              <a:rPr lang="en-US" dirty="0" err="1" smtClean="0"/>
+              <a:rPr lang="en-US" dirty="0" err="1"/>
               <a:t>categorials</a:t>
             </a:r>
             <a:r>
-              <a:rPr lang="en-US" dirty="0" smtClean="0"/>
+              <a:rPr lang="en-US" dirty="0"/>
               <a:t>, years – equal </a:t>
             </a:r>
             <a:r>
-              <a:rPr lang="en-US" dirty="0" err="1" smtClean="0"/>
+              <a:rPr lang="en-US" dirty="0" err="1"/>
               <a:t>framents</a:t>
             </a:r>
             <a:r>
-              <a:rPr lang="en-US" dirty="0" smtClean="0"/>
+              <a:rPr lang="en-US" dirty="0"/>
               <a:t>)</a:t>
             </a:r>
           </a:p>
           <a:p>
             <a:r>
-              <a:rPr lang="en-US" dirty="0" smtClean="0"/>
+              <a:rPr lang="en-US" dirty="0"/>
               <a:t>Normalizing –  (Value-min(value)) / (max(value)-min(value))</a:t>
             </a:r>
           </a:p>
           <a:p>
             <a:r>
-              <a:rPr lang="en-US" dirty="0" smtClean="0"/>
+              <a:rPr lang="en-US" dirty="0"/>
               <a:t>Missing values:</a:t>
             </a:r>
           </a:p>
           <a:p>
             <a:pPr lvl="1"/>
             <a:r>
-              <a:rPr lang="en-US" dirty="0" smtClean="0"/>
+              <a:rPr lang="en-US" dirty="0"/>
               <a:t>Too many!</a:t>
             </a:r>
           </a:p>
           <a:p>
             <a:pPr lvl="1"/>
             <a:r>
-              <a:rPr lang="en-US" dirty="0" smtClean="0"/>
+              <a:rPr lang="en-US" dirty="0"/>
               <a:t>First removing the sparse ones without mining context (under XXX percent)</a:t>
             </a:r>
           </a:p>
           <a:p>
             <a:pPr lvl="1"/>
             <a:r>
-              <a:rPr lang="en-US" dirty="0" smtClean="0"/>
+              <a:rPr lang="en-US" dirty="0"/>
               <a:t>First version:  median</a:t>
             </a:r>
           </a:p>
           <a:p>
             <a:pPr lvl="1"/>
             <a:r>
-              <a:rPr lang="en-US" dirty="0" smtClean="0"/>
+              <a:rPr lang="en-US" dirty="0"/>
               <a:t>Second version: finding similar countries with similar values </a:t>
             </a:r>
           </a:p>
@@ -4794,7 +4783,7 @@
     </p:spTree>
     <p:extLst>
       <p:ext uri="{BB962C8B-B14F-4D97-AF65-F5344CB8AC3E}">
-        <p14:creationId xmlns:p14="http://schemas.microsoft.com/office/powerpoint/2010/main" xmlns="" val="3021417476"/>
+        <p14:creationId xmlns:p14="http://schemas.microsoft.com/office/powerpoint/2010/main" val="3021417476"/>
       </p:ext>
     </p:extLst>
   </p:cSld>
@@ -4840,13 +4829,8 @@
           <a:p>
             <a:r>
               <a:rPr lang="en-US" dirty="0"/>
-              <a:t>machine-learning </a:t>
-            </a:r>
-            <a:r>
-              <a:rPr lang="en-US" dirty="0" smtClean="0"/>
-              <a:t>problem Product output</a:t>
-            </a:r>
-            <a:endParaRPr lang="en-US" dirty="0"/>
+              <a:t>machine-learning problem Product output</a:t>
+            </a:r>
           </a:p>
         </p:txBody>
       </p:sp>
@@ -4866,31 +4850,30 @@
           <a:lstStyle/>
           <a:p>
             <a:r>
-              <a:rPr lang="en-US" dirty="0" smtClean="0"/>
+              <a:rPr lang="en-US" dirty="0"/>
               <a:t>Predicting average gender wage gap in the OECD</a:t>
             </a:r>
           </a:p>
           <a:p>
             <a:r>
-              <a:rPr lang="en-US" dirty="0" smtClean="0"/>
+              <a:rPr lang="en-US" dirty="0"/>
               <a:t>Will calculate for each state and average them </a:t>
             </a:r>
             <a:r>
-              <a:rPr lang="en-US" dirty="0" err="1" smtClean="0"/>
+              <a:rPr lang="en-US" dirty="0" err="1"/>
               <a:t>deterministicly</a:t>
             </a:r>
             <a:r>
-              <a:rPr lang="en-US" dirty="0" smtClean="0"/>
+              <a:rPr lang="en-US" dirty="0"/>
               <a:t> (for unbiased estimates – immediate variance reduction)</a:t>
             </a:r>
-            <a:endParaRPr lang="en-US" dirty="0"/>
           </a:p>
         </p:txBody>
       </p:sp>
     </p:spTree>
     <p:extLst>
       <p:ext uri="{BB962C8B-B14F-4D97-AF65-F5344CB8AC3E}">
-        <p14:creationId xmlns:p14="http://schemas.microsoft.com/office/powerpoint/2010/main" xmlns="" val="2506240783"/>
+        <p14:creationId xmlns:p14="http://schemas.microsoft.com/office/powerpoint/2010/main" val="2506240783"/>
       </p:ext>
     </p:extLst>
   </p:cSld>
@@ -4933,10 +4916,9 @@
           <a:lstStyle/>
           <a:p>
             <a:r>
-              <a:rPr lang="en-US" dirty="0" smtClean="0"/>
+              <a:rPr lang="en-US" dirty="0"/>
               <a:t>Problems in data</a:t>
             </a:r>
-            <a:endParaRPr lang="en-US" dirty="0"/>
           </a:p>
         </p:txBody>
       </p:sp>
@@ -4956,8 +4938,28 @@
           <a:lstStyle/>
           <a:p>
             <a:r>
-              <a:rPr lang="en-US" dirty="0" smtClean="0"/>
-              <a:t>Missing Values!</a:t>
+              <a:rPr lang="en-US" dirty="0"/>
+              <a:t>Many missing Values!</a:t>
+            </a:r>
+          </a:p>
+          <a:p>
+            <a:pPr lvl="1"/>
+            <a:r>
+              <a:rPr lang="en-US" dirty="0"/>
+              <a:t>Some features are completely empty for certain countries.</a:t>
+            </a:r>
+          </a:p>
+          <a:p>
+            <a:r>
+              <a:rPr lang="en-US" dirty="0"/>
+              <a:t>Not normalized.</a:t>
+            </a:r>
+          </a:p>
+          <a:p>
+            <a:pPr lvl="1"/>
+            <a:r>
+              <a:rPr lang="en-US"/>
+              <a:t>Features and countries in GenderStat.csv as rows and years as columns. </a:t>
             </a:r>
             <a:endParaRPr lang="en-US" dirty="0"/>
           </a:p>
@@ -4966,7 +4968,7 @@
     </p:spTree>
     <p:extLst>
       <p:ext uri="{BB962C8B-B14F-4D97-AF65-F5344CB8AC3E}">
-        <p14:creationId xmlns:p14="http://schemas.microsoft.com/office/powerpoint/2010/main" xmlns="" val="1864583965"/>
+        <p14:creationId xmlns:p14="http://schemas.microsoft.com/office/powerpoint/2010/main" val="1864583965"/>
       </p:ext>
     </p:extLst>
   </p:cSld>
@@ -5009,10 +5011,9 @@
           <a:lstStyle/>
           <a:p>
             <a:r>
-              <a:rPr lang="en-US" dirty="0" smtClean="0"/>
+              <a:rPr lang="en-US" dirty="0"/>
               <a:t>Implementation plan</a:t>
             </a:r>
-            <a:endParaRPr lang="en-US" dirty="0"/>
           </a:p>
         </p:txBody>
       </p:sp>
@@ -5032,80 +5033,78 @@
           <a:lstStyle/>
           <a:p>
             <a:r>
-              <a:rPr lang="en-US" dirty="0" smtClean="0"/>
+              <a:rPr lang="en-US" dirty="0"/>
               <a:t>Business understanding, Data understanding – done</a:t>
             </a:r>
           </a:p>
           <a:p>
             <a:r>
-              <a:rPr lang="en-US" dirty="0" smtClean="0"/>
+              <a:rPr lang="en-US" dirty="0"/>
               <a:t>Data </a:t>
             </a:r>
             <a:r>
-              <a:rPr lang="en-US" dirty="0" err="1" smtClean="0"/>
+              <a:rPr lang="en-US" dirty="0" err="1"/>
               <a:t>preperation</a:t>
             </a:r>
             <a:r>
-              <a:rPr lang="en-US" dirty="0" smtClean="0"/>
+              <a:rPr lang="en-US" dirty="0"/>
               <a:t> – as stated</a:t>
             </a:r>
           </a:p>
           <a:p>
             <a:r>
-              <a:rPr lang="en-US" dirty="0" smtClean="0"/>
+              <a:rPr lang="en-US" dirty="0"/>
               <a:t>Modeling  and Evaluating</a:t>
             </a:r>
           </a:p>
           <a:p>
             <a:pPr lvl="1"/>
             <a:r>
-              <a:rPr lang="en-US" dirty="0" smtClean="0"/>
+              <a:rPr lang="en-US" dirty="0"/>
               <a:t>Step 1: simple linear regression. T-test based feature Removing (manually)?</a:t>
             </a:r>
           </a:p>
           <a:p>
             <a:pPr lvl="1"/>
             <a:r>
-              <a:rPr lang="en-US" dirty="0" smtClean="0"/>
+              <a:rPr lang="en-US" dirty="0"/>
               <a:t>Step 2: L1 regularization for feature </a:t>
             </a:r>
             <a:r>
-              <a:rPr lang="en-US" dirty="0" err="1" smtClean="0"/>
+              <a:rPr lang="en-US" dirty="0" err="1"/>
               <a:t>selction</a:t>
             </a:r>
             <a:r>
-              <a:rPr lang="en-US" dirty="0" smtClean="0"/>
+              <a:rPr lang="en-US" dirty="0"/>
               <a:t>(lambda by cross validation)</a:t>
             </a:r>
-            <a:endParaRPr lang="en-US" dirty="0" smtClean="0"/>
           </a:p>
           <a:p>
             <a:pPr lvl="1"/>
             <a:r>
-              <a:rPr lang="en-US" dirty="0" smtClean="0"/>
+              <a:rPr lang="en-US" dirty="0"/>
               <a:t>Step 3: data </a:t>
             </a:r>
             <a:r>
-              <a:rPr lang="en-US" dirty="0" err="1" smtClean="0"/>
+              <a:rPr lang="en-US" dirty="0" err="1"/>
               <a:t>maninpulation</a:t>
             </a:r>
             <a:r>
-              <a:rPr lang="en-US" dirty="0" smtClean="0"/>
+              <a:rPr lang="en-US" dirty="0"/>
               <a:t> status – </a:t>
             </a:r>
           </a:p>
           <a:p>
             <a:pPr lvl="2"/>
             <a:r>
-              <a:rPr lang="en-US" dirty="0" smtClean="0"/>
+              <a:rPr lang="en-US" dirty="0"/>
               <a:t>considering cross terms and different missing values system</a:t>
             </a:r>
-            <a:endParaRPr lang="en-US" dirty="0"/>
           </a:p>
           <a:p>
             <a:pPr lvl="1"/>
             <a:r>
-              <a:rPr lang="en-US" dirty="0" smtClean="0"/>
+              <a:rPr lang="en-US" dirty="0"/>
               <a:t>Step 4: considering usage of Random Forest or SVM</a:t>
             </a:r>
           </a:p>
@@ -5146,7 +5145,7 @@
     </p:spTree>
     <p:extLst>
       <p:ext uri="{BB962C8B-B14F-4D97-AF65-F5344CB8AC3E}">
-        <p14:creationId xmlns:p14="http://schemas.microsoft.com/office/powerpoint/2010/main" xmlns="" val="1364573028"/>
+        <p14:creationId xmlns:p14="http://schemas.microsoft.com/office/powerpoint/2010/main" val="1364573028"/>
       </p:ext>
     </p:extLst>
   </p:cSld>
@@ -5431,7 +5430,7 @@
   <a:extraClrSchemeLst/>
   <a:extLst>
     <a:ext uri="{05A4C25C-085E-4340-85A3-A5531E510DB2}">
-      <thm15:themeFamily xmlns:thm15="http://schemas.microsoft.com/office/thememl/2012/main" xmlns="" name="Savon" id="{1306E473-ED32-493B-A2D0-240A757EDD34}" vid="{C20BADFE-D095-436F-9677-9264042809F0}"/>
+      <thm15:themeFamily xmlns:thm15="http://schemas.microsoft.com/office/thememl/2012/main" name="Savon" id="{1306E473-ED32-493B-A2D0-240A757EDD34}" vid="{C20BADFE-D095-436F-9677-9264042809F0}"/>
     </a:ext>
   </a:extLst>
 </a:theme>

--- a/Sallary gap predictionfrom Project Demo.pptx
+++ b/Sallary gap predictionfrom Project Demo.pptx
@@ -9,10 +9,12 @@
     <p:sldId id="257" r:id="rId3"/>
     <p:sldId id="258" r:id="rId4"/>
     <p:sldId id="261" r:id="rId5"/>
-    <p:sldId id="263" r:id="rId6"/>
-    <p:sldId id="264" r:id="rId7"/>
-    <p:sldId id="262" r:id="rId8"/>
-    <p:sldId id="265" r:id="rId9"/>
+    <p:sldId id="266" r:id="rId6"/>
+    <p:sldId id="263" r:id="rId7"/>
+    <p:sldId id="267" r:id="rId8"/>
+    <p:sldId id="264" r:id="rId9"/>
+    <p:sldId id="262" r:id="rId10"/>
+    <p:sldId id="265" r:id="rId11"/>
   </p:sldIdLst>
   <p:sldSz cx="12192000" cy="6858000"/>
   <p:notesSz cx="6858000" cy="9144000"/>
@@ -4354,631 +4356,7 @@
 </p:sld>
 </file>
 
-<file path=ppt/slides/slide2.xml><?xml version="1.0" encoding="utf-8"?>
-<p:sld xmlns:a="http://schemas.openxmlformats.org/drawingml/2006/main" xmlns:r="http://schemas.openxmlformats.org/officeDocument/2006/relationships" xmlns:p="http://schemas.openxmlformats.org/presentationml/2006/main">
-  <p:cSld>
-    <p:spTree>
-      <p:nvGrpSpPr>
-        <p:cNvPr id="1" name=""/>
-        <p:cNvGrpSpPr/>
-        <p:nvPr/>
-      </p:nvGrpSpPr>
-      <p:grpSpPr>
-        <a:xfrm>
-          <a:off x="0" y="0"/>
-          <a:ext cx="0" cy="0"/>
-          <a:chOff x="0" y="0"/>
-          <a:chExt cx="0" cy="0"/>
-        </a:xfrm>
-      </p:grpSpPr>
-      <p:sp>
-        <p:nvSpPr>
-          <p:cNvPr id="2" name="Title 1"/>
-          <p:cNvSpPr>
-            <a:spLocks noGrp="1"/>
-          </p:cNvSpPr>
-          <p:nvPr>
-            <p:ph type="title"/>
-          </p:nvPr>
-        </p:nvSpPr>
-        <p:spPr/>
-        <p:txBody>
-          <a:bodyPr>
-            <a:normAutofit fontScale="90000"/>
-          </a:bodyPr>
-          <a:lstStyle/>
-          <a:p>
-            <a:r>
-              <a:rPr lang="en-US" dirty="0"/>
-              <a:t>Business Goal</a:t>
-            </a:r>
-            <a:br>
-              <a:rPr lang="en-US" dirty="0">
-                <a:solidFill>
-                  <a:srgbClr val="FF0000"/>
-                </a:solidFill>
-              </a:rPr>
-            </a:br>
-            <a:endParaRPr lang="en-US" dirty="0"/>
-          </a:p>
-        </p:txBody>
-      </p:sp>
-      <p:sp>
-        <p:nvSpPr>
-          <p:cNvPr id="3" name="Content Placeholder 2"/>
-          <p:cNvSpPr>
-            <a:spLocks noGrp="1"/>
-          </p:cNvSpPr>
-          <p:nvPr>
-            <p:ph idx="1"/>
-          </p:nvPr>
-        </p:nvSpPr>
-        <p:spPr/>
-        <p:txBody>
-          <a:bodyPr/>
-          <a:lstStyle/>
-          <a:p>
-            <a:pPr marL="0" indent="0" algn="ctr">
-              <a:buNone/>
-            </a:pPr>
-            <a:r>
-              <a:rPr lang="en-US" dirty="0"/>
-              <a:t>With economical and cultural advances world wide, we see that the wage and class differences between genders, are still substantial. In this project we will try to predict the wage difference, focusing on the OECD countries. Our product will be a prediction for each state in the OECD for years to come.  </a:t>
-            </a:r>
-          </a:p>
-          <a:p>
-            <a:pPr marL="0" indent="0" algn="ctr">
-              <a:buNone/>
-            </a:pPr>
-            <a:endParaRPr lang="en-US" dirty="0"/>
-          </a:p>
-          <a:p>
-            <a:r>
-              <a:rPr lang="en-US" dirty="0"/>
-              <a:t>Main </a:t>
-            </a:r>
-            <a:r>
-              <a:rPr lang="en-US" dirty="0" err="1"/>
-              <a:t>Focuse</a:t>
-            </a:r>
-            <a:r>
-              <a:rPr lang="en-US" dirty="0"/>
-              <a:t>– the value we want to predict  is defined as the difference between median earnings of men and women relative to median earnings of men. (</a:t>
-            </a:r>
-            <a:r>
-              <a:rPr lang="en-US" b="1" dirty="0"/>
-              <a:t>base on the existing data from the OECD</a:t>
-            </a:r>
-            <a:r>
-              <a:rPr lang="en-US" dirty="0"/>
-              <a:t>).</a:t>
-            </a:r>
-          </a:p>
-          <a:p>
-            <a:r>
-              <a:rPr lang="en-US" dirty="0"/>
-              <a:t> Data refer to full-time employees and to self-employed.</a:t>
-            </a:r>
-          </a:p>
-          <a:p>
-            <a:endParaRPr lang="en-US" dirty="0"/>
-          </a:p>
-        </p:txBody>
-      </p:sp>
-    </p:spTree>
-    <p:extLst>
-      <p:ext uri="{BB962C8B-B14F-4D97-AF65-F5344CB8AC3E}">
-        <p14:creationId xmlns:p14="http://schemas.microsoft.com/office/powerpoint/2010/main" val="488657827"/>
-      </p:ext>
-    </p:extLst>
-  </p:cSld>
-  <p:clrMapOvr>
-    <a:masterClrMapping/>
-  </p:clrMapOvr>
-</p:sld>
-</file>
-
-<file path=ppt/slides/slide3.xml><?xml version="1.0" encoding="utf-8"?>
-<p:sld xmlns:a="http://schemas.openxmlformats.org/drawingml/2006/main" xmlns:r="http://schemas.openxmlformats.org/officeDocument/2006/relationships" xmlns:p="http://schemas.openxmlformats.org/presentationml/2006/main">
-  <p:cSld>
-    <p:spTree>
-      <p:nvGrpSpPr>
-        <p:cNvPr id="1" name=""/>
-        <p:cNvGrpSpPr/>
-        <p:nvPr/>
-      </p:nvGrpSpPr>
-      <p:grpSpPr>
-        <a:xfrm>
-          <a:off x="0" y="0"/>
-          <a:ext cx="0" cy="0"/>
-          <a:chOff x="0" y="0"/>
-          <a:chExt cx="0" cy="0"/>
-        </a:xfrm>
-      </p:grpSpPr>
-      <p:sp>
-        <p:nvSpPr>
-          <p:cNvPr id="2" name="Title 1"/>
-          <p:cNvSpPr>
-            <a:spLocks noGrp="1"/>
-          </p:cNvSpPr>
-          <p:nvPr>
-            <p:ph type="title"/>
-          </p:nvPr>
-        </p:nvSpPr>
-        <p:spPr>
-          <a:xfrm>
-            <a:off x="923260" y="621329"/>
-            <a:ext cx="10058400" cy="1371600"/>
-          </a:xfrm>
-        </p:spPr>
-        <p:txBody>
-          <a:bodyPr/>
-          <a:lstStyle/>
-          <a:p>
-            <a:r>
-              <a:rPr lang="en-US" dirty="0"/>
-              <a:t>Dataset segements</a:t>
-            </a:r>
-          </a:p>
-        </p:txBody>
-      </p:sp>
-      <p:sp>
-        <p:nvSpPr>
-          <p:cNvPr id="3" name="Content Placeholder 2"/>
-          <p:cNvSpPr>
-            <a:spLocks noGrp="1"/>
-          </p:cNvSpPr>
-          <p:nvPr>
-            <p:ph idx="1"/>
-          </p:nvPr>
-        </p:nvSpPr>
-        <p:spPr/>
-        <p:txBody>
-          <a:bodyPr/>
-          <a:lstStyle/>
-          <a:p>
-            <a:pPr>
-              <a:buNone/>
-            </a:pPr>
-            <a:r>
-              <a:rPr lang="en-US" dirty="0"/>
-              <a:t>Our preliminary data is:</a:t>
-            </a:r>
-          </a:p>
-          <a:p>
-            <a:r>
-              <a:rPr lang="en-US" dirty="0"/>
-              <a:t>World data bank – GenderStat.csv</a:t>
-            </a:r>
-          </a:p>
-          <a:p>
-            <a:r>
-              <a:rPr lang="en-US" dirty="0"/>
-              <a:t>OECD data center – Gender wage gaps (csv)</a:t>
-            </a:r>
-          </a:p>
-          <a:p>
-            <a:endParaRPr lang="en-US" dirty="0"/>
-          </a:p>
-          <a:p>
-            <a:r>
-              <a:rPr lang="en-US" dirty="0"/>
-              <a:t>The OECD data will be used as the predicted data, and we will try to build a model relying on the data from the world data bank. At first, we will try to extract features solely from this data. Exploration for new data sets will occur after model evaluation  if necessary. </a:t>
-            </a:r>
-          </a:p>
-        </p:txBody>
-      </p:sp>
-    </p:spTree>
-    <p:extLst>
-      <p:ext uri="{BB962C8B-B14F-4D97-AF65-F5344CB8AC3E}">
-        <p14:creationId xmlns:p14="http://schemas.microsoft.com/office/powerpoint/2010/main" val="184644264"/>
-      </p:ext>
-    </p:extLst>
-  </p:cSld>
-  <p:clrMapOvr>
-    <a:masterClrMapping/>
-  </p:clrMapOvr>
-</p:sld>
-</file>
-
-<file path=ppt/slides/slide4.xml><?xml version="1.0" encoding="utf-8"?>
-<p:sld xmlns:a="http://schemas.openxmlformats.org/drawingml/2006/main" xmlns:r="http://schemas.openxmlformats.org/officeDocument/2006/relationships" xmlns:p="http://schemas.openxmlformats.org/presentationml/2006/main">
-  <p:cSld>
-    <p:spTree>
-      <p:nvGrpSpPr>
-        <p:cNvPr id="1" name=""/>
-        <p:cNvGrpSpPr/>
-        <p:nvPr/>
-      </p:nvGrpSpPr>
-      <p:grpSpPr>
-        <a:xfrm>
-          <a:off x="0" y="0"/>
-          <a:ext cx="0" cy="0"/>
-          <a:chOff x="0" y="0"/>
-          <a:chExt cx="0" cy="0"/>
-        </a:xfrm>
-      </p:grpSpPr>
-      <p:sp>
-        <p:nvSpPr>
-          <p:cNvPr id="2" name="Title 1"/>
-          <p:cNvSpPr>
-            <a:spLocks noGrp="1"/>
-          </p:cNvSpPr>
-          <p:nvPr>
-            <p:ph type="title"/>
-          </p:nvPr>
-        </p:nvSpPr>
-        <p:spPr/>
-        <p:txBody>
-          <a:bodyPr/>
-          <a:lstStyle/>
-          <a:p>
-            <a:r>
-              <a:rPr lang="en-US" dirty="0"/>
-              <a:t>Dataset </a:t>
-            </a:r>
-            <a:r>
-              <a:rPr lang="en-US" dirty="0" err="1"/>
-              <a:t>segements</a:t>
-            </a:r>
-            <a:r>
-              <a:rPr lang="en-US" dirty="0"/>
-              <a:t> (2)</a:t>
-            </a:r>
-          </a:p>
-        </p:txBody>
-      </p:sp>
-      <p:sp>
-        <p:nvSpPr>
-          <p:cNvPr id="3" name="Content Placeholder 2"/>
-          <p:cNvSpPr>
-            <a:spLocks noGrp="1"/>
-          </p:cNvSpPr>
-          <p:nvPr>
-            <p:ph idx="1"/>
-          </p:nvPr>
-        </p:nvSpPr>
-        <p:spPr/>
-        <p:txBody>
-          <a:bodyPr/>
-          <a:lstStyle/>
-          <a:p>
-            <a:endParaRPr lang="en-US" dirty="0"/>
-          </a:p>
-        </p:txBody>
-      </p:sp>
-    </p:spTree>
-    <p:extLst>
-      <p:ext uri="{BB962C8B-B14F-4D97-AF65-F5344CB8AC3E}">
-        <p14:creationId xmlns:p14="http://schemas.microsoft.com/office/powerpoint/2010/main" val="1136635159"/>
-      </p:ext>
-    </p:extLst>
-  </p:cSld>
-  <p:clrMapOvr>
-    <a:masterClrMapping/>
-  </p:clrMapOvr>
-</p:sld>
-</file>
-
-<file path=ppt/slides/slide5.xml><?xml version="1.0" encoding="utf-8"?>
-<p:sld xmlns:a="http://schemas.openxmlformats.org/drawingml/2006/main" xmlns:r="http://schemas.openxmlformats.org/officeDocument/2006/relationships" xmlns:p="http://schemas.openxmlformats.org/presentationml/2006/main">
-  <p:cSld>
-    <p:spTree>
-      <p:nvGrpSpPr>
-        <p:cNvPr id="1" name=""/>
-        <p:cNvGrpSpPr/>
-        <p:nvPr/>
-      </p:nvGrpSpPr>
-      <p:grpSpPr>
-        <a:xfrm>
-          <a:off x="0" y="0"/>
-          <a:ext cx="0" cy="0"/>
-          <a:chOff x="0" y="0"/>
-          <a:chExt cx="0" cy="0"/>
-        </a:xfrm>
-      </p:grpSpPr>
-      <p:sp>
-        <p:nvSpPr>
-          <p:cNvPr id="2" name="Title 1"/>
-          <p:cNvSpPr>
-            <a:spLocks noGrp="1"/>
-          </p:cNvSpPr>
-          <p:nvPr>
-            <p:ph type="title"/>
-          </p:nvPr>
-        </p:nvSpPr>
-        <p:spPr/>
-        <p:txBody>
-          <a:bodyPr/>
-          <a:lstStyle/>
-          <a:p>
-            <a:r>
-              <a:rPr lang="en-US" dirty="0"/>
-              <a:t>Data Preparation (overview)</a:t>
-            </a:r>
-          </a:p>
-        </p:txBody>
-      </p:sp>
-      <p:sp>
-        <p:nvSpPr>
-          <p:cNvPr id="3" name="Content Placeholder 2"/>
-          <p:cNvSpPr>
-            <a:spLocks noGrp="1"/>
-          </p:cNvSpPr>
-          <p:nvPr>
-            <p:ph idx="1"/>
-          </p:nvPr>
-        </p:nvSpPr>
-        <p:spPr/>
-        <p:txBody>
-          <a:bodyPr/>
-          <a:lstStyle/>
-          <a:p>
-            <a:r>
-              <a:rPr lang="en-US" dirty="0"/>
-              <a:t>Column arrangements (countries – flatten </a:t>
-            </a:r>
-            <a:r>
-              <a:rPr lang="en-US" dirty="0" err="1"/>
-              <a:t>categorials</a:t>
-            </a:r>
-            <a:r>
-              <a:rPr lang="en-US" dirty="0"/>
-              <a:t>, years – equal </a:t>
-            </a:r>
-            <a:r>
-              <a:rPr lang="en-US" dirty="0" err="1"/>
-              <a:t>framents</a:t>
-            </a:r>
-            <a:r>
-              <a:rPr lang="en-US" dirty="0"/>
-              <a:t>)</a:t>
-            </a:r>
-          </a:p>
-          <a:p>
-            <a:r>
-              <a:rPr lang="en-US" dirty="0"/>
-              <a:t>Normalizing –  (Value-min(value)) / (max(value)-min(value))</a:t>
-            </a:r>
-          </a:p>
-          <a:p>
-            <a:r>
-              <a:rPr lang="en-US" dirty="0"/>
-              <a:t>Missing values:</a:t>
-            </a:r>
-          </a:p>
-          <a:p>
-            <a:pPr lvl="1"/>
-            <a:r>
-              <a:rPr lang="en-US" dirty="0"/>
-              <a:t>Too many!</a:t>
-            </a:r>
-          </a:p>
-          <a:p>
-            <a:pPr lvl="1"/>
-            <a:r>
-              <a:rPr lang="en-US" dirty="0"/>
-              <a:t>First removing the sparse ones without mining context (under XXX percent)</a:t>
-            </a:r>
-          </a:p>
-          <a:p>
-            <a:pPr lvl="1"/>
-            <a:r>
-              <a:rPr lang="en-US" dirty="0"/>
-              <a:t>First version:  median</a:t>
-            </a:r>
-          </a:p>
-          <a:p>
-            <a:pPr lvl="1"/>
-            <a:r>
-              <a:rPr lang="en-US" dirty="0"/>
-              <a:t>Second version: finding similar countries with similar values </a:t>
-            </a:r>
-          </a:p>
-          <a:p>
-            <a:endParaRPr lang="en-US" dirty="0"/>
-          </a:p>
-        </p:txBody>
-      </p:sp>
-    </p:spTree>
-    <p:extLst>
-      <p:ext uri="{BB962C8B-B14F-4D97-AF65-F5344CB8AC3E}">
-        <p14:creationId xmlns:p14="http://schemas.microsoft.com/office/powerpoint/2010/main" val="3021417476"/>
-      </p:ext>
-    </p:extLst>
-  </p:cSld>
-  <p:clrMapOvr>
-    <a:masterClrMapping/>
-  </p:clrMapOvr>
-</p:sld>
-</file>
-
-<file path=ppt/slides/slide6.xml><?xml version="1.0" encoding="utf-8"?>
-<p:sld xmlns:a="http://schemas.openxmlformats.org/drawingml/2006/main" xmlns:r="http://schemas.openxmlformats.org/officeDocument/2006/relationships" xmlns:p="http://schemas.openxmlformats.org/presentationml/2006/main">
-  <p:cSld>
-    <p:spTree>
-      <p:nvGrpSpPr>
-        <p:cNvPr id="1" name=""/>
-        <p:cNvGrpSpPr/>
-        <p:nvPr/>
-      </p:nvGrpSpPr>
-      <p:grpSpPr>
-        <a:xfrm>
-          <a:off x="0" y="0"/>
-          <a:ext cx="0" cy="0"/>
-          <a:chOff x="0" y="0"/>
-          <a:chExt cx="0" cy="0"/>
-        </a:xfrm>
-      </p:grpSpPr>
-      <p:sp>
-        <p:nvSpPr>
-          <p:cNvPr id="2" name="Title 1"/>
-          <p:cNvSpPr>
-            <a:spLocks noGrp="1"/>
-          </p:cNvSpPr>
-          <p:nvPr>
-            <p:ph type="title"/>
-          </p:nvPr>
-        </p:nvSpPr>
-        <p:spPr/>
-        <p:txBody>
-          <a:bodyPr>
-            <a:normAutofit fontScale="90000"/>
-          </a:bodyPr>
-          <a:lstStyle/>
-          <a:p>
-            <a:r>
-              <a:rPr lang="en-US" dirty="0"/>
-              <a:t>machine-learning problem Product output</a:t>
-            </a:r>
-          </a:p>
-        </p:txBody>
-      </p:sp>
-      <p:sp>
-        <p:nvSpPr>
-          <p:cNvPr id="3" name="Content Placeholder 2"/>
-          <p:cNvSpPr>
-            <a:spLocks noGrp="1"/>
-          </p:cNvSpPr>
-          <p:nvPr>
-            <p:ph idx="1"/>
-          </p:nvPr>
-        </p:nvSpPr>
-        <p:spPr/>
-        <p:txBody>
-          <a:bodyPr/>
-          <a:lstStyle/>
-          <a:p>
-            <a:r>
-              <a:rPr lang="en-US" dirty="0"/>
-              <a:t>Predicting average gender wage gap in the OECD</a:t>
-            </a:r>
-          </a:p>
-          <a:p>
-            <a:r>
-              <a:rPr lang="en-US" dirty="0"/>
-              <a:t>Will calculate for each state and average them </a:t>
-            </a:r>
-            <a:r>
-              <a:rPr lang="en-US" dirty="0" err="1"/>
-              <a:t>deterministicly</a:t>
-            </a:r>
-            <a:r>
-              <a:rPr lang="en-US" dirty="0"/>
-              <a:t> (for unbiased estimates – immediate variance reduction)</a:t>
-            </a:r>
-          </a:p>
-        </p:txBody>
-      </p:sp>
-    </p:spTree>
-    <p:extLst>
-      <p:ext uri="{BB962C8B-B14F-4D97-AF65-F5344CB8AC3E}">
-        <p14:creationId xmlns:p14="http://schemas.microsoft.com/office/powerpoint/2010/main" val="2506240783"/>
-      </p:ext>
-    </p:extLst>
-  </p:cSld>
-  <p:clrMapOvr>
-    <a:masterClrMapping/>
-  </p:clrMapOvr>
-</p:sld>
-</file>
-
-<file path=ppt/slides/slide7.xml><?xml version="1.0" encoding="utf-8"?>
-<p:sld xmlns:a="http://schemas.openxmlformats.org/drawingml/2006/main" xmlns:r="http://schemas.openxmlformats.org/officeDocument/2006/relationships" xmlns:p="http://schemas.openxmlformats.org/presentationml/2006/main">
-  <p:cSld>
-    <p:spTree>
-      <p:nvGrpSpPr>
-        <p:cNvPr id="1" name=""/>
-        <p:cNvGrpSpPr/>
-        <p:nvPr/>
-      </p:nvGrpSpPr>
-      <p:grpSpPr>
-        <a:xfrm>
-          <a:off x="0" y="0"/>
-          <a:ext cx="0" cy="0"/>
-          <a:chOff x="0" y="0"/>
-          <a:chExt cx="0" cy="0"/>
-        </a:xfrm>
-      </p:grpSpPr>
-      <p:sp>
-        <p:nvSpPr>
-          <p:cNvPr id="2" name="Title 1"/>
-          <p:cNvSpPr>
-            <a:spLocks noGrp="1"/>
-          </p:cNvSpPr>
-          <p:nvPr>
-            <p:ph type="title"/>
-          </p:nvPr>
-        </p:nvSpPr>
-        <p:spPr/>
-        <p:txBody>
-          <a:bodyPr/>
-          <a:lstStyle/>
-          <a:p>
-            <a:r>
-              <a:rPr lang="en-US" dirty="0"/>
-              <a:t>Problems in data</a:t>
-            </a:r>
-          </a:p>
-        </p:txBody>
-      </p:sp>
-      <p:sp>
-        <p:nvSpPr>
-          <p:cNvPr id="3" name="Content Placeholder 2"/>
-          <p:cNvSpPr>
-            <a:spLocks noGrp="1"/>
-          </p:cNvSpPr>
-          <p:nvPr>
-            <p:ph idx="1"/>
-          </p:nvPr>
-        </p:nvSpPr>
-        <p:spPr/>
-        <p:txBody>
-          <a:bodyPr/>
-          <a:lstStyle/>
-          <a:p>
-            <a:r>
-              <a:rPr lang="en-US" dirty="0"/>
-              <a:t>Many missing Values!</a:t>
-            </a:r>
-          </a:p>
-          <a:p>
-            <a:pPr lvl="1"/>
-            <a:r>
-              <a:rPr lang="en-US" dirty="0"/>
-              <a:t>Some features are completely empty for certain countries.</a:t>
-            </a:r>
-          </a:p>
-          <a:p>
-            <a:r>
-              <a:rPr lang="en-US" dirty="0"/>
-              <a:t>Not normalized.</a:t>
-            </a:r>
-          </a:p>
-          <a:p>
-            <a:pPr lvl="1"/>
-            <a:r>
-              <a:rPr lang="en-US"/>
-              <a:t>Features and countries in GenderStat.csv as rows and years as columns. </a:t>
-            </a:r>
-            <a:endParaRPr lang="en-US" dirty="0"/>
-          </a:p>
-        </p:txBody>
-      </p:sp>
-    </p:spTree>
-    <p:extLst>
-      <p:ext uri="{BB962C8B-B14F-4D97-AF65-F5344CB8AC3E}">
-        <p14:creationId xmlns:p14="http://schemas.microsoft.com/office/powerpoint/2010/main" val="1864583965"/>
-      </p:ext>
-    </p:extLst>
-  </p:cSld>
-  <p:clrMapOvr>
-    <a:masterClrMapping/>
-  </p:clrMapOvr>
-</p:sld>
-</file>
-
-<file path=ppt/slides/slide8.xml><?xml version="1.0" encoding="utf-8"?>
+<file path=ppt/slides/slide10.xml><?xml version="1.0" encoding="utf-8"?>
 <p:sld xmlns:a="http://schemas.openxmlformats.org/drawingml/2006/main" xmlns:r="http://schemas.openxmlformats.org/officeDocument/2006/relationships" xmlns:p="http://schemas.openxmlformats.org/presentationml/2006/main">
   <p:cSld>
     <p:spTree>
@@ -5146,6 +4524,830 @@
     <p:extLst>
       <p:ext uri="{BB962C8B-B14F-4D97-AF65-F5344CB8AC3E}">
         <p14:creationId xmlns:p14="http://schemas.microsoft.com/office/powerpoint/2010/main" val="1364573028"/>
+      </p:ext>
+    </p:extLst>
+  </p:cSld>
+  <p:clrMapOvr>
+    <a:masterClrMapping/>
+  </p:clrMapOvr>
+</p:sld>
+</file>
+
+<file path=ppt/slides/slide2.xml><?xml version="1.0" encoding="utf-8"?>
+<p:sld xmlns:a="http://schemas.openxmlformats.org/drawingml/2006/main" xmlns:r="http://schemas.openxmlformats.org/officeDocument/2006/relationships" xmlns:p="http://schemas.openxmlformats.org/presentationml/2006/main">
+  <p:cSld>
+    <p:spTree>
+      <p:nvGrpSpPr>
+        <p:cNvPr id="1" name=""/>
+        <p:cNvGrpSpPr/>
+        <p:nvPr/>
+      </p:nvGrpSpPr>
+      <p:grpSpPr>
+        <a:xfrm>
+          <a:off x="0" y="0"/>
+          <a:ext cx="0" cy="0"/>
+          <a:chOff x="0" y="0"/>
+          <a:chExt cx="0" cy="0"/>
+        </a:xfrm>
+      </p:grpSpPr>
+      <p:sp>
+        <p:nvSpPr>
+          <p:cNvPr id="2" name="Title 1"/>
+          <p:cNvSpPr>
+            <a:spLocks noGrp="1"/>
+          </p:cNvSpPr>
+          <p:nvPr>
+            <p:ph type="title"/>
+          </p:nvPr>
+        </p:nvSpPr>
+        <p:spPr/>
+        <p:txBody>
+          <a:bodyPr>
+            <a:normAutofit fontScale="90000"/>
+          </a:bodyPr>
+          <a:lstStyle/>
+          <a:p>
+            <a:r>
+              <a:rPr lang="en-US" dirty="0"/>
+              <a:t>Business Goal</a:t>
+            </a:r>
+            <a:br>
+              <a:rPr lang="en-US" dirty="0">
+                <a:solidFill>
+                  <a:srgbClr val="FF0000"/>
+                </a:solidFill>
+              </a:rPr>
+            </a:br>
+            <a:endParaRPr lang="en-US" dirty="0"/>
+          </a:p>
+        </p:txBody>
+      </p:sp>
+      <p:sp>
+        <p:nvSpPr>
+          <p:cNvPr id="3" name="Content Placeholder 2"/>
+          <p:cNvSpPr>
+            <a:spLocks noGrp="1"/>
+          </p:cNvSpPr>
+          <p:nvPr>
+            <p:ph idx="1"/>
+          </p:nvPr>
+        </p:nvSpPr>
+        <p:spPr/>
+        <p:txBody>
+          <a:bodyPr/>
+          <a:lstStyle/>
+          <a:p>
+            <a:pPr marL="0" indent="0" algn="ctr">
+              <a:buNone/>
+            </a:pPr>
+            <a:r>
+              <a:rPr lang="en-US" dirty="0"/>
+              <a:t>With economical and cultural advances world wide, we see that the wage and class differences between genders, are still substantial. In this project we will try to predict the wage difference, focusing on the OECD countries. Our product will be a prediction for each state in the OECD for years to come.  </a:t>
+            </a:r>
+          </a:p>
+          <a:p>
+            <a:pPr marL="0" indent="0" algn="ctr">
+              <a:buNone/>
+            </a:pPr>
+            <a:endParaRPr lang="en-US" dirty="0"/>
+          </a:p>
+          <a:p>
+            <a:r>
+              <a:rPr lang="en-US" dirty="0"/>
+              <a:t>Main </a:t>
+            </a:r>
+            <a:r>
+              <a:rPr lang="en-US" dirty="0" err="1"/>
+              <a:t>Focuse</a:t>
+            </a:r>
+            <a:r>
+              <a:rPr lang="en-US" dirty="0"/>
+              <a:t>– the value we want to predict  is defined as the difference between median earnings of men and women relative to median earnings of men. (</a:t>
+            </a:r>
+            <a:r>
+              <a:rPr lang="en-US" b="1" dirty="0"/>
+              <a:t>base on the existing data from the OECD</a:t>
+            </a:r>
+            <a:r>
+              <a:rPr lang="en-US" dirty="0"/>
+              <a:t>).</a:t>
+            </a:r>
+          </a:p>
+          <a:p>
+            <a:r>
+              <a:rPr lang="en-US" dirty="0"/>
+              <a:t> Data refer to full-time employees and to self-employed.</a:t>
+            </a:r>
+          </a:p>
+          <a:p>
+            <a:endParaRPr lang="en-US" dirty="0"/>
+          </a:p>
+        </p:txBody>
+      </p:sp>
+    </p:spTree>
+    <p:extLst>
+      <p:ext uri="{BB962C8B-B14F-4D97-AF65-F5344CB8AC3E}">
+        <p14:creationId xmlns:p14="http://schemas.microsoft.com/office/powerpoint/2010/main" val="488657827"/>
+      </p:ext>
+    </p:extLst>
+  </p:cSld>
+  <p:clrMapOvr>
+    <a:masterClrMapping/>
+  </p:clrMapOvr>
+</p:sld>
+</file>
+
+<file path=ppt/slides/slide3.xml><?xml version="1.0" encoding="utf-8"?>
+<p:sld xmlns:a="http://schemas.openxmlformats.org/drawingml/2006/main" xmlns:r="http://schemas.openxmlformats.org/officeDocument/2006/relationships" xmlns:p="http://schemas.openxmlformats.org/presentationml/2006/main">
+  <p:cSld>
+    <p:spTree>
+      <p:nvGrpSpPr>
+        <p:cNvPr id="1" name=""/>
+        <p:cNvGrpSpPr/>
+        <p:nvPr/>
+      </p:nvGrpSpPr>
+      <p:grpSpPr>
+        <a:xfrm>
+          <a:off x="0" y="0"/>
+          <a:ext cx="0" cy="0"/>
+          <a:chOff x="0" y="0"/>
+          <a:chExt cx="0" cy="0"/>
+        </a:xfrm>
+      </p:grpSpPr>
+      <p:sp>
+        <p:nvSpPr>
+          <p:cNvPr id="2" name="Title 1"/>
+          <p:cNvSpPr>
+            <a:spLocks noGrp="1"/>
+          </p:cNvSpPr>
+          <p:nvPr>
+            <p:ph type="title"/>
+          </p:nvPr>
+        </p:nvSpPr>
+        <p:spPr>
+          <a:xfrm>
+            <a:off x="923260" y="621329"/>
+            <a:ext cx="10058400" cy="1371600"/>
+          </a:xfrm>
+        </p:spPr>
+        <p:txBody>
+          <a:bodyPr/>
+          <a:lstStyle/>
+          <a:p>
+            <a:r>
+              <a:rPr lang="en-US" dirty="0"/>
+              <a:t>Dataset segements</a:t>
+            </a:r>
+          </a:p>
+        </p:txBody>
+      </p:sp>
+      <p:sp>
+        <p:nvSpPr>
+          <p:cNvPr id="3" name="Content Placeholder 2"/>
+          <p:cNvSpPr>
+            <a:spLocks noGrp="1"/>
+          </p:cNvSpPr>
+          <p:nvPr>
+            <p:ph idx="1"/>
+          </p:nvPr>
+        </p:nvSpPr>
+        <p:spPr/>
+        <p:txBody>
+          <a:bodyPr/>
+          <a:lstStyle/>
+          <a:p>
+            <a:pPr>
+              <a:buNone/>
+            </a:pPr>
+            <a:r>
+              <a:rPr lang="en-US" dirty="0"/>
+              <a:t>Our preliminary data is:</a:t>
+            </a:r>
+          </a:p>
+          <a:p>
+            <a:r>
+              <a:rPr lang="en-US" dirty="0"/>
+              <a:t>World data bank – GenderStat.csv</a:t>
+            </a:r>
+          </a:p>
+          <a:p>
+            <a:r>
+              <a:rPr lang="en-US" dirty="0"/>
+              <a:t>OECD data center – Gender wage gaps (csv)</a:t>
+            </a:r>
+          </a:p>
+          <a:p>
+            <a:endParaRPr lang="en-US" dirty="0"/>
+          </a:p>
+          <a:p>
+            <a:r>
+              <a:rPr lang="en-US" dirty="0"/>
+              <a:t>The OECD data will be used as the predicted data, and we will try to build a model relying on the data from the world data bank. At first, we will try to extract features solely from this data. Exploration for new data sets will occur after model evaluation  if necessary. </a:t>
+            </a:r>
+          </a:p>
+        </p:txBody>
+      </p:sp>
+    </p:spTree>
+    <p:extLst>
+      <p:ext uri="{BB962C8B-B14F-4D97-AF65-F5344CB8AC3E}">
+        <p14:creationId xmlns:p14="http://schemas.microsoft.com/office/powerpoint/2010/main" val="184644264"/>
+      </p:ext>
+    </p:extLst>
+  </p:cSld>
+  <p:clrMapOvr>
+    <a:masterClrMapping/>
+  </p:clrMapOvr>
+</p:sld>
+</file>
+
+<file path=ppt/slides/slide4.xml><?xml version="1.0" encoding="utf-8"?>
+<p:sld xmlns:a="http://schemas.openxmlformats.org/drawingml/2006/main" xmlns:r="http://schemas.openxmlformats.org/officeDocument/2006/relationships" xmlns:p="http://schemas.openxmlformats.org/presentationml/2006/main">
+  <p:cSld>
+    <p:spTree>
+      <p:nvGrpSpPr>
+        <p:cNvPr id="1" name=""/>
+        <p:cNvGrpSpPr/>
+        <p:nvPr/>
+      </p:nvGrpSpPr>
+      <p:grpSpPr>
+        <a:xfrm>
+          <a:off x="0" y="0"/>
+          <a:ext cx="0" cy="0"/>
+          <a:chOff x="0" y="0"/>
+          <a:chExt cx="0" cy="0"/>
+        </a:xfrm>
+      </p:grpSpPr>
+      <p:sp>
+        <p:nvSpPr>
+          <p:cNvPr id="2" name="Title 1"/>
+          <p:cNvSpPr>
+            <a:spLocks noGrp="1"/>
+          </p:cNvSpPr>
+          <p:nvPr>
+            <p:ph type="title"/>
+          </p:nvPr>
+        </p:nvSpPr>
+        <p:spPr>
+          <a:xfrm>
+            <a:off x="1076325" y="537819"/>
+            <a:ext cx="10058400" cy="1371600"/>
+          </a:xfrm>
+        </p:spPr>
+        <p:txBody>
+          <a:bodyPr/>
+          <a:lstStyle/>
+          <a:p>
+            <a:r>
+              <a:rPr lang="en-US" dirty="0"/>
+              <a:t>Dataset </a:t>
+            </a:r>
+            <a:r>
+              <a:rPr lang="en-US" dirty="0" err="1"/>
+              <a:t>segements</a:t>
+            </a:r>
+            <a:r>
+              <a:rPr lang="en-US" dirty="0"/>
+              <a:t> (2)</a:t>
+            </a:r>
+          </a:p>
+        </p:txBody>
+      </p:sp>
+      <p:pic>
+        <p:nvPicPr>
+          <p:cNvPr id="4" name="Picture 3"/>
+          <p:cNvPicPr>
+            <a:picLocks noChangeAspect="1"/>
+          </p:cNvPicPr>
+          <p:nvPr/>
+        </p:nvPicPr>
+        <p:blipFill>
+          <a:blip r:embed="rId2"/>
+          <a:stretch>
+            <a:fillRect/>
+          </a:stretch>
+        </p:blipFill>
+        <p:spPr>
+          <a:xfrm>
+            <a:off x="796527" y="1670121"/>
+            <a:ext cx="10060783" cy="1511106"/>
+          </a:xfrm>
+          <a:prstGeom prst="rect">
+            <a:avLst/>
+          </a:prstGeom>
+        </p:spPr>
+      </p:pic>
+      <p:pic>
+        <p:nvPicPr>
+          <p:cNvPr id="5" name="Picture 4"/>
+          <p:cNvPicPr>
+            <a:picLocks noChangeAspect="1"/>
+          </p:cNvPicPr>
+          <p:nvPr/>
+        </p:nvPicPr>
+        <p:blipFill>
+          <a:blip r:embed="rId3"/>
+          <a:stretch>
+            <a:fillRect/>
+          </a:stretch>
+        </p:blipFill>
+        <p:spPr>
+          <a:xfrm>
+            <a:off x="1219198" y="3270153"/>
+            <a:ext cx="9215439" cy="3175493"/>
+          </a:xfrm>
+          <a:prstGeom prst="rect">
+            <a:avLst/>
+          </a:prstGeom>
+        </p:spPr>
+      </p:pic>
+    </p:spTree>
+    <p:extLst>
+      <p:ext uri="{BB962C8B-B14F-4D97-AF65-F5344CB8AC3E}">
+        <p14:creationId xmlns:p14="http://schemas.microsoft.com/office/powerpoint/2010/main" val="1136635159"/>
+      </p:ext>
+    </p:extLst>
+  </p:cSld>
+  <p:clrMapOvr>
+    <a:masterClrMapping/>
+  </p:clrMapOvr>
+</p:sld>
+</file>
+
+<file path=ppt/slides/slide5.xml><?xml version="1.0" encoding="utf-8"?>
+<p:sld xmlns:a="http://schemas.openxmlformats.org/drawingml/2006/main" xmlns:r="http://schemas.openxmlformats.org/officeDocument/2006/relationships" xmlns:p="http://schemas.openxmlformats.org/presentationml/2006/main">
+  <p:cSld>
+    <p:spTree>
+      <p:nvGrpSpPr>
+        <p:cNvPr id="1" name=""/>
+        <p:cNvGrpSpPr/>
+        <p:nvPr/>
+      </p:nvGrpSpPr>
+      <p:grpSpPr>
+        <a:xfrm>
+          <a:off x="0" y="0"/>
+          <a:ext cx="0" cy="0"/>
+          <a:chOff x="0" y="0"/>
+          <a:chExt cx="0" cy="0"/>
+        </a:xfrm>
+      </p:grpSpPr>
+      <p:sp>
+        <p:nvSpPr>
+          <p:cNvPr id="2" name="Title 1"/>
+          <p:cNvSpPr>
+            <a:spLocks noGrp="1"/>
+          </p:cNvSpPr>
+          <p:nvPr>
+            <p:ph type="title"/>
+          </p:nvPr>
+        </p:nvSpPr>
+        <p:spPr/>
+        <p:txBody>
+          <a:bodyPr/>
+          <a:lstStyle/>
+          <a:p>
+            <a:r>
+              <a:rPr lang="en-US" dirty="0"/>
+              <a:t>Dataset </a:t>
+            </a:r>
+            <a:r>
+              <a:rPr lang="en-US" dirty="0" err="1"/>
+              <a:t>segements</a:t>
+            </a:r>
+            <a:r>
+              <a:rPr lang="en-US" dirty="0"/>
+              <a:t> (2)</a:t>
+            </a:r>
+            <a:endParaRPr lang="en-US" dirty="0"/>
+          </a:p>
+        </p:txBody>
+      </p:sp>
+      <p:pic>
+        <p:nvPicPr>
+          <p:cNvPr id="4" name="Content Placeholder 3"/>
+          <p:cNvPicPr>
+            <a:picLocks noGrp="1" noChangeAspect="1"/>
+          </p:cNvPicPr>
+          <p:nvPr>
+            <p:ph idx="1"/>
+          </p:nvPr>
+        </p:nvPicPr>
+        <p:blipFill>
+          <a:blip r:embed="rId2"/>
+          <a:stretch>
+            <a:fillRect/>
+          </a:stretch>
+        </p:blipFill>
+        <p:spPr>
+          <a:xfrm>
+            <a:off x="1316380" y="2103438"/>
+            <a:ext cx="9559239" cy="3932237"/>
+          </a:xfrm>
+          <a:prstGeom prst="rect">
+            <a:avLst/>
+          </a:prstGeom>
+        </p:spPr>
+      </p:pic>
+    </p:spTree>
+    <p:extLst>
+      <p:ext uri="{BB962C8B-B14F-4D97-AF65-F5344CB8AC3E}">
+        <p14:creationId xmlns:p14="http://schemas.microsoft.com/office/powerpoint/2010/main" val="1293170333"/>
+      </p:ext>
+    </p:extLst>
+  </p:cSld>
+  <p:clrMapOvr>
+    <a:masterClrMapping/>
+  </p:clrMapOvr>
+</p:sld>
+</file>
+
+<file path=ppt/slides/slide6.xml><?xml version="1.0" encoding="utf-8"?>
+<p:sld xmlns:a="http://schemas.openxmlformats.org/drawingml/2006/main" xmlns:r="http://schemas.openxmlformats.org/officeDocument/2006/relationships" xmlns:p="http://schemas.openxmlformats.org/presentationml/2006/main">
+  <p:cSld>
+    <p:spTree>
+      <p:nvGrpSpPr>
+        <p:cNvPr id="1" name=""/>
+        <p:cNvGrpSpPr/>
+        <p:nvPr/>
+      </p:nvGrpSpPr>
+      <p:grpSpPr>
+        <a:xfrm>
+          <a:off x="0" y="0"/>
+          <a:ext cx="0" cy="0"/>
+          <a:chOff x="0" y="0"/>
+          <a:chExt cx="0" cy="0"/>
+        </a:xfrm>
+      </p:grpSpPr>
+      <p:sp>
+        <p:nvSpPr>
+          <p:cNvPr id="2" name="Title 1"/>
+          <p:cNvSpPr>
+            <a:spLocks noGrp="1"/>
+          </p:cNvSpPr>
+          <p:nvPr>
+            <p:ph type="title"/>
+          </p:nvPr>
+        </p:nvSpPr>
+        <p:spPr/>
+        <p:txBody>
+          <a:bodyPr/>
+          <a:lstStyle/>
+          <a:p>
+            <a:r>
+              <a:rPr lang="en-US" dirty="0"/>
+              <a:t>Data Preparation (overview)</a:t>
+            </a:r>
+          </a:p>
+        </p:txBody>
+      </p:sp>
+      <p:sp>
+        <p:nvSpPr>
+          <p:cNvPr id="3" name="Content Placeholder 2"/>
+          <p:cNvSpPr>
+            <a:spLocks noGrp="1"/>
+          </p:cNvSpPr>
+          <p:nvPr>
+            <p:ph idx="1"/>
+          </p:nvPr>
+        </p:nvSpPr>
+        <p:spPr/>
+        <p:txBody>
+          <a:bodyPr/>
+          <a:lstStyle/>
+          <a:p>
+            <a:r>
+              <a:rPr lang="en-US" dirty="0"/>
+              <a:t>Column arrangements (countries – flatten </a:t>
+            </a:r>
+            <a:r>
+              <a:rPr lang="en-US" dirty="0" err="1"/>
+              <a:t>categorials</a:t>
+            </a:r>
+            <a:r>
+              <a:rPr lang="en-US" dirty="0"/>
+              <a:t>, years – equal </a:t>
+            </a:r>
+            <a:r>
+              <a:rPr lang="en-US" dirty="0" err="1"/>
+              <a:t>framents</a:t>
+            </a:r>
+            <a:r>
+              <a:rPr lang="en-US" dirty="0"/>
+              <a:t>)</a:t>
+            </a:r>
+          </a:p>
+          <a:p>
+            <a:r>
+              <a:rPr lang="en-US" dirty="0"/>
+              <a:t>Normalizing –  (Value-min(value)) / (max(value)-min(value))</a:t>
+            </a:r>
+          </a:p>
+          <a:p>
+            <a:r>
+              <a:rPr lang="en-US" dirty="0"/>
+              <a:t>Missing values:</a:t>
+            </a:r>
+          </a:p>
+          <a:p>
+            <a:pPr lvl="1"/>
+            <a:r>
+              <a:rPr lang="en-US" dirty="0"/>
+              <a:t>Too many!</a:t>
+            </a:r>
+          </a:p>
+          <a:p>
+            <a:pPr lvl="1"/>
+            <a:r>
+              <a:rPr lang="en-US" dirty="0"/>
+              <a:t>First removing the sparse ones without mining context (under XXX percent)</a:t>
+            </a:r>
+          </a:p>
+          <a:p>
+            <a:pPr lvl="1"/>
+            <a:r>
+              <a:rPr lang="en-US" dirty="0"/>
+              <a:t>First version:  median</a:t>
+            </a:r>
+          </a:p>
+          <a:p>
+            <a:pPr lvl="1"/>
+            <a:r>
+              <a:rPr lang="en-US" dirty="0"/>
+              <a:t>Second version: finding similar countries with similar values </a:t>
+            </a:r>
+          </a:p>
+          <a:p>
+            <a:endParaRPr lang="en-US" dirty="0"/>
+          </a:p>
+        </p:txBody>
+      </p:sp>
+    </p:spTree>
+    <p:extLst>
+      <p:ext uri="{BB962C8B-B14F-4D97-AF65-F5344CB8AC3E}">
+        <p14:creationId xmlns:p14="http://schemas.microsoft.com/office/powerpoint/2010/main" val="3021417476"/>
+      </p:ext>
+    </p:extLst>
+  </p:cSld>
+  <p:clrMapOvr>
+    <a:masterClrMapping/>
+  </p:clrMapOvr>
+</p:sld>
+</file>
+
+<file path=ppt/slides/slide7.xml><?xml version="1.0" encoding="utf-8"?>
+<p:sld xmlns:a="http://schemas.openxmlformats.org/drawingml/2006/main" xmlns:r="http://schemas.openxmlformats.org/officeDocument/2006/relationships" xmlns:p="http://schemas.openxmlformats.org/presentationml/2006/main">
+  <p:cSld>
+    <p:spTree>
+      <p:nvGrpSpPr>
+        <p:cNvPr id="1" name=""/>
+        <p:cNvGrpSpPr/>
+        <p:nvPr/>
+      </p:nvGrpSpPr>
+      <p:grpSpPr>
+        <a:xfrm>
+          <a:off x="0" y="0"/>
+          <a:ext cx="0" cy="0"/>
+          <a:chOff x="0" y="0"/>
+          <a:chExt cx="0" cy="0"/>
+        </a:xfrm>
+      </p:grpSpPr>
+      <p:sp>
+        <p:nvSpPr>
+          <p:cNvPr id="2" name="Title 1"/>
+          <p:cNvSpPr>
+            <a:spLocks noGrp="1"/>
+          </p:cNvSpPr>
+          <p:nvPr>
+            <p:ph type="title"/>
+          </p:nvPr>
+        </p:nvSpPr>
+        <p:spPr/>
+        <p:txBody>
+          <a:bodyPr>
+            <a:normAutofit fontScale="90000"/>
+          </a:bodyPr>
+          <a:lstStyle/>
+          <a:p>
+            <a:r>
+              <a:rPr lang="en-US" dirty="0"/>
+              <a:t>Current GenderStat.csv after preliminary normalization</a:t>
+            </a:r>
+          </a:p>
+        </p:txBody>
+      </p:sp>
+      <p:pic>
+        <p:nvPicPr>
+          <p:cNvPr id="4" name="Content Placeholder 3"/>
+          <p:cNvPicPr>
+            <a:picLocks noGrp="1" noChangeAspect="1"/>
+          </p:cNvPicPr>
+          <p:nvPr>
+            <p:ph idx="1"/>
+          </p:nvPr>
+        </p:nvPicPr>
+        <p:blipFill>
+          <a:blip r:embed="rId2"/>
+          <a:stretch>
+            <a:fillRect/>
+          </a:stretch>
+        </p:blipFill>
+        <p:spPr>
+          <a:xfrm>
+            <a:off x="2224352" y="2103438"/>
+            <a:ext cx="7743295" cy="3932237"/>
+          </a:xfrm>
+          <a:prstGeom prst="rect">
+            <a:avLst/>
+          </a:prstGeom>
+        </p:spPr>
+      </p:pic>
+    </p:spTree>
+    <p:extLst>
+      <p:ext uri="{BB962C8B-B14F-4D97-AF65-F5344CB8AC3E}">
+        <p14:creationId xmlns:p14="http://schemas.microsoft.com/office/powerpoint/2010/main" val="96197614"/>
+      </p:ext>
+    </p:extLst>
+  </p:cSld>
+  <p:clrMapOvr>
+    <a:masterClrMapping/>
+  </p:clrMapOvr>
+</p:sld>
+</file>
+
+<file path=ppt/slides/slide8.xml><?xml version="1.0" encoding="utf-8"?>
+<p:sld xmlns:a="http://schemas.openxmlformats.org/drawingml/2006/main" xmlns:r="http://schemas.openxmlformats.org/officeDocument/2006/relationships" xmlns:p="http://schemas.openxmlformats.org/presentationml/2006/main">
+  <p:cSld>
+    <p:spTree>
+      <p:nvGrpSpPr>
+        <p:cNvPr id="1" name=""/>
+        <p:cNvGrpSpPr/>
+        <p:nvPr/>
+      </p:nvGrpSpPr>
+      <p:grpSpPr>
+        <a:xfrm>
+          <a:off x="0" y="0"/>
+          <a:ext cx="0" cy="0"/>
+          <a:chOff x="0" y="0"/>
+          <a:chExt cx="0" cy="0"/>
+        </a:xfrm>
+      </p:grpSpPr>
+      <p:sp>
+        <p:nvSpPr>
+          <p:cNvPr id="2" name="Title 1"/>
+          <p:cNvSpPr>
+            <a:spLocks noGrp="1"/>
+          </p:cNvSpPr>
+          <p:nvPr>
+            <p:ph type="title"/>
+          </p:nvPr>
+        </p:nvSpPr>
+        <p:spPr/>
+        <p:txBody>
+          <a:bodyPr>
+            <a:normAutofit fontScale="90000"/>
+          </a:bodyPr>
+          <a:lstStyle/>
+          <a:p>
+            <a:r>
+              <a:rPr lang="en-US" dirty="0"/>
+              <a:t>machine-learning problem Product output</a:t>
+            </a:r>
+          </a:p>
+        </p:txBody>
+      </p:sp>
+      <p:sp>
+        <p:nvSpPr>
+          <p:cNvPr id="3" name="Content Placeholder 2"/>
+          <p:cNvSpPr>
+            <a:spLocks noGrp="1"/>
+          </p:cNvSpPr>
+          <p:nvPr>
+            <p:ph idx="1"/>
+          </p:nvPr>
+        </p:nvSpPr>
+        <p:spPr/>
+        <p:txBody>
+          <a:bodyPr/>
+          <a:lstStyle/>
+          <a:p>
+            <a:r>
+              <a:rPr lang="en-US" dirty="0"/>
+              <a:t>Predicting average gender wage gap in the OECD</a:t>
+            </a:r>
+          </a:p>
+          <a:p>
+            <a:r>
+              <a:rPr lang="en-US" dirty="0"/>
+              <a:t>Will calculate for each state and average them </a:t>
+            </a:r>
+            <a:r>
+              <a:rPr lang="en-US" dirty="0" err="1"/>
+              <a:t>deterministicly</a:t>
+            </a:r>
+            <a:r>
+              <a:rPr lang="en-US" dirty="0"/>
+              <a:t> (for unbiased estimates – immediate variance reduction)</a:t>
+            </a:r>
+          </a:p>
+        </p:txBody>
+      </p:sp>
+    </p:spTree>
+    <p:extLst>
+      <p:ext uri="{BB962C8B-B14F-4D97-AF65-F5344CB8AC3E}">
+        <p14:creationId xmlns:p14="http://schemas.microsoft.com/office/powerpoint/2010/main" val="2506240783"/>
+      </p:ext>
+    </p:extLst>
+  </p:cSld>
+  <p:clrMapOvr>
+    <a:masterClrMapping/>
+  </p:clrMapOvr>
+</p:sld>
+</file>
+
+<file path=ppt/slides/slide9.xml><?xml version="1.0" encoding="utf-8"?>
+<p:sld xmlns:a="http://schemas.openxmlformats.org/drawingml/2006/main" xmlns:r="http://schemas.openxmlformats.org/officeDocument/2006/relationships" xmlns:p="http://schemas.openxmlformats.org/presentationml/2006/main">
+  <p:cSld>
+    <p:spTree>
+      <p:nvGrpSpPr>
+        <p:cNvPr id="1" name=""/>
+        <p:cNvGrpSpPr/>
+        <p:nvPr/>
+      </p:nvGrpSpPr>
+      <p:grpSpPr>
+        <a:xfrm>
+          <a:off x="0" y="0"/>
+          <a:ext cx="0" cy="0"/>
+          <a:chOff x="0" y="0"/>
+          <a:chExt cx="0" cy="0"/>
+        </a:xfrm>
+      </p:grpSpPr>
+      <p:sp>
+        <p:nvSpPr>
+          <p:cNvPr id="2" name="Title 1"/>
+          <p:cNvSpPr>
+            <a:spLocks noGrp="1"/>
+          </p:cNvSpPr>
+          <p:nvPr>
+            <p:ph type="title"/>
+          </p:nvPr>
+        </p:nvSpPr>
+        <p:spPr/>
+        <p:txBody>
+          <a:bodyPr/>
+          <a:lstStyle/>
+          <a:p>
+            <a:r>
+              <a:rPr lang="en-US" dirty="0"/>
+              <a:t>Problems in data</a:t>
+            </a:r>
+          </a:p>
+        </p:txBody>
+      </p:sp>
+      <p:sp>
+        <p:nvSpPr>
+          <p:cNvPr id="3" name="Content Placeholder 2"/>
+          <p:cNvSpPr>
+            <a:spLocks noGrp="1"/>
+          </p:cNvSpPr>
+          <p:nvPr>
+            <p:ph idx="1"/>
+          </p:nvPr>
+        </p:nvSpPr>
+        <p:spPr/>
+        <p:txBody>
+          <a:bodyPr/>
+          <a:lstStyle/>
+          <a:p>
+            <a:r>
+              <a:rPr lang="en-US" dirty="0"/>
+              <a:t>Many missing Values!</a:t>
+            </a:r>
+          </a:p>
+          <a:p>
+            <a:pPr lvl="1"/>
+            <a:r>
+              <a:rPr lang="en-US" dirty="0"/>
+              <a:t>Some features are completely empty for certain countries.</a:t>
+            </a:r>
+          </a:p>
+          <a:p>
+            <a:r>
+              <a:rPr lang="en-US" dirty="0"/>
+              <a:t>Not normalized.</a:t>
+            </a:r>
+          </a:p>
+          <a:p>
+            <a:pPr lvl="1"/>
+            <a:r>
+              <a:rPr lang="en-US" dirty="0"/>
+              <a:t>Features and countries in GenderStat.csv as rows and years as columns. </a:t>
+            </a:r>
+          </a:p>
+        </p:txBody>
+      </p:sp>
+    </p:spTree>
+    <p:extLst>
+      <p:ext uri="{BB962C8B-B14F-4D97-AF65-F5344CB8AC3E}">
+        <p14:creationId xmlns:p14="http://schemas.microsoft.com/office/powerpoint/2010/main" val="1864583965"/>
       </p:ext>
     </p:extLst>
   </p:cSld>

--- a/Sallary gap predictionfrom Project Demo.pptx
+++ b/Sallary gap predictionfrom Project Demo.pptx
@@ -12,9 +12,10 @@
     <p:sldId id="266" r:id="rId6"/>
     <p:sldId id="263" r:id="rId7"/>
     <p:sldId id="267" r:id="rId8"/>
-    <p:sldId id="264" r:id="rId9"/>
-    <p:sldId id="262" r:id="rId10"/>
-    <p:sldId id="265" r:id="rId11"/>
+    <p:sldId id="268" r:id="rId9"/>
+    <p:sldId id="264" r:id="rId10"/>
+    <p:sldId id="262" r:id="rId11"/>
+    <p:sldId id="265" r:id="rId12"/>
   </p:sldIdLst>
   <p:sldSz cx="12192000" cy="6858000"/>
   <p:notesSz cx="6858000" cy="9144000"/>
@@ -4390,6 +4391,100 @@
           <a:p>
             <a:r>
               <a:rPr lang="en-US" dirty="0"/>
+              <a:t>Problems in data</a:t>
+            </a:r>
+          </a:p>
+        </p:txBody>
+      </p:sp>
+      <p:sp>
+        <p:nvSpPr>
+          <p:cNvPr id="3" name="Content Placeholder 2"/>
+          <p:cNvSpPr>
+            <a:spLocks noGrp="1"/>
+          </p:cNvSpPr>
+          <p:nvPr>
+            <p:ph idx="1"/>
+          </p:nvPr>
+        </p:nvSpPr>
+        <p:spPr/>
+        <p:txBody>
+          <a:bodyPr/>
+          <a:lstStyle/>
+          <a:p>
+            <a:r>
+              <a:rPr lang="en-US" dirty="0"/>
+              <a:t>Many missing Values!</a:t>
+            </a:r>
+          </a:p>
+          <a:p>
+            <a:pPr lvl="1"/>
+            <a:r>
+              <a:rPr lang="en-US" dirty="0"/>
+              <a:t>Some features are completely empty for certain countries.</a:t>
+            </a:r>
+          </a:p>
+          <a:p>
+            <a:r>
+              <a:rPr lang="en-US" dirty="0"/>
+              <a:t>Not normalized.</a:t>
+            </a:r>
+          </a:p>
+          <a:p>
+            <a:pPr lvl="1"/>
+            <a:r>
+              <a:rPr lang="en-US" dirty="0"/>
+              <a:t>Features and countries in GenderStat.csv as rows and years as columns. </a:t>
+            </a:r>
+          </a:p>
+        </p:txBody>
+      </p:sp>
+    </p:spTree>
+    <p:extLst>
+      <p:ext uri="{BB962C8B-B14F-4D97-AF65-F5344CB8AC3E}">
+        <p14:creationId xmlns:p14="http://schemas.microsoft.com/office/powerpoint/2010/main" val="1864583965"/>
+      </p:ext>
+    </p:extLst>
+  </p:cSld>
+  <p:clrMapOvr>
+    <a:masterClrMapping/>
+  </p:clrMapOvr>
+</p:sld>
+</file>
+
+<file path=ppt/slides/slide11.xml><?xml version="1.0" encoding="utf-8"?>
+<p:sld xmlns:a="http://schemas.openxmlformats.org/drawingml/2006/main" xmlns:r="http://schemas.openxmlformats.org/officeDocument/2006/relationships" xmlns:p="http://schemas.openxmlformats.org/presentationml/2006/main">
+  <p:cSld>
+    <p:spTree>
+      <p:nvGrpSpPr>
+        <p:cNvPr id="1" name=""/>
+        <p:cNvGrpSpPr/>
+        <p:nvPr/>
+      </p:nvGrpSpPr>
+      <p:grpSpPr>
+        <a:xfrm>
+          <a:off x="0" y="0"/>
+          <a:ext cx="0" cy="0"/>
+          <a:chOff x="0" y="0"/>
+          <a:chExt cx="0" cy="0"/>
+        </a:xfrm>
+      </p:grpSpPr>
+      <p:sp>
+        <p:nvSpPr>
+          <p:cNvPr id="2" name="Title 1"/>
+          <p:cNvSpPr>
+            <a:spLocks noGrp="1"/>
+          </p:cNvSpPr>
+          <p:nvPr>
+            <p:ph type="title"/>
+          </p:nvPr>
+        </p:nvSpPr>
+        <p:spPr/>
+        <p:txBody>
+          <a:bodyPr/>
+          <a:lstStyle/>
+          <a:p>
+            <a:r>
+              <a:rPr lang="en-US" dirty="0"/>
               <a:t>Implementation plan</a:t>
             </a:r>
           </a:p>
@@ -4917,7 +5012,6 @@
               <a:rPr lang="en-US" dirty="0"/>
               <a:t> (2)</a:t>
             </a:r>
-            <a:endParaRPr lang="en-US" dirty="0"/>
           </a:p>
         </p:txBody>
       </p:sp>
@@ -5129,7 +5223,11 @@
           <a:p>
             <a:r>
               <a:rPr lang="en-US" dirty="0"/>
-              <a:t>Current GenderStat.csv after preliminary normalization</a:t>
+              <a:t>GenderStat_Data_new.</a:t>
+            </a:r>
+            <a:r>
+              <a:rPr lang="en-US" dirty="0"/>
+              <a:t>csv after preliminary normalization</a:t>
             </a:r>
           </a:p>
         </p:txBody>
@@ -5209,8 +5307,9 @@
           <a:p>
             <a:r>
               <a:rPr lang="en-US" dirty="0"/>
-              <a:t>machine-learning problem Product output</a:t>
-            </a:r>
+              <a:t>Payment_gap_oecd.csv after preliminary normalization</a:t>
+            </a:r>
+            <a:endParaRPr lang="en-US" dirty="0"/>
           </a:p>
         </p:txBody>
       </p:sp>
@@ -5229,31 +5328,14 @@
           <a:bodyPr/>
           <a:lstStyle/>
           <a:p>
-            <a:r>
-              <a:rPr lang="en-US" dirty="0"/>
-              <a:t>Predicting average gender wage gap in the OECD</a:t>
-            </a:r>
-          </a:p>
-          <a:p>
-            <a:r>
-              <a:rPr lang="en-US" dirty="0"/>
-              <a:t>Will calculate for each state and average them </a:t>
-            </a:r>
-            <a:r>
-              <a:rPr lang="en-US" dirty="0" err="1"/>
-              <a:t>deterministicly</a:t>
-            </a:r>
-            <a:r>
-              <a:rPr lang="en-US" dirty="0"/>
-              <a:t> (for unbiased estimates – immediate variance reduction)</a:t>
-            </a:r>
+            <a:endParaRPr lang="en-US" dirty="0"/>
           </a:p>
         </p:txBody>
       </p:sp>
     </p:spTree>
     <p:extLst>
       <p:ext uri="{BB962C8B-B14F-4D97-AF65-F5344CB8AC3E}">
-        <p14:creationId xmlns:p14="http://schemas.microsoft.com/office/powerpoint/2010/main" val="2506240783"/>
+        <p14:creationId xmlns:p14="http://schemas.microsoft.com/office/powerpoint/2010/main" val="3123688476"/>
       </p:ext>
     </p:extLst>
   </p:cSld>
@@ -5292,54 +5374,50 @@
         </p:nvSpPr>
         <p:spPr/>
         <p:txBody>
+          <a:bodyPr>
+            <a:normAutofit fontScale="90000"/>
+          </a:bodyPr>
+          <a:lstStyle/>
+          <a:p>
+            <a:r>
+              <a:rPr lang="en-US" dirty="0"/>
+              <a:t>machine-learning problem Product output</a:t>
+            </a:r>
+          </a:p>
+        </p:txBody>
+      </p:sp>
+      <p:sp>
+        <p:nvSpPr>
+          <p:cNvPr id="3" name="Content Placeholder 2"/>
+          <p:cNvSpPr>
+            <a:spLocks noGrp="1"/>
+          </p:cNvSpPr>
+          <p:nvPr>
+            <p:ph idx="1"/>
+          </p:nvPr>
+        </p:nvSpPr>
+        <p:spPr/>
+        <p:txBody>
           <a:bodyPr/>
           <a:lstStyle/>
           <a:p>
             <a:r>
               <a:rPr lang="en-US" dirty="0"/>
-              <a:t>Problems in data</a:t>
-            </a:r>
-          </a:p>
-        </p:txBody>
-      </p:sp>
-      <p:sp>
-        <p:nvSpPr>
-          <p:cNvPr id="3" name="Content Placeholder 2"/>
-          <p:cNvSpPr>
-            <a:spLocks noGrp="1"/>
-          </p:cNvSpPr>
-          <p:nvPr>
-            <p:ph idx="1"/>
-          </p:nvPr>
-        </p:nvSpPr>
-        <p:spPr/>
-        <p:txBody>
-          <a:bodyPr/>
-          <a:lstStyle/>
+              <a:t>Predicting average gender wage gap in the OECD</a:t>
+            </a:r>
+          </a:p>
           <a:p>
             <a:r>
               <a:rPr lang="en-US" dirty="0"/>
-              <a:t>Many missing Values!</a:t>
-            </a:r>
-          </a:p>
-          <a:p>
-            <a:pPr lvl="1"/>
+              <a:t>Will calculate for each state and average them </a:t>
+            </a:r>
+            <a:r>
+              <a:rPr lang="en-US" dirty="0" err="1"/>
+              <a:t>deterministicly</a:t>
+            </a:r>
             <a:r>
               <a:rPr lang="en-US" dirty="0"/>
-              <a:t>Some features are completely empty for certain countries.</a:t>
-            </a:r>
-          </a:p>
-          <a:p>
-            <a:r>
-              <a:rPr lang="en-US" dirty="0"/>
-              <a:t>Not normalized.</a:t>
-            </a:r>
-          </a:p>
-          <a:p>
-            <a:pPr lvl="1"/>
-            <a:r>
-              <a:rPr lang="en-US" dirty="0"/>
-              <a:t>Features and countries in GenderStat.csv as rows and years as columns. </a:t>
+              <a:t> (for unbiased estimates – immediate variance reduction)</a:t>
             </a:r>
           </a:p>
         </p:txBody>
@@ -5347,7 +5425,7 @@
     </p:spTree>
     <p:extLst>
       <p:ext uri="{BB962C8B-B14F-4D97-AF65-F5344CB8AC3E}">
-        <p14:creationId xmlns:p14="http://schemas.microsoft.com/office/powerpoint/2010/main" val="1864583965"/>
+        <p14:creationId xmlns:p14="http://schemas.microsoft.com/office/powerpoint/2010/main" val="2506240783"/>
       </p:ext>
     </p:extLst>
   </p:cSld>

--- a/Sallary gap predictionfrom Project Demo.pptx
+++ b/Sallary gap predictionfrom Project Demo.pptx
@@ -9,11 +9,11 @@
     <p:sldId id="257" r:id="rId3"/>
     <p:sldId id="258" r:id="rId4"/>
     <p:sldId id="261" r:id="rId5"/>
-    <p:sldId id="266" r:id="rId6"/>
-    <p:sldId id="263" r:id="rId7"/>
-    <p:sldId id="267" r:id="rId8"/>
-    <p:sldId id="264" r:id="rId9"/>
-    <p:sldId id="262" r:id="rId10"/>
+    <p:sldId id="263" r:id="rId6"/>
+    <p:sldId id="269" r:id="rId7"/>
+    <p:sldId id="264" r:id="rId8"/>
+    <p:sldId id="262" r:id="rId9"/>
+    <p:sldId id="268" r:id="rId10"/>
     <p:sldId id="265" r:id="rId11"/>
   </p:sldIdLst>
   <p:sldSz cx="12192000" cy="6858000"/>
@@ -595,7 +595,7 @@
             <a:fld id="{DCCFA427-BB50-4F8D-8FC4-B0EA0BA5795C}" type="datetimeFigureOut">
               <a:rPr lang="en-US" smtClean="0"/>
               <a:pPr/>
-              <a:t>07/12/2016</a:t>
+              <a:t>12/7/2016</a:t>
             </a:fld>
             <a:endParaRPr lang="en-US"/>
           </a:p>
@@ -799,7 +799,7 @@
             <a:fld id="{DCCFA427-BB50-4F8D-8FC4-B0EA0BA5795C}" type="datetimeFigureOut">
               <a:rPr lang="en-US" smtClean="0"/>
               <a:pPr/>
-              <a:t>07/12/2016</a:t>
+              <a:t>12/7/2016</a:t>
             </a:fld>
             <a:endParaRPr lang="en-US"/>
           </a:p>
@@ -981,7 +981,7 @@
             <a:fld id="{DCCFA427-BB50-4F8D-8FC4-B0EA0BA5795C}" type="datetimeFigureOut">
               <a:rPr lang="en-US" smtClean="0"/>
               <a:pPr/>
-              <a:t>07/12/2016</a:t>
+              <a:t>12/7/2016</a:t>
             </a:fld>
             <a:endParaRPr lang="en-US"/>
           </a:p>
@@ -1153,7 +1153,7 @@
             <a:fld id="{DCCFA427-BB50-4F8D-8FC4-B0EA0BA5795C}" type="datetimeFigureOut">
               <a:rPr lang="en-US" smtClean="0"/>
               <a:pPr/>
-              <a:t>07/12/2016</a:t>
+              <a:t>12/7/2016</a:t>
             </a:fld>
             <a:endParaRPr lang="en-US"/>
           </a:p>
@@ -1726,7 +1726,7 @@
             <a:fld id="{DCCFA427-BB50-4F8D-8FC4-B0EA0BA5795C}" type="datetimeFigureOut">
               <a:rPr lang="en-US" smtClean="0"/>
               <a:pPr/>
-              <a:t>07/12/2016</a:t>
+              <a:t>12/7/2016</a:t>
             </a:fld>
             <a:endParaRPr lang="en-US"/>
           </a:p>
@@ -2030,7 +2030,7 @@
             <a:fld id="{DCCFA427-BB50-4F8D-8FC4-B0EA0BA5795C}" type="datetimeFigureOut">
               <a:rPr lang="en-US" smtClean="0"/>
               <a:pPr/>
-              <a:t>07/12/2016</a:t>
+              <a:t>12/7/2016</a:t>
             </a:fld>
             <a:endParaRPr lang="en-US"/>
           </a:p>
@@ -2469,7 +2469,7 @@
             <a:fld id="{DCCFA427-BB50-4F8D-8FC4-B0EA0BA5795C}" type="datetimeFigureOut">
               <a:rPr lang="en-US" smtClean="0"/>
               <a:pPr/>
-              <a:t>07/12/2016</a:t>
+              <a:t>12/7/2016</a:t>
             </a:fld>
             <a:endParaRPr lang="en-US"/>
           </a:p>
@@ -2589,7 +2589,7 @@
             <a:fld id="{DCCFA427-BB50-4F8D-8FC4-B0EA0BA5795C}" type="datetimeFigureOut">
               <a:rPr lang="en-US" smtClean="0"/>
               <a:pPr/>
-              <a:t>07/12/2016</a:t>
+              <a:t>12/7/2016</a:t>
             </a:fld>
             <a:endParaRPr lang="en-US"/>
           </a:p>
@@ -2686,7 +2686,7 @@
             <a:fld id="{DCCFA427-BB50-4F8D-8FC4-B0EA0BA5795C}" type="datetimeFigureOut">
               <a:rPr lang="en-US" smtClean="0"/>
               <a:pPr/>
-              <a:t>07/12/2016</a:t>
+              <a:t>12/7/2016</a:t>
             </a:fld>
             <a:endParaRPr lang="en-US"/>
           </a:p>
@@ -3070,7 +3070,7 @@
             <a:fld id="{DCCFA427-BB50-4F8D-8FC4-B0EA0BA5795C}" type="datetimeFigureOut">
               <a:rPr lang="en-US" smtClean="0"/>
               <a:pPr/>
-              <a:t>07/12/2016</a:t>
+              <a:t>12/7/2016</a:t>
             </a:fld>
             <a:endParaRPr lang="en-US"/>
           </a:p>
@@ -3466,7 +3466,7 @@
             <a:fld id="{DCCFA427-BB50-4F8D-8FC4-B0EA0BA5795C}" type="datetimeFigureOut">
               <a:rPr lang="en-US" smtClean="0"/>
               <a:pPr/>
-              <a:t>07/12/2016</a:t>
+              <a:t>12/7/2016</a:t>
             </a:fld>
             <a:endParaRPr lang="en-US"/>
           </a:p>
@@ -3781,7 +3781,7 @@
             <a:fld id="{DCCFA427-BB50-4F8D-8FC4-B0EA0BA5795C}" type="datetimeFigureOut">
               <a:rPr lang="en-US" smtClean="0"/>
               <a:pPr/>
-              <a:t>07/12/2016</a:t>
+              <a:t>12/7/2016</a:t>
             </a:fld>
             <a:endParaRPr lang="en-US"/>
           </a:p>
@@ -4383,143 +4383,483 @@
             <p:ph type="title"/>
           </p:nvPr>
         </p:nvSpPr>
-        <p:spPr/>
+        <p:spPr>
+          <a:xfrm>
+            <a:off x="577702" y="387413"/>
+            <a:ext cx="10058400" cy="1371600"/>
+          </a:xfrm>
+        </p:spPr>
         <p:txBody>
           <a:bodyPr/>
           <a:lstStyle/>
           <a:p>
             <a:r>
               <a:rPr lang="en-US" dirty="0"/>
-              <a:t>Implementation plan</a:t>
-            </a:r>
-          </a:p>
-        </p:txBody>
-      </p:sp>
-      <p:sp>
-        <p:nvSpPr>
-          <p:cNvPr id="3" name="Content Placeholder 2"/>
-          <p:cNvSpPr>
-            <a:spLocks noGrp="1"/>
-          </p:cNvSpPr>
-          <p:nvPr>
-            <p:ph idx="1"/>
-          </p:nvPr>
-        </p:nvSpPr>
-        <p:spPr/>
-        <p:txBody>
-          <a:bodyPr/>
-          <a:lstStyle/>
-          <a:p>
-            <a:r>
-              <a:rPr lang="en-US" dirty="0"/>
-              <a:t>Business understanding, Data understanding – done</a:t>
-            </a:r>
-          </a:p>
-          <a:p>
-            <a:r>
-              <a:rPr lang="en-US" dirty="0"/>
-              <a:t>Data </a:t>
-            </a:r>
-            <a:r>
-              <a:rPr lang="en-US" dirty="0" err="1"/>
-              <a:t>preperation</a:t>
-            </a:r>
-            <a:r>
-              <a:rPr lang="en-US" dirty="0"/>
-              <a:t> – as stated</a:t>
-            </a:r>
-          </a:p>
-          <a:p>
-            <a:r>
-              <a:rPr lang="en-US" dirty="0"/>
-              <a:t>Modeling  and Evaluating</a:t>
-            </a:r>
-          </a:p>
-          <a:p>
-            <a:pPr lvl="1"/>
-            <a:r>
-              <a:rPr lang="en-US" dirty="0"/>
-              <a:t>Step 1: simple linear regression. T-test based feature Removing (manually)?</a:t>
-            </a:r>
-          </a:p>
-          <a:p>
-            <a:pPr lvl="1"/>
-            <a:r>
-              <a:rPr lang="en-US" dirty="0"/>
-              <a:t>Step 2: L1 regularization for feature </a:t>
-            </a:r>
-            <a:r>
-              <a:rPr lang="en-US" dirty="0" err="1"/>
-              <a:t>selction</a:t>
-            </a:r>
-            <a:r>
-              <a:rPr lang="en-US" dirty="0"/>
-              <a:t>(lambda by cross validation)</a:t>
-            </a:r>
-          </a:p>
-          <a:p>
-            <a:pPr lvl="1"/>
-            <a:r>
-              <a:rPr lang="en-US" dirty="0"/>
-              <a:t>Step 3: data </a:t>
-            </a:r>
-            <a:r>
-              <a:rPr lang="en-US" dirty="0" err="1"/>
-              <a:t>maninpulation</a:t>
-            </a:r>
-            <a:r>
-              <a:rPr lang="en-US" dirty="0"/>
-              <a:t> status – </a:t>
-            </a:r>
-          </a:p>
-          <a:p>
-            <a:pPr lvl="2"/>
-            <a:r>
-              <a:rPr lang="en-US" dirty="0"/>
-              <a:t>considering cross terms and different missing values system</a:t>
-            </a:r>
-          </a:p>
-          <a:p>
-            <a:pPr lvl="1"/>
-            <a:r>
-              <a:rPr lang="en-US" dirty="0"/>
-              <a:t>Step 4: considering usage of Random Forest or SVM</a:t>
-            </a:r>
-          </a:p>
-        </p:txBody>
-      </p:sp>
-      <p:pic>
-        <p:nvPicPr>
-          <p:cNvPr id="4" name="Picture 2"/>
-          <p:cNvPicPr>
-            <a:picLocks noChangeAspect="1" noChangeArrowheads="1"/>
-          </p:cNvPicPr>
-          <p:nvPr/>
-        </p:nvPicPr>
-        <p:blipFill>
-          <a:blip r:embed="rId2" cstate="print"/>
-          <a:srcRect/>
-          <a:stretch>
-            <a:fillRect/>
-          </a:stretch>
-        </p:blipFill>
-        <p:spPr bwMode="auto">
-          <a:xfrm>
-            <a:off x="9023472" y="4519749"/>
-            <a:ext cx="3168527" cy="2338251"/>
-          </a:xfrm>
-          <a:prstGeom prst="rect">
-            <a:avLst/>
-          </a:prstGeom>
-          <a:noFill/>
-          <a:ln w="9525">
-            <a:noFill/>
-            <a:miter lim="800000"/>
-            <a:headEnd/>
-            <a:tailEnd/>
-          </a:ln>
-        </p:spPr>
-      </p:pic>
+              <a:t>Implementation </a:t>
+            </a:r>
+            <a:r>
+              <a:rPr lang="en-US" dirty="0" smtClean="0"/>
+              <a:t>plan (2)</a:t>
+            </a:r>
+            <a:endParaRPr lang="en-US" dirty="0"/>
+          </a:p>
+        </p:txBody>
+      </p:sp>
+      <p:graphicFrame>
+        <p:nvGraphicFramePr>
+          <p:cNvPr id="5" name="Table 4"/>
+          <p:cNvGraphicFramePr>
+            <a:graphicFrameLocks noGrp="1"/>
+          </p:cNvGraphicFramePr>
+          <p:nvPr>
+            <p:extLst>
+              <p:ext uri="{D42A27DB-BD31-4B8C-83A1-F6EECF244321}">
+                <p14:modId xmlns:p14="http://schemas.microsoft.com/office/powerpoint/2010/main" val="2305459994"/>
+              </p:ext>
+            </p:extLst>
+          </p:nvPr>
+        </p:nvGraphicFramePr>
+        <p:xfrm>
+          <a:off x="409492" y="1826350"/>
+          <a:ext cx="11160642" cy="3174218"/>
+        </p:xfrm>
+        <a:graphic>
+          <a:graphicData uri="http://schemas.openxmlformats.org/drawingml/2006/table">
+            <a:tbl>
+              <a:tblPr firstRow="1" bandRow="1">
+                <a:tableStyleId>{5C22544A-7EE6-4342-B048-85BDC9FD1C3A}</a:tableStyleId>
+              </a:tblPr>
+              <a:tblGrid>
+                <a:gridCol w="3720214"/>
+                <a:gridCol w="6601590"/>
+                <a:gridCol w="838838"/>
+              </a:tblGrid>
+              <a:tr h="285799">
+                <a:tc>
+                  <a:txBody>
+                    <a:bodyPr/>
+                    <a:lstStyle/>
+                    <a:p>
+                      <a:r>
+                        <a:rPr lang="en-US" dirty="0" smtClean="0"/>
+                        <a:t>Millstone</a:t>
+                      </a:r>
+                      <a:endParaRPr lang="en-US" dirty="0"/>
+                    </a:p>
+                  </a:txBody>
+                  <a:tcPr/>
+                </a:tc>
+                <a:tc>
+                  <a:txBody>
+                    <a:bodyPr/>
+                    <a:lstStyle/>
+                    <a:p>
+                      <a:r>
+                        <a:rPr lang="en-US" dirty="0" smtClean="0"/>
+                        <a:t>tasks</a:t>
+                      </a:r>
+                      <a:endParaRPr lang="en-US" dirty="0"/>
+                    </a:p>
+                  </a:txBody>
+                  <a:tcPr/>
+                </a:tc>
+                <a:tc>
+                  <a:txBody>
+                    <a:bodyPr/>
+                    <a:lstStyle/>
+                    <a:p>
+                      <a:r>
+                        <a:rPr lang="en-US" dirty="0" smtClean="0"/>
+                        <a:t>status</a:t>
+                      </a:r>
+                      <a:endParaRPr lang="en-US" dirty="0"/>
+                    </a:p>
+                  </a:txBody>
+                  <a:tcPr/>
+                </a:tc>
+              </a:tr>
+              <a:tr h="571599">
+                <a:tc rowSpan="4">
+                  <a:txBody>
+                    <a:bodyPr/>
+                    <a:lstStyle/>
+                    <a:p>
+                      <a:pPr marL="0" marR="0" lvl="0" indent="0" algn="l" defTabSz="914400" rtl="0" eaLnBrk="1" fontAlgn="auto" latinLnBrk="0" hangingPunct="1">
+                        <a:lnSpc>
+                          <a:spcPct val="100000"/>
+                        </a:lnSpc>
+                        <a:spcBef>
+                          <a:spcPts val="0"/>
+                        </a:spcBef>
+                        <a:spcAft>
+                          <a:spcPts val="0"/>
+                        </a:spcAft>
+                        <a:buClrTx/>
+                        <a:buSzTx/>
+                        <a:buFontTx/>
+                        <a:buNone/>
+                        <a:tabLst/>
+                        <a:defRPr/>
+                      </a:pPr>
+                      <a:r>
+                        <a:rPr lang="en-US" sz="1400" b="1" dirty="0" smtClean="0"/>
+                        <a:t>Modeling  and Evaluating:</a:t>
+                      </a:r>
+                    </a:p>
+                    <a:p>
+                      <a:endParaRPr lang="en-US" sz="1400" b="1" dirty="0"/>
+                    </a:p>
+                  </a:txBody>
+                  <a:tcPr/>
+                </a:tc>
+                <a:tc>
+                  <a:txBody>
+                    <a:bodyPr/>
+                    <a:lstStyle/>
+                    <a:p>
+                      <a:pPr marL="0" marR="0" lvl="0" indent="0" algn="l" defTabSz="914400" rtl="0" eaLnBrk="1" fontAlgn="auto" latinLnBrk="0" hangingPunct="1">
+                        <a:lnSpc>
+                          <a:spcPct val="100000"/>
+                        </a:lnSpc>
+                        <a:spcBef>
+                          <a:spcPts val="0"/>
+                        </a:spcBef>
+                        <a:spcAft>
+                          <a:spcPts val="0"/>
+                        </a:spcAft>
+                        <a:buClrTx/>
+                        <a:buSzTx/>
+                        <a:buFontTx/>
+                        <a:buNone/>
+                        <a:tabLst/>
+                        <a:defRPr/>
+                      </a:pPr>
+                      <a:r>
+                        <a:rPr lang="en-US" sz="1400" b="1" dirty="0" smtClean="0"/>
+                        <a:t>Step 1 - </a:t>
+                      </a:r>
+                      <a:r>
+                        <a:rPr lang="en-US" sz="1400" b="1" baseline="0" dirty="0" smtClean="0"/>
+                        <a:t> </a:t>
+                      </a:r>
+                      <a:r>
+                        <a:rPr lang="en-US" sz="1400" dirty="0" smtClean="0"/>
+                        <a:t>simple linear regression. T-test based feature Removing (manually)</a:t>
+                      </a:r>
+                    </a:p>
+                    <a:p>
+                      <a:endParaRPr lang="en-US" sz="1400" dirty="0"/>
+                    </a:p>
+                  </a:txBody>
+                  <a:tcPr/>
+                </a:tc>
+                <a:tc>
+                  <a:txBody>
+                    <a:bodyPr/>
+                    <a:lstStyle/>
+                    <a:p>
+                      <a:endParaRPr lang="en-US" sz="1400" dirty="0"/>
+                    </a:p>
+                  </a:txBody>
+                  <a:tcPr/>
+                </a:tc>
+              </a:tr>
+              <a:tr h="469019">
+                <a:tc vMerge="1">
+                  <a:txBody>
+                    <a:bodyPr/>
+                    <a:lstStyle/>
+                    <a:p>
+                      <a:pPr marL="0" marR="0" lvl="0" indent="0" algn="l" defTabSz="914400" rtl="0" eaLnBrk="1" fontAlgn="auto" latinLnBrk="0" hangingPunct="1">
+                        <a:lnSpc>
+                          <a:spcPct val="100000"/>
+                        </a:lnSpc>
+                        <a:spcBef>
+                          <a:spcPts val="0"/>
+                        </a:spcBef>
+                        <a:spcAft>
+                          <a:spcPts val="0"/>
+                        </a:spcAft>
+                        <a:buClrTx/>
+                        <a:buSzTx/>
+                        <a:buFontTx/>
+                        <a:buNone/>
+                        <a:tabLst/>
+                        <a:defRPr/>
+                      </a:pPr>
+                      <a:endParaRPr lang="en-US" sz="1200" b="1" dirty="0" smtClean="0"/>
+                    </a:p>
+                  </a:txBody>
+                  <a:tcPr/>
+                </a:tc>
+                <a:tc>
+                  <a:txBody>
+                    <a:bodyPr/>
+                    <a:lstStyle/>
+                    <a:p>
+                      <a:pPr marL="0" marR="0" lvl="0" indent="0" algn="l" defTabSz="914400" rtl="0" eaLnBrk="1" fontAlgn="auto" latinLnBrk="0" hangingPunct="1">
+                        <a:lnSpc>
+                          <a:spcPct val="100000"/>
+                        </a:lnSpc>
+                        <a:spcBef>
+                          <a:spcPts val="0"/>
+                        </a:spcBef>
+                        <a:spcAft>
+                          <a:spcPts val="0"/>
+                        </a:spcAft>
+                        <a:buClrTx/>
+                        <a:buSzTx/>
+                        <a:buFontTx/>
+                        <a:buNone/>
+                        <a:tabLst/>
+                        <a:defRPr/>
+                      </a:pPr>
+                      <a:r>
+                        <a:rPr lang="en-US" sz="1400" b="1" dirty="0" smtClean="0"/>
+                        <a:t>Step 2</a:t>
+                      </a:r>
+                      <a:r>
+                        <a:rPr lang="en-US" sz="1400" b="1" baseline="0" dirty="0" smtClean="0"/>
+                        <a:t> - </a:t>
+                      </a:r>
+                      <a:r>
+                        <a:rPr lang="en-US" sz="1400" dirty="0" smtClean="0"/>
+                        <a:t>L1 regularization for feature selection (lambda by cross validation)</a:t>
+                      </a:r>
+                    </a:p>
+                    <a:p>
+                      <a:pPr marL="0" marR="0" lvl="0" indent="0" algn="l" defTabSz="914400" rtl="0" eaLnBrk="1" fontAlgn="auto" latinLnBrk="0" hangingPunct="1">
+                        <a:lnSpc>
+                          <a:spcPct val="100000"/>
+                        </a:lnSpc>
+                        <a:spcBef>
+                          <a:spcPts val="0"/>
+                        </a:spcBef>
+                        <a:spcAft>
+                          <a:spcPts val="0"/>
+                        </a:spcAft>
+                        <a:buClrTx/>
+                        <a:buSzTx/>
+                        <a:buFontTx/>
+                        <a:buNone/>
+                        <a:tabLst/>
+                        <a:defRPr/>
+                      </a:pPr>
+                      <a:endParaRPr lang="en-US" sz="1400" b="1" dirty="0" smtClean="0"/>
+                    </a:p>
+                  </a:txBody>
+                  <a:tcPr/>
+                </a:tc>
+                <a:tc>
+                  <a:txBody>
+                    <a:bodyPr/>
+                    <a:lstStyle/>
+                    <a:p>
+                      <a:endParaRPr lang="en-US" sz="1400" dirty="0"/>
+                    </a:p>
+                  </a:txBody>
+                  <a:tcPr/>
+                </a:tc>
+              </a:tr>
+              <a:tr h="605817">
+                <a:tc vMerge="1">
+                  <a:txBody>
+                    <a:bodyPr/>
+                    <a:lstStyle/>
+                    <a:p>
+                      <a:pPr marL="0" marR="0" lvl="0" indent="0" algn="l" defTabSz="914400" rtl="0" eaLnBrk="1" fontAlgn="auto" latinLnBrk="0" hangingPunct="1">
+                        <a:lnSpc>
+                          <a:spcPct val="100000"/>
+                        </a:lnSpc>
+                        <a:spcBef>
+                          <a:spcPts val="0"/>
+                        </a:spcBef>
+                        <a:spcAft>
+                          <a:spcPts val="0"/>
+                        </a:spcAft>
+                        <a:buClrTx/>
+                        <a:buSzTx/>
+                        <a:buFontTx/>
+                        <a:buNone/>
+                        <a:tabLst/>
+                        <a:defRPr/>
+                      </a:pPr>
+                      <a:endParaRPr lang="en-US" sz="1200" b="1" dirty="0" smtClean="0"/>
+                    </a:p>
+                  </a:txBody>
+                  <a:tcPr/>
+                </a:tc>
+                <a:tc>
+                  <a:txBody>
+                    <a:bodyPr/>
+                    <a:lstStyle/>
+                    <a:p>
+                      <a:pPr marL="0" marR="0" lvl="0" indent="0" algn="l" defTabSz="914400" rtl="0" eaLnBrk="1" fontAlgn="auto" latinLnBrk="0" hangingPunct="1">
+                        <a:lnSpc>
+                          <a:spcPct val="100000"/>
+                        </a:lnSpc>
+                        <a:spcBef>
+                          <a:spcPts val="0"/>
+                        </a:spcBef>
+                        <a:spcAft>
+                          <a:spcPts val="0"/>
+                        </a:spcAft>
+                        <a:buClrTx/>
+                        <a:buSzTx/>
+                        <a:buFontTx/>
+                        <a:buNone/>
+                        <a:tabLst/>
+                        <a:defRPr/>
+                      </a:pPr>
+                      <a:r>
+                        <a:rPr lang="en-US" sz="1400" b="1" dirty="0" smtClean="0"/>
+                        <a:t>Step 3</a:t>
+                      </a:r>
+                      <a:r>
+                        <a:rPr lang="en-US" sz="1400" b="1" baseline="0" dirty="0" smtClean="0"/>
+                        <a:t> - </a:t>
+                      </a:r>
+                      <a:r>
+                        <a:rPr lang="en-US" sz="1400" dirty="0" smtClean="0"/>
+                        <a:t>data manipulation status - considering cross terms and different missing values system</a:t>
+                      </a:r>
+                    </a:p>
+                    <a:p>
+                      <a:endParaRPr lang="en-US" sz="1400" dirty="0"/>
+                    </a:p>
+                  </a:txBody>
+                  <a:tcPr/>
+                </a:tc>
+                <a:tc>
+                  <a:txBody>
+                    <a:bodyPr/>
+                    <a:lstStyle/>
+                    <a:p>
+                      <a:endParaRPr lang="en-US" sz="1400" dirty="0"/>
+                    </a:p>
+                  </a:txBody>
+                  <a:tcPr/>
+                </a:tc>
+              </a:tr>
+              <a:tr h="469019">
+                <a:tc vMerge="1">
+                  <a:txBody>
+                    <a:bodyPr/>
+                    <a:lstStyle/>
+                    <a:p>
+                      <a:pPr marL="0" marR="0" lvl="0" indent="0" algn="l" defTabSz="914400" rtl="0" eaLnBrk="1" fontAlgn="auto" latinLnBrk="0" hangingPunct="1">
+                        <a:lnSpc>
+                          <a:spcPct val="100000"/>
+                        </a:lnSpc>
+                        <a:spcBef>
+                          <a:spcPts val="0"/>
+                        </a:spcBef>
+                        <a:spcAft>
+                          <a:spcPts val="0"/>
+                        </a:spcAft>
+                        <a:buClrTx/>
+                        <a:buSzTx/>
+                        <a:buFontTx/>
+                        <a:buNone/>
+                        <a:tabLst/>
+                        <a:defRPr/>
+                      </a:pPr>
+                      <a:endParaRPr lang="en-US" sz="1200" b="1" dirty="0" smtClean="0"/>
+                    </a:p>
+                  </a:txBody>
+                  <a:tcPr/>
+                </a:tc>
+                <a:tc>
+                  <a:txBody>
+                    <a:bodyPr/>
+                    <a:lstStyle/>
+                    <a:p>
+                      <a:pPr marL="0" marR="0" lvl="0" indent="0" algn="l" defTabSz="914400" rtl="0" eaLnBrk="1" fontAlgn="auto" latinLnBrk="0" hangingPunct="1">
+                        <a:lnSpc>
+                          <a:spcPct val="100000"/>
+                        </a:lnSpc>
+                        <a:spcBef>
+                          <a:spcPts val="0"/>
+                        </a:spcBef>
+                        <a:spcAft>
+                          <a:spcPts val="0"/>
+                        </a:spcAft>
+                        <a:buClrTx/>
+                        <a:buSzTx/>
+                        <a:buFontTx/>
+                        <a:buNone/>
+                        <a:tabLst/>
+                        <a:defRPr/>
+                      </a:pPr>
+                      <a:r>
+                        <a:rPr lang="en-US" sz="1400" b="1" dirty="0" smtClean="0"/>
+                        <a:t>Step 4</a:t>
+                      </a:r>
+                      <a:r>
+                        <a:rPr lang="en-US" sz="1400" dirty="0" smtClean="0"/>
+                        <a:t> -considering usage of Random Forest or SVM</a:t>
+                      </a:r>
+                    </a:p>
+                    <a:p>
+                      <a:endParaRPr lang="en-US" sz="1400" dirty="0"/>
+                    </a:p>
+                  </a:txBody>
+                  <a:tcPr/>
+                </a:tc>
+                <a:tc>
+                  <a:txBody>
+                    <a:bodyPr/>
+                    <a:lstStyle/>
+                    <a:p>
+                      <a:endParaRPr lang="en-US" sz="1400" dirty="0" smtClean="0"/>
+                    </a:p>
+                    <a:p>
+                      <a:endParaRPr lang="en-US" sz="1400" dirty="0"/>
+                    </a:p>
+                  </a:txBody>
+                  <a:tcPr/>
+                </a:tc>
+              </a:tr>
+              <a:tr h="469019">
+                <a:tc>
+                  <a:txBody>
+                    <a:bodyPr/>
+                    <a:lstStyle/>
+                    <a:p>
+                      <a:r>
+                        <a:rPr lang="en-US" sz="1400" b="1" dirty="0" smtClean="0"/>
+                        <a:t>Model Deployment</a:t>
+                      </a:r>
+                      <a:endParaRPr lang="en-US" sz="1400" b="1" dirty="0"/>
+                    </a:p>
+                  </a:txBody>
+                  <a:tcPr/>
+                </a:tc>
+                <a:tc>
+                  <a:txBody>
+                    <a:bodyPr/>
+                    <a:lstStyle/>
+                    <a:p>
+                      <a:endParaRPr lang="en-US" sz="1400" dirty="0"/>
+                    </a:p>
+                  </a:txBody>
+                  <a:tcPr/>
+                </a:tc>
+                <a:tc>
+                  <a:txBody>
+                    <a:bodyPr/>
+                    <a:lstStyle/>
+                    <a:p>
+                      <a:endParaRPr lang="en-US" sz="1400" dirty="0"/>
+                    </a:p>
+                  </a:txBody>
+                  <a:tcPr/>
+                </a:tc>
+              </a:tr>
+            </a:tbl>
+          </a:graphicData>
+        </a:graphic>
+      </p:graphicFrame>
     </p:spTree>
     <p:extLst>
       <p:ext uri="{BB962C8B-B14F-4D97-AF65-F5344CB8AC3E}">
@@ -4571,6 +4911,14 @@
               <a:rPr lang="en-US" dirty="0"/>
               <a:t>Business Goal</a:t>
             </a:r>
+            <a:r>
+              <a:rPr lang="en-US" dirty="0">
+                <a:solidFill>
+                  <a:srgbClr val="FF0000"/>
+                </a:solidFill>
+              </a:rPr>
+              <a:t/>
+            </a:r>
             <a:br>
               <a:rPr lang="en-US" dirty="0">
                 <a:solidFill>
@@ -4733,10 +5081,12 @@
           <a:p>
             <a:r>
               <a:rPr lang="en-US" dirty="0"/>
-              <a:t>OECD data center – Gender wage gaps (csv)</a:t>
-            </a:r>
-          </a:p>
-          <a:p>
+              <a:t>OECD data center – Gender wage gaps (csv</a:t>
+            </a:r>
+            <a:r>
+              <a:rPr lang="en-US" dirty="0" smtClean="0"/>
+              <a:t>)</a:t>
+            </a:r>
             <a:endParaRPr lang="en-US" dirty="0"/>
           </a:p>
           <a:p>
@@ -4838,11 +5188,13 @@
       </p:pic>
       <p:pic>
         <p:nvPicPr>
-          <p:cNvPr id="5" name="Picture 4"/>
+          <p:cNvPr id="6" name="Content Placeholder 3"/>
           <p:cNvPicPr>
-            <a:picLocks noChangeAspect="1"/>
+            <a:picLocks noGrp="1" noChangeAspect="1"/>
           </p:cNvPicPr>
-          <p:nvPr/>
+          <p:nvPr>
+            <p:ph idx="1"/>
+          </p:nvPr>
         </p:nvPicPr>
         <p:blipFill>
           <a:blip r:embed="rId3"/>
@@ -4852,8 +5204,32 @@
         </p:blipFill>
         <p:spPr>
           <a:xfrm>
-            <a:off x="1219198" y="3270153"/>
-            <a:ext cx="9215439" cy="3175493"/>
+            <a:off x="6454588" y="3617113"/>
+            <a:ext cx="5319059" cy="2036628"/>
+          </a:xfrm>
+          <a:prstGeom prst="rect">
+            <a:avLst/>
+          </a:prstGeom>
+        </p:spPr>
+      </p:pic>
+      <p:pic>
+        <p:nvPicPr>
+          <p:cNvPr id="5" name="Picture 4"/>
+          <p:cNvPicPr>
+            <a:picLocks noChangeAspect="1"/>
+          </p:cNvPicPr>
+          <p:nvPr/>
+        </p:nvPicPr>
+        <p:blipFill>
+          <a:blip r:embed="rId4"/>
+          <a:stretch>
+            <a:fillRect/>
+          </a:stretch>
+        </p:blipFill>
+        <p:spPr>
+          <a:xfrm>
+            <a:off x="490072" y="3610812"/>
+            <a:ext cx="6107952" cy="2180388"/>
           </a:xfrm>
           <a:prstGeom prst="rect">
             <a:avLst/>
@@ -4907,29 +5283,131 @@
           <a:p>
             <a:r>
               <a:rPr lang="en-US" dirty="0"/>
-              <a:t>Dataset </a:t>
-            </a:r>
-            <a:r>
-              <a:rPr lang="en-US" dirty="0" err="1"/>
-              <a:t>segements</a:t>
-            </a:r>
+              <a:t>Data Preparation (overview)</a:t>
+            </a:r>
+          </a:p>
+        </p:txBody>
+      </p:sp>
+      <p:sp>
+        <p:nvSpPr>
+          <p:cNvPr id="3" name="Content Placeholder 2"/>
+          <p:cNvSpPr>
+            <a:spLocks noGrp="1"/>
+          </p:cNvSpPr>
+          <p:nvPr>
+            <p:ph idx="1"/>
+          </p:nvPr>
+        </p:nvSpPr>
+        <p:spPr>
+          <a:xfrm>
+            <a:off x="911412" y="1893943"/>
+            <a:ext cx="10058400" cy="3931920"/>
+          </a:xfrm>
+        </p:spPr>
+        <p:txBody>
+          <a:bodyPr/>
+          <a:lstStyle/>
+          <a:p>
             <a:r>
               <a:rPr lang="en-US" dirty="0"/>
-              <a:t> (2)</a:t>
-            </a:r>
+              <a:t>Column arrangements (countries – flatten </a:t>
+            </a:r>
+            <a:r>
+              <a:rPr lang="en-US" dirty="0" smtClean="0"/>
+              <a:t>categories, </a:t>
+            </a:r>
+            <a:r>
+              <a:rPr lang="en-US" dirty="0"/>
+              <a:t>years – equal </a:t>
+            </a:r>
+            <a:r>
+              <a:rPr lang="en-US" dirty="0" smtClean="0"/>
+              <a:t>fragments)</a:t>
+            </a:r>
+            <a:endParaRPr lang="en-US" dirty="0"/>
+          </a:p>
+          <a:p>
+            <a:r>
+              <a:rPr lang="en-US" dirty="0"/>
+              <a:t>Normalizing –  (Value-min(value)) / (max(value)-min(value</a:t>
+            </a:r>
+            <a:r>
+              <a:rPr lang="en-US" dirty="0" smtClean="0"/>
+              <a:t>))</a:t>
+            </a:r>
+          </a:p>
+          <a:p>
+            <a:r>
+              <a:rPr lang="en-US" dirty="0" smtClean="0"/>
+              <a:t>First – </a:t>
+            </a:r>
+            <a:r>
+              <a:rPr lang="en-US" dirty="0" err="1" smtClean="0"/>
+              <a:t>GenderStats</a:t>
+            </a:r>
+            <a:r>
+              <a:rPr lang="en-US" dirty="0" smtClean="0"/>
+              <a:t> removing rows with null values in all years column:</a:t>
+            </a:r>
+          </a:p>
+          <a:p>
+            <a:endParaRPr lang="en-US" dirty="0"/>
+          </a:p>
+          <a:p>
+            <a:endParaRPr lang="en-US" dirty="0" smtClean="0"/>
+          </a:p>
+          <a:p>
+            <a:endParaRPr lang="en-US" dirty="0"/>
+          </a:p>
+          <a:p>
+            <a:r>
+              <a:rPr lang="en-US" dirty="0" err="1" smtClean="0"/>
+              <a:t>GenderStat</a:t>
+            </a:r>
+            <a:r>
+              <a:rPr lang="en-US" dirty="0" smtClean="0"/>
+              <a:t> – remove all countries + years that are not in the </a:t>
+            </a:r>
+            <a:r>
+              <a:rPr lang="en-US" dirty="0" err="1" smtClean="0"/>
+              <a:t>oecd</a:t>
+            </a:r>
+            <a:endParaRPr lang="en-US" dirty="0" smtClean="0"/>
+          </a:p>
+          <a:p>
+            <a:r>
+              <a:rPr lang="en-US" dirty="0" err="1" smtClean="0"/>
+              <a:t>Oecd</a:t>
+            </a:r>
+            <a:r>
+              <a:rPr lang="en-US" dirty="0" smtClean="0"/>
+              <a:t> – remove</a:t>
+            </a:r>
+            <a:r>
+              <a:rPr lang="en-US" dirty="0"/>
+              <a:t> + years</a:t>
+            </a:r>
+            <a:r>
+              <a:rPr lang="en-US" dirty="0" smtClean="0"/>
+              <a:t> countries that are not in gender  stats</a:t>
+            </a:r>
+            <a:endParaRPr lang="en-US" dirty="0" smtClean="0"/>
+          </a:p>
+          <a:p>
+            <a:pPr marL="0" indent="0">
+              <a:buNone/>
+            </a:pPr>
             <a:endParaRPr lang="en-US" dirty="0"/>
           </a:p>
         </p:txBody>
       </p:sp>
       <p:pic>
         <p:nvPicPr>
-          <p:cNvPr id="4" name="Content Placeholder 3"/>
+          <p:cNvPr id="5" name="Picture 4"/>
           <p:cNvPicPr>
-            <a:picLocks noGrp="1" noChangeAspect="1"/>
+            <a:picLocks noChangeAspect="1"/>
           </p:cNvPicPr>
-          <p:nvPr>
-            <p:ph idx="1"/>
-          </p:nvPr>
+          <p:nvPr/>
         </p:nvPicPr>
         <p:blipFill>
           <a:blip r:embed="rId2"/>
@@ -4939,8 +5417,8 @@
         </p:blipFill>
         <p:spPr>
           <a:xfrm>
-            <a:off x="1316380" y="2103438"/>
-            <a:ext cx="9559239" cy="3932237"/>
+            <a:off x="756024" y="3062788"/>
+            <a:ext cx="9544143" cy="1089664"/>
           </a:xfrm>
           <a:prstGeom prst="rect">
             <a:avLst/>
@@ -4950,7 +5428,7 @@
     </p:spTree>
     <p:extLst>
       <p:ext uri="{BB962C8B-B14F-4D97-AF65-F5344CB8AC3E}">
-        <p14:creationId xmlns:p14="http://schemas.microsoft.com/office/powerpoint/2010/main" val="1293170333"/>
+        <p14:creationId xmlns:p14="http://schemas.microsoft.com/office/powerpoint/2010/main" val="3021417476"/>
       </p:ext>
     </p:extLst>
   </p:cSld>
@@ -4993,9 +5471,10 @@
           <a:lstStyle/>
           <a:p>
             <a:r>
-              <a:rPr lang="en-US" dirty="0"/>
-              <a:t>Data Preparation (overview)</a:t>
-            </a:r>
+              <a:rPr lang="en-US" dirty="0" smtClean="0"/>
+              <a:t>Data Preparation 2</a:t>
+            </a:r>
+            <a:endParaRPr lang="en-US" dirty="0"/>
           </a:p>
         </p:txBody>
       </p:sp>
@@ -5016,74 +5495,62 @@
           <a:p>
             <a:r>
               <a:rPr lang="en-US" dirty="0"/>
-              <a:t>Column arrangements (countries – flatten </a:t>
-            </a:r>
-            <a:r>
-              <a:rPr lang="en-US" dirty="0" err="1"/>
-              <a:t>categorials</a:t>
+              <a:t>Current GenderStat.csv after preliminary </a:t>
+            </a:r>
+            <a:r>
+              <a:rPr lang="en-US" dirty="0" smtClean="0"/>
+              <a:t>normalization -</a:t>
             </a:r>
             <a:r>
               <a:rPr lang="en-US" dirty="0"/>
-              <a:t>, years – equal </a:t>
-            </a:r>
-            <a:r>
-              <a:rPr lang="en-US" dirty="0" err="1"/>
-              <a:t>framents</a:t>
-            </a:r>
-            <a:r>
-              <a:rPr lang="en-US" dirty="0"/>
-              <a:t>)</a:t>
-            </a:r>
-          </a:p>
-          <a:p>
-            <a:r>
-              <a:rPr lang="en-US" dirty="0"/>
-              <a:t>Normalizing –  (Value-min(value)) / (max(value)-min(value))</a:t>
-            </a:r>
-          </a:p>
-          <a:p>
-            <a:r>
-              <a:rPr lang="en-US" dirty="0"/>
-              <a:t>Missing values:</a:t>
+              <a:t>Transpose lines to </a:t>
+            </a:r>
+            <a:r>
+              <a:rPr lang="en-US" dirty="0" smtClean="0"/>
+              <a:t>columns</a:t>
             </a:r>
           </a:p>
           <a:p>
             <a:pPr lvl="1"/>
             <a:r>
-              <a:rPr lang="en-US" dirty="0"/>
-              <a:t>Too many!</a:t>
-            </a:r>
-          </a:p>
-          <a:p>
-            <a:pPr lvl="1"/>
-            <a:r>
-              <a:rPr lang="en-US" dirty="0"/>
-              <a:t>First removing the sparse ones without mining context (under XXX percent)</a:t>
-            </a:r>
-          </a:p>
-          <a:p>
-            <a:pPr lvl="1"/>
-            <a:r>
-              <a:rPr lang="en-US" dirty="0"/>
-              <a:t>First version:  median</a:t>
-            </a:r>
-          </a:p>
-          <a:p>
-            <a:pPr lvl="1"/>
-            <a:r>
-              <a:rPr lang="en-US" dirty="0"/>
-              <a:t>Second version: finding similar countries with similar values </a:t>
-            </a:r>
-          </a:p>
-          <a:p>
+              <a:rPr lang="en-US" dirty="0" smtClean="0"/>
+              <a:t>  years, country , and indicator are now columns</a:t>
+            </a:r>
             <a:endParaRPr lang="en-US" dirty="0"/>
           </a:p>
-        </p:txBody>
-      </p:sp>
+          <a:p>
+            <a:endParaRPr lang="en-US" dirty="0"/>
+          </a:p>
+        </p:txBody>
+      </p:sp>
+      <p:pic>
+        <p:nvPicPr>
+          <p:cNvPr id="4" name="Picture 3"/>
+          <p:cNvPicPr>
+            <a:picLocks noChangeAspect="1"/>
+          </p:cNvPicPr>
+          <p:nvPr/>
+        </p:nvPicPr>
+        <p:blipFill>
+          <a:blip r:embed="rId2"/>
+          <a:stretch>
+            <a:fillRect/>
+          </a:stretch>
+        </p:blipFill>
+        <p:spPr>
+          <a:xfrm>
+            <a:off x="1471988" y="2828413"/>
+            <a:ext cx="6727730" cy="3638502"/>
+          </a:xfrm>
+          <a:prstGeom prst="rect">
+            <a:avLst/>
+          </a:prstGeom>
+        </p:spPr>
+      </p:pic>
     </p:spTree>
     <p:extLst>
       <p:ext uri="{BB962C8B-B14F-4D97-AF65-F5344CB8AC3E}">
-        <p14:creationId xmlns:p14="http://schemas.microsoft.com/office/powerpoint/2010/main" val="3021417476"/>
+        <p14:creationId xmlns:p14="http://schemas.microsoft.com/office/powerpoint/2010/main" val="3663174221"/>
       </p:ext>
     </p:extLst>
   </p:cSld>
@@ -5129,41 +5596,51 @@
           <a:p>
             <a:r>
               <a:rPr lang="en-US" dirty="0"/>
-              <a:t>Current GenderStat.csv after preliminary normalization</a:t>
-            </a:r>
-          </a:p>
-        </p:txBody>
-      </p:sp>
-      <p:pic>
-        <p:nvPicPr>
-          <p:cNvPr id="4" name="Content Placeholder 3"/>
-          <p:cNvPicPr>
-            <a:picLocks noGrp="1" noChangeAspect="1"/>
-          </p:cNvPicPr>
+              <a:t>machine-learning problem Product output</a:t>
+            </a:r>
+          </a:p>
+        </p:txBody>
+      </p:sp>
+      <p:sp>
+        <p:nvSpPr>
+          <p:cNvPr id="3" name="Content Placeholder 2"/>
+          <p:cNvSpPr>
+            <a:spLocks noGrp="1"/>
+          </p:cNvSpPr>
           <p:nvPr>
             <p:ph idx="1"/>
           </p:nvPr>
-        </p:nvPicPr>
-        <p:blipFill>
-          <a:blip r:embed="rId2"/>
-          <a:stretch>
-            <a:fillRect/>
-          </a:stretch>
-        </p:blipFill>
-        <p:spPr>
-          <a:xfrm>
-            <a:off x="2224352" y="2103438"/>
-            <a:ext cx="7743295" cy="3932237"/>
-          </a:xfrm>
-          <a:prstGeom prst="rect">
-            <a:avLst/>
-          </a:prstGeom>
-        </p:spPr>
-      </p:pic>
+        </p:nvSpPr>
+        <p:spPr/>
+        <p:txBody>
+          <a:bodyPr/>
+          <a:lstStyle/>
+          <a:p>
+            <a:r>
+              <a:rPr lang="en-US" dirty="0"/>
+              <a:t>Predicting average gender wage gap in the OECD</a:t>
+            </a:r>
+          </a:p>
+          <a:p>
+            <a:r>
+              <a:rPr lang="en-US" dirty="0"/>
+              <a:t>Will calculate for each state and average them </a:t>
+            </a:r>
+            <a:r>
+              <a:rPr lang="en-US" dirty="0" smtClean="0"/>
+              <a:t>deterministically </a:t>
+            </a:r>
+            <a:r>
+              <a:rPr lang="en-US" dirty="0"/>
+              <a:t>(for unbiased estimates – immediate variance reduction)</a:t>
+            </a:r>
+          </a:p>
+        </p:txBody>
+      </p:sp>
     </p:spTree>
     <p:extLst>
       <p:ext uri="{BB962C8B-B14F-4D97-AF65-F5344CB8AC3E}">
-        <p14:creationId xmlns:p14="http://schemas.microsoft.com/office/powerpoint/2010/main" val="96197614"/>
+        <p14:creationId xmlns:p14="http://schemas.microsoft.com/office/powerpoint/2010/main" val="2506240783"/>
       </p:ext>
     </p:extLst>
   </p:cSld>
@@ -5202,50 +5679,98 @@
         </p:nvSpPr>
         <p:spPr/>
         <p:txBody>
-          <a:bodyPr>
-            <a:normAutofit fontScale="90000"/>
-          </a:bodyPr>
-          <a:lstStyle/>
-          <a:p>
-            <a:r>
-              <a:rPr lang="en-US" dirty="0"/>
-              <a:t>machine-learning problem Product output</a:t>
-            </a:r>
-          </a:p>
-        </p:txBody>
-      </p:sp>
-      <p:sp>
-        <p:nvSpPr>
-          <p:cNvPr id="3" name="Content Placeholder 2"/>
-          <p:cNvSpPr>
-            <a:spLocks noGrp="1"/>
-          </p:cNvSpPr>
-          <p:nvPr>
-            <p:ph idx="1"/>
-          </p:nvPr>
-        </p:nvSpPr>
-        <p:spPr/>
-        <p:txBody>
           <a:bodyPr/>
           <a:lstStyle/>
           <a:p>
             <a:r>
               <a:rPr lang="en-US" dirty="0"/>
-              <a:t>Predicting average gender wage gap in the OECD</a:t>
-            </a:r>
-          </a:p>
+              <a:t>Problems in data</a:t>
+            </a:r>
+          </a:p>
+        </p:txBody>
+      </p:sp>
+      <p:sp>
+        <p:nvSpPr>
+          <p:cNvPr id="3" name="Content Placeholder 2"/>
+          <p:cNvSpPr>
+            <a:spLocks noGrp="1"/>
+          </p:cNvSpPr>
+          <p:nvPr>
+            <p:ph idx="1"/>
+          </p:nvPr>
+        </p:nvSpPr>
+        <p:spPr/>
+        <p:txBody>
+          <a:bodyPr/>
+          <a:lstStyle/>
           <a:p>
             <a:r>
               <a:rPr lang="en-US" dirty="0"/>
-              <a:t>Will calculate for each state and average them </a:t>
-            </a:r>
-            <a:r>
-              <a:rPr lang="en-US" dirty="0" err="1"/>
-              <a:t>deterministicly</a:t>
-            </a:r>
+              <a:t>Many missing Values</a:t>
+            </a:r>
+            <a:r>
+              <a:rPr lang="en-US" dirty="0" smtClean="0"/>
+              <a:t>!</a:t>
+            </a:r>
+          </a:p>
+          <a:p>
+            <a:pPr lvl="1"/>
             <a:r>
               <a:rPr lang="en-US" dirty="0"/>
-              <a:t> (for unbiased estimates – immediate variance reduction)</a:t>
+              <a:t>Too many</a:t>
+            </a:r>
+            <a:r>
+              <a:rPr lang="en-US" dirty="0" smtClean="0"/>
+              <a:t>!</a:t>
+            </a:r>
+            <a:endParaRPr lang="en-US" dirty="0"/>
+          </a:p>
+          <a:p>
+            <a:pPr lvl="1"/>
+            <a:r>
+              <a:rPr lang="en-US" dirty="0" smtClean="0"/>
+              <a:t>First </a:t>
+            </a:r>
+            <a:r>
+              <a:rPr lang="en-US" dirty="0"/>
+              <a:t>removing the sparse ones without mining context </a:t>
+            </a:r>
+            <a:endParaRPr lang="en-US" dirty="0" smtClean="0"/>
+          </a:p>
+          <a:p>
+            <a:pPr lvl="1"/>
+            <a:r>
+              <a:rPr lang="en-US" dirty="0" smtClean="0"/>
+              <a:t>First version:  median</a:t>
+            </a:r>
+          </a:p>
+          <a:p>
+            <a:pPr lvl="1"/>
+            <a:r>
+              <a:rPr lang="en-US" dirty="0" smtClean="0"/>
+              <a:t>Second </a:t>
+            </a:r>
+            <a:r>
+              <a:rPr lang="en-US" dirty="0"/>
+              <a:t>version: finding similar countries with similar values </a:t>
+            </a:r>
+            <a:endParaRPr lang="en-US" dirty="0" smtClean="0"/>
+          </a:p>
+          <a:p>
+            <a:r>
+              <a:rPr lang="en-US" dirty="0" smtClean="0"/>
+              <a:t>Not </a:t>
+            </a:r>
+            <a:r>
+              <a:rPr lang="en-US" dirty="0"/>
+              <a:t>normalized.</a:t>
+            </a:r>
+          </a:p>
+          <a:p>
+            <a:pPr lvl="1"/>
+            <a:r>
+              <a:rPr lang="en-US" dirty="0"/>
+              <a:t>Features and countries in GenderStat.csv as rows and years as columns. </a:t>
             </a:r>
           </a:p>
         </p:txBody>
@@ -5253,7 +5778,7 @@
     </p:spTree>
     <p:extLst>
       <p:ext uri="{BB962C8B-B14F-4D97-AF65-F5344CB8AC3E}">
-        <p14:creationId xmlns:p14="http://schemas.microsoft.com/office/powerpoint/2010/main" val="2506240783"/>
+        <p14:creationId xmlns:p14="http://schemas.microsoft.com/office/powerpoint/2010/main" val="1864583965"/>
       </p:ext>
     </p:extLst>
   </p:cSld>
@@ -5297,57 +5822,715 @@
           <a:p>
             <a:r>
               <a:rPr lang="en-US" dirty="0"/>
-              <a:t>Problems in data</a:t>
-            </a:r>
-          </a:p>
-        </p:txBody>
-      </p:sp>
-      <p:sp>
-        <p:nvSpPr>
-          <p:cNvPr id="3" name="Content Placeholder 2"/>
-          <p:cNvSpPr>
-            <a:spLocks noGrp="1"/>
-          </p:cNvSpPr>
-          <p:nvPr>
-            <p:ph idx="1"/>
-          </p:nvPr>
-        </p:nvSpPr>
-        <p:spPr/>
-        <p:txBody>
-          <a:bodyPr/>
-          <a:lstStyle/>
-          <a:p>
-            <a:r>
-              <a:rPr lang="en-US" dirty="0"/>
-              <a:t>Many missing Values!</a:t>
-            </a:r>
-          </a:p>
-          <a:p>
-            <a:pPr lvl="1"/>
-            <a:r>
-              <a:rPr lang="en-US" dirty="0"/>
-              <a:t>Some features are completely empty for certain countries.</a:t>
-            </a:r>
-          </a:p>
-          <a:p>
-            <a:r>
-              <a:rPr lang="en-US" dirty="0"/>
-              <a:t>Not normalized.</a:t>
-            </a:r>
-          </a:p>
-          <a:p>
-            <a:pPr lvl="1"/>
-            <a:r>
-              <a:rPr lang="en-US" dirty="0"/>
-              <a:t>Features and countries in GenderStat.csv as rows and years as columns. </a:t>
-            </a:r>
-          </a:p>
-        </p:txBody>
-      </p:sp>
+              <a:t>Implementation </a:t>
+            </a:r>
+            <a:r>
+              <a:rPr lang="en-US" dirty="0" smtClean="0"/>
+              <a:t>plan</a:t>
+            </a:r>
+            <a:endParaRPr lang="en-US" dirty="0"/>
+          </a:p>
+        </p:txBody>
+      </p:sp>
+      <p:graphicFrame>
+        <p:nvGraphicFramePr>
+          <p:cNvPr id="4" name="Table 3"/>
+          <p:cNvGraphicFramePr>
+            <a:graphicFrameLocks noGrp="1"/>
+          </p:cNvGraphicFramePr>
+          <p:nvPr>
+            <p:extLst>
+              <p:ext uri="{D42A27DB-BD31-4B8C-83A1-F6EECF244321}">
+                <p14:modId xmlns:p14="http://schemas.microsoft.com/office/powerpoint/2010/main" val="165118189"/>
+              </p:ext>
+            </p:extLst>
+          </p:nvPr>
+        </p:nvGraphicFramePr>
+        <p:xfrm>
+          <a:off x="457304" y="2089314"/>
+          <a:ext cx="11160642" cy="4659969"/>
+        </p:xfrm>
+        <a:graphic>
+          <a:graphicData uri="http://schemas.openxmlformats.org/drawingml/2006/table">
+            <a:tbl>
+              <a:tblPr firstRow="1" bandRow="1">
+                <a:tableStyleId>{5C22544A-7EE6-4342-B048-85BDC9FD1C3A}</a:tableStyleId>
+              </a:tblPr>
+              <a:tblGrid>
+                <a:gridCol w="3720214"/>
+                <a:gridCol w="6601590"/>
+                <a:gridCol w="838838"/>
+              </a:tblGrid>
+              <a:tr h="285799">
+                <a:tc>
+                  <a:txBody>
+                    <a:bodyPr/>
+                    <a:lstStyle/>
+                    <a:p>
+                      <a:r>
+                        <a:rPr lang="en-US" dirty="0" smtClean="0"/>
+                        <a:t>Millstone</a:t>
+                      </a:r>
+                      <a:endParaRPr lang="en-US" dirty="0"/>
+                    </a:p>
+                  </a:txBody>
+                  <a:tcPr/>
+                </a:tc>
+                <a:tc>
+                  <a:txBody>
+                    <a:bodyPr/>
+                    <a:lstStyle/>
+                    <a:p>
+                      <a:r>
+                        <a:rPr lang="en-US" dirty="0" smtClean="0"/>
+                        <a:t>tasks</a:t>
+                      </a:r>
+                      <a:endParaRPr lang="en-US" dirty="0"/>
+                    </a:p>
+                  </a:txBody>
+                  <a:tcPr/>
+                </a:tc>
+                <a:tc>
+                  <a:txBody>
+                    <a:bodyPr/>
+                    <a:lstStyle/>
+                    <a:p>
+                      <a:r>
+                        <a:rPr lang="en-US" dirty="0" smtClean="0"/>
+                        <a:t>status</a:t>
+                      </a:r>
+                      <a:endParaRPr lang="en-US" dirty="0"/>
+                    </a:p>
+                  </a:txBody>
+                  <a:tcPr/>
+                </a:tc>
+              </a:tr>
+              <a:tr h="238166">
+                <a:tc rowSpan="2">
+                  <a:txBody>
+                    <a:bodyPr/>
+                    <a:lstStyle/>
+                    <a:p>
+                      <a:r>
+                        <a:rPr lang="en-US" sz="1400" b="1" dirty="0" smtClean="0"/>
+                        <a:t>Business understanding</a:t>
+                      </a:r>
+                      <a:endParaRPr lang="en-US" sz="1400" b="1" dirty="0"/>
+                    </a:p>
+                  </a:txBody>
+                  <a:tcPr/>
+                </a:tc>
+                <a:tc>
+                  <a:txBody>
+                    <a:bodyPr/>
+                    <a:lstStyle/>
+                    <a:p>
+                      <a:r>
+                        <a:rPr lang="en-US" sz="1400" dirty="0" smtClean="0"/>
+                        <a:t>Search</a:t>
+                      </a:r>
+                      <a:r>
+                        <a:rPr lang="en-US" sz="1400" baseline="0" dirty="0" smtClean="0"/>
+                        <a:t> salary and gender statistics</a:t>
+                      </a:r>
+                      <a:endParaRPr lang="en-US" sz="1400" dirty="0"/>
+                    </a:p>
+                  </a:txBody>
+                  <a:tcPr/>
+                </a:tc>
+                <a:tc>
+                  <a:txBody>
+                    <a:bodyPr/>
+                    <a:lstStyle/>
+                    <a:p>
+                      <a:r>
+                        <a:rPr lang="en-US" sz="1400" dirty="0" smtClean="0"/>
+                        <a:t>Done.</a:t>
+                      </a:r>
+                      <a:endParaRPr lang="en-US" sz="1400" dirty="0"/>
+                    </a:p>
+                  </a:txBody>
+                  <a:tcPr/>
+                </a:tc>
+              </a:tr>
+              <a:tr h="238166">
+                <a:tc vMerge="1">
+                  <a:txBody>
+                    <a:bodyPr/>
+                    <a:lstStyle/>
+                    <a:p>
+                      <a:endParaRPr lang="en-US" sz="1200" b="1" dirty="0"/>
+                    </a:p>
+                  </a:txBody>
+                  <a:tcPr/>
+                </a:tc>
+                <a:tc>
+                  <a:txBody>
+                    <a:bodyPr/>
+                    <a:lstStyle/>
+                    <a:p>
+                      <a:r>
+                        <a:rPr lang="en-US" sz="1400" dirty="0" smtClean="0"/>
+                        <a:t>Defining the problem </a:t>
+                      </a:r>
+                      <a:endParaRPr lang="en-US" sz="1400" dirty="0"/>
+                    </a:p>
+                  </a:txBody>
+                  <a:tcPr/>
+                </a:tc>
+                <a:tc>
+                  <a:txBody>
+                    <a:bodyPr/>
+                    <a:lstStyle/>
+                    <a:p>
+                      <a:r>
+                        <a:rPr lang="en-US" sz="1400" dirty="0" smtClean="0"/>
+                        <a:t>Done.</a:t>
+                      </a:r>
+                      <a:endParaRPr lang="en-US" sz="1400" dirty="0"/>
+                    </a:p>
+                  </a:txBody>
+                  <a:tcPr/>
+                </a:tc>
+              </a:tr>
+              <a:tr h="332222">
+                <a:tc>
+                  <a:txBody>
+                    <a:bodyPr/>
+                    <a:lstStyle/>
+                    <a:p>
+                      <a:r>
+                        <a:rPr lang="en-US" sz="1400" b="1" dirty="0" smtClean="0"/>
+                        <a:t>Data understanding </a:t>
+                      </a:r>
+                      <a:endParaRPr lang="en-US" sz="1400" b="1" dirty="0"/>
+                    </a:p>
+                  </a:txBody>
+                  <a:tcPr/>
+                </a:tc>
+                <a:tc>
+                  <a:txBody>
+                    <a:bodyPr/>
+                    <a:lstStyle/>
+                    <a:p>
+                      <a:r>
+                        <a:rPr lang="en-US" sz="1400" dirty="0" smtClean="0"/>
+                        <a:t>Focused on </a:t>
+                      </a:r>
+                      <a:r>
+                        <a:rPr lang="en-US" sz="1400" dirty="0" err="1" smtClean="0"/>
+                        <a:t>GenderStats</a:t>
+                      </a:r>
+                      <a:r>
+                        <a:rPr lang="en-US" sz="1400" dirty="0" smtClean="0"/>
+                        <a:t>,</a:t>
+                      </a:r>
+                      <a:r>
+                        <a:rPr lang="en-US" sz="1400" baseline="0" dirty="0" smtClean="0"/>
+                        <a:t> </a:t>
+                      </a:r>
+                      <a:r>
+                        <a:rPr lang="en-US" sz="1400" baseline="0" dirty="0" err="1" smtClean="0"/>
+                        <a:t>Sallary</a:t>
+                      </a:r>
+                      <a:r>
+                        <a:rPr lang="en-US" sz="1400" baseline="0" dirty="0" smtClean="0"/>
+                        <a:t> gap csv on OECD</a:t>
+                      </a:r>
+                      <a:endParaRPr lang="en-US" sz="1400" dirty="0"/>
+                    </a:p>
+                  </a:txBody>
+                  <a:tcPr/>
+                </a:tc>
+                <a:tc>
+                  <a:txBody>
+                    <a:bodyPr/>
+                    <a:lstStyle/>
+                    <a:p>
+                      <a:pPr marL="0" marR="0" lvl="0" indent="0" algn="l" defTabSz="914400" rtl="0" eaLnBrk="1" fontAlgn="auto" latinLnBrk="0" hangingPunct="1">
+                        <a:lnSpc>
+                          <a:spcPct val="100000"/>
+                        </a:lnSpc>
+                        <a:spcBef>
+                          <a:spcPts val="0"/>
+                        </a:spcBef>
+                        <a:spcAft>
+                          <a:spcPts val="0"/>
+                        </a:spcAft>
+                        <a:buClrTx/>
+                        <a:buSzTx/>
+                        <a:buFontTx/>
+                        <a:buNone/>
+                        <a:tabLst/>
+                        <a:defRPr/>
+                      </a:pPr>
+                      <a:r>
+                        <a:rPr lang="en-US" sz="1400" dirty="0" smtClean="0"/>
+                        <a:t>Done.</a:t>
+                      </a:r>
+                    </a:p>
+                  </a:txBody>
+                  <a:tcPr/>
+                </a:tc>
+              </a:tr>
+              <a:tr h="469019">
+                <a:tc rowSpan="6">
+                  <a:txBody>
+                    <a:bodyPr/>
+                    <a:lstStyle/>
+                    <a:p>
+                      <a:r>
+                        <a:rPr lang="en-US" sz="1400" b="1" dirty="0" smtClean="0"/>
+                        <a:t>Data preparation &amp; cleaning</a:t>
+                      </a:r>
+                      <a:endParaRPr lang="en-US" sz="1400" b="1" dirty="0"/>
+                    </a:p>
+                  </a:txBody>
+                  <a:tcPr/>
+                </a:tc>
+                <a:tc>
+                  <a:txBody>
+                    <a:bodyPr/>
+                    <a:lstStyle/>
+                    <a:p>
+                      <a:r>
+                        <a:rPr lang="en-US" sz="1400" dirty="0" err="1" smtClean="0"/>
+                        <a:t>GenderStats</a:t>
+                      </a:r>
+                      <a:r>
+                        <a:rPr lang="en-US" sz="1400" dirty="0" smtClean="0"/>
+                        <a:t> - Remove fully empty lines , convert</a:t>
+                      </a:r>
+                      <a:r>
+                        <a:rPr lang="en-US" sz="1400" baseline="0" dirty="0" smtClean="0"/>
+                        <a:t> Countries, indicators to columns</a:t>
+                      </a:r>
+                      <a:endParaRPr lang="en-US" sz="1400" dirty="0"/>
+                    </a:p>
+                  </a:txBody>
+                  <a:tcPr/>
+                </a:tc>
+                <a:tc>
+                  <a:txBody>
+                    <a:bodyPr/>
+                    <a:lstStyle/>
+                    <a:p>
+                      <a:pPr marL="0" marR="0" lvl="0" indent="0" algn="l" defTabSz="914400" rtl="0" eaLnBrk="1" fontAlgn="auto" latinLnBrk="0" hangingPunct="1">
+                        <a:lnSpc>
+                          <a:spcPct val="100000"/>
+                        </a:lnSpc>
+                        <a:spcBef>
+                          <a:spcPts val="0"/>
+                        </a:spcBef>
+                        <a:spcAft>
+                          <a:spcPts val="0"/>
+                        </a:spcAft>
+                        <a:buClrTx/>
+                        <a:buSzTx/>
+                        <a:buFontTx/>
+                        <a:buNone/>
+                        <a:tabLst/>
+                        <a:defRPr/>
+                      </a:pPr>
+                      <a:r>
+                        <a:rPr lang="en-US" sz="1400" dirty="0" smtClean="0"/>
+                        <a:t>Done.</a:t>
+                      </a:r>
+                    </a:p>
+                    <a:p>
+                      <a:endParaRPr lang="en-US" sz="1400" dirty="0"/>
+                    </a:p>
+                  </a:txBody>
+                  <a:tcPr/>
+                </a:tc>
+              </a:tr>
+              <a:tr h="469019">
+                <a:tc vMerge="1">
+                  <a:txBody>
+                    <a:bodyPr/>
+                    <a:lstStyle/>
+                    <a:p>
+                      <a:endParaRPr lang="en-US"/>
+                    </a:p>
+                  </a:txBody>
+                  <a:tcPr/>
+                </a:tc>
+                <a:tc>
+                  <a:txBody>
+                    <a:bodyPr/>
+                    <a:lstStyle/>
+                    <a:p>
+                      <a:r>
+                        <a:rPr lang="en-US" sz="1400" dirty="0" smtClean="0"/>
+                        <a:t>Transpose lines</a:t>
+                      </a:r>
+                      <a:r>
+                        <a:rPr lang="en-US" sz="1400" baseline="0" dirty="0" smtClean="0"/>
+                        <a:t> to columns  - years and country are columns</a:t>
+                      </a:r>
+                      <a:endParaRPr lang="en-US" sz="1400" dirty="0"/>
+                    </a:p>
+                  </a:txBody>
+                  <a:tcPr/>
+                </a:tc>
+                <a:tc>
+                  <a:txBody>
+                    <a:bodyPr/>
+                    <a:lstStyle/>
+                    <a:p>
+                      <a:endParaRPr lang="en-US" sz="1400" dirty="0"/>
+                    </a:p>
+                  </a:txBody>
+                  <a:tcPr/>
+                </a:tc>
+              </a:tr>
+              <a:tr h="404883">
+                <a:tc vMerge="1">
+                  <a:txBody>
+                    <a:bodyPr/>
+                    <a:lstStyle/>
+                    <a:p>
+                      <a:endParaRPr lang="en-US" sz="1200" b="1" dirty="0"/>
+                    </a:p>
+                  </a:txBody>
+                  <a:tcPr/>
+                </a:tc>
+                <a:tc>
+                  <a:txBody>
+                    <a:bodyPr/>
+                    <a:lstStyle/>
+                    <a:p>
+                      <a:r>
+                        <a:rPr lang="en-US" sz="1400" dirty="0" smtClean="0"/>
+                        <a:t>Remove irrelevant</a:t>
+                      </a:r>
+                      <a:r>
+                        <a:rPr lang="en-US" sz="1400" baseline="0" dirty="0" smtClean="0"/>
+                        <a:t> columns from both csv’s</a:t>
+                      </a:r>
+                      <a:endParaRPr lang="en-US" sz="1400" dirty="0"/>
+                    </a:p>
+                  </a:txBody>
+                  <a:tcPr/>
+                </a:tc>
+                <a:tc>
+                  <a:txBody>
+                    <a:bodyPr/>
+                    <a:lstStyle/>
+                    <a:p>
+                      <a:pPr marL="0" marR="0" lvl="0" indent="0" algn="l" defTabSz="914400" rtl="0" eaLnBrk="1" fontAlgn="auto" latinLnBrk="0" hangingPunct="1">
+                        <a:lnSpc>
+                          <a:spcPct val="100000"/>
+                        </a:lnSpc>
+                        <a:spcBef>
+                          <a:spcPts val="0"/>
+                        </a:spcBef>
+                        <a:spcAft>
+                          <a:spcPts val="0"/>
+                        </a:spcAft>
+                        <a:buClrTx/>
+                        <a:buSzTx/>
+                        <a:buFontTx/>
+                        <a:buNone/>
+                        <a:tabLst/>
+                        <a:defRPr/>
+                      </a:pPr>
+                      <a:r>
+                        <a:rPr lang="en-US" sz="1400" dirty="0" smtClean="0"/>
+                        <a:t>Done.</a:t>
+                      </a:r>
+                    </a:p>
+                    <a:p>
+                      <a:endParaRPr lang="en-US" sz="1400" dirty="0"/>
+                    </a:p>
+                  </a:txBody>
+                  <a:tcPr/>
+                </a:tc>
+              </a:tr>
+              <a:tr h="332222">
+                <a:tc vMerge="1">
+                  <a:txBody>
+                    <a:bodyPr/>
+                    <a:lstStyle/>
+                    <a:p>
+                      <a:endParaRPr lang="en-US"/>
+                    </a:p>
+                  </a:txBody>
+                  <a:tcPr/>
+                </a:tc>
+                <a:tc>
+                  <a:txBody>
+                    <a:bodyPr/>
+                    <a:lstStyle/>
+                    <a:p>
+                      <a:pPr marL="0" marR="0" lvl="0" indent="0" algn="l" defTabSz="914400" rtl="0" eaLnBrk="1" fontAlgn="auto" latinLnBrk="0" hangingPunct="1">
+                        <a:lnSpc>
+                          <a:spcPct val="100000"/>
+                        </a:lnSpc>
+                        <a:spcBef>
+                          <a:spcPts val="0"/>
+                        </a:spcBef>
+                        <a:spcAft>
+                          <a:spcPts val="0"/>
+                        </a:spcAft>
+                        <a:buClrTx/>
+                        <a:buSzTx/>
+                        <a:buFontTx/>
+                        <a:buNone/>
+                        <a:tabLst/>
+                        <a:defRPr/>
+                      </a:pPr>
+                      <a:r>
+                        <a:rPr lang="en-US" sz="1400" dirty="0" smtClean="0"/>
+                        <a:t>Intersect  between</a:t>
+                      </a:r>
+                      <a:r>
+                        <a:rPr lang="en-US" sz="1400" baseline="0" dirty="0" smtClean="0"/>
+                        <a:t> countries and years</a:t>
+                      </a:r>
+                      <a:endParaRPr lang="en-US" sz="1400" dirty="0" smtClean="0"/>
+                    </a:p>
+                  </a:txBody>
+                  <a:tcPr/>
+                </a:tc>
+                <a:tc>
+                  <a:txBody>
+                    <a:bodyPr/>
+                    <a:lstStyle/>
+                    <a:p>
+                      <a:endParaRPr lang="en-US" sz="1400" dirty="0"/>
+                    </a:p>
+                  </a:txBody>
+                  <a:tcPr/>
+                </a:tc>
+              </a:tr>
+              <a:tr h="332222">
+                <a:tc vMerge="1">
+                  <a:txBody>
+                    <a:bodyPr/>
+                    <a:lstStyle/>
+                    <a:p>
+                      <a:endParaRPr lang="en-US" sz="1200" b="1" dirty="0"/>
+                    </a:p>
+                  </a:txBody>
+                  <a:tcPr/>
+                </a:tc>
+                <a:tc>
+                  <a:txBody>
+                    <a:bodyPr/>
+                    <a:lstStyle/>
+                    <a:p>
+                      <a:r>
+                        <a:rPr lang="en-US" sz="1400" dirty="0" smtClean="0"/>
+                        <a:t>Merge </a:t>
+                      </a:r>
+                      <a:r>
+                        <a:rPr lang="en-US" sz="1400" dirty="0" err="1" smtClean="0"/>
+                        <a:t>oecd</a:t>
+                      </a:r>
+                      <a:r>
+                        <a:rPr lang="en-US" sz="1400" baseline="0" dirty="0" smtClean="0"/>
+                        <a:t> data and </a:t>
+                      </a:r>
+                      <a:r>
+                        <a:rPr lang="en-US" sz="1400" baseline="0" dirty="0" err="1" smtClean="0"/>
+                        <a:t>GenderStats</a:t>
+                      </a:r>
+                      <a:r>
+                        <a:rPr lang="en-US" sz="1400" baseline="0" dirty="0" smtClean="0"/>
+                        <a:t> csv</a:t>
+                      </a:r>
+                      <a:endParaRPr lang="en-US" sz="1400" dirty="0"/>
+                    </a:p>
+                  </a:txBody>
+                  <a:tcPr/>
+                </a:tc>
+                <a:tc>
+                  <a:txBody>
+                    <a:bodyPr/>
+                    <a:lstStyle/>
+                    <a:p>
+                      <a:endParaRPr lang="en-US" sz="1400" dirty="0"/>
+                    </a:p>
+                  </a:txBody>
+                  <a:tcPr/>
+                </a:tc>
+              </a:tr>
+              <a:tr h="332222">
+                <a:tc vMerge="1">
+                  <a:txBody>
+                    <a:bodyPr/>
+                    <a:lstStyle/>
+                    <a:p>
+                      <a:endParaRPr lang="en-US" sz="1200" b="1" dirty="0"/>
+                    </a:p>
+                  </a:txBody>
+                  <a:tcPr/>
+                </a:tc>
+                <a:tc>
+                  <a:txBody>
+                    <a:bodyPr/>
+                    <a:lstStyle/>
+                    <a:p>
+                      <a:r>
+                        <a:rPr lang="en-US" sz="1400" dirty="0" smtClean="0"/>
+                        <a:t>complete missing values</a:t>
+                      </a:r>
+                      <a:r>
+                        <a:rPr lang="en-US" sz="1400" baseline="0" dirty="0" smtClean="0"/>
+                        <a:t> </a:t>
+                      </a:r>
+                      <a:endParaRPr lang="en-US" sz="1400" dirty="0"/>
+                    </a:p>
+                  </a:txBody>
+                  <a:tcPr/>
+                </a:tc>
+                <a:tc>
+                  <a:txBody>
+                    <a:bodyPr/>
+                    <a:lstStyle/>
+                    <a:p>
+                      <a:endParaRPr lang="en-US" sz="1400" dirty="0"/>
+                    </a:p>
+                  </a:txBody>
+                  <a:tcPr/>
+                </a:tc>
+              </a:tr>
+              <a:tr h="332222">
+                <a:tc>
+                  <a:txBody>
+                    <a:bodyPr/>
+                    <a:lstStyle/>
+                    <a:p>
+                      <a:pPr marL="0" marR="0" lvl="0" indent="0" algn="l" defTabSz="914400" rtl="0" eaLnBrk="1" fontAlgn="auto" latinLnBrk="0" hangingPunct="1">
+                        <a:lnSpc>
+                          <a:spcPct val="100000"/>
+                        </a:lnSpc>
+                        <a:spcBef>
+                          <a:spcPts val="0"/>
+                        </a:spcBef>
+                        <a:spcAft>
+                          <a:spcPts val="0"/>
+                        </a:spcAft>
+                        <a:buClrTx/>
+                        <a:buSzTx/>
+                        <a:buFontTx/>
+                        <a:buNone/>
+                        <a:tabLst/>
+                        <a:defRPr/>
+                      </a:pPr>
+                      <a:r>
+                        <a:rPr lang="en-US" sz="1400" b="1" dirty="0" smtClean="0"/>
+                        <a:t>Data Analysis</a:t>
+                      </a:r>
+                    </a:p>
+                    <a:p>
+                      <a:endParaRPr lang="en-US" sz="1400" b="1" dirty="0"/>
+                    </a:p>
+                  </a:txBody>
+                  <a:tcPr/>
+                </a:tc>
+                <a:tc>
+                  <a:txBody>
+                    <a:bodyPr/>
+                    <a:lstStyle/>
+                    <a:p>
+                      <a:r>
+                        <a:rPr lang="en-US" sz="1400" dirty="0" smtClean="0"/>
+                        <a:t>Defining train and test data</a:t>
+                      </a:r>
+                      <a:endParaRPr lang="en-US" sz="1400" dirty="0"/>
+                    </a:p>
+                  </a:txBody>
+                  <a:tcPr/>
+                </a:tc>
+                <a:tc>
+                  <a:txBody>
+                    <a:bodyPr/>
+                    <a:lstStyle/>
+                    <a:p>
+                      <a:endParaRPr lang="en-US" sz="1400" dirty="0"/>
+                    </a:p>
+                  </a:txBody>
+                  <a:tcPr/>
+                </a:tc>
+              </a:tr>
+              <a:tr h="332222">
+                <a:tc>
+                  <a:txBody>
+                    <a:bodyPr/>
+                    <a:lstStyle/>
+                    <a:p>
+                      <a:endParaRPr lang="en-US" sz="1400" b="1" dirty="0"/>
+                    </a:p>
+                  </a:txBody>
+                  <a:tcPr/>
+                </a:tc>
+                <a:tc>
+                  <a:txBody>
+                    <a:bodyPr/>
+                    <a:lstStyle/>
+                    <a:p>
+                      <a:r>
+                        <a:rPr lang="en-US" sz="1400" dirty="0" smtClean="0"/>
+                        <a:t>Select and normalize features (by correlation) </a:t>
+                      </a:r>
+                      <a:endParaRPr lang="en-US" sz="1400" dirty="0"/>
+                    </a:p>
+                  </a:txBody>
+                  <a:tcPr/>
+                </a:tc>
+                <a:tc>
+                  <a:txBody>
+                    <a:bodyPr/>
+                    <a:lstStyle/>
+                    <a:p>
+                      <a:endParaRPr lang="en-US" sz="1400" dirty="0"/>
+                    </a:p>
+                  </a:txBody>
+                  <a:tcPr/>
+                </a:tc>
+              </a:tr>
+            </a:tbl>
+          </a:graphicData>
+        </a:graphic>
+      </p:graphicFrame>
+      <p:pic>
+        <p:nvPicPr>
+          <p:cNvPr id="5" name="Picture 2"/>
+          <p:cNvPicPr>
+            <a:picLocks noChangeAspect="1" noChangeArrowheads="1"/>
+          </p:cNvPicPr>
+          <p:nvPr/>
+        </p:nvPicPr>
+        <p:blipFill>
+          <a:blip r:embed="rId2" cstate="print"/>
+          <a:srcRect/>
+          <a:stretch>
+            <a:fillRect/>
+          </a:stretch>
+        </p:blipFill>
+        <p:spPr bwMode="auto">
+          <a:xfrm>
+            <a:off x="7784804" y="405343"/>
+            <a:ext cx="2717361" cy="2005308"/>
+          </a:xfrm>
+          <a:prstGeom prst="rect">
+            <a:avLst/>
+          </a:prstGeom>
+          <a:noFill/>
+          <a:ln w="9525">
+            <a:noFill/>
+            <a:miter lim="800000"/>
+            <a:headEnd/>
+            <a:tailEnd/>
+          </a:ln>
+        </p:spPr>
+      </p:pic>
     </p:spTree>
     <p:extLst>
       <p:ext uri="{BB962C8B-B14F-4D97-AF65-F5344CB8AC3E}">
-        <p14:creationId xmlns:p14="http://schemas.microsoft.com/office/powerpoint/2010/main" val="1864583965"/>
+        <p14:creationId xmlns:p14="http://schemas.microsoft.com/office/powerpoint/2010/main" val="1937447193"/>
       </p:ext>
     </p:extLst>
   </p:cSld>

--- a/Sallary gap predictionfrom Project Demo.pptx
+++ b/Sallary gap predictionfrom Project Demo.pptx
@@ -5391,7 +5391,6 @@
               <a:rPr lang="en-US" dirty="0" smtClean="0"/>
               <a:t> countries that are not in gender  stats</a:t>
             </a:r>
-            <a:endParaRPr lang="en-US" dirty="0" smtClean="0"/>
           </a:p>
           <a:p>
             <a:pPr marL="0" indent="0">
@@ -5841,7 +5840,7 @@
           <p:nvPr>
             <p:extLst>
               <p:ext uri="{D42A27DB-BD31-4B8C-83A1-F6EECF244321}">
-                <p14:modId xmlns:p14="http://schemas.microsoft.com/office/powerpoint/2010/main" val="165118189"/>
+                <p14:modId xmlns:p14="http://schemas.microsoft.com/office/powerpoint/2010/main" val="1351954597"/>
               </p:ext>
             </p:extLst>
           </p:nvPr>
@@ -6035,7 +6034,11 @@
                       </a:r>
                       <a:r>
                         <a:rPr lang="en-US" sz="1400" baseline="0" dirty="0" smtClean="0"/>
-                        <a:t> gap csv on OECD</a:t>
+                        <a:t> gap csv on </a:t>
+                      </a:r>
+                      <a:r>
+                        <a:rPr lang="en-US" sz="1400" baseline="0" dirty="0" smtClean="0"/>
+                        <a:t> OECD </a:t>
                       </a:r>
                       <a:endParaRPr lang="en-US" sz="1400" dirty="0"/>
                     </a:p>

--- a/Sallary gap predictionfrom Project Demo.pptx
+++ b/Sallary gap predictionfrom Project Demo.pptx
@@ -4965,12 +4965,16 @@
               <a:t>Main </a:t>
             </a:r>
             <a:r>
-              <a:rPr lang="en-US" dirty="0" err="1"/>
+              <a:rPr lang="en-US" dirty="0" err="1" smtClean="0"/>
               <a:t>Focuse</a:t>
             </a:r>
             <a:r>
+              <a:rPr lang="en-US" dirty="0" smtClean="0"/>
+              <a:t>– </a:t>
+            </a:r>
+            <a:r>
               <a:rPr lang="en-US" dirty="0"/>
-              <a:t>– the value we want to predict  is defined as the difference between median earnings of men and women relative to median earnings of men. (</a:t>
+              <a:t>the value we want to predict  is defined as the difference between median earnings of men and women relative to median earnings of men. (</a:t>
             </a:r>
             <a:r>
               <a:rPr lang="en-US" b="1" dirty="0"/>
@@ -5094,6 +5098,18 @@
               <a:rPr lang="en-US" dirty="0"/>
               <a:t>The OECD data will be used as the predicted data, and we will try to build a model relying on the data from the world data bank. At first, we will try to extract features solely from this data. Exploration for new data sets will occur after model evaluation  if necessary. </a:t>
             </a:r>
+            <a:endParaRPr lang="en-US" dirty="0" smtClean="0"/>
+          </a:p>
+          <a:p>
+            <a:r>
+              <a:rPr lang="en-US" dirty="0" smtClean="0"/>
+              <a:t>OECD value meaning </a:t>
+            </a:r>
+            <a:r>
+              <a:rPr lang="en-US" b="1" dirty="0" smtClean="0"/>
+              <a:t>– the gender wage gap is unadjusted and  defined as the difference  between  male and female median wages divided by the  male median wages</a:t>
+            </a:r>
+            <a:endParaRPr lang="en-US" b="1" dirty="0"/>
           </a:p>
         </p:txBody>
       </p:sp>
@@ -6034,11 +6050,7 @@
                       </a:r>
                       <a:r>
                         <a:rPr lang="en-US" sz="1400" baseline="0" dirty="0" smtClean="0"/>
-                        <a:t> gap csv on </a:t>
-                      </a:r>
-                      <a:r>
-                        <a:rPr lang="en-US" sz="1400" baseline="0" dirty="0" smtClean="0"/>
-                        <a:t> OECD </a:t>
+                        <a:t> gap csv on  OECD </a:t>
                       </a:r>
                       <a:endParaRPr lang="en-US" sz="1400" dirty="0"/>
                     </a:p>

--- a/Sallary gap predictionfrom Project Demo.pptx
+++ b/Sallary gap predictionfrom Project Demo.pptx
@@ -5065,7 +5065,9 @@
         </p:nvSpPr>
         <p:spPr/>
         <p:txBody>
-          <a:bodyPr/>
+          <a:bodyPr>
+            <a:normAutofit fontScale="92500" lnSpcReduction="10000"/>
+          </a:bodyPr>
           <a:lstStyle/>
           <a:p>
             <a:pPr>
@@ -5079,8 +5081,55 @@
           <a:p>
             <a:r>
               <a:rPr lang="en-US" dirty="0"/>
-              <a:t>World data bank – GenderStat.csv</a:t>
-            </a:r>
+              <a:t>World data bank – </a:t>
+            </a:r>
+            <a:r>
+              <a:rPr lang="en-US" dirty="0" smtClean="0"/>
+              <a:t>GenderStat.csv</a:t>
+            </a:r>
+          </a:p>
+          <a:p>
+            <a:pPr lvl="1"/>
+            <a:r>
+              <a:rPr lang="en-US" dirty="0">
+                <a:hlinkClick r:id="rId2"/>
+              </a:rPr>
+              <a:t>http://</a:t>
+            </a:r>
+            <a:r>
+              <a:rPr lang="en-US" dirty="0" smtClean="0">
+                <a:hlinkClick r:id="rId2"/>
+              </a:rPr>
+              <a:t>data.worldbank.org/data-catalog/gender-statistics</a:t>
+            </a:r>
+            <a:endParaRPr lang="en-US" dirty="0" smtClean="0"/>
+          </a:p>
+          <a:p>
+            <a:pPr lvl="1"/>
+            <a:r>
+              <a:rPr lang="en-US" dirty="0"/>
+              <a:t>The Gender Statistics database is a comprehensive source for the latest sex-disaggregated data and gender statistics covering demography, education, health, access to economic opportunities, public life and decision-making, and </a:t>
+            </a:r>
+            <a:r>
+              <a:rPr lang="en-US" dirty="0" smtClean="0"/>
+              <a:t>agency</a:t>
+            </a:r>
+          </a:p>
+          <a:p>
+            <a:pPr lvl="1"/>
+            <a:r>
+              <a:rPr lang="en-US" dirty="0" smtClean="0"/>
+              <a:t>The features statistics are arranged by years </a:t>
+            </a:r>
+            <a:r>
+              <a:rPr lang="en-US" dirty="0" err="1" smtClean="0"/>
+              <a:t>coulmns</a:t>
+            </a:r>
+            <a:r>
+              <a:rPr lang="en-US" dirty="0" smtClean="0"/>
+              <a:t> for each country</a:t>
+            </a:r>
+            <a:endParaRPr lang="en-US" dirty="0"/>
           </a:p>
           <a:p>
             <a:r>
@@ -5096,11 +5145,27 @@
           <a:p>
             <a:r>
               <a:rPr lang="en-US" dirty="0"/>
-              <a:t>The OECD data will be used as the predicted data, and we will try to build a model relying on the data from the world data bank. At first, we will try to extract features solely from this data. Exploration for new data sets will occur after model evaluation  if necessary. </a:t>
+              <a:t>The OECD data will be used as the predicted data, and we will try to build a model relying on the data from the world data bank. At first, we will try to extract features solely from this data</a:t>
+            </a:r>
+            <a:r>
+              <a:rPr lang="en-US" dirty="0" smtClean="0"/>
+              <a:t>.</a:t>
+            </a:r>
+          </a:p>
+          <a:p>
+            <a:pPr lvl="1"/>
+            <a:r>
+              <a:rPr lang="en-US" dirty="0" smtClean="0"/>
+              <a:t> </a:t>
+            </a:r>
+            <a:r>
+              <a:rPr lang="en-US" dirty="0"/>
+              <a:t>Exploration for new data sets will occur after model evaluation  if necessary. </a:t>
             </a:r>
             <a:endParaRPr lang="en-US" dirty="0" smtClean="0"/>
           </a:p>
           <a:p>
+            <a:pPr lvl="1"/>
             <a:r>
               <a:rPr lang="en-US" dirty="0" smtClean="0"/>
               <a:t>OECD value meaning </a:t>
@@ -5363,8 +5428,13 @@
             </a:r>
             <a:r>
               <a:rPr lang="en-US" dirty="0" smtClean="0"/>
-              <a:t> removing rows with null values in all years column:</a:t>
-            </a:r>
+              <a:t> removing rows with null values in all years </a:t>
+            </a:r>
+            <a:r>
+              <a:rPr lang="en-US" dirty="0" smtClean="0"/>
+              <a:t>:</a:t>
+            </a:r>
+            <a:endParaRPr lang="en-US" dirty="0" smtClean="0"/>
           </a:p>
           <a:p>
             <a:endParaRPr lang="en-US" dirty="0"/>
@@ -5377,36 +5447,30 @@
           </a:p>
           <a:p>
             <a:r>
+              <a:rPr lang="en-US" dirty="0" smtClean="0"/>
+              <a:t>Intersect years and countries between OECD and </a:t>
+            </a:r>
+            <a:r>
               <a:rPr lang="en-US" dirty="0" err="1" smtClean="0"/>
-              <a:t>GenderStat</a:t>
+              <a:t>GenderStats</a:t>
             </a:r>
             <a:r>
               <a:rPr lang="en-US" dirty="0" smtClean="0"/>
-              <a:t> – remove all countries + years that are not in the </a:t>
-            </a:r>
-            <a:r>
-              <a:rPr lang="en-US" dirty="0" err="1" smtClean="0"/>
-              <a:t>oecd</a:t>
-            </a:r>
+              <a:t>.</a:t>
+            </a:r>
+          </a:p>
+          <a:p>
+            <a:r>
+              <a:rPr lang="en-US" dirty="0" smtClean="0"/>
+              <a:t>Removing unnecessary columns</a:t>
+            </a:r>
+            <a:endParaRPr lang="he-IL" dirty="0" smtClean="0"/>
+          </a:p>
+          <a:p>
+            <a:pPr marL="0" indent="0">
+              <a:buNone/>
+            </a:pPr>
             <a:endParaRPr lang="en-US" dirty="0" smtClean="0"/>
-          </a:p>
-          <a:p>
-            <a:r>
-              <a:rPr lang="en-US" dirty="0" err="1" smtClean="0"/>
-              <a:t>Oecd</a:t>
-            </a:r>
-            <a:r>
-              <a:rPr lang="en-US" dirty="0" smtClean="0"/>
-              <a:t> – remove</a:t>
-            </a:r>
-            <a:r>
-              <a:rPr lang="en-US" dirty="0"/>
-              <a:t> + years</a:t>
-            </a:r>
-            <a:r>
-              <a:rPr lang="en-US" dirty="0" smtClean="0"/>
-              <a:t> countries that are not in gender  stats</a:t>
-            </a:r>
           </a:p>
           <a:p>
             <a:pPr marL="0" indent="0">
@@ -5434,6 +5498,30 @@
           <a:xfrm>
             <a:off x="756024" y="3062788"/>
             <a:ext cx="9544143" cy="1089664"/>
+          </a:xfrm>
+          <a:prstGeom prst="rect">
+            <a:avLst/>
+          </a:prstGeom>
+        </p:spPr>
+      </p:pic>
+      <p:pic>
+        <p:nvPicPr>
+          <p:cNvPr id="4" name="Picture 3"/>
+          <p:cNvPicPr>
+            <a:picLocks noChangeAspect="1"/>
+          </p:cNvPicPr>
+          <p:nvPr/>
+        </p:nvPicPr>
+        <p:blipFill>
+          <a:blip r:embed="rId3"/>
+          <a:stretch>
+            <a:fillRect/>
+          </a:stretch>
+        </p:blipFill>
+        <p:spPr>
+          <a:xfrm>
+            <a:off x="5086697" y="4652781"/>
+            <a:ext cx="4932911" cy="1854525"/>
           </a:xfrm>
           <a:prstGeom prst="rect">
             <a:avLst/>
@@ -5503,7 +5591,12 @@
             <p:ph idx="1"/>
           </p:nvPr>
         </p:nvSpPr>
-        <p:spPr/>
+        <p:spPr>
+          <a:xfrm>
+            <a:off x="1003004" y="1906417"/>
+            <a:ext cx="10058400" cy="3931920"/>
+          </a:xfrm>
+        </p:spPr>
         <p:txBody>
           <a:bodyPr/>
           <a:lstStyle/>
@@ -5605,14 +5698,19 @@
         <p:spPr/>
         <p:txBody>
           <a:bodyPr>
-            <a:normAutofit fontScale="90000"/>
+            <a:normAutofit/>
           </a:bodyPr>
           <a:lstStyle/>
           <a:p>
             <a:r>
               <a:rPr lang="en-US" dirty="0"/>
-              <a:t>machine-learning problem Product output</a:t>
-            </a:r>
+              <a:t>machine-learning </a:t>
+            </a:r>
+            <a:r>
+              <a:rPr lang="en-US" dirty="0" smtClean="0"/>
+              <a:t>problem</a:t>
+            </a:r>
+            <a:endParaRPr lang="en-US" dirty="0"/>
           </a:p>
         </p:txBody>
       </p:sp>

--- a/Sallary gap predictionfrom Project Demo.pptx
+++ b/Sallary gap predictionfrom Project Demo.pptx
@@ -595,7 +595,7 @@
             <a:fld id="{DCCFA427-BB50-4F8D-8FC4-B0EA0BA5795C}" type="datetimeFigureOut">
               <a:rPr lang="en-US" smtClean="0"/>
               <a:pPr/>
-              <a:t>12/7/2016</a:t>
+              <a:t>07/12/2016</a:t>
             </a:fld>
             <a:endParaRPr lang="en-US"/>
           </a:p>
@@ -799,7 +799,7 @@
             <a:fld id="{DCCFA427-BB50-4F8D-8FC4-B0EA0BA5795C}" type="datetimeFigureOut">
               <a:rPr lang="en-US" smtClean="0"/>
               <a:pPr/>
-              <a:t>12/7/2016</a:t>
+              <a:t>07/12/2016</a:t>
             </a:fld>
             <a:endParaRPr lang="en-US"/>
           </a:p>
@@ -981,7 +981,7 @@
             <a:fld id="{DCCFA427-BB50-4F8D-8FC4-B0EA0BA5795C}" type="datetimeFigureOut">
               <a:rPr lang="en-US" smtClean="0"/>
               <a:pPr/>
-              <a:t>12/7/2016</a:t>
+              <a:t>07/12/2016</a:t>
             </a:fld>
             <a:endParaRPr lang="en-US"/>
           </a:p>
@@ -1153,7 +1153,7 @@
             <a:fld id="{DCCFA427-BB50-4F8D-8FC4-B0EA0BA5795C}" type="datetimeFigureOut">
               <a:rPr lang="en-US" smtClean="0"/>
               <a:pPr/>
-              <a:t>12/7/2016</a:t>
+              <a:t>07/12/2016</a:t>
             </a:fld>
             <a:endParaRPr lang="en-US"/>
           </a:p>
@@ -1726,7 +1726,7 @@
             <a:fld id="{DCCFA427-BB50-4F8D-8FC4-B0EA0BA5795C}" type="datetimeFigureOut">
               <a:rPr lang="en-US" smtClean="0"/>
               <a:pPr/>
-              <a:t>12/7/2016</a:t>
+              <a:t>07/12/2016</a:t>
             </a:fld>
             <a:endParaRPr lang="en-US"/>
           </a:p>
@@ -2030,7 +2030,7 @@
             <a:fld id="{DCCFA427-BB50-4F8D-8FC4-B0EA0BA5795C}" type="datetimeFigureOut">
               <a:rPr lang="en-US" smtClean="0"/>
               <a:pPr/>
-              <a:t>12/7/2016</a:t>
+              <a:t>07/12/2016</a:t>
             </a:fld>
             <a:endParaRPr lang="en-US"/>
           </a:p>
@@ -2469,7 +2469,7 @@
             <a:fld id="{DCCFA427-BB50-4F8D-8FC4-B0EA0BA5795C}" type="datetimeFigureOut">
               <a:rPr lang="en-US" smtClean="0"/>
               <a:pPr/>
-              <a:t>12/7/2016</a:t>
+              <a:t>07/12/2016</a:t>
             </a:fld>
             <a:endParaRPr lang="en-US"/>
           </a:p>
@@ -2589,7 +2589,7 @@
             <a:fld id="{DCCFA427-BB50-4F8D-8FC4-B0EA0BA5795C}" type="datetimeFigureOut">
               <a:rPr lang="en-US" smtClean="0"/>
               <a:pPr/>
-              <a:t>12/7/2016</a:t>
+              <a:t>07/12/2016</a:t>
             </a:fld>
             <a:endParaRPr lang="en-US"/>
           </a:p>
@@ -2686,7 +2686,7 @@
             <a:fld id="{DCCFA427-BB50-4F8D-8FC4-B0EA0BA5795C}" type="datetimeFigureOut">
               <a:rPr lang="en-US" smtClean="0"/>
               <a:pPr/>
-              <a:t>12/7/2016</a:t>
+              <a:t>07/12/2016</a:t>
             </a:fld>
             <a:endParaRPr lang="en-US"/>
           </a:p>
@@ -3070,7 +3070,7 @@
             <a:fld id="{DCCFA427-BB50-4F8D-8FC4-B0EA0BA5795C}" type="datetimeFigureOut">
               <a:rPr lang="en-US" smtClean="0"/>
               <a:pPr/>
-              <a:t>12/7/2016</a:t>
+              <a:t>07/12/2016</a:t>
             </a:fld>
             <a:endParaRPr lang="en-US"/>
           </a:p>
@@ -3466,7 +3466,7 @@
             <a:fld id="{DCCFA427-BB50-4F8D-8FC4-B0EA0BA5795C}" type="datetimeFigureOut">
               <a:rPr lang="en-US" smtClean="0"/>
               <a:pPr/>
-              <a:t>12/7/2016</a:t>
+              <a:t>07/12/2016</a:t>
             </a:fld>
             <a:endParaRPr lang="en-US"/>
           </a:p>
@@ -3781,7 +3781,7 @@
             <a:fld id="{DCCFA427-BB50-4F8D-8FC4-B0EA0BA5795C}" type="datetimeFigureOut">
               <a:rPr lang="en-US" smtClean="0"/>
               <a:pPr/>
-              <a:t>12/7/2016</a:t>
+              <a:t>07/12/2016</a:t>
             </a:fld>
             <a:endParaRPr lang="en-US"/>
           </a:p>
@@ -4320,7 +4320,7 @@
             </a:r>
             <a:r>
               <a:rPr lang="en-US" dirty="0"/>
-              <a:t> bank, Shiran mazor</a:t>
+              <a:t> Bank, Shiran Mazor</a:t>
             </a:r>
           </a:p>
           <a:p>
@@ -4328,18 +4328,9 @@
           </a:p>
           <a:p>
             <a:r>
-              <a:rPr lang="en-US" dirty="0" err="1"/>
-              <a:t>Eylon</a:t>
-            </a:r>
-            <a:r>
               <a:rPr lang="en-US" dirty="0"/>
-              <a:t> </a:t>
-            </a:r>
-            <a:r>
-              <a:rPr lang="en-US" dirty="0" err="1"/>
-              <a:t>saadon</a:t>
-            </a:r>
-            <a:endParaRPr lang="en-US" dirty="0"/>
+              <a:t>Eylon Saadon</a:t>
+            </a:r>
           </a:p>
         </p:txBody>
       </p:sp>
@@ -4395,13 +4386,8 @@
           <a:p>
             <a:r>
               <a:rPr lang="en-US" dirty="0"/>
-              <a:t>Implementation </a:t>
-            </a:r>
-            <a:r>
-              <a:rPr lang="en-US" dirty="0" smtClean="0"/>
-              <a:t>plan (2)</a:t>
-            </a:r>
-            <a:endParaRPr lang="en-US" dirty="0"/>
+              <a:t>Implementation plan (2)</a:t>
+            </a:r>
           </a:p>
         </p:txBody>
       </p:sp>
@@ -4430,9 +4416,27 @@
                 <a:tableStyleId>{5C22544A-7EE6-4342-B048-85BDC9FD1C3A}</a:tableStyleId>
               </a:tblPr>
               <a:tblGrid>
-                <a:gridCol w="3720214"/>
-                <a:gridCol w="6601590"/>
-                <a:gridCol w="838838"/>
+                <a:gridCol w="3720214">
+                  <a:extLst>
+                    <a:ext uri="{9D8B030D-6E8A-4147-A177-3AD203B41FA5}">
+                      <a16:colId xmlns:a16="http://schemas.microsoft.com/office/drawing/2014/main" val="20000"/>
+                    </a:ext>
+                  </a:extLst>
+                </a:gridCol>
+                <a:gridCol w="6601590">
+                  <a:extLst>
+                    <a:ext uri="{9D8B030D-6E8A-4147-A177-3AD203B41FA5}">
+                      <a16:colId xmlns:a16="http://schemas.microsoft.com/office/drawing/2014/main" val="20001"/>
+                    </a:ext>
+                  </a:extLst>
+                </a:gridCol>
+                <a:gridCol w="838838">
+                  <a:extLst>
+                    <a:ext uri="{9D8B030D-6E8A-4147-A177-3AD203B41FA5}">
+                      <a16:colId xmlns:a16="http://schemas.microsoft.com/office/drawing/2014/main" val="20002"/>
+                    </a:ext>
+                  </a:extLst>
+                </a:gridCol>
               </a:tblGrid>
               <a:tr h="285799">
                 <a:tc>
@@ -4441,10 +4445,9 @@
                     <a:lstStyle/>
                     <a:p>
                       <a:r>
-                        <a:rPr lang="en-US" dirty="0" smtClean="0"/>
+                        <a:rPr lang="en-US" dirty="0"/>
                         <a:t>Millstone</a:t>
                       </a:r>
-                      <a:endParaRPr lang="en-US" dirty="0"/>
                     </a:p>
                   </a:txBody>
                   <a:tcPr/>
@@ -4455,10 +4458,9 @@
                     <a:lstStyle/>
                     <a:p>
                       <a:r>
-                        <a:rPr lang="en-US" dirty="0" smtClean="0"/>
+                        <a:rPr lang="en-US" dirty="0"/>
                         <a:t>tasks</a:t>
                       </a:r>
-                      <a:endParaRPr lang="en-US" dirty="0"/>
                     </a:p>
                   </a:txBody>
                   <a:tcPr/>
@@ -4469,14 +4471,18 @@
                     <a:lstStyle/>
                     <a:p>
                       <a:r>
-                        <a:rPr lang="en-US" dirty="0" smtClean="0"/>
+                        <a:rPr lang="en-US" dirty="0"/>
                         <a:t>status</a:t>
                       </a:r>
-                      <a:endParaRPr lang="en-US" dirty="0"/>
                     </a:p>
                   </a:txBody>
                   <a:tcPr/>
                 </a:tc>
+                <a:extLst>
+                  <a:ext uri="{0D108BD9-81ED-4DB2-BD59-A6C34878D82A}">
+                    <a16:rowId xmlns:a16="http://schemas.microsoft.com/office/drawing/2014/main" val="10000"/>
+                  </a:ext>
+                </a:extLst>
               </a:tr>
               <a:tr h="571599">
                 <a:tc rowSpan="4">
@@ -4502,7 +4508,7 @@
                         <a:defRPr/>
                       </a:pPr>
                       <a:r>
-                        <a:rPr lang="en-US" sz="1400" b="1" dirty="0" smtClean="0"/>
+                        <a:rPr lang="en-US" sz="1400" b="1" dirty="0"/>
                         <a:t>Modeling  and Evaluating:</a:t>
                       </a:r>
                     </a:p>
@@ -4535,15 +4541,15 @@
                         <a:defRPr/>
                       </a:pPr>
                       <a:r>
-                        <a:rPr lang="en-US" sz="1400" b="1" dirty="0" smtClean="0"/>
+                        <a:rPr lang="en-US" sz="1400" b="1" dirty="0"/>
                         <a:t>Step 1 - </a:t>
                       </a:r>
                       <a:r>
-                        <a:rPr lang="en-US" sz="1400" b="1" baseline="0" dirty="0" smtClean="0"/>
+                        <a:rPr lang="en-US" sz="1400" b="1" baseline="0" dirty="0"/>
                         <a:t> </a:t>
                       </a:r>
                       <a:r>
-                        <a:rPr lang="en-US" sz="1400" dirty="0" smtClean="0"/>
+                        <a:rPr lang="en-US" sz="1400" dirty="0"/>
                         <a:t>simple linear regression. T-test based feature Removing (manually)</a:t>
                       </a:r>
                     </a:p>
@@ -4563,6 +4569,11 @@
                   </a:txBody>
                   <a:tcPr/>
                 </a:tc>
+                <a:extLst>
+                  <a:ext uri="{0D108BD9-81ED-4DB2-BD59-A6C34878D82A}">
+                    <a16:rowId xmlns:a16="http://schemas.microsoft.com/office/drawing/2014/main" val="10001"/>
+                  </a:ext>
+                </a:extLst>
               </a:tr>
               <a:tr h="469019">
                 <a:tc vMerge="1">
@@ -4587,7 +4598,7 @@
                         <a:tabLst/>
                         <a:defRPr/>
                       </a:pPr>
-                      <a:endParaRPr lang="en-US" sz="1200" b="1" dirty="0" smtClean="0"/>
+                      <a:endParaRPr lang="en-US" sz="1200" b="1" dirty="0"/>
                     </a:p>
                   </a:txBody>
                   <a:tcPr/>
@@ -4615,15 +4626,15 @@
                         <a:defRPr/>
                       </a:pPr>
                       <a:r>
-                        <a:rPr lang="en-US" sz="1400" b="1" dirty="0" smtClean="0"/>
+                        <a:rPr lang="en-US" sz="1400" b="1" dirty="0"/>
                         <a:t>Step 2</a:t>
                       </a:r>
                       <a:r>
-                        <a:rPr lang="en-US" sz="1400" b="1" baseline="0" dirty="0" smtClean="0"/>
+                        <a:rPr lang="en-US" sz="1400" b="1" baseline="0" dirty="0"/>
                         <a:t> - </a:t>
                       </a:r>
                       <a:r>
-                        <a:rPr lang="en-US" sz="1400" dirty="0" smtClean="0"/>
+                        <a:rPr lang="en-US" sz="1400" dirty="0"/>
                         <a:t>L1 regularization for feature selection (lambda by cross validation)</a:t>
                       </a:r>
                     </a:p>
@@ -4645,7 +4656,7 @@
                         <a:tabLst/>
                         <a:defRPr/>
                       </a:pPr>
-                      <a:endParaRPr lang="en-US" sz="1400" b="1" dirty="0" smtClean="0"/>
+                      <a:endParaRPr lang="en-US" sz="1400" b="1" dirty="0"/>
                     </a:p>
                   </a:txBody>
                   <a:tcPr/>
@@ -4660,6 +4671,11 @@
                   </a:txBody>
                   <a:tcPr/>
                 </a:tc>
+                <a:extLst>
+                  <a:ext uri="{0D108BD9-81ED-4DB2-BD59-A6C34878D82A}">
+                    <a16:rowId xmlns:a16="http://schemas.microsoft.com/office/drawing/2014/main" val="10002"/>
+                  </a:ext>
+                </a:extLst>
               </a:tr>
               <a:tr h="605817">
                 <a:tc vMerge="1">
@@ -4684,7 +4700,7 @@
                         <a:tabLst/>
                         <a:defRPr/>
                       </a:pPr>
-                      <a:endParaRPr lang="en-US" sz="1200" b="1" dirty="0" smtClean="0"/>
+                      <a:endParaRPr lang="en-US" sz="1200" b="1" dirty="0"/>
                     </a:p>
                   </a:txBody>
                   <a:tcPr/>
@@ -4712,15 +4728,15 @@
                         <a:defRPr/>
                       </a:pPr>
                       <a:r>
-                        <a:rPr lang="en-US" sz="1400" b="1" dirty="0" smtClean="0"/>
+                        <a:rPr lang="en-US" sz="1400" b="1" dirty="0"/>
                         <a:t>Step 3</a:t>
                       </a:r>
                       <a:r>
-                        <a:rPr lang="en-US" sz="1400" b="1" baseline="0" dirty="0" smtClean="0"/>
+                        <a:rPr lang="en-US" sz="1400" b="1" baseline="0" dirty="0"/>
                         <a:t> - </a:t>
                       </a:r>
                       <a:r>
-                        <a:rPr lang="en-US" sz="1400" dirty="0" smtClean="0"/>
+                        <a:rPr lang="en-US" sz="1400" dirty="0"/>
                         <a:t>data manipulation status - considering cross terms and different missing values system</a:t>
                       </a:r>
                     </a:p>
@@ -4740,6 +4756,11 @@
                   </a:txBody>
                   <a:tcPr/>
                 </a:tc>
+                <a:extLst>
+                  <a:ext uri="{0D108BD9-81ED-4DB2-BD59-A6C34878D82A}">
+                    <a16:rowId xmlns:a16="http://schemas.microsoft.com/office/drawing/2014/main" val="10003"/>
+                  </a:ext>
+                </a:extLst>
               </a:tr>
               <a:tr h="469019">
                 <a:tc vMerge="1">
@@ -4764,7 +4785,7 @@
                         <a:tabLst/>
                         <a:defRPr/>
                       </a:pPr>
-                      <a:endParaRPr lang="en-US" sz="1200" b="1" dirty="0" smtClean="0"/>
+                      <a:endParaRPr lang="en-US" sz="1200" b="1" dirty="0"/>
                     </a:p>
                   </a:txBody>
                   <a:tcPr/>
@@ -4792,11 +4813,11 @@
                         <a:defRPr/>
                       </a:pPr>
                       <a:r>
-                        <a:rPr lang="en-US" sz="1400" b="1" dirty="0" smtClean="0"/>
+                        <a:rPr lang="en-US" sz="1400" b="1" dirty="0"/>
                         <a:t>Step 4</a:t>
                       </a:r>
                       <a:r>
-                        <a:rPr lang="en-US" sz="1400" dirty="0" smtClean="0"/>
+                        <a:rPr lang="en-US" sz="1400" dirty="0"/>
                         <a:t> -considering usage of Random Forest or SVM</a:t>
                       </a:r>
                     </a:p>
@@ -4811,7 +4832,7 @@
                     <a:bodyPr/>
                     <a:lstStyle/>
                     <a:p>
-                      <a:endParaRPr lang="en-US" sz="1400" dirty="0" smtClean="0"/>
+                      <a:endParaRPr lang="en-US" sz="1400" dirty="0"/>
                     </a:p>
                     <a:p>
                       <a:endParaRPr lang="en-US" sz="1400" dirty="0"/>
@@ -4819,6 +4840,11 @@
                   </a:txBody>
                   <a:tcPr/>
                 </a:tc>
+                <a:extLst>
+                  <a:ext uri="{0D108BD9-81ED-4DB2-BD59-A6C34878D82A}">
+                    <a16:rowId xmlns:a16="http://schemas.microsoft.com/office/drawing/2014/main" val="10004"/>
+                  </a:ext>
+                </a:extLst>
               </a:tr>
               <a:tr h="469019">
                 <a:tc>
@@ -4827,10 +4853,9 @@
                     <a:lstStyle/>
                     <a:p>
                       <a:r>
-                        <a:rPr lang="en-US" sz="1400" b="1" dirty="0" smtClean="0"/>
+                        <a:rPr lang="en-US" sz="1400" b="1" dirty="0"/>
                         <a:t>Model Deployment</a:t>
                       </a:r>
-                      <a:endParaRPr lang="en-US" sz="1400" b="1" dirty="0"/>
                     </a:p>
                   </a:txBody>
                   <a:tcPr/>
@@ -4855,6 +4880,11 @@
                   </a:txBody>
                   <a:tcPr/>
                 </a:tc>
+                <a:extLst>
+                  <a:ext uri="{0D108BD9-81ED-4DB2-BD59-A6C34878D82A}">
+                    <a16:rowId xmlns:a16="http://schemas.microsoft.com/office/drawing/2014/main" val="10005"/>
+                  </a:ext>
+                </a:extLst>
               </a:tr>
             </a:tbl>
           </a:graphicData>
@@ -4911,14 +4941,6 @@
               <a:rPr lang="en-US" dirty="0"/>
               <a:t>Business Goal</a:t>
             </a:r>
-            <a:r>
-              <a:rPr lang="en-US" dirty="0">
-                <a:solidFill>
-                  <a:srgbClr val="FF0000"/>
-                </a:solidFill>
-              </a:rPr>
-              <a:t/>
-            </a:r>
             <a:br>
               <a:rPr lang="en-US" dirty="0">
                 <a:solidFill>
@@ -4965,16 +4987,12 @@
               <a:t>Main </a:t>
             </a:r>
             <a:r>
-              <a:rPr lang="en-US" dirty="0" err="1" smtClean="0"/>
+              <a:rPr lang="en-US" dirty="0" err="1"/>
               <a:t>Focuse</a:t>
             </a:r>
             <a:r>
-              <a:rPr lang="en-US" dirty="0" smtClean="0"/>
-              <a:t>– </a:t>
-            </a:r>
-            <a:r>
               <a:rPr lang="en-US" dirty="0"/>
-              <a:t>the value we want to predict  is defined as the difference between median earnings of men and women relative to median earnings of men. (</a:t>
+              <a:t>– the value we want to predict  is defined as the difference between median earnings of men and women relative to median earnings of men. (</a:t>
             </a:r>
             <a:r>
               <a:rPr lang="en-US" b="1" dirty="0"/>
@@ -5081,11 +5099,7 @@
           <a:p>
             <a:r>
               <a:rPr lang="en-US" dirty="0"/>
-              <a:t>World data bank – </a:t>
-            </a:r>
-            <a:r>
-              <a:rPr lang="en-US" dirty="0" smtClean="0"/>
-              <a:t>GenderStat.csv</a:t>
+              <a:t>World data bank – GenderStat.csv</a:t>
             </a:r>
           </a:p>
           <a:p>
@@ -5094,86 +5108,63 @@
               <a:rPr lang="en-US" dirty="0">
                 <a:hlinkClick r:id="rId2"/>
               </a:rPr>
-              <a:t>http://</a:t>
-            </a:r>
-            <a:r>
-              <a:rPr lang="en-US" dirty="0" smtClean="0">
-                <a:hlinkClick r:id="rId2"/>
-              </a:rPr>
-              <a:t>data.worldbank.org/data-catalog/gender-statistics</a:t>
-            </a:r>
-            <a:endParaRPr lang="en-US" dirty="0" smtClean="0"/>
+              <a:t>http://data.worldbank.org/data-catalog/gender-statistics</a:t>
+            </a:r>
+            <a:endParaRPr lang="en-US" dirty="0"/>
           </a:p>
           <a:p>
             <a:pPr lvl="1"/>
             <a:r>
               <a:rPr lang="en-US" dirty="0"/>
-              <a:t>The Gender Statistics database is a comprehensive source for the latest sex-disaggregated data and gender statistics covering demography, education, health, access to economic opportunities, public life and decision-making, and </a:t>
-            </a:r>
-            <a:r>
-              <a:rPr lang="en-US" dirty="0" smtClean="0"/>
-              <a:t>agency</a:t>
+              <a:t>The Gender Statistics database is a comprehensive source for the latest sex-disaggregated data and gender statistics covering demography, education, health, access to economic opportunities, public life and decision-making, and agency</a:t>
             </a:r>
           </a:p>
           <a:p>
             <a:pPr lvl="1"/>
             <a:r>
-              <a:rPr lang="en-US" dirty="0" smtClean="0"/>
-              <a:t>The features statistics are arranged by years </a:t>
-            </a:r>
-            <a:r>
-              <a:rPr lang="en-US" dirty="0" err="1" smtClean="0"/>
-              <a:t>coulmns</a:t>
-            </a:r>
-            <a:r>
-              <a:rPr lang="en-US" dirty="0" smtClean="0"/>
-              <a:t> for each country</a:t>
-            </a:r>
-            <a:endParaRPr lang="en-US" dirty="0"/>
-          </a:p>
-          <a:p>
-            <a:r>
               <a:rPr lang="en-US" dirty="0"/>
-              <a:t>OECD data center – Gender wage gaps (csv</a:t>
-            </a:r>
-            <a:r>
-              <a:rPr lang="en-US" dirty="0" smtClean="0"/>
-              <a:t>)</a:t>
-            </a:r>
-            <a:endParaRPr lang="en-US" dirty="0"/>
+              <a:t>The features statistics are arranged by years columns for each country</a:t>
+            </a:r>
           </a:p>
           <a:p>
             <a:r>
               <a:rPr lang="en-US" dirty="0"/>
-              <a:t>The OECD data will be used as the predicted data, and we will try to build a model relying on the data from the world data bank. At first, we will try to extract features solely from this data</a:t>
-            </a:r>
-            <a:r>
-              <a:rPr lang="en-US" dirty="0" smtClean="0"/>
-              <a:t>.</a:t>
+              <a:t>OECD data center – Gender wage gaps (csv)</a:t>
+            </a:r>
+          </a:p>
+          <a:p>
+            <a:r>
+              <a:rPr lang="en-US" dirty="0"/>
+              <a:t>The OECD data will be used as the predicted data, and we will try to build a model relying on the data from the world data bank. </a:t>
             </a:r>
           </a:p>
           <a:p>
             <a:pPr lvl="1"/>
             <a:r>
-              <a:rPr lang="en-US" dirty="0" smtClean="0"/>
-              <a:t> </a:t>
-            </a:r>
-            <a:r>
               <a:rPr lang="en-US" dirty="0"/>
-              <a:t>Exploration for new data sets will occur after model evaluation  if necessary. </a:t>
-            </a:r>
-            <a:endParaRPr lang="en-US" dirty="0" smtClean="0"/>
+              <a:t> Exploration for new data sets will occur after model evaluation  if necessary. </a:t>
+            </a:r>
           </a:p>
           <a:p>
             <a:pPr lvl="1"/>
             <a:r>
-              <a:rPr lang="en-US" dirty="0" smtClean="0"/>
+              <a:rPr lang="en-US" dirty="0"/>
               <a:t>OECD value meaning </a:t>
             </a:r>
             <a:r>
-              <a:rPr lang="en-US" b="1" dirty="0" smtClean="0"/>
+              <a:rPr lang="en-US" b="1" dirty="0"/>
               <a:t>– the gender wage gap is unadjusted and  defined as the difference  between  male and female median wages divided by the  male median wages</a:t>
             </a:r>
+          </a:p>
+          <a:p>
+            <a:r>
+              <a:rPr lang="en-US" dirty="0"/>
+              <a:t>At first, we will try to extract features solely from this data.</a:t>
+            </a:r>
+            <a:endParaRPr lang="en-US" b="1" dirty="0"/>
+          </a:p>
+          <a:p>
+            <a:pPr lvl="1"/>
             <a:endParaRPr lang="en-US" b="1" dirty="0"/>
           </a:p>
         </p:txBody>
@@ -5391,86 +5382,64 @@
           <a:p>
             <a:r>
               <a:rPr lang="en-US" dirty="0"/>
-              <a:t>Column arrangements (countries – flatten </a:t>
-            </a:r>
-            <a:r>
-              <a:rPr lang="en-US" dirty="0" smtClean="0"/>
-              <a:t>categories, </a:t>
-            </a:r>
+              <a:t>Column arrangements (countries – flatten categories, years – equal fragments)</a:t>
+            </a:r>
+          </a:p>
+          <a:p>
             <a:r>
               <a:rPr lang="en-US" dirty="0"/>
-              <a:t>years – equal </a:t>
-            </a:r>
-            <a:r>
-              <a:rPr lang="en-US" dirty="0" smtClean="0"/>
-              <a:t>fragments)</a:t>
-            </a:r>
+              <a:t>Normalizing –  (Value-min(value)) / (max(value)-min(value))</a:t>
+            </a:r>
+          </a:p>
+          <a:p>
+            <a:r>
+              <a:rPr lang="en-US" dirty="0"/>
+              <a:t>First – </a:t>
+            </a:r>
+            <a:r>
+              <a:rPr lang="en-US" dirty="0" err="1"/>
+              <a:t>GenderStats</a:t>
+            </a:r>
+            <a:r>
+              <a:rPr lang="en-US" dirty="0"/>
+              <a:t> removing rows with null values in all years :</a:t>
+            </a:r>
+          </a:p>
+          <a:p>
             <a:endParaRPr lang="en-US" dirty="0"/>
           </a:p>
           <a:p>
+            <a:endParaRPr lang="en-US" dirty="0"/>
+          </a:p>
+          <a:p>
+            <a:endParaRPr lang="en-US" dirty="0"/>
+          </a:p>
+          <a:p>
             <a:r>
               <a:rPr lang="en-US" dirty="0"/>
-              <a:t>Normalizing –  (Value-min(value)) / (max(value)-min(value</a:t>
-            </a:r>
-            <a:r>
-              <a:rPr lang="en-US" dirty="0" smtClean="0"/>
-              <a:t>))</a:t>
-            </a:r>
-          </a:p>
-          <a:p>
-            <a:r>
-              <a:rPr lang="en-US" dirty="0" smtClean="0"/>
-              <a:t>First – </a:t>
-            </a:r>
-            <a:r>
-              <a:rPr lang="en-US" dirty="0" err="1" smtClean="0"/>
+              <a:t>Intersect years and countries between OECD and </a:t>
+            </a:r>
+            <a:r>
+              <a:rPr lang="en-US" dirty="0" err="1"/>
               <a:t>GenderStats</a:t>
             </a:r>
             <a:r>
-              <a:rPr lang="en-US" dirty="0" smtClean="0"/>
-              <a:t> removing rows with null values in all years </a:t>
-            </a:r>
-            <a:r>
-              <a:rPr lang="en-US" dirty="0" smtClean="0"/>
-              <a:t>:</a:t>
-            </a:r>
-            <a:endParaRPr lang="en-US" dirty="0" smtClean="0"/>
-          </a:p>
-          <a:p>
-            <a:endParaRPr lang="en-US" dirty="0"/>
-          </a:p>
-          <a:p>
-            <a:endParaRPr lang="en-US" dirty="0" smtClean="0"/>
-          </a:p>
-          <a:p>
-            <a:endParaRPr lang="en-US" dirty="0"/>
-          </a:p>
-          <a:p>
-            <a:r>
-              <a:rPr lang="en-US" dirty="0" smtClean="0"/>
-              <a:t>Intersect years and countries between OECD and </a:t>
-            </a:r>
-            <a:r>
-              <a:rPr lang="en-US" dirty="0" err="1" smtClean="0"/>
-              <a:t>GenderStats</a:t>
-            </a:r>
-            <a:r>
-              <a:rPr lang="en-US" dirty="0" smtClean="0"/>
+              <a:rPr lang="en-US" dirty="0"/>
               <a:t>.</a:t>
             </a:r>
           </a:p>
           <a:p>
             <a:r>
-              <a:rPr lang="en-US" dirty="0" smtClean="0"/>
+              <a:rPr lang="en-US" dirty="0"/>
               <a:t>Removing unnecessary columns</a:t>
             </a:r>
-            <a:endParaRPr lang="he-IL" dirty="0" smtClean="0"/>
+            <a:endParaRPr lang="he-IL" dirty="0"/>
           </a:p>
           <a:p>
             <a:pPr marL="0" indent="0">
               <a:buNone/>
             </a:pPr>
-            <a:endParaRPr lang="en-US" dirty="0" smtClean="0"/>
+            <a:endParaRPr lang="en-US" dirty="0"/>
           </a:p>
           <a:p>
             <a:pPr marL="0" indent="0">
@@ -5574,10 +5543,9 @@
           <a:lstStyle/>
           <a:p>
             <a:r>
-              <a:rPr lang="en-US" dirty="0" smtClean="0"/>
+              <a:rPr lang="en-US" dirty="0"/>
               <a:t>Data Preparation 2</a:t>
             </a:r>
-            <a:endParaRPr lang="en-US" dirty="0"/>
           </a:p>
         </p:txBody>
       </p:sp>
@@ -5603,28 +5571,15 @@
           <a:p>
             <a:r>
               <a:rPr lang="en-US" dirty="0"/>
-              <a:t>Current GenderStat.csv after preliminary </a:t>
-            </a:r>
-            <a:r>
-              <a:rPr lang="en-US" dirty="0" smtClean="0"/>
-              <a:t>normalization -</a:t>
-            </a:r>
+              <a:t>Current GenderStat.csv after preliminary normalization -Transpose lines to columns</a:t>
+            </a:r>
+          </a:p>
+          <a:p>
+            <a:pPr lvl="1"/>
             <a:r>
               <a:rPr lang="en-US" dirty="0"/>
-              <a:t>Transpose lines to </a:t>
-            </a:r>
-            <a:r>
-              <a:rPr lang="en-US" dirty="0" smtClean="0"/>
-              <a:t>columns</a:t>
-            </a:r>
-          </a:p>
-          <a:p>
-            <a:pPr lvl="1"/>
-            <a:r>
-              <a:rPr lang="en-US" dirty="0" smtClean="0"/>
               <a:t>  years, country , and indicator are now columns</a:t>
             </a:r>
-            <a:endParaRPr lang="en-US" dirty="0"/>
           </a:p>
           <a:p>
             <a:endParaRPr lang="en-US" dirty="0"/>
@@ -5704,13 +5659,8 @@
           <a:p>
             <a:r>
               <a:rPr lang="en-US" dirty="0"/>
-              <a:t>machine-learning </a:t>
-            </a:r>
-            <a:r>
-              <a:rPr lang="en-US" dirty="0" smtClean="0"/>
-              <a:t>problem</a:t>
-            </a:r>
-            <a:endParaRPr lang="en-US" dirty="0"/>
+              <a:t>machine-learning problem</a:t>
+            </a:r>
           </a:p>
         </p:txBody>
       </p:sp>
@@ -5737,15 +5687,7 @@
           <a:p>
             <a:r>
               <a:rPr lang="en-US" dirty="0"/>
-              <a:t>Will calculate for each state and average them </a:t>
-            </a:r>
-            <a:r>
-              <a:rPr lang="en-US" dirty="0" smtClean="0"/>
-              <a:t>deterministically </a:t>
-            </a:r>
-            <a:r>
-              <a:rPr lang="en-US" dirty="0"/>
-              <a:t>(for unbiased estimates – immediate variance reduction)</a:t>
+              <a:t>Will calculate for each state and average them deterministically (for unbiased estimates – immediate variance reduction)</a:t>
             </a:r>
           </a:p>
         </p:txBody>
@@ -5819,64 +5761,41 @@
           <a:p>
             <a:r>
               <a:rPr lang="en-US" dirty="0"/>
-              <a:t>Many missing Values</a:t>
-            </a:r>
-            <a:r>
-              <a:rPr lang="en-US" dirty="0" smtClean="0"/>
-              <a:t>!</a:t>
+              <a:t>Many missing Values!</a:t>
             </a:r>
           </a:p>
           <a:p>
             <a:pPr lvl="1"/>
             <a:r>
               <a:rPr lang="en-US" dirty="0"/>
-              <a:t>Too many</a:t>
-            </a:r>
-            <a:r>
-              <a:rPr lang="en-US" dirty="0" smtClean="0"/>
-              <a:t>!</a:t>
-            </a:r>
-            <a:endParaRPr lang="en-US" dirty="0"/>
+              <a:t>Too many!</a:t>
+            </a:r>
           </a:p>
           <a:p>
             <a:pPr lvl="1"/>
             <a:r>
-              <a:rPr lang="en-US" dirty="0" smtClean="0"/>
-              <a:t>First </a:t>
-            </a:r>
-            <a:r>
               <a:rPr lang="en-US" dirty="0"/>
-              <a:t>removing the sparse ones without mining context </a:t>
-            </a:r>
-            <a:endParaRPr lang="en-US" dirty="0" smtClean="0"/>
+              <a:t>First removing the sparse ones without mining context </a:t>
+            </a:r>
           </a:p>
           <a:p>
             <a:pPr lvl="1"/>
             <a:r>
-              <a:rPr lang="en-US" dirty="0" smtClean="0"/>
+              <a:rPr lang="en-US" dirty="0"/>
               <a:t>First version:  median</a:t>
             </a:r>
           </a:p>
           <a:p>
             <a:pPr lvl="1"/>
             <a:r>
-              <a:rPr lang="en-US" dirty="0" smtClean="0"/>
-              <a:t>Second </a:t>
-            </a:r>
-            <a:r>
               <a:rPr lang="en-US" dirty="0"/>
-              <a:t>version: finding similar countries with similar values </a:t>
-            </a:r>
-            <a:endParaRPr lang="en-US" dirty="0" smtClean="0"/>
-          </a:p>
-          <a:p>
-            <a:r>
-              <a:rPr lang="en-US" dirty="0" smtClean="0"/>
-              <a:t>Not </a:t>
-            </a:r>
+              <a:t>Second version: finding similar countries with similar values </a:t>
+            </a:r>
+          </a:p>
+          <a:p>
             <a:r>
               <a:rPr lang="en-US" dirty="0"/>
-              <a:t>normalized.</a:t>
+              <a:t>Not normalized.</a:t>
             </a:r>
           </a:p>
           <a:p>
@@ -5935,13 +5854,8 @@
           <a:p>
             <a:r>
               <a:rPr lang="en-US" dirty="0"/>
-              <a:t>Implementation </a:t>
-            </a:r>
-            <a:r>
-              <a:rPr lang="en-US" dirty="0" smtClean="0"/>
-              <a:t>plan</a:t>
-            </a:r>
-            <a:endParaRPr lang="en-US" dirty="0"/>
+              <a:t>Implementation plan</a:t>
+            </a:r>
           </a:p>
         </p:txBody>
       </p:sp>
@@ -5954,7 +5868,7 @@
           <p:nvPr>
             <p:extLst>
               <p:ext uri="{D42A27DB-BD31-4B8C-83A1-F6EECF244321}">
-                <p14:modId xmlns:p14="http://schemas.microsoft.com/office/powerpoint/2010/main" val="1351954597"/>
+                <p14:modId xmlns:p14="http://schemas.microsoft.com/office/powerpoint/2010/main" val="3848875132"/>
               </p:ext>
             </p:extLst>
           </p:nvPr>
@@ -5970,9 +5884,27 @@
                 <a:tableStyleId>{5C22544A-7EE6-4342-B048-85BDC9FD1C3A}</a:tableStyleId>
               </a:tblPr>
               <a:tblGrid>
-                <a:gridCol w="3720214"/>
-                <a:gridCol w="6601590"/>
-                <a:gridCol w="838838"/>
+                <a:gridCol w="3720214">
+                  <a:extLst>
+                    <a:ext uri="{9D8B030D-6E8A-4147-A177-3AD203B41FA5}">
+                      <a16:colId xmlns:a16="http://schemas.microsoft.com/office/drawing/2014/main" val="20000"/>
+                    </a:ext>
+                  </a:extLst>
+                </a:gridCol>
+                <a:gridCol w="6601590">
+                  <a:extLst>
+                    <a:ext uri="{9D8B030D-6E8A-4147-A177-3AD203B41FA5}">
+                      <a16:colId xmlns:a16="http://schemas.microsoft.com/office/drawing/2014/main" val="20001"/>
+                    </a:ext>
+                  </a:extLst>
+                </a:gridCol>
+                <a:gridCol w="838838">
+                  <a:extLst>
+                    <a:ext uri="{9D8B030D-6E8A-4147-A177-3AD203B41FA5}">
+                      <a16:colId xmlns:a16="http://schemas.microsoft.com/office/drawing/2014/main" val="20002"/>
+                    </a:ext>
+                  </a:extLst>
+                </a:gridCol>
               </a:tblGrid>
               <a:tr h="285799">
                 <a:tc>
@@ -5981,10 +5913,9 @@
                     <a:lstStyle/>
                     <a:p>
                       <a:r>
-                        <a:rPr lang="en-US" dirty="0" smtClean="0"/>
+                        <a:rPr lang="en-US" dirty="0"/>
                         <a:t>Millstone</a:t>
                       </a:r>
-                      <a:endParaRPr lang="en-US" dirty="0"/>
                     </a:p>
                   </a:txBody>
                   <a:tcPr/>
@@ -5995,10 +5926,9 @@
                     <a:lstStyle/>
                     <a:p>
                       <a:r>
-                        <a:rPr lang="en-US" dirty="0" smtClean="0"/>
+                        <a:rPr lang="en-US" dirty="0"/>
                         <a:t>tasks</a:t>
                       </a:r>
-                      <a:endParaRPr lang="en-US" dirty="0"/>
                     </a:p>
                   </a:txBody>
                   <a:tcPr/>
@@ -6009,14 +5939,18 @@
                     <a:lstStyle/>
                     <a:p>
                       <a:r>
-                        <a:rPr lang="en-US" dirty="0" smtClean="0"/>
+                        <a:rPr lang="en-US" dirty="0"/>
                         <a:t>status</a:t>
                       </a:r>
-                      <a:endParaRPr lang="en-US" dirty="0"/>
                     </a:p>
                   </a:txBody>
                   <a:tcPr/>
                 </a:tc>
+                <a:extLst>
+                  <a:ext uri="{0D108BD9-81ED-4DB2-BD59-A6C34878D82A}">
+                    <a16:rowId xmlns:a16="http://schemas.microsoft.com/office/drawing/2014/main" val="10000"/>
+                  </a:ext>
+                </a:extLst>
               </a:tr>
               <a:tr h="238166">
                 <a:tc rowSpan="2">
@@ -6025,10 +5959,9 @@
                     <a:lstStyle/>
                     <a:p>
                       <a:r>
-                        <a:rPr lang="en-US" sz="1400" b="1" dirty="0" smtClean="0"/>
+                        <a:rPr lang="en-US" sz="1400" b="1" dirty="0"/>
                         <a:t>Business understanding</a:t>
                       </a:r>
-                      <a:endParaRPr lang="en-US" sz="1400" b="1" dirty="0"/>
                     </a:p>
                   </a:txBody>
                   <a:tcPr/>
@@ -6039,11 +5972,11 @@
                     <a:lstStyle/>
                     <a:p>
                       <a:r>
-                        <a:rPr lang="en-US" sz="1400" dirty="0" smtClean="0"/>
+                        <a:rPr lang="en-US" sz="1400" dirty="0"/>
                         <a:t>Search</a:t>
                       </a:r>
                       <a:r>
-                        <a:rPr lang="en-US" sz="1400" baseline="0" dirty="0" smtClean="0"/>
+                        <a:rPr lang="en-US" sz="1400" baseline="0" dirty="0"/>
                         <a:t> salary and gender statistics</a:t>
                       </a:r>
                       <a:endParaRPr lang="en-US" sz="1400" dirty="0"/>
@@ -6057,14 +5990,18 @@
                     <a:lstStyle/>
                     <a:p>
                       <a:r>
-                        <a:rPr lang="en-US" sz="1400" dirty="0" smtClean="0"/>
+                        <a:rPr lang="en-US" sz="1400" dirty="0"/>
                         <a:t>Done.</a:t>
                       </a:r>
-                      <a:endParaRPr lang="en-US" sz="1400" dirty="0"/>
                     </a:p>
                   </a:txBody>
                   <a:tcPr/>
                 </a:tc>
+                <a:extLst>
+                  <a:ext uri="{0D108BD9-81ED-4DB2-BD59-A6C34878D82A}">
+                    <a16:rowId xmlns:a16="http://schemas.microsoft.com/office/drawing/2014/main" val="10001"/>
+                  </a:ext>
+                </a:extLst>
               </a:tr>
               <a:tr h="238166">
                 <a:tc vMerge="1">
@@ -6083,10 +6020,9 @@
                     <a:lstStyle/>
                     <a:p>
                       <a:r>
-                        <a:rPr lang="en-US" sz="1400" dirty="0" smtClean="0"/>
+                        <a:rPr lang="en-US" sz="1400" dirty="0"/>
                         <a:t>Defining the problem </a:t>
                       </a:r>
-                      <a:endParaRPr lang="en-US" sz="1400" dirty="0"/>
                     </a:p>
                   </a:txBody>
                   <a:tcPr/>
@@ -6097,14 +6033,18 @@
                     <a:lstStyle/>
                     <a:p>
                       <a:r>
-                        <a:rPr lang="en-US" sz="1400" dirty="0" smtClean="0"/>
+                        <a:rPr lang="en-US" sz="1400" dirty="0"/>
                         <a:t>Done.</a:t>
                       </a:r>
-                      <a:endParaRPr lang="en-US" sz="1400" dirty="0"/>
                     </a:p>
                   </a:txBody>
                   <a:tcPr/>
                 </a:tc>
+                <a:extLst>
+                  <a:ext uri="{0D108BD9-81ED-4DB2-BD59-A6C34878D82A}">
+                    <a16:rowId xmlns:a16="http://schemas.microsoft.com/office/drawing/2014/main" val="10002"/>
+                  </a:ext>
+                </a:extLst>
               </a:tr>
               <a:tr h="332222">
                 <a:tc>
@@ -6113,10 +6053,9 @@
                     <a:lstStyle/>
                     <a:p>
                       <a:r>
-                        <a:rPr lang="en-US" sz="1400" b="1" dirty="0" smtClean="0"/>
+                        <a:rPr lang="en-US" sz="1400" b="1" dirty="0"/>
                         <a:t>Data understanding </a:t>
                       </a:r>
-                      <a:endParaRPr lang="en-US" sz="1400" b="1" dirty="0"/>
                     </a:p>
                   </a:txBody>
                   <a:tcPr/>
@@ -6127,27 +6066,27 @@
                     <a:lstStyle/>
                     <a:p>
                       <a:r>
-                        <a:rPr lang="en-US" sz="1400" dirty="0" smtClean="0"/>
+                        <a:rPr lang="en-US" sz="1400" dirty="0"/>
                         <a:t>Focused on </a:t>
                       </a:r>
                       <a:r>
-                        <a:rPr lang="en-US" sz="1400" dirty="0" err="1" smtClean="0"/>
+                        <a:rPr lang="en-US" sz="1400" dirty="0" err="1"/>
                         <a:t>GenderStats</a:t>
                       </a:r>
                       <a:r>
-                        <a:rPr lang="en-US" sz="1400" dirty="0" smtClean="0"/>
+                        <a:rPr lang="en-US" sz="1400" dirty="0"/>
                         <a:t>,</a:t>
                       </a:r>
                       <a:r>
-                        <a:rPr lang="en-US" sz="1400" baseline="0" dirty="0" smtClean="0"/>
+                        <a:rPr lang="en-US" sz="1400" baseline="0" dirty="0"/>
                         <a:t> </a:t>
                       </a:r>
                       <a:r>
-                        <a:rPr lang="en-US" sz="1400" baseline="0" dirty="0" err="1" smtClean="0"/>
+                        <a:rPr lang="en-US" sz="1400" baseline="0" dirty="0" err="1"/>
                         <a:t>Sallary</a:t>
                       </a:r>
                       <a:r>
-                        <a:rPr lang="en-US" sz="1400" baseline="0" dirty="0" smtClean="0"/>
+                        <a:rPr lang="en-US" sz="1400" baseline="0" dirty="0"/>
                         <a:t> gap csv on  OECD </a:t>
                       </a:r>
                       <a:endParaRPr lang="en-US" sz="1400" dirty="0"/>
@@ -6178,13 +6117,18 @@
                         <a:defRPr/>
                       </a:pPr>
                       <a:r>
-                        <a:rPr lang="en-US" sz="1400" dirty="0" smtClean="0"/>
+                        <a:rPr lang="en-US" sz="1400" dirty="0"/>
                         <a:t>Done.</a:t>
                       </a:r>
                     </a:p>
                   </a:txBody>
                   <a:tcPr/>
                 </a:tc>
+                <a:extLst>
+                  <a:ext uri="{0D108BD9-81ED-4DB2-BD59-A6C34878D82A}">
+                    <a16:rowId xmlns:a16="http://schemas.microsoft.com/office/drawing/2014/main" val="10003"/>
+                  </a:ext>
+                </a:extLst>
               </a:tr>
               <a:tr h="469019">
                 <a:tc rowSpan="6">
@@ -6193,10 +6137,9 @@
                     <a:lstStyle/>
                     <a:p>
                       <a:r>
-                        <a:rPr lang="en-US" sz="1400" b="1" dirty="0" smtClean="0"/>
+                        <a:rPr lang="en-US" sz="1400" b="1" dirty="0"/>
                         <a:t>Data preparation &amp; cleaning</a:t>
                       </a:r>
-                      <a:endParaRPr lang="en-US" sz="1400" b="1" dirty="0"/>
                     </a:p>
                   </a:txBody>
                   <a:tcPr/>
@@ -6207,15 +6150,15 @@
                     <a:lstStyle/>
                     <a:p>
                       <a:r>
-                        <a:rPr lang="en-US" sz="1400" dirty="0" err="1" smtClean="0"/>
+                        <a:rPr lang="en-US" sz="1400" dirty="0" err="1"/>
                         <a:t>GenderStats</a:t>
                       </a:r>
                       <a:r>
-                        <a:rPr lang="en-US" sz="1400" dirty="0" smtClean="0"/>
+                        <a:rPr lang="en-US" sz="1400" dirty="0"/>
                         <a:t> - Remove fully empty lines , convert</a:t>
                       </a:r>
                       <a:r>
-                        <a:rPr lang="en-US" sz="1400" baseline="0" dirty="0" smtClean="0"/>
+                        <a:rPr lang="en-US" sz="1400" baseline="0" dirty="0"/>
                         <a:t> Countries, indicators to columns</a:t>
                       </a:r>
                       <a:endParaRPr lang="en-US" sz="1400" dirty="0"/>
@@ -6246,7 +6189,7 @@
                         <a:defRPr/>
                       </a:pPr>
                       <a:r>
-                        <a:rPr lang="en-US" sz="1400" dirty="0" smtClean="0"/>
+                        <a:rPr lang="en-US" sz="1400" dirty="0"/>
                         <a:t>Done.</a:t>
                       </a:r>
                     </a:p>
@@ -6256,6 +6199,11 @@
                   </a:txBody>
                   <a:tcPr/>
                 </a:tc>
+                <a:extLst>
+                  <a:ext uri="{0D108BD9-81ED-4DB2-BD59-A6C34878D82A}">
+                    <a16:rowId xmlns:a16="http://schemas.microsoft.com/office/drawing/2014/main" val="10004"/>
+                  </a:ext>
+                </a:extLst>
               </a:tr>
               <a:tr h="469019">
                 <a:tc vMerge="1">
@@ -6274,11 +6222,11 @@
                     <a:lstStyle/>
                     <a:p>
                       <a:r>
-                        <a:rPr lang="en-US" sz="1400" dirty="0" smtClean="0"/>
+                        <a:rPr lang="en-US" sz="1400" dirty="0"/>
                         <a:t>Transpose lines</a:t>
                       </a:r>
                       <a:r>
-                        <a:rPr lang="en-US" sz="1400" baseline="0" dirty="0" smtClean="0"/>
+                        <a:rPr lang="en-US" sz="1400" baseline="0" dirty="0"/>
                         <a:t> to columns  - years and country are columns</a:t>
                       </a:r>
                       <a:endParaRPr lang="en-US" sz="1400" dirty="0"/>
@@ -6291,11 +6239,19 @@
                     <a:bodyPr/>
                     <a:lstStyle/>
                     <a:p>
-                      <a:endParaRPr lang="en-US" sz="1400" dirty="0"/>
+                      <a:r>
+                        <a:rPr lang="en-US" sz="1400" dirty="0"/>
+                        <a:t>Done</a:t>
+                      </a:r>
                     </a:p>
                   </a:txBody>
                   <a:tcPr/>
                 </a:tc>
+                <a:extLst>
+                  <a:ext uri="{0D108BD9-81ED-4DB2-BD59-A6C34878D82A}">
+                    <a16:rowId xmlns:a16="http://schemas.microsoft.com/office/drawing/2014/main" val="10005"/>
+                  </a:ext>
+                </a:extLst>
               </a:tr>
               <a:tr h="404883">
                 <a:tc vMerge="1">
@@ -6314,11 +6270,11 @@
                     <a:lstStyle/>
                     <a:p>
                       <a:r>
-                        <a:rPr lang="en-US" sz="1400" dirty="0" smtClean="0"/>
+                        <a:rPr lang="en-US" sz="1400" dirty="0"/>
                         <a:t>Remove irrelevant</a:t>
                       </a:r>
                       <a:r>
-                        <a:rPr lang="en-US" sz="1400" baseline="0" dirty="0" smtClean="0"/>
+                        <a:rPr lang="en-US" sz="1400" baseline="0" dirty="0"/>
                         <a:t> columns from both csv’s</a:t>
                       </a:r>
                       <a:endParaRPr lang="en-US" sz="1400" dirty="0"/>
@@ -6349,7 +6305,7 @@
                         <a:defRPr/>
                       </a:pPr>
                       <a:r>
-                        <a:rPr lang="en-US" sz="1400" dirty="0" smtClean="0"/>
+                        <a:rPr lang="en-US" sz="1400" dirty="0"/>
                         <a:t>Done.</a:t>
                       </a:r>
                     </a:p>
@@ -6359,6 +6315,11 @@
                   </a:txBody>
                   <a:tcPr/>
                 </a:tc>
+                <a:extLst>
+                  <a:ext uri="{0D108BD9-81ED-4DB2-BD59-A6C34878D82A}">
+                    <a16:rowId xmlns:a16="http://schemas.microsoft.com/office/drawing/2014/main" val="10006"/>
+                  </a:ext>
+                </a:extLst>
               </a:tr>
               <a:tr h="332222">
                 <a:tc vMerge="1">
@@ -6394,14 +6355,14 @@
                         <a:defRPr/>
                       </a:pPr>
                       <a:r>
-                        <a:rPr lang="en-US" sz="1400" dirty="0" smtClean="0"/>
+                        <a:rPr lang="en-US" sz="1400" dirty="0"/>
                         <a:t>Intersect  between</a:t>
                       </a:r>
                       <a:r>
-                        <a:rPr lang="en-US" sz="1400" baseline="0" dirty="0" smtClean="0"/>
+                        <a:rPr lang="en-US" sz="1400" baseline="0" dirty="0"/>
                         <a:t> countries and years</a:t>
                       </a:r>
-                      <a:endParaRPr lang="en-US" sz="1400" dirty="0" smtClean="0"/>
+                      <a:endParaRPr lang="en-US" sz="1400" dirty="0"/>
                     </a:p>
                   </a:txBody>
                   <a:tcPr/>
@@ -6416,6 +6377,11 @@
                   </a:txBody>
                   <a:tcPr/>
                 </a:tc>
+                <a:extLst>
+                  <a:ext uri="{0D108BD9-81ED-4DB2-BD59-A6C34878D82A}">
+                    <a16:rowId xmlns:a16="http://schemas.microsoft.com/office/drawing/2014/main" val="10007"/>
+                  </a:ext>
+                </a:extLst>
               </a:tr>
               <a:tr h="332222">
                 <a:tc vMerge="1">
@@ -6434,23 +6400,23 @@
                     <a:lstStyle/>
                     <a:p>
                       <a:r>
-                        <a:rPr lang="en-US" sz="1400" dirty="0" smtClean="0"/>
+                        <a:rPr lang="en-US" sz="1400" dirty="0"/>
                         <a:t>Merge </a:t>
                       </a:r>
                       <a:r>
-                        <a:rPr lang="en-US" sz="1400" dirty="0" err="1" smtClean="0"/>
+                        <a:rPr lang="en-US" sz="1400" dirty="0" err="1"/>
                         <a:t>oecd</a:t>
                       </a:r>
                       <a:r>
-                        <a:rPr lang="en-US" sz="1400" baseline="0" dirty="0" smtClean="0"/>
+                        <a:rPr lang="en-US" sz="1400" baseline="0" dirty="0"/>
                         <a:t> data and </a:t>
                       </a:r>
                       <a:r>
-                        <a:rPr lang="en-US" sz="1400" baseline="0" dirty="0" err="1" smtClean="0"/>
+                        <a:rPr lang="en-US" sz="1400" baseline="0" dirty="0" err="1"/>
                         <a:t>GenderStats</a:t>
                       </a:r>
                       <a:r>
-                        <a:rPr lang="en-US" sz="1400" baseline="0" dirty="0" smtClean="0"/>
+                        <a:rPr lang="en-US" sz="1400" baseline="0" dirty="0"/>
                         <a:t> csv</a:t>
                       </a:r>
                       <a:endParaRPr lang="en-US" sz="1400" dirty="0"/>
@@ -6468,6 +6434,11 @@
                   </a:txBody>
                   <a:tcPr/>
                 </a:tc>
+                <a:extLst>
+                  <a:ext uri="{0D108BD9-81ED-4DB2-BD59-A6C34878D82A}">
+                    <a16:rowId xmlns:a16="http://schemas.microsoft.com/office/drawing/2014/main" val="10008"/>
+                  </a:ext>
+                </a:extLst>
               </a:tr>
               <a:tr h="332222">
                 <a:tc vMerge="1">
@@ -6486,11 +6457,11 @@
                     <a:lstStyle/>
                     <a:p>
                       <a:r>
-                        <a:rPr lang="en-US" sz="1400" dirty="0" smtClean="0"/>
+                        <a:rPr lang="en-US" sz="1400" dirty="0"/>
                         <a:t>complete missing values</a:t>
                       </a:r>
                       <a:r>
-                        <a:rPr lang="en-US" sz="1400" baseline="0" dirty="0" smtClean="0"/>
+                        <a:rPr lang="en-US" sz="1400" baseline="0" dirty="0"/>
                         <a:t> </a:t>
                       </a:r>
                       <a:endParaRPr lang="en-US" sz="1400" dirty="0"/>
@@ -6508,6 +6479,11 @@
                   </a:txBody>
                   <a:tcPr/>
                 </a:tc>
+                <a:extLst>
+                  <a:ext uri="{0D108BD9-81ED-4DB2-BD59-A6C34878D82A}">
+                    <a16:rowId xmlns:a16="http://schemas.microsoft.com/office/drawing/2014/main" val="10009"/>
+                  </a:ext>
+                </a:extLst>
               </a:tr>
               <a:tr h="332222">
                 <a:tc>
@@ -6533,7 +6509,7 @@
                         <a:defRPr/>
                       </a:pPr>
                       <a:r>
-                        <a:rPr lang="en-US" sz="1400" b="1" dirty="0" smtClean="0"/>
+                        <a:rPr lang="en-US" sz="1400" b="1" dirty="0"/>
                         <a:t>Data Analysis</a:t>
                       </a:r>
                     </a:p>
@@ -6549,10 +6525,9 @@
                     <a:lstStyle/>
                     <a:p>
                       <a:r>
-                        <a:rPr lang="en-US" sz="1400" dirty="0" smtClean="0"/>
+                        <a:rPr lang="en-US" sz="1400" dirty="0"/>
                         <a:t>Defining train and test data</a:t>
                       </a:r>
-                      <a:endParaRPr lang="en-US" sz="1400" dirty="0"/>
                     </a:p>
                   </a:txBody>
                   <a:tcPr/>
@@ -6567,6 +6542,11 @@
                   </a:txBody>
                   <a:tcPr/>
                 </a:tc>
+                <a:extLst>
+                  <a:ext uri="{0D108BD9-81ED-4DB2-BD59-A6C34878D82A}">
+                    <a16:rowId xmlns:a16="http://schemas.microsoft.com/office/drawing/2014/main" val="10010"/>
+                  </a:ext>
+                </a:extLst>
               </a:tr>
               <a:tr h="332222">
                 <a:tc>
@@ -6585,10 +6565,9 @@
                     <a:lstStyle/>
                     <a:p>
                       <a:r>
-                        <a:rPr lang="en-US" sz="1400" dirty="0" smtClean="0"/>
+                        <a:rPr lang="en-US" sz="1400" dirty="0"/>
                         <a:t>Select and normalize features (by correlation) </a:t>
                       </a:r>
-                      <a:endParaRPr lang="en-US" sz="1400" dirty="0"/>
                     </a:p>
                   </a:txBody>
                   <a:tcPr/>
@@ -6603,6 +6582,11 @@
                   </a:txBody>
                   <a:tcPr/>
                 </a:tc>
+                <a:extLst>
+                  <a:ext uri="{0D108BD9-81ED-4DB2-BD59-A6C34878D82A}">
+                    <a16:rowId xmlns:a16="http://schemas.microsoft.com/office/drawing/2014/main" val="10011"/>
+                  </a:ext>
+                </a:extLst>
               </a:tr>
             </a:tbl>
           </a:graphicData>

--- a/Sallary gap predictionfrom Project Demo.pptx
+++ b/Sallary gap predictionfrom Project Demo.pptx
@@ -595,7 +595,7 @@
             <a:fld id="{DCCFA427-BB50-4F8D-8FC4-B0EA0BA5795C}" type="datetimeFigureOut">
               <a:rPr lang="en-US" smtClean="0"/>
               <a:pPr/>
-              <a:t>12/7/2016</a:t>
+              <a:t>12/10/2016</a:t>
             </a:fld>
             <a:endParaRPr lang="en-US"/>
           </a:p>
@@ -799,7 +799,7 @@
             <a:fld id="{DCCFA427-BB50-4F8D-8FC4-B0EA0BA5795C}" type="datetimeFigureOut">
               <a:rPr lang="en-US" smtClean="0"/>
               <a:pPr/>
-              <a:t>12/7/2016</a:t>
+              <a:t>12/10/2016</a:t>
             </a:fld>
             <a:endParaRPr lang="en-US"/>
           </a:p>
@@ -981,7 +981,7 @@
             <a:fld id="{DCCFA427-BB50-4F8D-8FC4-B0EA0BA5795C}" type="datetimeFigureOut">
               <a:rPr lang="en-US" smtClean="0"/>
               <a:pPr/>
-              <a:t>12/7/2016</a:t>
+              <a:t>12/10/2016</a:t>
             </a:fld>
             <a:endParaRPr lang="en-US"/>
           </a:p>
@@ -1153,7 +1153,7 @@
             <a:fld id="{DCCFA427-BB50-4F8D-8FC4-B0EA0BA5795C}" type="datetimeFigureOut">
               <a:rPr lang="en-US" smtClean="0"/>
               <a:pPr/>
-              <a:t>12/7/2016</a:t>
+              <a:t>12/10/2016</a:t>
             </a:fld>
             <a:endParaRPr lang="en-US"/>
           </a:p>
@@ -1726,7 +1726,7 @@
             <a:fld id="{DCCFA427-BB50-4F8D-8FC4-B0EA0BA5795C}" type="datetimeFigureOut">
               <a:rPr lang="en-US" smtClean="0"/>
               <a:pPr/>
-              <a:t>12/7/2016</a:t>
+              <a:t>12/10/2016</a:t>
             </a:fld>
             <a:endParaRPr lang="en-US"/>
           </a:p>
@@ -2030,7 +2030,7 @@
             <a:fld id="{DCCFA427-BB50-4F8D-8FC4-B0EA0BA5795C}" type="datetimeFigureOut">
               <a:rPr lang="en-US" smtClean="0"/>
               <a:pPr/>
-              <a:t>12/7/2016</a:t>
+              <a:t>12/10/2016</a:t>
             </a:fld>
             <a:endParaRPr lang="en-US"/>
           </a:p>
@@ -2469,7 +2469,7 @@
             <a:fld id="{DCCFA427-BB50-4F8D-8FC4-B0EA0BA5795C}" type="datetimeFigureOut">
               <a:rPr lang="en-US" smtClean="0"/>
               <a:pPr/>
-              <a:t>12/7/2016</a:t>
+              <a:t>12/10/2016</a:t>
             </a:fld>
             <a:endParaRPr lang="en-US"/>
           </a:p>
@@ -2589,7 +2589,7 @@
             <a:fld id="{DCCFA427-BB50-4F8D-8FC4-B0EA0BA5795C}" type="datetimeFigureOut">
               <a:rPr lang="en-US" smtClean="0"/>
               <a:pPr/>
-              <a:t>12/7/2016</a:t>
+              <a:t>12/10/2016</a:t>
             </a:fld>
             <a:endParaRPr lang="en-US"/>
           </a:p>
@@ -2686,7 +2686,7 @@
             <a:fld id="{DCCFA427-BB50-4F8D-8FC4-B0EA0BA5795C}" type="datetimeFigureOut">
               <a:rPr lang="en-US" smtClean="0"/>
               <a:pPr/>
-              <a:t>12/7/2016</a:t>
+              <a:t>12/10/2016</a:t>
             </a:fld>
             <a:endParaRPr lang="en-US"/>
           </a:p>
@@ -3070,7 +3070,7 @@
             <a:fld id="{DCCFA427-BB50-4F8D-8FC4-B0EA0BA5795C}" type="datetimeFigureOut">
               <a:rPr lang="en-US" smtClean="0"/>
               <a:pPr/>
-              <a:t>12/7/2016</a:t>
+              <a:t>12/10/2016</a:t>
             </a:fld>
             <a:endParaRPr lang="en-US"/>
           </a:p>
@@ -3466,7 +3466,7 @@
             <a:fld id="{DCCFA427-BB50-4F8D-8FC4-B0EA0BA5795C}" type="datetimeFigureOut">
               <a:rPr lang="en-US" smtClean="0"/>
               <a:pPr/>
-              <a:t>12/7/2016</a:t>
+              <a:t>12/10/2016</a:t>
             </a:fld>
             <a:endParaRPr lang="en-US"/>
           </a:p>
@@ -3781,7 +3781,7 @@
             <a:fld id="{DCCFA427-BB50-4F8D-8FC4-B0EA0BA5795C}" type="datetimeFigureOut">
               <a:rPr lang="en-US" smtClean="0"/>
               <a:pPr/>
-              <a:t>12/7/2016</a:t>
+              <a:t>12/10/2016</a:t>
             </a:fld>
             <a:endParaRPr lang="en-US"/>
           </a:p>
@@ -4320,7 +4320,7 @@
             </a:r>
             <a:r>
               <a:rPr lang="en-US" dirty="0"/>
-              <a:t> bank, Shiran mazor</a:t>
+              <a:t> Bank, Shiran Mazor</a:t>
             </a:r>
           </a:p>
           <a:p>
@@ -4328,18 +4328,9 @@
           </a:p>
           <a:p>
             <a:r>
-              <a:rPr lang="en-US" dirty="0" err="1"/>
-              <a:t>Eylon</a:t>
-            </a:r>
-            <a:r>
               <a:rPr lang="en-US" dirty="0"/>
-              <a:t> </a:t>
-            </a:r>
-            <a:r>
-              <a:rPr lang="en-US" dirty="0" err="1"/>
-              <a:t>saadon</a:t>
-            </a:r>
-            <a:endParaRPr lang="en-US" dirty="0"/>
+              <a:t>Eylon Saadon</a:t>
+            </a:r>
           </a:p>
         </p:txBody>
       </p:sp>
@@ -4395,13 +4386,8 @@
           <a:p>
             <a:r>
               <a:rPr lang="en-US" dirty="0"/>
-              <a:t>Implementation </a:t>
-            </a:r>
-            <a:r>
-              <a:rPr lang="en-US" dirty="0" smtClean="0"/>
-              <a:t>plan (2)</a:t>
-            </a:r>
-            <a:endParaRPr lang="en-US" dirty="0"/>
+              <a:t>Implementation plan (2)</a:t>
+            </a:r>
           </a:p>
         </p:txBody>
       </p:sp>
@@ -4430,9 +4416,27 @@
                 <a:tableStyleId>{5C22544A-7EE6-4342-B048-85BDC9FD1C3A}</a:tableStyleId>
               </a:tblPr>
               <a:tblGrid>
-                <a:gridCol w="3720214"/>
-                <a:gridCol w="6601590"/>
-                <a:gridCol w="838838"/>
+                <a:gridCol w="3720214">
+                  <a:extLst>
+                    <a:ext uri="{9D8B030D-6E8A-4147-A177-3AD203B41FA5}">
+                      <a16:colId xmlns:a16="http://schemas.microsoft.com/office/drawing/2014/main" xmlns="" val="20000"/>
+                    </a:ext>
+                  </a:extLst>
+                </a:gridCol>
+                <a:gridCol w="6601590">
+                  <a:extLst>
+                    <a:ext uri="{9D8B030D-6E8A-4147-A177-3AD203B41FA5}">
+                      <a16:colId xmlns:a16="http://schemas.microsoft.com/office/drawing/2014/main" xmlns="" val="20001"/>
+                    </a:ext>
+                  </a:extLst>
+                </a:gridCol>
+                <a:gridCol w="838838">
+                  <a:extLst>
+                    <a:ext uri="{9D8B030D-6E8A-4147-A177-3AD203B41FA5}">
+                      <a16:colId xmlns:a16="http://schemas.microsoft.com/office/drawing/2014/main" xmlns="" val="20002"/>
+                    </a:ext>
+                  </a:extLst>
+                </a:gridCol>
               </a:tblGrid>
               <a:tr h="285799">
                 <a:tc>
@@ -4441,10 +4445,9 @@
                     <a:lstStyle/>
                     <a:p>
                       <a:r>
-                        <a:rPr lang="en-US" dirty="0" smtClean="0"/>
+                        <a:rPr lang="en-US" dirty="0"/>
                         <a:t>Millstone</a:t>
                       </a:r>
-                      <a:endParaRPr lang="en-US" dirty="0"/>
                     </a:p>
                   </a:txBody>
                   <a:tcPr/>
@@ -4455,10 +4458,9 @@
                     <a:lstStyle/>
                     <a:p>
                       <a:r>
-                        <a:rPr lang="en-US" dirty="0" smtClean="0"/>
+                        <a:rPr lang="en-US" dirty="0"/>
                         <a:t>tasks</a:t>
                       </a:r>
-                      <a:endParaRPr lang="en-US" dirty="0"/>
                     </a:p>
                   </a:txBody>
                   <a:tcPr/>
@@ -4469,14 +4471,18 @@
                     <a:lstStyle/>
                     <a:p>
                       <a:r>
-                        <a:rPr lang="en-US" dirty="0" smtClean="0"/>
+                        <a:rPr lang="en-US" dirty="0"/>
                         <a:t>status</a:t>
                       </a:r>
-                      <a:endParaRPr lang="en-US" dirty="0"/>
                     </a:p>
                   </a:txBody>
                   <a:tcPr/>
                 </a:tc>
+                <a:extLst>
+                  <a:ext uri="{0D108BD9-81ED-4DB2-BD59-A6C34878D82A}">
+                    <a16:rowId xmlns:a16="http://schemas.microsoft.com/office/drawing/2014/main" xmlns="" val="10000"/>
+                  </a:ext>
+                </a:extLst>
               </a:tr>
               <a:tr h="571599">
                 <a:tc rowSpan="4">
@@ -4502,7 +4508,7 @@
                         <a:defRPr/>
                       </a:pPr>
                       <a:r>
-                        <a:rPr lang="en-US" sz="1400" b="1" dirty="0" smtClean="0"/>
+                        <a:rPr lang="en-US" sz="1400" b="1" dirty="0"/>
                         <a:t>Modeling  and Evaluating:</a:t>
                       </a:r>
                     </a:p>
@@ -4535,15 +4541,15 @@
                         <a:defRPr/>
                       </a:pPr>
                       <a:r>
-                        <a:rPr lang="en-US" sz="1400" b="1" dirty="0" smtClean="0"/>
+                        <a:rPr lang="en-US" sz="1400" b="1" dirty="0"/>
                         <a:t>Step 1 - </a:t>
                       </a:r>
                       <a:r>
-                        <a:rPr lang="en-US" sz="1400" b="1" baseline="0" dirty="0" smtClean="0"/>
+                        <a:rPr lang="en-US" sz="1400" b="1" baseline="0" dirty="0"/>
                         <a:t> </a:t>
                       </a:r>
                       <a:r>
-                        <a:rPr lang="en-US" sz="1400" dirty="0" smtClean="0"/>
+                        <a:rPr lang="en-US" sz="1400" dirty="0"/>
                         <a:t>simple linear regression. T-test based feature Removing (manually)</a:t>
                       </a:r>
                     </a:p>
@@ -4563,6 +4569,11 @@
                   </a:txBody>
                   <a:tcPr/>
                 </a:tc>
+                <a:extLst>
+                  <a:ext uri="{0D108BD9-81ED-4DB2-BD59-A6C34878D82A}">
+                    <a16:rowId xmlns:a16="http://schemas.microsoft.com/office/drawing/2014/main" xmlns="" val="10001"/>
+                  </a:ext>
+                </a:extLst>
               </a:tr>
               <a:tr h="469019">
                 <a:tc vMerge="1">
@@ -4587,7 +4598,7 @@
                         <a:tabLst/>
                         <a:defRPr/>
                       </a:pPr>
-                      <a:endParaRPr lang="en-US" sz="1200" b="1" dirty="0" smtClean="0"/>
+                      <a:endParaRPr lang="en-US" sz="1200" b="1" dirty="0"/>
                     </a:p>
                   </a:txBody>
                   <a:tcPr/>
@@ -4615,15 +4626,15 @@
                         <a:defRPr/>
                       </a:pPr>
                       <a:r>
-                        <a:rPr lang="en-US" sz="1400" b="1" dirty="0" smtClean="0"/>
+                        <a:rPr lang="en-US" sz="1400" b="1" dirty="0"/>
                         <a:t>Step 2</a:t>
                       </a:r>
                       <a:r>
-                        <a:rPr lang="en-US" sz="1400" b="1" baseline="0" dirty="0" smtClean="0"/>
+                        <a:rPr lang="en-US" sz="1400" b="1" baseline="0" dirty="0"/>
                         <a:t> - </a:t>
                       </a:r>
                       <a:r>
-                        <a:rPr lang="en-US" sz="1400" dirty="0" smtClean="0"/>
+                        <a:rPr lang="en-US" sz="1400" dirty="0"/>
                         <a:t>L1 regularization for feature selection (lambda by cross validation)</a:t>
                       </a:r>
                     </a:p>
@@ -4645,7 +4656,7 @@
                         <a:tabLst/>
                         <a:defRPr/>
                       </a:pPr>
-                      <a:endParaRPr lang="en-US" sz="1400" b="1" dirty="0" smtClean="0"/>
+                      <a:endParaRPr lang="en-US" sz="1400" b="1" dirty="0"/>
                     </a:p>
                   </a:txBody>
                   <a:tcPr/>
@@ -4660,6 +4671,11 @@
                   </a:txBody>
                   <a:tcPr/>
                 </a:tc>
+                <a:extLst>
+                  <a:ext uri="{0D108BD9-81ED-4DB2-BD59-A6C34878D82A}">
+                    <a16:rowId xmlns:a16="http://schemas.microsoft.com/office/drawing/2014/main" xmlns="" val="10002"/>
+                  </a:ext>
+                </a:extLst>
               </a:tr>
               <a:tr h="605817">
                 <a:tc vMerge="1">
@@ -4684,7 +4700,7 @@
                         <a:tabLst/>
                         <a:defRPr/>
                       </a:pPr>
-                      <a:endParaRPr lang="en-US" sz="1200" b="1" dirty="0" smtClean="0"/>
+                      <a:endParaRPr lang="en-US" sz="1200" b="1" dirty="0"/>
                     </a:p>
                   </a:txBody>
                   <a:tcPr/>
@@ -4712,15 +4728,15 @@
                         <a:defRPr/>
                       </a:pPr>
                       <a:r>
-                        <a:rPr lang="en-US" sz="1400" b="1" dirty="0" smtClean="0"/>
+                        <a:rPr lang="en-US" sz="1400" b="1" dirty="0"/>
                         <a:t>Step 3</a:t>
                       </a:r>
                       <a:r>
-                        <a:rPr lang="en-US" sz="1400" b="1" baseline="0" dirty="0" smtClean="0"/>
+                        <a:rPr lang="en-US" sz="1400" b="1" baseline="0" dirty="0"/>
                         <a:t> - </a:t>
                       </a:r>
                       <a:r>
-                        <a:rPr lang="en-US" sz="1400" dirty="0" smtClean="0"/>
+                        <a:rPr lang="en-US" sz="1400" dirty="0"/>
                         <a:t>data manipulation status - considering cross terms and different missing values system</a:t>
                       </a:r>
                     </a:p>
@@ -4740,6 +4756,11 @@
                   </a:txBody>
                   <a:tcPr/>
                 </a:tc>
+                <a:extLst>
+                  <a:ext uri="{0D108BD9-81ED-4DB2-BD59-A6C34878D82A}">
+                    <a16:rowId xmlns:a16="http://schemas.microsoft.com/office/drawing/2014/main" xmlns="" val="10003"/>
+                  </a:ext>
+                </a:extLst>
               </a:tr>
               <a:tr h="469019">
                 <a:tc vMerge="1">
@@ -4764,7 +4785,7 @@
                         <a:tabLst/>
                         <a:defRPr/>
                       </a:pPr>
-                      <a:endParaRPr lang="en-US" sz="1200" b="1" dirty="0" smtClean="0"/>
+                      <a:endParaRPr lang="en-US" sz="1200" b="1" dirty="0"/>
                     </a:p>
                   </a:txBody>
                   <a:tcPr/>
@@ -4792,11 +4813,11 @@
                         <a:defRPr/>
                       </a:pPr>
                       <a:r>
-                        <a:rPr lang="en-US" sz="1400" b="1" dirty="0" smtClean="0"/>
+                        <a:rPr lang="en-US" sz="1400" b="1" dirty="0"/>
                         <a:t>Step 4</a:t>
                       </a:r>
                       <a:r>
-                        <a:rPr lang="en-US" sz="1400" dirty="0" smtClean="0"/>
+                        <a:rPr lang="en-US" sz="1400" dirty="0"/>
                         <a:t> -considering usage of Random Forest or SVM</a:t>
                       </a:r>
                     </a:p>
@@ -4811,7 +4832,7 @@
                     <a:bodyPr/>
                     <a:lstStyle/>
                     <a:p>
-                      <a:endParaRPr lang="en-US" sz="1400" dirty="0" smtClean="0"/>
+                      <a:endParaRPr lang="en-US" sz="1400" dirty="0"/>
                     </a:p>
                     <a:p>
                       <a:endParaRPr lang="en-US" sz="1400" dirty="0"/>
@@ -4819,6 +4840,11 @@
                   </a:txBody>
                   <a:tcPr/>
                 </a:tc>
+                <a:extLst>
+                  <a:ext uri="{0D108BD9-81ED-4DB2-BD59-A6C34878D82A}">
+                    <a16:rowId xmlns:a16="http://schemas.microsoft.com/office/drawing/2014/main" xmlns="" val="10004"/>
+                  </a:ext>
+                </a:extLst>
               </a:tr>
               <a:tr h="469019">
                 <a:tc>
@@ -4827,10 +4853,9 @@
                     <a:lstStyle/>
                     <a:p>
                       <a:r>
-                        <a:rPr lang="en-US" sz="1400" b="1" dirty="0" smtClean="0"/>
+                        <a:rPr lang="en-US" sz="1400" b="1" dirty="0"/>
                         <a:t>Model Deployment</a:t>
                       </a:r>
-                      <a:endParaRPr lang="en-US" sz="1400" b="1" dirty="0"/>
                     </a:p>
                   </a:txBody>
                   <a:tcPr/>
@@ -4855,6 +4880,11 @@
                   </a:txBody>
                   <a:tcPr/>
                 </a:tc>
+                <a:extLst>
+                  <a:ext uri="{0D108BD9-81ED-4DB2-BD59-A6C34878D82A}">
+                    <a16:rowId xmlns:a16="http://schemas.microsoft.com/office/drawing/2014/main" xmlns="" val="10005"/>
+                  </a:ext>
+                </a:extLst>
               </a:tr>
             </a:tbl>
           </a:graphicData>
@@ -4965,16 +4995,12 @@
               <a:t>Main </a:t>
             </a:r>
             <a:r>
-              <a:rPr lang="en-US" dirty="0" err="1" smtClean="0"/>
+              <a:rPr lang="en-US" dirty="0" err="1"/>
               <a:t>Focuse</a:t>
             </a:r>
             <a:r>
-              <a:rPr lang="en-US" dirty="0" smtClean="0"/>
-              <a:t>– </a:t>
-            </a:r>
-            <a:r>
               <a:rPr lang="en-US" dirty="0"/>
-              <a:t>the value we want to predict  is defined as the difference between median earnings of men and women relative to median earnings of men. (</a:t>
+              <a:t>– the value we want to predict  is defined as the difference between median earnings of men and women relative to median earnings of men. (</a:t>
             </a:r>
             <a:r>
               <a:rPr lang="en-US" b="1" dirty="0"/>
@@ -5081,11 +5107,7 @@
           <a:p>
             <a:r>
               <a:rPr lang="en-US" dirty="0"/>
-              <a:t>World data bank – </a:t>
-            </a:r>
-            <a:r>
-              <a:rPr lang="en-US" dirty="0" smtClean="0"/>
-              <a:t>GenderStat.csv</a:t>
+              <a:t>World data bank – GenderStat.csv</a:t>
             </a:r>
           </a:p>
           <a:p>
@@ -5094,86 +5116,63 @@
               <a:rPr lang="en-US" dirty="0">
                 <a:hlinkClick r:id="rId2"/>
               </a:rPr>
-              <a:t>http://</a:t>
-            </a:r>
-            <a:r>
-              <a:rPr lang="en-US" dirty="0" smtClean="0">
-                <a:hlinkClick r:id="rId2"/>
-              </a:rPr>
-              <a:t>data.worldbank.org/data-catalog/gender-statistics</a:t>
-            </a:r>
-            <a:endParaRPr lang="en-US" dirty="0" smtClean="0"/>
+              <a:t>http://data.worldbank.org/data-catalog/gender-statistics</a:t>
+            </a:r>
+            <a:endParaRPr lang="en-US" dirty="0"/>
           </a:p>
           <a:p>
             <a:pPr lvl="1"/>
             <a:r>
               <a:rPr lang="en-US" dirty="0"/>
-              <a:t>The Gender Statistics database is a comprehensive source for the latest sex-disaggregated data and gender statistics covering demography, education, health, access to economic opportunities, public life and decision-making, and </a:t>
-            </a:r>
-            <a:r>
-              <a:rPr lang="en-US" dirty="0" smtClean="0"/>
-              <a:t>agency</a:t>
+              <a:t>The Gender Statistics database is a comprehensive source for the latest sex-disaggregated data and gender statistics covering demography, education, health, access to economic opportunities, public life and decision-making, and agency</a:t>
             </a:r>
           </a:p>
           <a:p>
             <a:pPr lvl="1"/>
             <a:r>
-              <a:rPr lang="en-US" dirty="0" smtClean="0"/>
-              <a:t>The features statistics are arranged by years </a:t>
-            </a:r>
-            <a:r>
-              <a:rPr lang="en-US" dirty="0" err="1" smtClean="0"/>
-              <a:t>coulmns</a:t>
-            </a:r>
-            <a:r>
-              <a:rPr lang="en-US" dirty="0" smtClean="0"/>
-              <a:t> for each country</a:t>
-            </a:r>
-            <a:endParaRPr lang="en-US" dirty="0"/>
-          </a:p>
-          <a:p>
-            <a:r>
               <a:rPr lang="en-US" dirty="0"/>
-              <a:t>OECD data center – Gender wage gaps (csv</a:t>
-            </a:r>
-            <a:r>
-              <a:rPr lang="en-US" dirty="0" smtClean="0"/>
-              <a:t>)</a:t>
-            </a:r>
-            <a:endParaRPr lang="en-US" dirty="0"/>
+              <a:t>The features statistics are arranged by years columns for each country</a:t>
+            </a:r>
           </a:p>
           <a:p>
             <a:r>
               <a:rPr lang="en-US" dirty="0"/>
-              <a:t>The OECD data will be used as the predicted data, and we will try to build a model relying on the data from the world data bank. At first, we will try to extract features solely from this data</a:t>
-            </a:r>
-            <a:r>
-              <a:rPr lang="en-US" dirty="0" smtClean="0"/>
-              <a:t>.</a:t>
+              <a:t>OECD data center – Gender wage gaps (csv)</a:t>
+            </a:r>
+          </a:p>
+          <a:p>
+            <a:r>
+              <a:rPr lang="en-US" dirty="0"/>
+              <a:t>The OECD data will be used as the predicted data, and we will try to build a model relying on the data from the world data bank. </a:t>
             </a:r>
           </a:p>
           <a:p>
             <a:pPr lvl="1"/>
             <a:r>
-              <a:rPr lang="en-US" dirty="0" smtClean="0"/>
-              <a:t> </a:t>
-            </a:r>
-            <a:r>
               <a:rPr lang="en-US" dirty="0"/>
-              <a:t>Exploration for new data sets will occur after model evaluation  if necessary. </a:t>
-            </a:r>
-            <a:endParaRPr lang="en-US" dirty="0" smtClean="0"/>
+              <a:t> Exploration for new data sets will occur after model evaluation  if necessary. </a:t>
+            </a:r>
           </a:p>
           <a:p>
             <a:pPr lvl="1"/>
             <a:r>
-              <a:rPr lang="en-US" dirty="0" smtClean="0"/>
+              <a:rPr lang="en-US" dirty="0"/>
               <a:t>OECD value meaning </a:t>
             </a:r>
             <a:r>
-              <a:rPr lang="en-US" b="1" dirty="0" smtClean="0"/>
+              <a:rPr lang="en-US" b="1" dirty="0"/>
               <a:t>– the gender wage gap is unadjusted and  defined as the difference  between  male and female median wages divided by the  male median wages</a:t>
             </a:r>
+          </a:p>
+          <a:p>
+            <a:r>
+              <a:rPr lang="en-US" dirty="0"/>
+              <a:t>At first, we will try to extract features solely from this data.</a:t>
+            </a:r>
+            <a:endParaRPr lang="en-US" b="1" dirty="0"/>
+          </a:p>
+          <a:p>
+            <a:pPr lvl="1"/>
             <a:endParaRPr lang="en-US" b="1" dirty="0"/>
           </a:p>
         </p:txBody>
@@ -5252,7 +5251,7 @@
           <p:nvPr/>
         </p:nvPicPr>
         <p:blipFill>
-          <a:blip r:embed="rId2"/>
+          <a:blip r:embed="rId2" cstate="print"/>
           <a:stretch>
             <a:fillRect/>
           </a:stretch>
@@ -5278,7 +5277,7 @@
           </p:nvPr>
         </p:nvPicPr>
         <p:blipFill>
-          <a:blip r:embed="rId3"/>
+          <a:blip r:embed="rId3" cstate="print"/>
           <a:stretch>
             <a:fillRect/>
           </a:stretch>
@@ -5302,7 +5301,7 @@
           <p:nvPr/>
         </p:nvPicPr>
         <p:blipFill>
-          <a:blip r:embed="rId4"/>
+          <a:blip r:embed="rId4" cstate="print"/>
           <a:stretch>
             <a:fillRect/>
           </a:stretch>
@@ -5391,86 +5390,64 @@
           <a:p>
             <a:r>
               <a:rPr lang="en-US" dirty="0"/>
-              <a:t>Column arrangements (countries – flatten </a:t>
-            </a:r>
-            <a:r>
-              <a:rPr lang="en-US" dirty="0" smtClean="0"/>
-              <a:t>categories, </a:t>
-            </a:r>
+              <a:t>Column arrangements (countries – flatten categories, years – equal fragments)</a:t>
+            </a:r>
+          </a:p>
+          <a:p>
             <a:r>
               <a:rPr lang="en-US" dirty="0"/>
-              <a:t>years – equal </a:t>
-            </a:r>
-            <a:r>
-              <a:rPr lang="en-US" dirty="0" smtClean="0"/>
-              <a:t>fragments)</a:t>
-            </a:r>
+              <a:t>Normalizing –  (Value-min(value)) / (max(value)-min(value))</a:t>
+            </a:r>
+          </a:p>
+          <a:p>
+            <a:r>
+              <a:rPr lang="en-US" dirty="0"/>
+              <a:t>First – </a:t>
+            </a:r>
+            <a:r>
+              <a:rPr lang="en-US" dirty="0" err="1"/>
+              <a:t>GenderStats</a:t>
+            </a:r>
+            <a:r>
+              <a:rPr lang="en-US" dirty="0"/>
+              <a:t> removing rows with null values in all years :</a:t>
+            </a:r>
+          </a:p>
+          <a:p>
             <a:endParaRPr lang="en-US" dirty="0"/>
           </a:p>
           <a:p>
+            <a:endParaRPr lang="en-US" dirty="0"/>
+          </a:p>
+          <a:p>
+            <a:endParaRPr lang="en-US" dirty="0"/>
+          </a:p>
+          <a:p>
             <a:r>
               <a:rPr lang="en-US" dirty="0"/>
-              <a:t>Normalizing –  (Value-min(value)) / (max(value)-min(value</a:t>
-            </a:r>
-            <a:r>
-              <a:rPr lang="en-US" dirty="0" smtClean="0"/>
-              <a:t>))</a:t>
-            </a:r>
-          </a:p>
-          <a:p>
-            <a:r>
-              <a:rPr lang="en-US" dirty="0" smtClean="0"/>
-              <a:t>First – </a:t>
-            </a:r>
-            <a:r>
-              <a:rPr lang="en-US" dirty="0" err="1" smtClean="0"/>
+              <a:t>Intersect years and countries between OECD and </a:t>
+            </a:r>
+            <a:r>
+              <a:rPr lang="en-US" dirty="0" err="1"/>
               <a:t>GenderStats</a:t>
             </a:r>
             <a:r>
-              <a:rPr lang="en-US" dirty="0" smtClean="0"/>
-              <a:t> removing rows with null values in all years </a:t>
-            </a:r>
-            <a:r>
-              <a:rPr lang="en-US" dirty="0" smtClean="0"/>
-              <a:t>:</a:t>
-            </a:r>
-            <a:endParaRPr lang="en-US" dirty="0" smtClean="0"/>
-          </a:p>
-          <a:p>
-            <a:endParaRPr lang="en-US" dirty="0"/>
-          </a:p>
-          <a:p>
-            <a:endParaRPr lang="en-US" dirty="0" smtClean="0"/>
-          </a:p>
-          <a:p>
-            <a:endParaRPr lang="en-US" dirty="0"/>
-          </a:p>
-          <a:p>
-            <a:r>
-              <a:rPr lang="en-US" dirty="0" smtClean="0"/>
-              <a:t>Intersect years and countries between OECD and </a:t>
-            </a:r>
-            <a:r>
-              <a:rPr lang="en-US" dirty="0" err="1" smtClean="0"/>
-              <a:t>GenderStats</a:t>
-            </a:r>
-            <a:r>
-              <a:rPr lang="en-US" dirty="0" smtClean="0"/>
+              <a:rPr lang="en-US" dirty="0"/>
               <a:t>.</a:t>
             </a:r>
           </a:p>
           <a:p>
             <a:r>
-              <a:rPr lang="en-US" dirty="0" smtClean="0"/>
+              <a:rPr lang="en-US" dirty="0"/>
               <a:t>Removing unnecessary columns</a:t>
             </a:r>
-            <a:endParaRPr lang="he-IL" dirty="0" smtClean="0"/>
+            <a:endParaRPr lang="he-IL" dirty="0"/>
           </a:p>
           <a:p>
             <a:pPr marL="0" indent="0">
               <a:buNone/>
             </a:pPr>
-            <a:endParaRPr lang="en-US" dirty="0" smtClean="0"/>
+            <a:endParaRPr lang="en-US" dirty="0"/>
           </a:p>
           <a:p>
             <a:pPr marL="0" indent="0">
@@ -5489,7 +5466,7 @@
           <p:nvPr/>
         </p:nvPicPr>
         <p:blipFill>
-          <a:blip r:embed="rId2"/>
+          <a:blip r:embed="rId2" cstate="print"/>
           <a:stretch>
             <a:fillRect/>
           </a:stretch>
@@ -5513,7 +5490,7 @@
           <p:nvPr/>
         </p:nvPicPr>
         <p:blipFill>
-          <a:blip r:embed="rId3"/>
+          <a:blip r:embed="rId3" cstate="print"/>
           <a:stretch>
             <a:fillRect/>
           </a:stretch>
@@ -5574,10 +5551,9 @@
           <a:lstStyle/>
           <a:p>
             <a:r>
-              <a:rPr lang="en-US" dirty="0" smtClean="0"/>
+              <a:rPr lang="en-US" dirty="0"/>
               <a:t>Data Preparation 2</a:t>
             </a:r>
-            <a:endParaRPr lang="en-US" dirty="0"/>
           </a:p>
         </p:txBody>
       </p:sp>
@@ -5603,28 +5579,15 @@
           <a:p>
             <a:r>
               <a:rPr lang="en-US" dirty="0"/>
-              <a:t>Current GenderStat.csv after preliminary </a:t>
-            </a:r>
-            <a:r>
-              <a:rPr lang="en-US" dirty="0" smtClean="0"/>
-              <a:t>normalization -</a:t>
-            </a:r>
+              <a:t>Current GenderStat.csv after preliminary normalization -Transpose lines to columns</a:t>
+            </a:r>
+          </a:p>
+          <a:p>
+            <a:pPr lvl="1"/>
             <a:r>
               <a:rPr lang="en-US" dirty="0"/>
-              <a:t>Transpose lines to </a:t>
-            </a:r>
-            <a:r>
-              <a:rPr lang="en-US" dirty="0" smtClean="0"/>
-              <a:t>columns</a:t>
-            </a:r>
-          </a:p>
-          <a:p>
-            <a:pPr lvl="1"/>
-            <a:r>
-              <a:rPr lang="en-US" dirty="0" smtClean="0"/>
               <a:t>  years, country , and indicator are now columns</a:t>
             </a:r>
-            <a:endParaRPr lang="en-US" dirty="0"/>
           </a:p>
           <a:p>
             <a:endParaRPr lang="en-US" dirty="0"/>
@@ -5640,7 +5603,7 @@
           <p:nvPr/>
         </p:nvPicPr>
         <p:blipFill>
-          <a:blip r:embed="rId2"/>
+          <a:blip r:embed="rId2" cstate="print"/>
           <a:stretch>
             <a:fillRect/>
           </a:stretch>
@@ -5698,7 +5661,7 @@
         <p:spPr/>
         <p:txBody>
           <a:bodyPr>
-            <a:normAutofit/>
+            <a:normAutofit fontScale="90000"/>
           </a:bodyPr>
           <a:lstStyle/>
           <a:p>
@@ -5708,7 +5671,7 @@
             </a:r>
             <a:r>
               <a:rPr lang="en-US" dirty="0" smtClean="0"/>
-              <a:t>problem</a:t>
+              <a:t>problem product</a:t>
             </a:r>
             <a:endParaRPr lang="en-US" dirty="0"/>
           </a:p>
@@ -5730,22 +5693,64 @@
           <a:lstStyle/>
           <a:p>
             <a:r>
-              <a:rPr lang="en-US" dirty="0"/>
-              <a:t>Predicting average gender wage gap in the OECD</a:t>
-            </a:r>
-          </a:p>
-          <a:p>
-            <a:r>
-              <a:rPr lang="en-US" dirty="0"/>
-              <a:t>Will calculate for each state and average them </a:t>
-            </a:r>
-            <a:r>
               <a:rPr lang="en-US" dirty="0" smtClean="0"/>
-              <a:t>deterministically </a:t>
-            </a:r>
-            <a:r>
-              <a:rPr lang="en-US" dirty="0"/>
-              <a:t>(for unbiased estimates – immediate variance reduction)</a:t>
+              <a:t>Currently:</a:t>
+            </a:r>
+          </a:p>
+          <a:p>
+            <a:pPr lvl="1"/>
+            <a:r>
+              <a:rPr lang="en-US" dirty="0" smtClean="0"/>
+              <a:t>Input: vector consisting year, country and selected features</a:t>
+            </a:r>
+          </a:p>
+          <a:p>
+            <a:pPr lvl="1"/>
+            <a:r>
+              <a:rPr lang="en-US" dirty="0" smtClean="0"/>
+              <a:t>Output: gap prediction between the median salaries</a:t>
+            </a:r>
+          </a:p>
+          <a:p>
+            <a:endParaRPr lang="en-US" dirty="0" smtClean="0"/>
+          </a:p>
+          <a:p>
+            <a:r>
+              <a:rPr lang="en-US" dirty="0" smtClean="0"/>
+              <a:t>Optional:</a:t>
+            </a:r>
+          </a:p>
+          <a:p>
+            <a:pPr lvl="1"/>
+            <a:r>
+              <a:rPr lang="en-US" dirty="0" smtClean="0"/>
+              <a:t>Input: matrix for all 35 countries and a specified year</a:t>
+            </a:r>
+          </a:p>
+          <a:p>
+            <a:pPr lvl="1"/>
+            <a:r>
+              <a:rPr lang="en-US" dirty="0" smtClean="0"/>
+              <a:t>Output: </a:t>
+            </a:r>
+            <a:r>
+              <a:rPr lang="en-US" smtClean="0"/>
+              <a:t>averaged </a:t>
+            </a:r>
+            <a:r>
+              <a:rPr lang="en-US" smtClean="0"/>
+              <a:t>salary </a:t>
+            </a:r>
+            <a:r>
+              <a:rPr lang="en-US" dirty="0" smtClean="0"/>
+              <a:t>gap. </a:t>
+            </a:r>
+          </a:p>
+          <a:p>
+            <a:pPr lvl="1"/>
+            <a:r>
+              <a:rPr lang="en-US" dirty="0" smtClean="0"/>
+              <a:t>reduced variance assuming unbiased estimate</a:t>
             </a:r>
           </a:p>
         </p:txBody>
@@ -5819,64 +5824,41 @@
           <a:p>
             <a:r>
               <a:rPr lang="en-US" dirty="0"/>
-              <a:t>Many missing Values</a:t>
-            </a:r>
-            <a:r>
-              <a:rPr lang="en-US" dirty="0" smtClean="0"/>
-              <a:t>!</a:t>
+              <a:t>Many missing Values!</a:t>
             </a:r>
           </a:p>
           <a:p>
             <a:pPr lvl="1"/>
             <a:r>
               <a:rPr lang="en-US" dirty="0"/>
-              <a:t>Too many</a:t>
-            </a:r>
-            <a:r>
-              <a:rPr lang="en-US" dirty="0" smtClean="0"/>
-              <a:t>!</a:t>
-            </a:r>
-            <a:endParaRPr lang="en-US" dirty="0"/>
+              <a:t>Too many!</a:t>
+            </a:r>
           </a:p>
           <a:p>
             <a:pPr lvl="1"/>
             <a:r>
-              <a:rPr lang="en-US" dirty="0" smtClean="0"/>
-              <a:t>First </a:t>
-            </a:r>
-            <a:r>
               <a:rPr lang="en-US" dirty="0"/>
-              <a:t>removing the sparse ones without mining context </a:t>
-            </a:r>
-            <a:endParaRPr lang="en-US" dirty="0" smtClean="0"/>
+              <a:t>First removing the sparse ones without mining context </a:t>
+            </a:r>
           </a:p>
           <a:p>
             <a:pPr lvl="1"/>
             <a:r>
-              <a:rPr lang="en-US" dirty="0" smtClean="0"/>
+              <a:rPr lang="en-US" dirty="0"/>
               <a:t>First version:  median</a:t>
             </a:r>
           </a:p>
           <a:p>
             <a:pPr lvl="1"/>
             <a:r>
-              <a:rPr lang="en-US" dirty="0" smtClean="0"/>
-              <a:t>Second </a:t>
-            </a:r>
-            <a:r>
               <a:rPr lang="en-US" dirty="0"/>
-              <a:t>version: finding similar countries with similar values </a:t>
-            </a:r>
-            <a:endParaRPr lang="en-US" dirty="0" smtClean="0"/>
-          </a:p>
-          <a:p>
-            <a:r>
-              <a:rPr lang="en-US" dirty="0" smtClean="0"/>
-              <a:t>Not </a:t>
-            </a:r>
+              <a:t>Second version: finding similar countries with similar values </a:t>
+            </a:r>
+          </a:p>
+          <a:p>
             <a:r>
               <a:rPr lang="en-US" dirty="0"/>
-              <a:t>normalized.</a:t>
+              <a:t>Not normalized.</a:t>
             </a:r>
           </a:p>
           <a:p>
@@ -5935,13 +5917,8 @@
           <a:p>
             <a:r>
               <a:rPr lang="en-US" dirty="0"/>
-              <a:t>Implementation </a:t>
-            </a:r>
-            <a:r>
-              <a:rPr lang="en-US" dirty="0" smtClean="0"/>
-              <a:t>plan</a:t>
-            </a:r>
-            <a:endParaRPr lang="en-US" dirty="0"/>
+              <a:t>Implementation plan</a:t>
+            </a:r>
           </a:p>
         </p:txBody>
       </p:sp>
@@ -5954,7 +5931,7 @@
           <p:nvPr>
             <p:extLst>
               <p:ext uri="{D42A27DB-BD31-4B8C-83A1-F6EECF244321}">
-                <p14:modId xmlns:p14="http://schemas.microsoft.com/office/powerpoint/2010/main" val="1351954597"/>
+                <p14:modId xmlns:p14="http://schemas.microsoft.com/office/powerpoint/2010/main" val="3848875132"/>
               </p:ext>
             </p:extLst>
           </p:nvPr>
@@ -5970,9 +5947,27 @@
                 <a:tableStyleId>{5C22544A-7EE6-4342-B048-85BDC9FD1C3A}</a:tableStyleId>
               </a:tblPr>
               <a:tblGrid>
-                <a:gridCol w="3720214"/>
-                <a:gridCol w="6601590"/>
-                <a:gridCol w="838838"/>
+                <a:gridCol w="3720214">
+                  <a:extLst>
+                    <a:ext uri="{9D8B030D-6E8A-4147-A177-3AD203B41FA5}">
+                      <a16:colId xmlns:a16="http://schemas.microsoft.com/office/drawing/2014/main" xmlns="" val="20000"/>
+                    </a:ext>
+                  </a:extLst>
+                </a:gridCol>
+                <a:gridCol w="6601590">
+                  <a:extLst>
+                    <a:ext uri="{9D8B030D-6E8A-4147-A177-3AD203B41FA5}">
+                      <a16:colId xmlns:a16="http://schemas.microsoft.com/office/drawing/2014/main" xmlns="" val="20001"/>
+                    </a:ext>
+                  </a:extLst>
+                </a:gridCol>
+                <a:gridCol w="838838">
+                  <a:extLst>
+                    <a:ext uri="{9D8B030D-6E8A-4147-A177-3AD203B41FA5}">
+                      <a16:colId xmlns:a16="http://schemas.microsoft.com/office/drawing/2014/main" xmlns="" val="20002"/>
+                    </a:ext>
+                  </a:extLst>
+                </a:gridCol>
               </a:tblGrid>
               <a:tr h="285799">
                 <a:tc>
@@ -5981,10 +5976,9 @@
                     <a:lstStyle/>
                     <a:p>
                       <a:r>
-                        <a:rPr lang="en-US" dirty="0" smtClean="0"/>
+                        <a:rPr lang="en-US" dirty="0"/>
                         <a:t>Millstone</a:t>
                       </a:r>
-                      <a:endParaRPr lang="en-US" dirty="0"/>
                     </a:p>
                   </a:txBody>
                   <a:tcPr/>
@@ -5995,10 +5989,9 @@
                     <a:lstStyle/>
                     <a:p>
                       <a:r>
-                        <a:rPr lang="en-US" dirty="0" smtClean="0"/>
+                        <a:rPr lang="en-US" dirty="0"/>
                         <a:t>tasks</a:t>
                       </a:r>
-                      <a:endParaRPr lang="en-US" dirty="0"/>
                     </a:p>
                   </a:txBody>
                   <a:tcPr/>
@@ -6009,14 +6002,18 @@
                     <a:lstStyle/>
                     <a:p>
                       <a:r>
-                        <a:rPr lang="en-US" dirty="0" smtClean="0"/>
+                        <a:rPr lang="en-US" dirty="0"/>
                         <a:t>status</a:t>
                       </a:r>
-                      <a:endParaRPr lang="en-US" dirty="0"/>
                     </a:p>
                   </a:txBody>
                   <a:tcPr/>
                 </a:tc>
+                <a:extLst>
+                  <a:ext uri="{0D108BD9-81ED-4DB2-BD59-A6C34878D82A}">
+                    <a16:rowId xmlns:a16="http://schemas.microsoft.com/office/drawing/2014/main" xmlns="" val="10000"/>
+                  </a:ext>
+                </a:extLst>
               </a:tr>
               <a:tr h="238166">
                 <a:tc rowSpan="2">
@@ -6025,10 +6022,9 @@
                     <a:lstStyle/>
                     <a:p>
                       <a:r>
-                        <a:rPr lang="en-US" sz="1400" b="1" dirty="0" smtClean="0"/>
+                        <a:rPr lang="en-US" sz="1400" b="1" dirty="0"/>
                         <a:t>Business understanding</a:t>
                       </a:r>
-                      <a:endParaRPr lang="en-US" sz="1400" b="1" dirty="0"/>
                     </a:p>
                   </a:txBody>
                   <a:tcPr/>
@@ -6039,11 +6035,11 @@
                     <a:lstStyle/>
                     <a:p>
                       <a:r>
-                        <a:rPr lang="en-US" sz="1400" dirty="0" smtClean="0"/>
+                        <a:rPr lang="en-US" sz="1400" dirty="0"/>
                         <a:t>Search</a:t>
                       </a:r>
                       <a:r>
-                        <a:rPr lang="en-US" sz="1400" baseline="0" dirty="0" smtClean="0"/>
+                        <a:rPr lang="en-US" sz="1400" baseline="0" dirty="0"/>
                         <a:t> salary and gender statistics</a:t>
                       </a:r>
                       <a:endParaRPr lang="en-US" sz="1400" dirty="0"/>
@@ -6057,14 +6053,18 @@
                     <a:lstStyle/>
                     <a:p>
                       <a:r>
-                        <a:rPr lang="en-US" sz="1400" dirty="0" smtClean="0"/>
+                        <a:rPr lang="en-US" sz="1400" dirty="0"/>
                         <a:t>Done.</a:t>
                       </a:r>
-                      <a:endParaRPr lang="en-US" sz="1400" dirty="0"/>
                     </a:p>
                   </a:txBody>
                   <a:tcPr/>
                 </a:tc>
+                <a:extLst>
+                  <a:ext uri="{0D108BD9-81ED-4DB2-BD59-A6C34878D82A}">
+                    <a16:rowId xmlns:a16="http://schemas.microsoft.com/office/drawing/2014/main" xmlns="" val="10001"/>
+                  </a:ext>
+                </a:extLst>
               </a:tr>
               <a:tr h="238166">
                 <a:tc vMerge="1">
@@ -6083,10 +6083,9 @@
                     <a:lstStyle/>
                     <a:p>
                       <a:r>
-                        <a:rPr lang="en-US" sz="1400" dirty="0" smtClean="0"/>
+                        <a:rPr lang="en-US" sz="1400" dirty="0"/>
                         <a:t>Defining the problem </a:t>
                       </a:r>
-                      <a:endParaRPr lang="en-US" sz="1400" dirty="0"/>
                     </a:p>
                   </a:txBody>
                   <a:tcPr/>
@@ -6097,14 +6096,18 @@
                     <a:lstStyle/>
                     <a:p>
                       <a:r>
-                        <a:rPr lang="en-US" sz="1400" dirty="0" smtClean="0"/>
+                        <a:rPr lang="en-US" sz="1400" dirty="0"/>
                         <a:t>Done.</a:t>
                       </a:r>
-                      <a:endParaRPr lang="en-US" sz="1400" dirty="0"/>
                     </a:p>
                   </a:txBody>
                   <a:tcPr/>
                 </a:tc>
+                <a:extLst>
+                  <a:ext uri="{0D108BD9-81ED-4DB2-BD59-A6C34878D82A}">
+                    <a16:rowId xmlns:a16="http://schemas.microsoft.com/office/drawing/2014/main" xmlns="" val="10002"/>
+                  </a:ext>
+                </a:extLst>
               </a:tr>
               <a:tr h="332222">
                 <a:tc>
@@ -6113,10 +6116,9 @@
                     <a:lstStyle/>
                     <a:p>
                       <a:r>
-                        <a:rPr lang="en-US" sz="1400" b="1" dirty="0" smtClean="0"/>
+                        <a:rPr lang="en-US" sz="1400" b="1" dirty="0"/>
                         <a:t>Data understanding </a:t>
                       </a:r>
-                      <a:endParaRPr lang="en-US" sz="1400" b="1" dirty="0"/>
                     </a:p>
                   </a:txBody>
                   <a:tcPr/>
@@ -6127,27 +6129,27 @@
                     <a:lstStyle/>
                     <a:p>
                       <a:r>
-                        <a:rPr lang="en-US" sz="1400" dirty="0" smtClean="0"/>
+                        <a:rPr lang="en-US" sz="1400" dirty="0"/>
                         <a:t>Focused on </a:t>
                       </a:r>
                       <a:r>
-                        <a:rPr lang="en-US" sz="1400" dirty="0" err="1" smtClean="0"/>
+                        <a:rPr lang="en-US" sz="1400" dirty="0" err="1"/>
                         <a:t>GenderStats</a:t>
                       </a:r>
                       <a:r>
-                        <a:rPr lang="en-US" sz="1400" dirty="0" smtClean="0"/>
+                        <a:rPr lang="en-US" sz="1400" dirty="0"/>
                         <a:t>,</a:t>
                       </a:r>
                       <a:r>
-                        <a:rPr lang="en-US" sz="1400" baseline="0" dirty="0" smtClean="0"/>
+                        <a:rPr lang="en-US" sz="1400" baseline="0" dirty="0"/>
                         <a:t> </a:t>
                       </a:r>
                       <a:r>
-                        <a:rPr lang="en-US" sz="1400" baseline="0" dirty="0" err="1" smtClean="0"/>
+                        <a:rPr lang="en-US" sz="1400" baseline="0" dirty="0" err="1"/>
                         <a:t>Sallary</a:t>
                       </a:r>
                       <a:r>
-                        <a:rPr lang="en-US" sz="1400" baseline="0" dirty="0" smtClean="0"/>
+                        <a:rPr lang="en-US" sz="1400" baseline="0" dirty="0"/>
                         <a:t> gap csv on  OECD </a:t>
                       </a:r>
                       <a:endParaRPr lang="en-US" sz="1400" dirty="0"/>
@@ -6178,13 +6180,18 @@
                         <a:defRPr/>
                       </a:pPr>
                       <a:r>
-                        <a:rPr lang="en-US" sz="1400" dirty="0" smtClean="0"/>
+                        <a:rPr lang="en-US" sz="1400" dirty="0"/>
                         <a:t>Done.</a:t>
                       </a:r>
                     </a:p>
                   </a:txBody>
                   <a:tcPr/>
                 </a:tc>
+                <a:extLst>
+                  <a:ext uri="{0D108BD9-81ED-4DB2-BD59-A6C34878D82A}">
+                    <a16:rowId xmlns:a16="http://schemas.microsoft.com/office/drawing/2014/main" xmlns="" val="10003"/>
+                  </a:ext>
+                </a:extLst>
               </a:tr>
               <a:tr h="469019">
                 <a:tc rowSpan="6">
@@ -6193,10 +6200,9 @@
                     <a:lstStyle/>
                     <a:p>
                       <a:r>
-                        <a:rPr lang="en-US" sz="1400" b="1" dirty="0" smtClean="0"/>
+                        <a:rPr lang="en-US" sz="1400" b="1" dirty="0"/>
                         <a:t>Data preparation &amp; cleaning</a:t>
                       </a:r>
-                      <a:endParaRPr lang="en-US" sz="1400" b="1" dirty="0"/>
                     </a:p>
                   </a:txBody>
                   <a:tcPr/>
@@ -6207,15 +6213,15 @@
                     <a:lstStyle/>
                     <a:p>
                       <a:r>
-                        <a:rPr lang="en-US" sz="1400" dirty="0" err="1" smtClean="0"/>
+                        <a:rPr lang="en-US" sz="1400" dirty="0" err="1"/>
                         <a:t>GenderStats</a:t>
                       </a:r>
                       <a:r>
-                        <a:rPr lang="en-US" sz="1400" dirty="0" smtClean="0"/>
+                        <a:rPr lang="en-US" sz="1400" dirty="0"/>
                         <a:t> - Remove fully empty lines , convert</a:t>
                       </a:r>
                       <a:r>
-                        <a:rPr lang="en-US" sz="1400" baseline="0" dirty="0" smtClean="0"/>
+                        <a:rPr lang="en-US" sz="1400" baseline="0" dirty="0"/>
                         <a:t> Countries, indicators to columns</a:t>
                       </a:r>
                       <a:endParaRPr lang="en-US" sz="1400" dirty="0"/>
@@ -6246,7 +6252,7 @@
                         <a:defRPr/>
                       </a:pPr>
                       <a:r>
-                        <a:rPr lang="en-US" sz="1400" dirty="0" smtClean="0"/>
+                        <a:rPr lang="en-US" sz="1400" dirty="0"/>
                         <a:t>Done.</a:t>
                       </a:r>
                     </a:p>
@@ -6256,6 +6262,11 @@
                   </a:txBody>
                   <a:tcPr/>
                 </a:tc>
+                <a:extLst>
+                  <a:ext uri="{0D108BD9-81ED-4DB2-BD59-A6C34878D82A}">
+                    <a16:rowId xmlns:a16="http://schemas.microsoft.com/office/drawing/2014/main" xmlns="" val="10004"/>
+                  </a:ext>
+                </a:extLst>
               </a:tr>
               <a:tr h="469019">
                 <a:tc vMerge="1">
@@ -6274,11 +6285,11 @@
                     <a:lstStyle/>
                     <a:p>
                       <a:r>
-                        <a:rPr lang="en-US" sz="1400" dirty="0" smtClean="0"/>
+                        <a:rPr lang="en-US" sz="1400" dirty="0"/>
                         <a:t>Transpose lines</a:t>
                       </a:r>
                       <a:r>
-                        <a:rPr lang="en-US" sz="1400" baseline="0" dirty="0" smtClean="0"/>
+                        <a:rPr lang="en-US" sz="1400" baseline="0" dirty="0"/>
                         <a:t> to columns  - years and country are columns</a:t>
                       </a:r>
                       <a:endParaRPr lang="en-US" sz="1400" dirty="0"/>
@@ -6291,11 +6302,19 @@
                     <a:bodyPr/>
                     <a:lstStyle/>
                     <a:p>
-                      <a:endParaRPr lang="en-US" sz="1400" dirty="0"/>
+                      <a:r>
+                        <a:rPr lang="en-US" sz="1400" dirty="0"/>
+                        <a:t>Done</a:t>
+                      </a:r>
                     </a:p>
                   </a:txBody>
                   <a:tcPr/>
                 </a:tc>
+                <a:extLst>
+                  <a:ext uri="{0D108BD9-81ED-4DB2-BD59-A6C34878D82A}">
+                    <a16:rowId xmlns:a16="http://schemas.microsoft.com/office/drawing/2014/main" xmlns="" val="10005"/>
+                  </a:ext>
+                </a:extLst>
               </a:tr>
               <a:tr h="404883">
                 <a:tc vMerge="1">
@@ -6314,11 +6333,11 @@
                     <a:lstStyle/>
                     <a:p>
                       <a:r>
-                        <a:rPr lang="en-US" sz="1400" dirty="0" smtClean="0"/>
+                        <a:rPr lang="en-US" sz="1400" dirty="0"/>
                         <a:t>Remove irrelevant</a:t>
                       </a:r>
                       <a:r>
-                        <a:rPr lang="en-US" sz="1400" baseline="0" dirty="0" smtClean="0"/>
+                        <a:rPr lang="en-US" sz="1400" baseline="0" dirty="0"/>
                         <a:t> columns from both csv’s</a:t>
                       </a:r>
                       <a:endParaRPr lang="en-US" sz="1400" dirty="0"/>
@@ -6349,7 +6368,7 @@
                         <a:defRPr/>
                       </a:pPr>
                       <a:r>
-                        <a:rPr lang="en-US" sz="1400" dirty="0" smtClean="0"/>
+                        <a:rPr lang="en-US" sz="1400" dirty="0"/>
                         <a:t>Done.</a:t>
                       </a:r>
                     </a:p>
@@ -6359,6 +6378,11 @@
                   </a:txBody>
                   <a:tcPr/>
                 </a:tc>
+                <a:extLst>
+                  <a:ext uri="{0D108BD9-81ED-4DB2-BD59-A6C34878D82A}">
+                    <a16:rowId xmlns:a16="http://schemas.microsoft.com/office/drawing/2014/main" xmlns="" val="10006"/>
+                  </a:ext>
+                </a:extLst>
               </a:tr>
               <a:tr h="332222">
                 <a:tc vMerge="1">
@@ -6394,14 +6418,14 @@
                         <a:defRPr/>
                       </a:pPr>
                       <a:r>
-                        <a:rPr lang="en-US" sz="1400" dirty="0" smtClean="0"/>
+                        <a:rPr lang="en-US" sz="1400" dirty="0"/>
                         <a:t>Intersect  between</a:t>
                       </a:r>
                       <a:r>
-                        <a:rPr lang="en-US" sz="1400" baseline="0" dirty="0" smtClean="0"/>
+                        <a:rPr lang="en-US" sz="1400" baseline="0" dirty="0"/>
                         <a:t> countries and years</a:t>
                       </a:r>
-                      <a:endParaRPr lang="en-US" sz="1400" dirty="0" smtClean="0"/>
+                      <a:endParaRPr lang="en-US" sz="1400" dirty="0"/>
                     </a:p>
                   </a:txBody>
                   <a:tcPr/>
@@ -6416,6 +6440,11 @@
                   </a:txBody>
                   <a:tcPr/>
                 </a:tc>
+                <a:extLst>
+                  <a:ext uri="{0D108BD9-81ED-4DB2-BD59-A6C34878D82A}">
+                    <a16:rowId xmlns:a16="http://schemas.microsoft.com/office/drawing/2014/main" xmlns="" val="10007"/>
+                  </a:ext>
+                </a:extLst>
               </a:tr>
               <a:tr h="332222">
                 <a:tc vMerge="1">
@@ -6434,23 +6463,23 @@
                     <a:lstStyle/>
                     <a:p>
                       <a:r>
-                        <a:rPr lang="en-US" sz="1400" dirty="0" smtClean="0"/>
+                        <a:rPr lang="en-US" sz="1400" dirty="0"/>
                         <a:t>Merge </a:t>
                       </a:r>
                       <a:r>
-                        <a:rPr lang="en-US" sz="1400" dirty="0" err="1" smtClean="0"/>
+                        <a:rPr lang="en-US" sz="1400" dirty="0" err="1"/>
                         <a:t>oecd</a:t>
                       </a:r>
                       <a:r>
-                        <a:rPr lang="en-US" sz="1400" baseline="0" dirty="0" smtClean="0"/>
+                        <a:rPr lang="en-US" sz="1400" baseline="0" dirty="0"/>
                         <a:t> data and </a:t>
                       </a:r>
                       <a:r>
-                        <a:rPr lang="en-US" sz="1400" baseline="0" dirty="0" err="1" smtClean="0"/>
+                        <a:rPr lang="en-US" sz="1400" baseline="0" dirty="0" err="1"/>
                         <a:t>GenderStats</a:t>
                       </a:r>
                       <a:r>
-                        <a:rPr lang="en-US" sz="1400" baseline="0" dirty="0" smtClean="0"/>
+                        <a:rPr lang="en-US" sz="1400" baseline="0" dirty="0"/>
                         <a:t> csv</a:t>
                       </a:r>
                       <a:endParaRPr lang="en-US" sz="1400" dirty="0"/>
@@ -6468,6 +6497,11 @@
                   </a:txBody>
                   <a:tcPr/>
                 </a:tc>
+                <a:extLst>
+                  <a:ext uri="{0D108BD9-81ED-4DB2-BD59-A6C34878D82A}">
+                    <a16:rowId xmlns:a16="http://schemas.microsoft.com/office/drawing/2014/main" xmlns="" val="10008"/>
+                  </a:ext>
+                </a:extLst>
               </a:tr>
               <a:tr h="332222">
                 <a:tc vMerge="1">
@@ -6486,11 +6520,11 @@
                     <a:lstStyle/>
                     <a:p>
                       <a:r>
-                        <a:rPr lang="en-US" sz="1400" dirty="0" smtClean="0"/>
+                        <a:rPr lang="en-US" sz="1400" dirty="0"/>
                         <a:t>complete missing values</a:t>
                       </a:r>
                       <a:r>
-                        <a:rPr lang="en-US" sz="1400" baseline="0" dirty="0" smtClean="0"/>
+                        <a:rPr lang="en-US" sz="1400" baseline="0" dirty="0"/>
                         <a:t> </a:t>
                       </a:r>
                       <a:endParaRPr lang="en-US" sz="1400" dirty="0"/>
@@ -6508,6 +6542,11 @@
                   </a:txBody>
                   <a:tcPr/>
                 </a:tc>
+                <a:extLst>
+                  <a:ext uri="{0D108BD9-81ED-4DB2-BD59-A6C34878D82A}">
+                    <a16:rowId xmlns:a16="http://schemas.microsoft.com/office/drawing/2014/main" xmlns="" val="10009"/>
+                  </a:ext>
+                </a:extLst>
               </a:tr>
               <a:tr h="332222">
                 <a:tc>
@@ -6533,7 +6572,7 @@
                         <a:defRPr/>
                       </a:pPr>
                       <a:r>
-                        <a:rPr lang="en-US" sz="1400" b="1" dirty="0" smtClean="0"/>
+                        <a:rPr lang="en-US" sz="1400" b="1" dirty="0"/>
                         <a:t>Data Analysis</a:t>
                       </a:r>
                     </a:p>
@@ -6549,10 +6588,9 @@
                     <a:lstStyle/>
                     <a:p>
                       <a:r>
-                        <a:rPr lang="en-US" sz="1400" dirty="0" smtClean="0"/>
+                        <a:rPr lang="en-US" sz="1400" dirty="0"/>
                         <a:t>Defining train and test data</a:t>
                       </a:r>
-                      <a:endParaRPr lang="en-US" sz="1400" dirty="0"/>
                     </a:p>
                   </a:txBody>
                   <a:tcPr/>
@@ -6567,6 +6605,11 @@
                   </a:txBody>
                   <a:tcPr/>
                 </a:tc>
+                <a:extLst>
+                  <a:ext uri="{0D108BD9-81ED-4DB2-BD59-A6C34878D82A}">
+                    <a16:rowId xmlns:a16="http://schemas.microsoft.com/office/drawing/2014/main" xmlns="" val="10010"/>
+                  </a:ext>
+                </a:extLst>
               </a:tr>
               <a:tr h="332222">
                 <a:tc>
@@ -6585,10 +6628,9 @@
                     <a:lstStyle/>
                     <a:p>
                       <a:r>
-                        <a:rPr lang="en-US" sz="1400" dirty="0" smtClean="0"/>
+                        <a:rPr lang="en-US" sz="1400" dirty="0"/>
                         <a:t>Select and normalize features (by correlation) </a:t>
                       </a:r>
-                      <a:endParaRPr lang="en-US" sz="1400" dirty="0"/>
                     </a:p>
                   </a:txBody>
                   <a:tcPr/>
@@ -6603,6 +6645,11 @@
                   </a:txBody>
                   <a:tcPr/>
                 </a:tc>
+                <a:extLst>
+                  <a:ext uri="{0D108BD9-81ED-4DB2-BD59-A6C34878D82A}">
+                    <a16:rowId xmlns:a16="http://schemas.microsoft.com/office/drawing/2014/main" xmlns="" val="10011"/>
+                  </a:ext>
+                </a:extLst>
               </a:tr>
             </a:tbl>
           </a:graphicData>

--- a/Sallary gap predictionfrom Project Demo.pptx
+++ b/Sallary gap predictionfrom Project Demo.pptx
@@ -4266,24 +4266,24 @@
           <a:lstStyle/>
           <a:p>
             <a:r>
-              <a:rPr lang="en-US" dirty="0" err="1"/>
-              <a:t>Sallary</a:t>
+              <a:rPr lang="en-US" smtClean="0"/>
+              <a:t>Salary </a:t>
             </a:r>
             <a:r>
               <a:rPr lang="en-US" dirty="0"/>
-              <a:t> gap </a:t>
-            </a:r>
-            <a:r>
-              <a:rPr lang="en-US" sz="8000" dirty="0" err="1"/>
-              <a:t>prediction</a:t>
-            </a:r>
-            <a:r>
-              <a:rPr lang="en-US" sz="1600" dirty="0" err="1"/>
-              <a:t>Project</a:t>
+              <a:t>gap </a:t>
+            </a:r>
+            <a:r>
+              <a:rPr lang="en-US" sz="8000" dirty="0" smtClean="0"/>
+              <a:t>prediction </a:t>
+            </a:r>
+            <a:r>
+              <a:rPr lang="en-US" sz="1600" dirty="0" smtClean="0"/>
+              <a:t>Project </a:t>
             </a:r>
             <a:r>
               <a:rPr lang="en-US" sz="1600" dirty="0"/>
-              <a:t> Demo</a:t>
+              <a:t>Demo</a:t>
             </a:r>
             <a:endParaRPr lang="en-US" dirty="0"/>
           </a:p>
@@ -4419,21 +4419,21 @@
                 <a:gridCol w="3720214">
                   <a:extLst>
                     <a:ext uri="{9D8B030D-6E8A-4147-A177-3AD203B41FA5}">
-                      <a16:colId xmlns:a16="http://schemas.microsoft.com/office/drawing/2014/main" xmlns="" val="20000"/>
+                      <a16:colId xmlns="" xmlns:a16="http://schemas.microsoft.com/office/drawing/2014/main" val="20000"/>
                     </a:ext>
                   </a:extLst>
                 </a:gridCol>
                 <a:gridCol w="6601590">
                   <a:extLst>
                     <a:ext uri="{9D8B030D-6E8A-4147-A177-3AD203B41FA5}">
-                      <a16:colId xmlns:a16="http://schemas.microsoft.com/office/drawing/2014/main" xmlns="" val="20001"/>
+                      <a16:colId xmlns="" xmlns:a16="http://schemas.microsoft.com/office/drawing/2014/main" val="20001"/>
                     </a:ext>
                   </a:extLst>
                 </a:gridCol>
                 <a:gridCol w="838838">
                   <a:extLst>
                     <a:ext uri="{9D8B030D-6E8A-4147-A177-3AD203B41FA5}">
-                      <a16:colId xmlns:a16="http://schemas.microsoft.com/office/drawing/2014/main" xmlns="" val="20002"/>
+                      <a16:colId xmlns="" xmlns:a16="http://schemas.microsoft.com/office/drawing/2014/main" val="20002"/>
                     </a:ext>
                   </a:extLst>
                 </a:gridCol>
@@ -4480,7 +4480,7 @@
                 </a:tc>
                 <a:extLst>
                   <a:ext uri="{0D108BD9-81ED-4DB2-BD59-A6C34878D82A}">
-                    <a16:rowId xmlns:a16="http://schemas.microsoft.com/office/drawing/2014/main" xmlns="" val="10000"/>
+                    <a16:rowId xmlns="" xmlns:a16="http://schemas.microsoft.com/office/drawing/2014/main" val="10000"/>
                   </a:ext>
                 </a:extLst>
               </a:tr>
@@ -4571,7 +4571,7 @@
                 </a:tc>
                 <a:extLst>
                   <a:ext uri="{0D108BD9-81ED-4DB2-BD59-A6C34878D82A}">
-                    <a16:rowId xmlns:a16="http://schemas.microsoft.com/office/drawing/2014/main" xmlns="" val="10001"/>
+                    <a16:rowId xmlns="" xmlns:a16="http://schemas.microsoft.com/office/drawing/2014/main" val="10001"/>
                   </a:ext>
                 </a:extLst>
               </a:tr>
@@ -4673,7 +4673,7 @@
                 </a:tc>
                 <a:extLst>
                   <a:ext uri="{0D108BD9-81ED-4DB2-BD59-A6C34878D82A}">
-                    <a16:rowId xmlns:a16="http://schemas.microsoft.com/office/drawing/2014/main" xmlns="" val="10002"/>
+                    <a16:rowId xmlns="" xmlns:a16="http://schemas.microsoft.com/office/drawing/2014/main" val="10002"/>
                   </a:ext>
                 </a:extLst>
               </a:tr>
@@ -4758,7 +4758,7 @@
                 </a:tc>
                 <a:extLst>
                   <a:ext uri="{0D108BD9-81ED-4DB2-BD59-A6C34878D82A}">
-                    <a16:rowId xmlns:a16="http://schemas.microsoft.com/office/drawing/2014/main" xmlns="" val="10003"/>
+                    <a16:rowId xmlns="" xmlns:a16="http://schemas.microsoft.com/office/drawing/2014/main" val="10003"/>
                   </a:ext>
                 </a:extLst>
               </a:tr>
@@ -4842,7 +4842,7 @@
                 </a:tc>
                 <a:extLst>
                   <a:ext uri="{0D108BD9-81ED-4DB2-BD59-A6C34878D82A}">
-                    <a16:rowId xmlns:a16="http://schemas.microsoft.com/office/drawing/2014/main" xmlns="" val="10004"/>
+                    <a16:rowId xmlns="" xmlns:a16="http://schemas.microsoft.com/office/drawing/2014/main" val="10004"/>
                   </a:ext>
                 </a:extLst>
               </a:tr>
@@ -4882,7 +4882,7 @@
                 </a:tc>
                 <a:extLst>
                   <a:ext uri="{0D108BD9-81ED-4DB2-BD59-A6C34878D82A}">
-                    <a16:rowId xmlns:a16="http://schemas.microsoft.com/office/drawing/2014/main" xmlns="" val="10005"/>
+                    <a16:rowId xmlns="" xmlns:a16="http://schemas.microsoft.com/office/drawing/2014/main" val="10005"/>
                   </a:ext>
                 </a:extLst>
               </a:tr>
@@ -5735,11 +5735,7 @@
             </a:r>
             <a:r>
               <a:rPr lang="en-US" smtClean="0"/>
-              <a:t>averaged </a:t>
-            </a:r>
-            <a:r>
-              <a:rPr lang="en-US" smtClean="0"/>
-              <a:t>salary </a:t>
+              <a:t>averaged salary </a:t>
             </a:r>
             <a:r>
               <a:rPr lang="en-US" dirty="0" smtClean="0"/>
@@ -5950,21 +5946,21 @@
                 <a:gridCol w="3720214">
                   <a:extLst>
                     <a:ext uri="{9D8B030D-6E8A-4147-A177-3AD203B41FA5}">
-                      <a16:colId xmlns:a16="http://schemas.microsoft.com/office/drawing/2014/main" xmlns="" val="20000"/>
+                      <a16:colId xmlns="" xmlns:a16="http://schemas.microsoft.com/office/drawing/2014/main" val="20000"/>
                     </a:ext>
                   </a:extLst>
                 </a:gridCol>
                 <a:gridCol w="6601590">
                   <a:extLst>
                     <a:ext uri="{9D8B030D-6E8A-4147-A177-3AD203B41FA5}">
-                      <a16:colId xmlns:a16="http://schemas.microsoft.com/office/drawing/2014/main" xmlns="" val="20001"/>
+                      <a16:colId xmlns="" xmlns:a16="http://schemas.microsoft.com/office/drawing/2014/main" val="20001"/>
                     </a:ext>
                   </a:extLst>
                 </a:gridCol>
                 <a:gridCol w="838838">
                   <a:extLst>
                     <a:ext uri="{9D8B030D-6E8A-4147-A177-3AD203B41FA5}">
-                      <a16:colId xmlns:a16="http://schemas.microsoft.com/office/drawing/2014/main" xmlns="" val="20002"/>
+                      <a16:colId xmlns="" xmlns:a16="http://schemas.microsoft.com/office/drawing/2014/main" val="20002"/>
                     </a:ext>
                   </a:extLst>
                 </a:gridCol>
@@ -6011,7 +6007,7 @@
                 </a:tc>
                 <a:extLst>
                   <a:ext uri="{0D108BD9-81ED-4DB2-BD59-A6C34878D82A}">
-                    <a16:rowId xmlns:a16="http://schemas.microsoft.com/office/drawing/2014/main" xmlns="" val="10000"/>
+                    <a16:rowId xmlns="" xmlns:a16="http://schemas.microsoft.com/office/drawing/2014/main" val="10000"/>
                   </a:ext>
                 </a:extLst>
               </a:tr>
@@ -6062,7 +6058,7 @@
                 </a:tc>
                 <a:extLst>
                   <a:ext uri="{0D108BD9-81ED-4DB2-BD59-A6C34878D82A}">
-                    <a16:rowId xmlns:a16="http://schemas.microsoft.com/office/drawing/2014/main" xmlns="" val="10001"/>
+                    <a16:rowId xmlns="" xmlns:a16="http://schemas.microsoft.com/office/drawing/2014/main" val="10001"/>
                   </a:ext>
                 </a:extLst>
               </a:tr>
@@ -6105,7 +6101,7 @@
                 </a:tc>
                 <a:extLst>
                   <a:ext uri="{0D108BD9-81ED-4DB2-BD59-A6C34878D82A}">
-                    <a16:rowId xmlns:a16="http://schemas.microsoft.com/office/drawing/2014/main" xmlns="" val="10002"/>
+                    <a16:rowId xmlns="" xmlns:a16="http://schemas.microsoft.com/office/drawing/2014/main" val="10002"/>
                   </a:ext>
                 </a:extLst>
               </a:tr>
@@ -6189,7 +6185,7 @@
                 </a:tc>
                 <a:extLst>
                   <a:ext uri="{0D108BD9-81ED-4DB2-BD59-A6C34878D82A}">
-                    <a16:rowId xmlns:a16="http://schemas.microsoft.com/office/drawing/2014/main" xmlns="" val="10003"/>
+                    <a16:rowId xmlns="" xmlns:a16="http://schemas.microsoft.com/office/drawing/2014/main" val="10003"/>
                   </a:ext>
                 </a:extLst>
               </a:tr>
@@ -6264,7 +6260,7 @@
                 </a:tc>
                 <a:extLst>
                   <a:ext uri="{0D108BD9-81ED-4DB2-BD59-A6C34878D82A}">
-                    <a16:rowId xmlns:a16="http://schemas.microsoft.com/office/drawing/2014/main" xmlns="" val="10004"/>
+                    <a16:rowId xmlns="" xmlns:a16="http://schemas.microsoft.com/office/drawing/2014/main" val="10004"/>
                   </a:ext>
                 </a:extLst>
               </a:tr>
@@ -6312,7 +6308,7 @@
                 </a:tc>
                 <a:extLst>
                   <a:ext uri="{0D108BD9-81ED-4DB2-BD59-A6C34878D82A}">
-                    <a16:rowId xmlns:a16="http://schemas.microsoft.com/office/drawing/2014/main" xmlns="" val="10005"/>
+                    <a16:rowId xmlns="" xmlns:a16="http://schemas.microsoft.com/office/drawing/2014/main" val="10005"/>
                   </a:ext>
                 </a:extLst>
               </a:tr>
@@ -6380,7 +6376,7 @@
                 </a:tc>
                 <a:extLst>
                   <a:ext uri="{0D108BD9-81ED-4DB2-BD59-A6C34878D82A}">
-                    <a16:rowId xmlns:a16="http://schemas.microsoft.com/office/drawing/2014/main" xmlns="" val="10006"/>
+                    <a16:rowId xmlns="" xmlns:a16="http://schemas.microsoft.com/office/drawing/2014/main" val="10006"/>
                   </a:ext>
                 </a:extLst>
               </a:tr>
@@ -6442,7 +6438,7 @@
                 </a:tc>
                 <a:extLst>
                   <a:ext uri="{0D108BD9-81ED-4DB2-BD59-A6C34878D82A}">
-                    <a16:rowId xmlns:a16="http://schemas.microsoft.com/office/drawing/2014/main" xmlns="" val="10007"/>
+                    <a16:rowId xmlns="" xmlns:a16="http://schemas.microsoft.com/office/drawing/2014/main" val="10007"/>
                   </a:ext>
                 </a:extLst>
               </a:tr>
@@ -6499,7 +6495,7 @@
                 </a:tc>
                 <a:extLst>
                   <a:ext uri="{0D108BD9-81ED-4DB2-BD59-A6C34878D82A}">
-                    <a16:rowId xmlns:a16="http://schemas.microsoft.com/office/drawing/2014/main" xmlns="" val="10008"/>
+                    <a16:rowId xmlns="" xmlns:a16="http://schemas.microsoft.com/office/drawing/2014/main" val="10008"/>
                   </a:ext>
                 </a:extLst>
               </a:tr>
@@ -6544,7 +6540,7 @@
                 </a:tc>
                 <a:extLst>
                   <a:ext uri="{0D108BD9-81ED-4DB2-BD59-A6C34878D82A}">
-                    <a16:rowId xmlns:a16="http://schemas.microsoft.com/office/drawing/2014/main" xmlns="" val="10009"/>
+                    <a16:rowId xmlns="" xmlns:a16="http://schemas.microsoft.com/office/drawing/2014/main" val="10009"/>
                   </a:ext>
                 </a:extLst>
               </a:tr>
@@ -6607,7 +6603,7 @@
                 </a:tc>
                 <a:extLst>
                   <a:ext uri="{0D108BD9-81ED-4DB2-BD59-A6C34878D82A}">
-                    <a16:rowId xmlns:a16="http://schemas.microsoft.com/office/drawing/2014/main" xmlns="" val="10010"/>
+                    <a16:rowId xmlns="" xmlns:a16="http://schemas.microsoft.com/office/drawing/2014/main" val="10010"/>
                   </a:ext>
                 </a:extLst>
               </a:tr>
@@ -6647,7 +6643,7 @@
                 </a:tc>
                 <a:extLst>
                   <a:ext uri="{0D108BD9-81ED-4DB2-BD59-A6C34878D82A}">
-                    <a16:rowId xmlns:a16="http://schemas.microsoft.com/office/drawing/2014/main" xmlns="" val="10011"/>
+                    <a16:rowId xmlns="" xmlns:a16="http://schemas.microsoft.com/office/drawing/2014/main" val="10011"/>
                   </a:ext>
                 </a:extLst>
               </a:tr>

--- a/Sallary gap predictionfrom Project Demo.pptx
+++ b/Sallary gap predictionfrom Project Demo.pptx
@@ -115,7 +115,7 @@
   </p:defaultTextStyle>
   <p:extLst>
     <p:ext uri="{EFAFB233-063F-42B5-8137-9DF3F51BA10A}">
-      <p15:sldGuideLst xmlns:p15="http://schemas.microsoft.com/office/powerpoint/2012/main">
+      <p15:sldGuideLst xmlns:p15="http://schemas.microsoft.com/office/powerpoint/2012/main" xmlns="">
         <p15:guide id="1" orient="horz" pos="2160">
           <p15:clr>
             <a:srgbClr val="A4A3A4"/>
@@ -595,7 +595,7 @@
             <a:fld id="{DCCFA427-BB50-4F8D-8FC4-B0EA0BA5795C}" type="datetimeFigureOut">
               <a:rPr lang="en-US" smtClean="0"/>
               <a:pPr/>
-              <a:t>07/12/2016</a:t>
+              <a:t>12/10/2016</a:t>
             </a:fld>
             <a:endParaRPr lang="en-US"/>
           </a:p>
@@ -679,7 +679,7 @@
     </p:spTree>
     <p:extLst>
       <p:ext uri="{BB962C8B-B14F-4D97-AF65-F5344CB8AC3E}">
-        <p14:creationId xmlns:p14="http://schemas.microsoft.com/office/powerpoint/2010/main" val="254611623"/>
+        <p14:creationId xmlns:p14="http://schemas.microsoft.com/office/powerpoint/2010/main" xmlns="" val="254611623"/>
       </p:ext>
     </p:extLst>
   </p:cSld>
@@ -799,7 +799,7 @@
             <a:fld id="{DCCFA427-BB50-4F8D-8FC4-B0EA0BA5795C}" type="datetimeFigureOut">
               <a:rPr lang="en-US" smtClean="0"/>
               <a:pPr/>
-              <a:t>07/12/2016</a:t>
+              <a:t>12/10/2016</a:t>
             </a:fld>
             <a:endParaRPr lang="en-US"/>
           </a:p>
@@ -851,7 +851,7 @@
     </p:spTree>
     <p:extLst>
       <p:ext uri="{BB962C8B-B14F-4D97-AF65-F5344CB8AC3E}">
-        <p14:creationId xmlns:p14="http://schemas.microsoft.com/office/powerpoint/2010/main" val="2716736531"/>
+        <p14:creationId xmlns:p14="http://schemas.microsoft.com/office/powerpoint/2010/main" xmlns="" val="2716736531"/>
       </p:ext>
     </p:extLst>
   </p:cSld>
@@ -981,7 +981,7 @@
             <a:fld id="{DCCFA427-BB50-4F8D-8FC4-B0EA0BA5795C}" type="datetimeFigureOut">
               <a:rPr lang="en-US" smtClean="0"/>
               <a:pPr/>
-              <a:t>07/12/2016</a:t>
+              <a:t>12/10/2016</a:t>
             </a:fld>
             <a:endParaRPr lang="en-US"/>
           </a:p>
@@ -1033,7 +1033,7 @@
     </p:spTree>
     <p:extLst>
       <p:ext uri="{BB962C8B-B14F-4D97-AF65-F5344CB8AC3E}">
-        <p14:creationId xmlns:p14="http://schemas.microsoft.com/office/powerpoint/2010/main" val="2604561829"/>
+        <p14:creationId xmlns:p14="http://schemas.microsoft.com/office/powerpoint/2010/main" xmlns="" val="2604561829"/>
       </p:ext>
     </p:extLst>
   </p:cSld>
@@ -1153,7 +1153,7 @@
             <a:fld id="{DCCFA427-BB50-4F8D-8FC4-B0EA0BA5795C}" type="datetimeFigureOut">
               <a:rPr lang="en-US" smtClean="0"/>
               <a:pPr/>
-              <a:t>07/12/2016</a:t>
+              <a:t>12/10/2016</a:t>
             </a:fld>
             <a:endParaRPr lang="en-US"/>
           </a:p>
@@ -1205,7 +1205,7 @@
     </p:spTree>
     <p:extLst>
       <p:ext uri="{BB962C8B-B14F-4D97-AF65-F5344CB8AC3E}">
-        <p14:creationId xmlns:p14="http://schemas.microsoft.com/office/powerpoint/2010/main" val="2263785529"/>
+        <p14:creationId xmlns:p14="http://schemas.microsoft.com/office/powerpoint/2010/main" xmlns="" val="2263785529"/>
       </p:ext>
     </p:extLst>
   </p:cSld>
@@ -1726,7 +1726,7 @@
             <a:fld id="{DCCFA427-BB50-4F8D-8FC4-B0EA0BA5795C}" type="datetimeFigureOut">
               <a:rPr lang="en-US" smtClean="0"/>
               <a:pPr/>
-              <a:t>07/12/2016</a:t>
+              <a:t>12/10/2016</a:t>
             </a:fld>
             <a:endParaRPr lang="en-US"/>
           </a:p>
@@ -1792,7 +1792,7 @@
     </p:spTree>
     <p:extLst>
       <p:ext uri="{BB962C8B-B14F-4D97-AF65-F5344CB8AC3E}">
-        <p14:creationId xmlns:p14="http://schemas.microsoft.com/office/powerpoint/2010/main" val="1591096940"/>
+        <p14:creationId xmlns:p14="http://schemas.microsoft.com/office/powerpoint/2010/main" xmlns="" val="1591096940"/>
       </p:ext>
     </p:extLst>
   </p:cSld>
@@ -2030,7 +2030,7 @@
             <a:fld id="{DCCFA427-BB50-4F8D-8FC4-B0EA0BA5795C}" type="datetimeFigureOut">
               <a:rPr lang="en-US" smtClean="0"/>
               <a:pPr/>
-              <a:t>07/12/2016</a:t>
+              <a:t>12/10/2016</a:t>
             </a:fld>
             <a:endParaRPr lang="en-US"/>
           </a:p>
@@ -2082,7 +2082,7 @@
     </p:spTree>
     <p:extLst>
       <p:ext uri="{BB962C8B-B14F-4D97-AF65-F5344CB8AC3E}">
-        <p14:creationId xmlns:p14="http://schemas.microsoft.com/office/powerpoint/2010/main" val="4104223766"/>
+        <p14:creationId xmlns:p14="http://schemas.microsoft.com/office/powerpoint/2010/main" xmlns="" val="4104223766"/>
       </p:ext>
     </p:extLst>
   </p:cSld>
@@ -2469,7 +2469,7 @@
             <a:fld id="{DCCFA427-BB50-4F8D-8FC4-B0EA0BA5795C}" type="datetimeFigureOut">
               <a:rPr lang="en-US" smtClean="0"/>
               <a:pPr/>
-              <a:t>07/12/2016</a:t>
+              <a:t>12/10/2016</a:t>
             </a:fld>
             <a:endParaRPr lang="en-US"/>
           </a:p>
@@ -2521,7 +2521,7 @@
     </p:spTree>
     <p:extLst>
       <p:ext uri="{BB962C8B-B14F-4D97-AF65-F5344CB8AC3E}">
-        <p14:creationId xmlns:p14="http://schemas.microsoft.com/office/powerpoint/2010/main" val="2670169739"/>
+        <p14:creationId xmlns:p14="http://schemas.microsoft.com/office/powerpoint/2010/main" xmlns="" val="2670169739"/>
       </p:ext>
     </p:extLst>
   </p:cSld>
@@ -2589,7 +2589,7 @@
             <a:fld id="{DCCFA427-BB50-4F8D-8FC4-B0EA0BA5795C}" type="datetimeFigureOut">
               <a:rPr lang="en-US" smtClean="0"/>
               <a:pPr/>
-              <a:t>07/12/2016</a:t>
+              <a:t>12/10/2016</a:t>
             </a:fld>
             <a:endParaRPr lang="en-US"/>
           </a:p>
@@ -2641,7 +2641,7 @@
     </p:spTree>
     <p:extLst>
       <p:ext uri="{BB962C8B-B14F-4D97-AF65-F5344CB8AC3E}">
-        <p14:creationId xmlns:p14="http://schemas.microsoft.com/office/powerpoint/2010/main" val="1477665264"/>
+        <p14:creationId xmlns:p14="http://schemas.microsoft.com/office/powerpoint/2010/main" xmlns="" val="1477665264"/>
       </p:ext>
     </p:extLst>
   </p:cSld>
@@ -2686,7 +2686,7 @@
             <a:fld id="{DCCFA427-BB50-4F8D-8FC4-B0EA0BA5795C}" type="datetimeFigureOut">
               <a:rPr lang="en-US" smtClean="0"/>
               <a:pPr/>
-              <a:t>07/12/2016</a:t>
+              <a:t>12/10/2016</a:t>
             </a:fld>
             <a:endParaRPr lang="en-US"/>
           </a:p>
@@ -2738,7 +2738,7 @@
     </p:spTree>
     <p:extLst>
       <p:ext uri="{BB962C8B-B14F-4D97-AF65-F5344CB8AC3E}">
-        <p14:creationId xmlns:p14="http://schemas.microsoft.com/office/powerpoint/2010/main" val="2711781868"/>
+        <p14:creationId xmlns:p14="http://schemas.microsoft.com/office/powerpoint/2010/main" xmlns="" val="2711781868"/>
       </p:ext>
     </p:extLst>
   </p:cSld>
@@ -3070,7 +3070,7 @@
             <a:fld id="{DCCFA427-BB50-4F8D-8FC4-B0EA0BA5795C}" type="datetimeFigureOut">
               <a:rPr lang="en-US" smtClean="0"/>
               <a:pPr/>
-              <a:t>07/12/2016</a:t>
+              <a:t>12/10/2016</a:t>
             </a:fld>
             <a:endParaRPr lang="en-US"/>
           </a:p>
@@ -3178,7 +3178,7 @@
     </p:spTree>
     <p:extLst>
       <p:ext uri="{BB962C8B-B14F-4D97-AF65-F5344CB8AC3E}">
-        <p14:creationId xmlns:p14="http://schemas.microsoft.com/office/powerpoint/2010/main" val="1977218180"/>
+        <p14:creationId xmlns:p14="http://schemas.microsoft.com/office/powerpoint/2010/main" xmlns="" val="1977218180"/>
       </p:ext>
     </p:extLst>
   </p:cSld>
@@ -3466,7 +3466,7 @@
             <a:fld id="{DCCFA427-BB50-4F8D-8FC4-B0EA0BA5795C}" type="datetimeFigureOut">
               <a:rPr lang="en-US" smtClean="0"/>
               <a:pPr/>
-              <a:t>07/12/2016</a:t>
+              <a:t>12/10/2016</a:t>
             </a:fld>
             <a:endParaRPr lang="en-US"/>
           </a:p>
@@ -3588,7 +3588,7 @@
     </p:spTree>
     <p:extLst>
       <p:ext uri="{BB962C8B-B14F-4D97-AF65-F5344CB8AC3E}">
-        <p14:creationId xmlns:p14="http://schemas.microsoft.com/office/powerpoint/2010/main" val="2602728310"/>
+        <p14:creationId xmlns:p14="http://schemas.microsoft.com/office/powerpoint/2010/main" xmlns="" val="2602728310"/>
       </p:ext>
     </p:extLst>
   </p:cSld>
@@ -3781,7 +3781,7 @@
             <a:fld id="{DCCFA427-BB50-4F8D-8FC4-B0EA0BA5795C}" type="datetimeFigureOut">
               <a:rPr lang="en-US" smtClean="0"/>
               <a:pPr/>
-              <a:t>07/12/2016</a:t>
+              <a:t>12/10/2016</a:t>
             </a:fld>
             <a:endParaRPr lang="en-US"/>
           </a:p>
@@ -3871,7 +3871,7 @@
     </p:spTree>
     <p:extLst>
       <p:ext uri="{BB962C8B-B14F-4D97-AF65-F5344CB8AC3E}">
-        <p14:creationId xmlns:p14="http://schemas.microsoft.com/office/powerpoint/2010/main" val="4097071133"/>
+        <p14:creationId xmlns:p14="http://schemas.microsoft.com/office/powerpoint/2010/main" xmlns="" val="4097071133"/>
       </p:ext>
     </p:extLst>
   </p:cSld>
@@ -4337,7 +4337,7 @@
     </p:spTree>
     <p:extLst>
       <p:ext uri="{BB962C8B-B14F-4D97-AF65-F5344CB8AC3E}">
-        <p14:creationId xmlns:p14="http://schemas.microsoft.com/office/powerpoint/2010/main" val="3364559204"/>
+        <p14:creationId xmlns:p14="http://schemas.microsoft.com/office/powerpoint/2010/main" xmlns="" val="3364559204"/>
       </p:ext>
     </p:extLst>
   </p:cSld>
@@ -4400,7 +4400,7 @@
           <p:nvPr>
             <p:extLst>
               <p:ext uri="{D42A27DB-BD31-4B8C-83A1-F6EECF244321}">
-                <p14:modId xmlns:p14="http://schemas.microsoft.com/office/powerpoint/2010/main" val="2305459994"/>
+                <p14:modId xmlns:p14="http://schemas.microsoft.com/office/powerpoint/2010/main" xmlns="" val="2305459994"/>
               </p:ext>
             </p:extLst>
           </p:nvPr>
@@ -4419,21 +4419,21 @@
                 <a:gridCol w="3720214">
                   <a:extLst>
                     <a:ext uri="{9D8B030D-6E8A-4147-A177-3AD203B41FA5}">
-                      <a16:colId xmlns:a16="http://schemas.microsoft.com/office/drawing/2014/main" val="20000"/>
+                      <a16:colId xmlns:a16="http://schemas.microsoft.com/office/drawing/2014/main" xmlns="" val="20000"/>
                     </a:ext>
                   </a:extLst>
                 </a:gridCol>
                 <a:gridCol w="6601590">
                   <a:extLst>
                     <a:ext uri="{9D8B030D-6E8A-4147-A177-3AD203B41FA5}">
-                      <a16:colId xmlns:a16="http://schemas.microsoft.com/office/drawing/2014/main" val="20001"/>
+                      <a16:colId xmlns:a16="http://schemas.microsoft.com/office/drawing/2014/main" xmlns="" val="20001"/>
                     </a:ext>
                   </a:extLst>
                 </a:gridCol>
                 <a:gridCol w="838838">
                   <a:extLst>
                     <a:ext uri="{9D8B030D-6E8A-4147-A177-3AD203B41FA5}">
-                      <a16:colId xmlns:a16="http://schemas.microsoft.com/office/drawing/2014/main" val="20002"/>
+                      <a16:colId xmlns:a16="http://schemas.microsoft.com/office/drawing/2014/main" xmlns="" val="20002"/>
                     </a:ext>
                   </a:extLst>
                 </a:gridCol>
@@ -4480,7 +4480,7 @@
                 </a:tc>
                 <a:extLst>
                   <a:ext uri="{0D108BD9-81ED-4DB2-BD59-A6C34878D82A}">
-                    <a16:rowId xmlns:a16="http://schemas.microsoft.com/office/drawing/2014/main" val="10000"/>
+                    <a16:rowId xmlns:a16="http://schemas.microsoft.com/office/drawing/2014/main" xmlns="" val="10000"/>
                   </a:ext>
                 </a:extLst>
               </a:tr>
@@ -4571,7 +4571,7 @@
                 </a:tc>
                 <a:extLst>
                   <a:ext uri="{0D108BD9-81ED-4DB2-BD59-A6C34878D82A}">
-                    <a16:rowId xmlns:a16="http://schemas.microsoft.com/office/drawing/2014/main" val="10001"/>
+                    <a16:rowId xmlns:a16="http://schemas.microsoft.com/office/drawing/2014/main" xmlns="" val="10001"/>
                   </a:ext>
                 </a:extLst>
               </a:tr>
@@ -4673,7 +4673,7 @@
                 </a:tc>
                 <a:extLst>
                   <a:ext uri="{0D108BD9-81ED-4DB2-BD59-A6C34878D82A}">
-                    <a16:rowId xmlns:a16="http://schemas.microsoft.com/office/drawing/2014/main" val="10002"/>
+                    <a16:rowId xmlns:a16="http://schemas.microsoft.com/office/drawing/2014/main" xmlns="" val="10002"/>
                   </a:ext>
                 </a:extLst>
               </a:tr>
@@ -4758,7 +4758,7 @@
                 </a:tc>
                 <a:extLst>
                   <a:ext uri="{0D108BD9-81ED-4DB2-BD59-A6C34878D82A}">
-                    <a16:rowId xmlns:a16="http://schemas.microsoft.com/office/drawing/2014/main" val="10003"/>
+                    <a16:rowId xmlns:a16="http://schemas.microsoft.com/office/drawing/2014/main" xmlns="" val="10003"/>
                   </a:ext>
                 </a:extLst>
               </a:tr>
@@ -4842,7 +4842,7 @@
                 </a:tc>
                 <a:extLst>
                   <a:ext uri="{0D108BD9-81ED-4DB2-BD59-A6C34878D82A}">
-                    <a16:rowId xmlns:a16="http://schemas.microsoft.com/office/drawing/2014/main" val="10004"/>
+                    <a16:rowId xmlns:a16="http://schemas.microsoft.com/office/drawing/2014/main" xmlns="" val="10004"/>
                   </a:ext>
                 </a:extLst>
               </a:tr>
@@ -4882,7 +4882,7 @@
                 </a:tc>
                 <a:extLst>
                   <a:ext uri="{0D108BD9-81ED-4DB2-BD59-A6C34878D82A}">
-                    <a16:rowId xmlns:a16="http://schemas.microsoft.com/office/drawing/2014/main" val="10005"/>
+                    <a16:rowId xmlns:a16="http://schemas.microsoft.com/office/drawing/2014/main" xmlns="" val="10005"/>
                   </a:ext>
                 </a:extLst>
               </a:tr>
@@ -4893,7 +4893,7 @@
     </p:spTree>
     <p:extLst>
       <p:ext uri="{BB962C8B-B14F-4D97-AF65-F5344CB8AC3E}">
-        <p14:creationId xmlns:p14="http://schemas.microsoft.com/office/powerpoint/2010/main" val="1364573028"/>
+        <p14:creationId xmlns:p14="http://schemas.microsoft.com/office/powerpoint/2010/main" xmlns="" val="1364573028"/>
       </p:ext>
     </p:extLst>
   </p:cSld>
@@ -4941,6 +4941,14 @@
               <a:rPr lang="en-US" dirty="0"/>
               <a:t>Business Goal</a:t>
             </a:r>
+            <a:r>
+              <a:rPr lang="en-US" dirty="0">
+                <a:solidFill>
+                  <a:srgbClr val="FF0000"/>
+                </a:solidFill>
+              </a:rPr>
+              <a:t/>
+            </a:r>
             <a:br>
               <a:rPr lang="en-US" dirty="0">
                 <a:solidFill>
@@ -5017,7 +5025,7 @@
     </p:spTree>
     <p:extLst>
       <p:ext uri="{BB962C8B-B14F-4D97-AF65-F5344CB8AC3E}">
-        <p14:creationId xmlns:p14="http://schemas.microsoft.com/office/powerpoint/2010/main" val="488657827"/>
+        <p14:creationId xmlns:p14="http://schemas.microsoft.com/office/powerpoint/2010/main" xmlns="" val="488657827"/>
       </p:ext>
     </p:extLst>
   </p:cSld>
@@ -5172,7 +5180,7 @@
     </p:spTree>
     <p:extLst>
       <p:ext uri="{BB962C8B-B14F-4D97-AF65-F5344CB8AC3E}">
-        <p14:creationId xmlns:p14="http://schemas.microsoft.com/office/powerpoint/2010/main" val="184644264"/>
+        <p14:creationId xmlns:p14="http://schemas.microsoft.com/office/powerpoint/2010/main" xmlns="" val="184644264"/>
       </p:ext>
     </p:extLst>
   </p:cSld>
@@ -5243,7 +5251,7 @@
           <p:nvPr/>
         </p:nvPicPr>
         <p:blipFill>
-          <a:blip r:embed="rId2"/>
+          <a:blip r:embed="rId2" cstate="print"/>
           <a:stretch>
             <a:fillRect/>
           </a:stretch>
@@ -5269,7 +5277,7 @@
           </p:nvPr>
         </p:nvPicPr>
         <p:blipFill>
-          <a:blip r:embed="rId3"/>
+          <a:blip r:embed="rId3" cstate="print"/>
           <a:stretch>
             <a:fillRect/>
           </a:stretch>
@@ -5293,7 +5301,7 @@
           <p:nvPr/>
         </p:nvPicPr>
         <p:blipFill>
-          <a:blip r:embed="rId4"/>
+          <a:blip r:embed="rId4" cstate="print"/>
           <a:stretch>
             <a:fillRect/>
           </a:stretch>
@@ -5311,7 +5319,7 @@
     </p:spTree>
     <p:extLst>
       <p:ext uri="{BB962C8B-B14F-4D97-AF65-F5344CB8AC3E}">
-        <p14:creationId xmlns:p14="http://schemas.microsoft.com/office/powerpoint/2010/main" val="1136635159"/>
+        <p14:creationId xmlns:p14="http://schemas.microsoft.com/office/powerpoint/2010/main" xmlns="" val="1136635159"/>
       </p:ext>
     </p:extLst>
   </p:cSld>
@@ -5458,7 +5466,7 @@
           <p:nvPr/>
         </p:nvPicPr>
         <p:blipFill>
-          <a:blip r:embed="rId2"/>
+          <a:blip r:embed="rId2" cstate="print"/>
           <a:stretch>
             <a:fillRect/>
           </a:stretch>
@@ -5482,7 +5490,7 @@
           <p:nvPr/>
         </p:nvPicPr>
         <p:blipFill>
-          <a:blip r:embed="rId3"/>
+          <a:blip r:embed="rId3" cstate="print"/>
           <a:stretch>
             <a:fillRect/>
           </a:stretch>
@@ -5500,7 +5508,7 @@
     </p:spTree>
     <p:extLst>
       <p:ext uri="{BB962C8B-B14F-4D97-AF65-F5344CB8AC3E}">
-        <p14:creationId xmlns:p14="http://schemas.microsoft.com/office/powerpoint/2010/main" val="3021417476"/>
+        <p14:creationId xmlns:p14="http://schemas.microsoft.com/office/powerpoint/2010/main" xmlns="" val="3021417476"/>
       </p:ext>
     </p:extLst>
   </p:cSld>
@@ -5595,7 +5603,7 @@
           <p:nvPr/>
         </p:nvPicPr>
         <p:blipFill>
-          <a:blip r:embed="rId2"/>
+          <a:blip r:embed="rId2" cstate="print"/>
           <a:stretch>
             <a:fillRect/>
           </a:stretch>
@@ -5613,7 +5621,7 @@
     </p:spTree>
     <p:extLst>
       <p:ext uri="{BB962C8B-B14F-4D97-AF65-F5344CB8AC3E}">
-        <p14:creationId xmlns:p14="http://schemas.microsoft.com/office/powerpoint/2010/main" val="3663174221"/>
+        <p14:creationId xmlns:p14="http://schemas.microsoft.com/office/powerpoint/2010/main" xmlns="" val="3663174221"/>
       </p:ext>
     </p:extLst>
   </p:cSld>
@@ -5653,14 +5661,19 @@
         <p:spPr/>
         <p:txBody>
           <a:bodyPr>
-            <a:normAutofit/>
+            <a:normAutofit fontScale="90000"/>
           </a:bodyPr>
           <a:lstStyle/>
           <a:p>
             <a:r>
               <a:rPr lang="en-US" dirty="0"/>
-              <a:t>machine-learning problem</a:t>
-            </a:r>
+              <a:t>machine-learning </a:t>
+            </a:r>
+            <a:r>
+              <a:rPr lang="en-US" dirty="0" smtClean="0"/>
+              <a:t>problem product</a:t>
+            </a:r>
+            <a:endParaRPr lang="en-US" dirty="0"/>
           </a:p>
         </p:txBody>
       </p:sp>
@@ -5680,14 +5693,65 @@
           <a:lstStyle/>
           <a:p>
             <a:r>
-              <a:rPr lang="en-US" dirty="0"/>
-              <a:t>Predicting average gender wage gap in the OECD</a:t>
-            </a:r>
-          </a:p>
-          <a:p>
-            <a:r>
-              <a:rPr lang="en-US" dirty="0"/>
-              <a:t>Will calculate for each state and average them deterministically (for unbiased estimates – immediate variance reduction)</a:t>
+              <a:rPr lang="en-US" dirty="0" smtClean="0"/>
+              <a:t>Currently:</a:t>
+            </a:r>
+          </a:p>
+          <a:p>
+            <a:pPr lvl="1"/>
+            <a:r>
+              <a:rPr lang="en-US" dirty="0" smtClean="0"/>
+              <a:t>Input: vector consisting year, country and selected features</a:t>
+            </a:r>
+          </a:p>
+          <a:p>
+            <a:pPr lvl="1"/>
+            <a:r>
+              <a:rPr lang="en-US" dirty="0" smtClean="0"/>
+              <a:t>Output: gap prediction between the median </a:t>
+            </a:r>
+            <a:r>
+              <a:rPr lang="en-US" dirty="0" err="1" smtClean="0"/>
+              <a:t>sallaries</a:t>
+            </a:r>
+            <a:endParaRPr lang="en-US" dirty="0" smtClean="0"/>
+          </a:p>
+          <a:p>
+            <a:endParaRPr lang="en-US" dirty="0" smtClean="0"/>
+          </a:p>
+          <a:p>
+            <a:r>
+              <a:rPr lang="en-US" dirty="0" smtClean="0"/>
+              <a:t>Optional:</a:t>
+            </a:r>
+          </a:p>
+          <a:p>
+            <a:pPr lvl="1"/>
+            <a:r>
+              <a:rPr lang="en-US" dirty="0" smtClean="0"/>
+              <a:t>Input: matrix for all 35 countries and a specified year</a:t>
+            </a:r>
+          </a:p>
+          <a:p>
+            <a:pPr lvl="1"/>
+            <a:r>
+              <a:rPr lang="en-US" dirty="0" smtClean="0"/>
+              <a:t>Output: averaged </a:t>
+            </a:r>
+            <a:r>
+              <a:rPr lang="en-US" dirty="0" err="1" smtClean="0"/>
+              <a:t>sallery</a:t>
+            </a:r>
+            <a:r>
+              <a:rPr lang="en-US" dirty="0" smtClean="0"/>
+              <a:t> gap. </a:t>
+            </a:r>
+          </a:p>
+          <a:p>
+            <a:pPr lvl="1"/>
+            <a:r>
+              <a:rPr lang="en-US" dirty="0" smtClean="0"/>
+              <a:t>reduced variance assuming unbiased estimate</a:t>
             </a:r>
           </a:p>
         </p:txBody>
@@ -5695,7 +5759,7 @@
     </p:spTree>
     <p:extLst>
       <p:ext uri="{BB962C8B-B14F-4D97-AF65-F5344CB8AC3E}">
-        <p14:creationId xmlns:p14="http://schemas.microsoft.com/office/powerpoint/2010/main" val="2506240783"/>
+        <p14:creationId xmlns:p14="http://schemas.microsoft.com/office/powerpoint/2010/main" xmlns="" val="2506240783"/>
       </p:ext>
     </p:extLst>
   </p:cSld>
@@ -5810,7 +5874,7 @@
     </p:spTree>
     <p:extLst>
       <p:ext uri="{BB962C8B-B14F-4D97-AF65-F5344CB8AC3E}">
-        <p14:creationId xmlns:p14="http://schemas.microsoft.com/office/powerpoint/2010/main" val="1864583965"/>
+        <p14:creationId xmlns:p14="http://schemas.microsoft.com/office/powerpoint/2010/main" xmlns="" val="1864583965"/>
       </p:ext>
     </p:extLst>
   </p:cSld>
@@ -5868,7 +5932,7 @@
           <p:nvPr>
             <p:extLst>
               <p:ext uri="{D42A27DB-BD31-4B8C-83A1-F6EECF244321}">
-                <p14:modId xmlns:p14="http://schemas.microsoft.com/office/powerpoint/2010/main" val="3848875132"/>
+                <p14:modId xmlns:p14="http://schemas.microsoft.com/office/powerpoint/2010/main" xmlns="" val="3848875132"/>
               </p:ext>
             </p:extLst>
           </p:nvPr>
@@ -5887,21 +5951,21 @@
                 <a:gridCol w="3720214">
                   <a:extLst>
                     <a:ext uri="{9D8B030D-6E8A-4147-A177-3AD203B41FA5}">
-                      <a16:colId xmlns:a16="http://schemas.microsoft.com/office/drawing/2014/main" val="20000"/>
+                      <a16:colId xmlns:a16="http://schemas.microsoft.com/office/drawing/2014/main" xmlns="" val="20000"/>
                     </a:ext>
                   </a:extLst>
                 </a:gridCol>
                 <a:gridCol w="6601590">
                   <a:extLst>
                     <a:ext uri="{9D8B030D-6E8A-4147-A177-3AD203B41FA5}">
-                      <a16:colId xmlns:a16="http://schemas.microsoft.com/office/drawing/2014/main" val="20001"/>
+                      <a16:colId xmlns:a16="http://schemas.microsoft.com/office/drawing/2014/main" xmlns="" val="20001"/>
                     </a:ext>
                   </a:extLst>
                 </a:gridCol>
                 <a:gridCol w="838838">
                   <a:extLst>
                     <a:ext uri="{9D8B030D-6E8A-4147-A177-3AD203B41FA5}">
-                      <a16:colId xmlns:a16="http://schemas.microsoft.com/office/drawing/2014/main" val="20002"/>
+                      <a16:colId xmlns:a16="http://schemas.microsoft.com/office/drawing/2014/main" xmlns="" val="20002"/>
                     </a:ext>
                   </a:extLst>
                 </a:gridCol>
@@ -5948,7 +6012,7 @@
                 </a:tc>
                 <a:extLst>
                   <a:ext uri="{0D108BD9-81ED-4DB2-BD59-A6C34878D82A}">
-                    <a16:rowId xmlns:a16="http://schemas.microsoft.com/office/drawing/2014/main" val="10000"/>
+                    <a16:rowId xmlns:a16="http://schemas.microsoft.com/office/drawing/2014/main" xmlns="" val="10000"/>
                   </a:ext>
                 </a:extLst>
               </a:tr>
@@ -5999,7 +6063,7 @@
                 </a:tc>
                 <a:extLst>
                   <a:ext uri="{0D108BD9-81ED-4DB2-BD59-A6C34878D82A}">
-                    <a16:rowId xmlns:a16="http://schemas.microsoft.com/office/drawing/2014/main" val="10001"/>
+                    <a16:rowId xmlns:a16="http://schemas.microsoft.com/office/drawing/2014/main" xmlns="" val="10001"/>
                   </a:ext>
                 </a:extLst>
               </a:tr>
@@ -6042,7 +6106,7 @@
                 </a:tc>
                 <a:extLst>
                   <a:ext uri="{0D108BD9-81ED-4DB2-BD59-A6C34878D82A}">
-                    <a16:rowId xmlns:a16="http://schemas.microsoft.com/office/drawing/2014/main" val="10002"/>
+                    <a16:rowId xmlns:a16="http://schemas.microsoft.com/office/drawing/2014/main" xmlns="" val="10002"/>
                   </a:ext>
                 </a:extLst>
               </a:tr>
@@ -6126,7 +6190,7 @@
                 </a:tc>
                 <a:extLst>
                   <a:ext uri="{0D108BD9-81ED-4DB2-BD59-A6C34878D82A}">
-                    <a16:rowId xmlns:a16="http://schemas.microsoft.com/office/drawing/2014/main" val="10003"/>
+                    <a16:rowId xmlns:a16="http://schemas.microsoft.com/office/drawing/2014/main" xmlns="" val="10003"/>
                   </a:ext>
                 </a:extLst>
               </a:tr>
@@ -6201,7 +6265,7 @@
                 </a:tc>
                 <a:extLst>
                   <a:ext uri="{0D108BD9-81ED-4DB2-BD59-A6C34878D82A}">
-                    <a16:rowId xmlns:a16="http://schemas.microsoft.com/office/drawing/2014/main" val="10004"/>
+                    <a16:rowId xmlns:a16="http://schemas.microsoft.com/office/drawing/2014/main" xmlns="" val="10004"/>
                   </a:ext>
                 </a:extLst>
               </a:tr>
@@ -6249,7 +6313,7 @@
                 </a:tc>
                 <a:extLst>
                   <a:ext uri="{0D108BD9-81ED-4DB2-BD59-A6C34878D82A}">
-                    <a16:rowId xmlns:a16="http://schemas.microsoft.com/office/drawing/2014/main" val="10005"/>
+                    <a16:rowId xmlns:a16="http://schemas.microsoft.com/office/drawing/2014/main" xmlns="" val="10005"/>
                   </a:ext>
                 </a:extLst>
               </a:tr>
@@ -6317,7 +6381,7 @@
                 </a:tc>
                 <a:extLst>
                   <a:ext uri="{0D108BD9-81ED-4DB2-BD59-A6C34878D82A}">
-                    <a16:rowId xmlns:a16="http://schemas.microsoft.com/office/drawing/2014/main" val="10006"/>
+                    <a16:rowId xmlns:a16="http://schemas.microsoft.com/office/drawing/2014/main" xmlns="" val="10006"/>
                   </a:ext>
                 </a:extLst>
               </a:tr>
@@ -6379,7 +6443,7 @@
                 </a:tc>
                 <a:extLst>
                   <a:ext uri="{0D108BD9-81ED-4DB2-BD59-A6C34878D82A}">
-                    <a16:rowId xmlns:a16="http://schemas.microsoft.com/office/drawing/2014/main" val="10007"/>
+                    <a16:rowId xmlns:a16="http://schemas.microsoft.com/office/drawing/2014/main" xmlns="" val="10007"/>
                   </a:ext>
                 </a:extLst>
               </a:tr>
@@ -6436,7 +6500,7 @@
                 </a:tc>
                 <a:extLst>
                   <a:ext uri="{0D108BD9-81ED-4DB2-BD59-A6C34878D82A}">
-                    <a16:rowId xmlns:a16="http://schemas.microsoft.com/office/drawing/2014/main" val="10008"/>
+                    <a16:rowId xmlns:a16="http://schemas.microsoft.com/office/drawing/2014/main" xmlns="" val="10008"/>
                   </a:ext>
                 </a:extLst>
               </a:tr>
@@ -6481,7 +6545,7 @@
                 </a:tc>
                 <a:extLst>
                   <a:ext uri="{0D108BD9-81ED-4DB2-BD59-A6C34878D82A}">
-                    <a16:rowId xmlns:a16="http://schemas.microsoft.com/office/drawing/2014/main" val="10009"/>
+                    <a16:rowId xmlns:a16="http://schemas.microsoft.com/office/drawing/2014/main" xmlns="" val="10009"/>
                   </a:ext>
                 </a:extLst>
               </a:tr>
@@ -6544,7 +6608,7 @@
                 </a:tc>
                 <a:extLst>
                   <a:ext uri="{0D108BD9-81ED-4DB2-BD59-A6C34878D82A}">
-                    <a16:rowId xmlns:a16="http://schemas.microsoft.com/office/drawing/2014/main" val="10010"/>
+                    <a16:rowId xmlns:a16="http://schemas.microsoft.com/office/drawing/2014/main" xmlns="" val="10010"/>
                   </a:ext>
                 </a:extLst>
               </a:tr>
@@ -6584,7 +6648,7 @@
                 </a:tc>
                 <a:extLst>
                   <a:ext uri="{0D108BD9-81ED-4DB2-BD59-A6C34878D82A}">
-                    <a16:rowId xmlns:a16="http://schemas.microsoft.com/office/drawing/2014/main" val="10011"/>
+                    <a16:rowId xmlns:a16="http://schemas.microsoft.com/office/drawing/2014/main" xmlns="" val="10011"/>
                   </a:ext>
                 </a:extLst>
               </a:tr>
@@ -6627,7 +6691,7 @@
     </p:spTree>
     <p:extLst>
       <p:ext uri="{BB962C8B-B14F-4D97-AF65-F5344CB8AC3E}">
-        <p14:creationId xmlns:p14="http://schemas.microsoft.com/office/powerpoint/2010/main" val="1937447193"/>
+        <p14:creationId xmlns:p14="http://schemas.microsoft.com/office/powerpoint/2010/main" xmlns="" val="1937447193"/>
       </p:ext>
     </p:extLst>
   </p:cSld>
@@ -6912,7 +6976,7 @@
   <a:extraClrSchemeLst/>
   <a:extLst>
     <a:ext uri="{05A4C25C-085E-4340-85A3-A5531E510DB2}">
-      <thm15:themeFamily xmlns:thm15="http://schemas.microsoft.com/office/thememl/2012/main" name="Savon" id="{1306E473-ED32-493B-A2D0-240A757EDD34}" vid="{C20BADFE-D095-436F-9677-9264042809F0}"/>
+      <thm15:themeFamily xmlns:thm15="http://schemas.microsoft.com/office/thememl/2012/main" xmlns="" name="Savon" id="{1306E473-ED32-493B-A2D0-240A757EDD34}" vid="{C20BADFE-D095-436F-9677-9264042809F0}"/>
     </a:ext>
   </a:extLst>
 </a:theme>
